--- a/CV2023_HW3B/CVSpring2023_Miao_Xuanbo_Assignment#3B.pptx
+++ b/CV2023_HW3B/CVSpring2023_Miao_Xuanbo_Assignment#3B.pptx
@@ -10824,6 +10824,101 @@
             <ac:cxnSpMk id="66" creationId="{47B1EB07-C521-452F-8A87-E98B98838F03}"/>
           </ac:cxnSpMkLst>
         </pc:cxnChg>
+      </pc:sldChg>
+    </pc:docChg>
+  </pc:docChgLst>
+  <pc:docChgLst>
+    <pc:chgData name="Xuanbo" userId="52a29cb4-095e-4b88-8e5b-abe65ecae15b" providerId="ADAL" clId="{E29FFCCC-A340-4373-AA2B-06342ADDD58E}"/>
+    <pc:docChg chg="custSel modSld">
+      <pc:chgData name="Xuanbo" userId="52a29cb4-095e-4b88-8e5b-abe65ecae15b" providerId="ADAL" clId="{E29FFCCC-A340-4373-AA2B-06342ADDD58E}" dt="2023-03-21T16:06:38.006" v="77" actId="14100"/>
+      <pc:docMkLst>
+        <pc:docMk/>
+      </pc:docMkLst>
+      <pc:sldChg chg="modSp mod">
+        <pc:chgData name="Xuanbo" userId="52a29cb4-095e-4b88-8e5b-abe65ecae15b" providerId="ADAL" clId="{E29FFCCC-A340-4373-AA2B-06342ADDD58E}" dt="2023-03-21T16:03:26.424" v="5" actId="1076"/>
+        <pc:sldMkLst>
+          <pc:docMk/>
+          <pc:sldMk cId="552668685" sldId="257"/>
+        </pc:sldMkLst>
+        <pc:spChg chg="mod">
+          <ac:chgData name="Xuanbo" userId="52a29cb4-095e-4b88-8e5b-abe65ecae15b" providerId="ADAL" clId="{E29FFCCC-A340-4373-AA2B-06342ADDD58E}" dt="2023-03-21T16:03:26.424" v="5" actId="1076"/>
+          <ac:spMkLst>
+            <pc:docMk/>
+            <pc:sldMk cId="552668685" sldId="257"/>
+            <ac:spMk id="7" creationId="{8A8512DB-3D28-7985-AF73-D35B05BD1D43}"/>
+          </ac:spMkLst>
+        </pc:spChg>
+        <pc:spChg chg="mod">
+          <ac:chgData name="Xuanbo" userId="52a29cb4-095e-4b88-8e5b-abe65ecae15b" providerId="ADAL" clId="{E29FFCCC-A340-4373-AA2B-06342ADDD58E}" dt="2023-03-21T16:03:26.424" v="5" actId="1076"/>
+          <ac:spMkLst>
+            <pc:docMk/>
+            <pc:sldMk cId="552668685" sldId="257"/>
+            <ac:spMk id="9" creationId="{4536A1E2-19E5-85F2-60D0-8CF11F284471}"/>
+          </ac:spMkLst>
+        </pc:spChg>
+        <pc:spChg chg="mod">
+          <ac:chgData name="Xuanbo" userId="52a29cb4-095e-4b88-8e5b-abe65ecae15b" providerId="ADAL" clId="{E29FFCCC-A340-4373-AA2B-06342ADDD58E}" dt="2023-03-21T16:03:26.424" v="5" actId="1076"/>
+          <ac:spMkLst>
+            <pc:docMk/>
+            <pc:sldMk cId="552668685" sldId="257"/>
+            <ac:spMk id="11" creationId="{8870D315-40E3-0EC2-6D56-E03037F01BA6}"/>
+          </ac:spMkLst>
+        </pc:spChg>
+        <pc:grpChg chg="mod">
+          <ac:chgData name="Xuanbo" userId="52a29cb4-095e-4b88-8e5b-abe65ecae15b" providerId="ADAL" clId="{E29FFCCC-A340-4373-AA2B-06342ADDD58E}" dt="2023-03-21T16:03:26.424" v="5" actId="1076"/>
+          <ac:grpSpMkLst>
+            <pc:docMk/>
+            <pc:sldMk cId="552668685" sldId="257"/>
+            <ac:grpSpMk id="2" creationId="{89DA59E5-C499-C8AA-1580-49E9A24F5B35}"/>
+          </ac:grpSpMkLst>
+        </pc:grpChg>
+      </pc:sldChg>
+      <pc:sldChg chg="addSp delSp modSp mod">
+        <pc:chgData name="Xuanbo" userId="52a29cb4-095e-4b88-8e5b-abe65ecae15b" providerId="ADAL" clId="{E29FFCCC-A340-4373-AA2B-06342ADDD58E}" dt="2023-03-21T16:06:38.006" v="77" actId="14100"/>
+        <pc:sldMkLst>
+          <pc:docMk/>
+          <pc:sldMk cId="1106058793" sldId="297"/>
+        </pc:sldMkLst>
+        <pc:spChg chg="mod">
+          <ac:chgData name="Xuanbo" userId="52a29cb4-095e-4b88-8e5b-abe65ecae15b" providerId="ADAL" clId="{E29FFCCC-A340-4373-AA2B-06342ADDD58E}" dt="2023-03-21T16:05:30.028" v="26" actId="2710"/>
+          <ac:spMkLst>
+            <pc:docMk/>
+            <pc:sldMk cId="1106058793" sldId="297"/>
+            <ac:spMk id="9" creationId="{46AC14D4-E837-47CB-9BE6-6EAA80D25BCB}"/>
+          </ac:spMkLst>
+        </pc:spChg>
+        <pc:picChg chg="add mod">
+          <ac:chgData name="Xuanbo" userId="52a29cb4-095e-4b88-8e5b-abe65ecae15b" providerId="ADAL" clId="{E29FFCCC-A340-4373-AA2B-06342ADDD58E}" dt="2023-03-21T16:06:38.006" v="77" actId="14100"/>
+          <ac:picMkLst>
+            <pc:docMk/>
+            <pc:sldMk cId="1106058793" sldId="297"/>
+            <ac:picMk id="3" creationId="{41B1E3F0-20FC-4AE1-AA4A-51D82595DCCE}"/>
+          </ac:picMkLst>
+        </pc:picChg>
+        <pc:picChg chg="del">
+          <ac:chgData name="Xuanbo" userId="52a29cb4-095e-4b88-8e5b-abe65ecae15b" providerId="ADAL" clId="{E29FFCCC-A340-4373-AA2B-06342ADDD58E}" dt="2023-03-21T16:05:33.862" v="27" actId="21"/>
+          <ac:picMkLst>
+            <pc:docMk/>
+            <pc:sldMk cId="1106058793" sldId="297"/>
+            <ac:picMk id="5" creationId="{184F6864-B8CC-4DD1-A332-4A2DD1E6AC2F}"/>
+          </ac:picMkLst>
+        </pc:picChg>
+        <pc:picChg chg="add mod">
+          <ac:chgData name="Xuanbo" userId="52a29cb4-095e-4b88-8e5b-abe65ecae15b" providerId="ADAL" clId="{E29FFCCC-A340-4373-AA2B-06342ADDD58E}" dt="2023-03-21T16:06:38.006" v="77" actId="14100"/>
+          <ac:picMkLst>
+            <pc:docMk/>
+            <pc:sldMk cId="1106058793" sldId="297"/>
+            <ac:picMk id="6" creationId="{D3D8F6B1-C8BE-4206-8CB1-9AAA710E6577}"/>
+          </ac:picMkLst>
+        </pc:picChg>
+        <pc:picChg chg="add mod">
+          <ac:chgData name="Xuanbo" userId="52a29cb4-095e-4b88-8e5b-abe65ecae15b" providerId="ADAL" clId="{E29FFCCC-A340-4373-AA2B-06342ADDD58E}" dt="2023-03-21T16:06:04.253" v="31" actId="571"/>
+          <ac:picMkLst>
+            <pc:docMk/>
+            <pc:sldMk cId="1106058793" sldId="297"/>
+            <ac:picMk id="7" creationId="{361E9D17-8BB4-49F7-BADA-CC76DA323CB3}"/>
+          </ac:picMkLst>
+        </pc:picChg>
       </pc:sldChg>
     </pc:docChg>
   </pc:docChgLst>
@@ -10991,7 +11086,7 @@
           <a:p>
             <a:fld id="{EBFF6B57-3ABC-4421-A8BE-44D02CB02B65}" type="datetimeFigureOut">
               <a:rPr lang="en-US" smtClean="0"/>
-              <a:t>3/2/2023</a:t>
+              <a:t>3/21/2023</a:t>
             </a:fld>
             <a:endParaRPr lang="en-US"/>
           </a:p>
@@ -11229,7 +11324,7 @@
           <a:p>
             <a:fld id="{EBFF6B57-3ABC-4421-A8BE-44D02CB02B65}" type="datetimeFigureOut">
               <a:rPr lang="en-US" smtClean="0"/>
-              <a:t>3/2/2023</a:t>
+              <a:t>3/21/2023</a:t>
             </a:fld>
             <a:endParaRPr lang="en-US"/>
           </a:p>
@@ -11467,7 +11562,7 @@
           <a:p>
             <a:fld id="{EBFF6B57-3ABC-4421-A8BE-44D02CB02B65}" type="datetimeFigureOut">
               <a:rPr lang="en-US" smtClean="0"/>
-              <a:t>3/2/2023</a:t>
+              <a:t>3/21/2023</a:t>
             </a:fld>
             <a:endParaRPr lang="en-US"/>
           </a:p>
@@ -11705,7 +11800,7 @@
           <a:p>
             <a:fld id="{EBFF6B57-3ABC-4421-A8BE-44D02CB02B65}" type="datetimeFigureOut">
               <a:rPr lang="en-US" smtClean="0"/>
-              <a:t>3/2/2023</a:t>
+              <a:t>3/21/2023</a:t>
             </a:fld>
             <a:endParaRPr lang="en-US"/>
           </a:p>
@@ -12010,7 +12105,7 @@
           <a:p>
             <a:fld id="{EBFF6B57-3ABC-4421-A8BE-44D02CB02B65}" type="datetimeFigureOut">
               <a:rPr lang="en-US" smtClean="0"/>
-              <a:t>3/2/2023</a:t>
+              <a:t>3/21/2023</a:t>
             </a:fld>
             <a:endParaRPr lang="en-US"/>
           </a:p>
@@ -12313,7 +12408,7 @@
           <a:p>
             <a:fld id="{EBFF6B57-3ABC-4421-A8BE-44D02CB02B65}" type="datetimeFigureOut">
               <a:rPr lang="en-US" smtClean="0"/>
-              <a:t>3/2/2023</a:t>
+              <a:t>3/21/2023</a:t>
             </a:fld>
             <a:endParaRPr lang="en-US"/>
           </a:p>
@@ -12764,7 +12859,7 @@
           <a:p>
             <a:fld id="{EBFF6B57-3ABC-4421-A8BE-44D02CB02B65}" type="datetimeFigureOut">
               <a:rPr lang="en-US" smtClean="0"/>
-              <a:t>3/2/2023</a:t>
+              <a:t>3/21/2023</a:t>
             </a:fld>
             <a:endParaRPr lang="en-US"/>
           </a:p>
@@ -12937,7 +13032,7 @@
           <a:p>
             <a:fld id="{EBFF6B57-3ABC-4421-A8BE-44D02CB02B65}" type="datetimeFigureOut">
               <a:rPr lang="en-US" smtClean="0"/>
-              <a:t>3/2/2023</a:t>
+              <a:t>3/21/2023</a:t>
             </a:fld>
             <a:endParaRPr lang="en-US"/>
           </a:p>
@@ -13074,7 +13169,7 @@
           <a:p>
             <a:fld id="{EBFF6B57-3ABC-4421-A8BE-44D02CB02B65}" type="datetimeFigureOut">
               <a:rPr lang="en-US" smtClean="0"/>
-              <a:t>3/2/2023</a:t>
+              <a:t>3/21/2023</a:t>
             </a:fld>
             <a:endParaRPr lang="en-US"/>
           </a:p>
@@ -13418,7 +13513,7 @@
           <a:p>
             <a:fld id="{EBFF6B57-3ABC-4421-A8BE-44D02CB02B65}" type="datetimeFigureOut">
               <a:rPr lang="en-US" smtClean="0"/>
-              <a:t>3/2/2023</a:t>
+              <a:t>3/21/2023</a:t>
             </a:fld>
             <a:endParaRPr lang="en-US"/>
           </a:p>
@@ -13739,7 +13834,7 @@
           <a:p>
             <a:fld id="{EBFF6B57-3ABC-4421-A8BE-44D02CB02B65}" type="datetimeFigureOut">
               <a:rPr lang="en-US" smtClean="0"/>
-              <a:t>3/2/2023</a:t>
+              <a:t>3/21/2023</a:t>
             </a:fld>
             <a:endParaRPr lang="en-US"/>
           </a:p>
@@ -14186,9 +14281,9 @@
         <p:grpSpPr>
           <a:xfrm>
             <a:off x="552879" y="287335"/>
-            <a:ext cx="4701042" cy="3016744"/>
+            <a:ext cx="4701042" cy="2952740"/>
             <a:chOff x="500628" y="435735"/>
-            <a:chExt cx="4701042" cy="3016744"/>
+            <a:chExt cx="4701042" cy="2952740"/>
           </a:xfrm>
         </p:grpSpPr>
         <p:sp>
@@ -14207,7 +14302,7 @@
           </p:nvSpPr>
           <p:spPr bwMode="auto">
             <a:xfrm>
-              <a:off x="500628" y="1884390"/>
+              <a:off x="500628" y="1820386"/>
               <a:ext cx="4701042" cy="1568089"/>
             </a:xfrm>
             <a:prstGeom prst="roundRect">
@@ -14497,7 +14592,7 @@
                   <a:ea typeface="微软雅黑" panose="020B0503020204020204" pitchFamily="34" charset="-122"/>
                   <a:cs typeface="Times New Roman" panose="02020603050405020304" pitchFamily="18" charset="0"/>
                 </a:rPr>
-                <a:t>HOMEWORK 3A</a:t>
+                <a:t>HOMEWORK 3B</a:t>
               </a:r>
             </a:p>
             <a:p>
@@ -14557,8 +14652,8 @@
               </p:nvSpPr>
               <p:spPr>
                 <a:xfrm>
-                  <a:off x="580265" y="1329161"/>
-                  <a:ext cx="4609211" cy="646331"/>
+                  <a:off x="580265" y="1432188"/>
+                  <a:ext cx="4609211" cy="369332"/>
                 </a:xfrm>
                 <a:prstGeom prst="rect">
                   <a:avLst/>
@@ -14581,105 +14676,13 @@
                       </m:oMathParaPr>
                       <m:oMath xmlns:m="http://schemas.openxmlformats.org/officeDocument/2006/math">
                         <m:r>
-                          <a:rPr lang="en-US" b="1" i="1" smtClean="0">
-                            <a:solidFill>
-                              <a:srgbClr val="16388A"/>
-                            </a:solidFill>
-                            <a:latin typeface="Cambria Math" panose="02040503050406030204" pitchFamily="18" charset="0"/>
-                          </a:rPr>
-                          <m:t>𝑶𝒃𝒋𝒆𝒄𝒕</m:t>
-                        </m:r>
-                        <m:r>
-                          <a:rPr lang="en-US" b="1" i="1" smtClean="0">
-                            <a:solidFill>
-                              <a:srgbClr val="16388A"/>
-                            </a:solidFill>
-                            <a:latin typeface="Cambria Math" panose="02040503050406030204" pitchFamily="18" charset="0"/>
-                          </a:rPr>
-                          <m:t> </m:t>
-                        </m:r>
-                        <m:r>
-                          <a:rPr lang="en-US" b="1" i="1" smtClean="0">
-                            <a:solidFill>
-                              <a:srgbClr val="16388A"/>
-                            </a:solidFill>
-                            <a:latin typeface="Cambria Math" panose="02040503050406030204" pitchFamily="18" charset="0"/>
-                          </a:rPr>
-                          <m:t>𝑫𝒆𝒕𝒆𝒄𝒕𝒊𝒐𝒏</m:t>
-                        </m:r>
-                        <m:r>
-                          <a:rPr lang="en-US" b="1" i="1" smtClean="0">
-                            <a:solidFill>
-                              <a:srgbClr val="16388A"/>
-                            </a:solidFill>
-                            <a:latin typeface="Cambria Math" panose="02040503050406030204" pitchFamily="18" charset="0"/>
-                          </a:rPr>
-                          <m:t> </m:t>
-                        </m:r>
-                        <m:r>
-                          <a:rPr lang="en-US" b="1" i="1" smtClean="0">
-                            <a:solidFill>
-                              <a:srgbClr val="16388A"/>
-                            </a:solidFill>
-                            <a:latin typeface="Cambria Math" panose="02040503050406030204" pitchFamily="18" charset="0"/>
-                          </a:rPr>
-                          <m:t>𝒖𝒔𝒊𝒏𝒈</m:t>
-                        </m:r>
-                        <m:r>
-                          <a:rPr lang="en-US" b="1" i="1" smtClean="0">
-                            <a:solidFill>
-                              <a:srgbClr val="16388A"/>
-                            </a:solidFill>
-                            <a:latin typeface="Cambria Math" panose="02040503050406030204" pitchFamily="18" charset="0"/>
-                          </a:rPr>
-                          <m:t> </m:t>
-                        </m:r>
-                      </m:oMath>
-                    </m:oMathPara>
-                  </a14:m>
-                  <a:endParaRPr lang="en-US" b="1" i="1" dirty="0">
-                    <a:solidFill>
-                      <a:srgbClr val="16388A"/>
-                    </a:solidFill>
-                    <a:latin typeface="Cambria Math" panose="02040503050406030204" pitchFamily="18" charset="0"/>
-                  </a:endParaRPr>
-                </a:p>
-                <a:p>
-                  <a:pPr algn="ctr">
-                    <a:defRPr/>
-                  </a:pPr>
-                  <a14:m>
-                    <m:oMathPara xmlns:m="http://schemas.openxmlformats.org/officeDocument/2006/math">
-                      <m:oMathParaPr>
-                        <m:jc m:val="centerGroup"/>
-                      </m:oMathParaPr>
-                      <m:oMath xmlns:m="http://schemas.openxmlformats.org/officeDocument/2006/math">
-                        <m:r>
                           <a:rPr lang="en-US" b="1" i="1">
                             <a:solidFill>
                               <a:srgbClr val="16388A"/>
                             </a:solidFill>
                             <a:latin typeface="Cambria Math" panose="02040503050406030204" pitchFamily="18" charset="0"/>
                           </a:rPr>
-                          <m:t>𝑷𝒓𝒆</m:t>
-                        </m:r>
-                        <m:r>
-                          <a:rPr lang="en-US" b="1" i="1">
-                            <a:solidFill>
-                              <a:srgbClr val="16388A"/>
-                            </a:solidFill>
-                            <a:latin typeface="Cambria Math" panose="02040503050406030204" pitchFamily="18" charset="0"/>
-                          </a:rPr>
-                          <m:t>−</m:t>
-                        </m:r>
-                        <m:r>
-                          <a:rPr lang="en-US" b="1" i="1">
-                            <a:solidFill>
-                              <a:srgbClr val="16388A"/>
-                            </a:solidFill>
-                            <a:latin typeface="Cambria Math" panose="02040503050406030204" pitchFamily="18" charset="0"/>
-                          </a:rPr>
-                          <m:t>𝒕𝒓𝒂𝒊𝒏𝒆𝒅</m:t>
+                          <m:t>𝑰𝒎𝒂𝒈𝒆</m:t>
                         </m:r>
                         <m:r>
                           <a:rPr lang="en-US" b="1" i="1">
@@ -14697,43 +14700,7 @@
                             </a:solidFill>
                             <a:latin typeface="Cambria Math" panose="02040503050406030204" pitchFamily="18" charset="0"/>
                           </a:rPr>
-                          <m:t>𝑫𝒆𝒆𝒑</m:t>
-                        </m:r>
-                        <m:r>
-                          <a:rPr lang="en-US" b="1" i="1">
-                            <a:solidFill>
-                              <a:srgbClr val="16388A"/>
-                            </a:solidFill>
-                            <a:latin typeface="Cambria Math" panose="02040503050406030204" pitchFamily="18" charset="0"/>
-                          </a:rPr>
-                          <m:t> </m:t>
-                        </m:r>
-                        <m:r>
-                          <a:rPr lang="en-US" b="1" i="1">
-                            <a:solidFill>
-                              <a:srgbClr val="16388A"/>
-                            </a:solidFill>
-                            <a:latin typeface="Cambria Math" panose="02040503050406030204" pitchFamily="18" charset="0"/>
-                          </a:rPr>
-                          <m:t>𝑳𝒆𝒂𝒓𝒏𝒊𝒏𝒈</m:t>
-                        </m:r>
-                        <m:r>
-                          <a:rPr lang="en-US" b="1" i="1">
-                            <a:solidFill>
-                              <a:srgbClr val="16388A"/>
-                            </a:solidFill>
-                            <a:latin typeface="Cambria Math" panose="02040503050406030204" pitchFamily="18" charset="0"/>
-                          </a:rPr>
-                          <m:t> </m:t>
-                        </m:r>
-                        <m:r>
-                          <a:rPr lang="en-US" b="1" i="1">
-                            <a:solidFill>
-                              <a:srgbClr val="16388A"/>
-                            </a:solidFill>
-                            <a:latin typeface="Cambria Math" panose="02040503050406030204" pitchFamily="18" charset="0"/>
-                          </a:rPr>
-                          <m:t>𝑵𝒆𝒕𝒘𝒐𝒓𝒌𝒔</m:t>
+                          <m:t>𝑪𝒍𝒂𝒔𝒔𝒊𝒇𝒊𝒄𝒂𝒕𝒊𝒐𝒏</m:t>
                         </m:r>
                       </m:oMath>
                     </m:oMathPara>
@@ -14760,8 +14727,8 @@
               </p:nvSpPr>
               <p:spPr>
                 <a:xfrm>
-                  <a:off x="580265" y="1329161"/>
-                  <a:ext cx="4609211" cy="646331"/>
+                  <a:off x="580265" y="1432188"/>
+                  <a:ext cx="4609211" cy="369332"/>
                 </a:xfrm>
                 <a:prstGeom prst="rect">
                   <a:avLst/>
@@ -14769,7 +14736,7 @@
                 <a:blipFill>
                   <a:blip r:embed="rId3"/>
                   <a:stretch>
-                    <a:fillRect b="-6604"/>
+                    <a:fillRect b="-15000"/>
                   </a:stretch>
                 </a:blipFill>
               </p:spPr>
@@ -15170,7 +15137,7 @@
         <p:spPr>
           <a:xfrm>
             <a:off x="404447" y="764408"/>
-            <a:ext cx="7391400" cy="5909310"/>
+            <a:ext cx="7391400" cy="4177426"/>
           </a:xfrm>
           <a:prstGeom prst="rect">
             <a:avLst/>
@@ -15183,9 +15150,9 @@
           </a:bodyPr>
           <a:lstStyle/>
           <a:p>
-            <a:pPr algn="just"/>
+            <a:pPr algn="l"/>
             <a:r>
-              <a:rPr lang="en-US" kern="100" dirty="0">
+              <a:rPr lang="en-US" sz="2000" b="1" kern="100" dirty="0">
                 <a:solidFill>
                   <a:srgbClr val="16388A"/>
                 </a:solidFill>
@@ -15193,13 +15160,19 @@
                 <a:ea typeface="华文新魏" panose="02010800040101010101" pitchFamily="2" charset="-122"/>
                 <a:cs typeface="Times New Roman" panose="02020603050405020304" pitchFamily="18" charset="0"/>
               </a:rPr>
-              <a:t>In recent years, deep learning has revolutionized the field of computer vision, allowing for more accurate and efficient object detection algorithms. One popular deep learning model for object detection is the Faster R-CNN algorithm, which uses a two-stage approach to detect objects in an image or video. The first stage is a convolutional neural network that proposes regions of interest, while the second stage is a classifier that uses these regions to detect objects.</a:t>
+              <a:t>Overview</a:t>
             </a:r>
           </a:p>
           <a:p>
-            <a:pPr algn="just"/>
+            <a:pPr algn="l">
+              <a:lnSpc>
+                <a:spcPct val="150000"/>
+              </a:lnSpc>
+              <a:buFont typeface="Arial" panose="020B0604020202020204" pitchFamily="34" charset="0"/>
+              <a:buChar char="•"/>
+            </a:pPr>
             <a:r>
-              <a:rPr lang="en-US" kern="100" dirty="0">
+              <a:rPr lang="en-US" sz="1600" kern="100" dirty="0">
                 <a:solidFill>
                   <a:srgbClr val="16388A"/>
                 </a:solidFill>
@@ -15207,10 +15180,30 @@
                 <a:ea typeface="华文新魏" panose="02010800040101010101" pitchFamily="2" charset="-122"/>
                 <a:cs typeface="Times New Roman" panose="02020603050405020304" pitchFamily="18" charset="0"/>
               </a:rPr>
-              <a:t>In this assignment, the goal is to become familiar with </a:t>
+              <a:t>Create, train, and test a convolutional neural network for image classification</a:t>
+            </a:r>
+          </a:p>
+          <a:p>
+            <a:pPr algn="l">
+              <a:lnSpc>
+                <a:spcPct val="150000"/>
+              </a:lnSpc>
+              <a:buFont typeface="Arial" panose="020B0604020202020204" pitchFamily="34" charset="0"/>
+              <a:buChar char="•"/>
+            </a:pPr>
+            <a:r>
+              <a:rPr lang="en-US" sz="1600" kern="100" dirty="0">
+                <a:solidFill>
+                  <a:srgbClr val="16388A"/>
+                </a:solidFill>
+                <a:latin typeface="Times New Roman" panose="02020603050405020304" pitchFamily="18" charset="0"/>
+                <a:ea typeface="华文新魏" panose="02010800040101010101" pitchFamily="2" charset="-122"/>
+                <a:cs typeface="Times New Roman" panose="02020603050405020304" pitchFamily="18" charset="0"/>
+              </a:rPr>
+              <a:t>Modify existing image classification code from </a:t>
             </a:r>
             <a:r>
-              <a:rPr lang="en-US" kern="100" dirty="0" err="1">
+              <a:rPr lang="en-US" sz="1600" kern="100" dirty="0" err="1">
                 <a:solidFill>
                   <a:srgbClr val="16388A"/>
                 </a:solidFill>
@@ -15221,7 +15214,7 @@
               <a:t>PyTorch</a:t>
             </a:r>
             <a:r>
-              <a:rPr lang="en-US" kern="100" dirty="0">
+              <a:rPr lang="en-US" sz="1600" kern="100" dirty="0">
                 <a:solidFill>
                   <a:srgbClr val="16388A"/>
                 </a:solidFill>
@@ -15229,10 +15222,19 @@
                 <a:ea typeface="华文新魏" panose="02010800040101010101" pitchFamily="2" charset="-122"/>
                 <a:cs typeface="Times New Roman" panose="02020603050405020304" pitchFamily="18" charset="0"/>
               </a:rPr>
-              <a:t> installation, the </a:t>
+              <a:t> tutorial</a:t>
             </a:r>
+          </a:p>
+          <a:p>
+            <a:pPr algn="l">
+              <a:lnSpc>
+                <a:spcPct val="150000"/>
+              </a:lnSpc>
+              <a:buFont typeface="Arial" panose="020B0604020202020204" pitchFamily="34" charset="0"/>
+              <a:buChar char="•"/>
+            </a:pPr>
             <a:r>
-              <a:rPr lang="en-US" kern="100" dirty="0" err="1">
+              <a:rPr lang="en-US" sz="1600" kern="100" dirty="0">
                 <a:solidFill>
                   <a:srgbClr val="16388A"/>
                 </a:solidFill>
@@ -15240,10 +15242,19 @@
                 <a:ea typeface="华文新魏" panose="02010800040101010101" pitchFamily="2" charset="-122"/>
                 <a:cs typeface="Times New Roman" panose="02020603050405020304" pitchFamily="18" charset="0"/>
               </a:rPr>
-              <a:t>TorchVision</a:t>
+              <a:t>Evaluate and compare different network architectures</a:t>
             </a:r>
+          </a:p>
+          <a:p>
+            <a:pPr algn="l">
+              <a:lnSpc>
+                <a:spcPct val="150000"/>
+              </a:lnSpc>
+              <a:buFont typeface="Arial" panose="020B0604020202020204" pitchFamily="34" charset="0"/>
+              <a:buChar char="•"/>
+            </a:pPr>
             <a:r>
-              <a:rPr lang="en-US" kern="100" dirty="0">
+              <a:rPr lang="en-US" sz="1600" kern="100" dirty="0">
                 <a:solidFill>
                   <a:srgbClr val="16388A"/>
                 </a:solidFill>
@@ -15251,10 +15262,34 @@
                 <a:ea typeface="华文新魏" panose="02010800040101010101" pitchFamily="2" charset="-122"/>
                 <a:cs typeface="Times New Roman" panose="02020603050405020304" pitchFamily="18" charset="0"/>
               </a:rPr>
-              <a:t> library, loading deep learning models and pre-trained weights, and performing object detection using the Faster R-CNN deep learning model. The task is to install </a:t>
+              <a:t>Use CIFAR10 dataset for training and testing</a:t>
             </a:r>
+          </a:p>
+          <a:p>
+            <a:pPr algn="l">
+              <a:buFont typeface="Arial" panose="020B0604020202020204" pitchFamily="34" charset="0"/>
+              <a:buChar char="•"/>
+            </a:pPr>
+            <a:endParaRPr lang="en-US" b="0" i="0" dirty="0">
+              <a:solidFill>
+                <a:srgbClr val="D1D5DB"/>
+              </a:solidFill>
+              <a:effectLst/>
+              <a:latin typeface="Söhne"/>
+            </a:endParaRPr>
+          </a:p>
+          <a:p>
+            <a:pPr>
+              <a:lnSpc>
+                <a:spcPct val="150000"/>
+              </a:lnSpc>
+              <a:spcBef>
+                <a:spcPts val="1000"/>
+              </a:spcBef>
+              <a:defRPr/>
+            </a:pPr>
             <a:r>
-              <a:rPr lang="en-US" kern="100" dirty="0" err="1">
+              <a:rPr lang="en-US" sz="2000" b="1" kern="100" dirty="0">
                 <a:solidFill>
                   <a:srgbClr val="16388A"/>
                 </a:solidFill>
@@ -15262,10 +15297,19 @@
                 <a:ea typeface="华文新魏" panose="02010800040101010101" pitchFamily="2" charset="-122"/>
                 <a:cs typeface="Times New Roman" panose="02020603050405020304" pitchFamily="18" charset="0"/>
               </a:rPr>
-              <a:t>PyTorch</a:t>
+              <a:t>Dataset: CIFAR10</a:t>
             </a:r>
+          </a:p>
+          <a:p>
+            <a:pPr algn="l">
+              <a:lnSpc>
+                <a:spcPct val="150000"/>
+              </a:lnSpc>
+              <a:buFont typeface="Arial" panose="020B0604020202020204" pitchFamily="34" charset="0"/>
+              <a:buChar char="•"/>
+            </a:pPr>
             <a:r>
-              <a:rPr lang="en-US" kern="100" dirty="0">
+              <a:rPr lang="en-US" sz="1600" kern="100" dirty="0">
                 <a:solidFill>
                   <a:srgbClr val="16388A"/>
                 </a:solidFill>
@@ -15273,10 +15317,19 @@
                 <a:ea typeface="华文新魏" panose="02010800040101010101" pitchFamily="2" charset="-122"/>
                 <a:cs typeface="Times New Roman" panose="02020603050405020304" pitchFamily="18" charset="0"/>
               </a:rPr>
-              <a:t>, load the pre-trained Fast R-CNN model using </a:t>
+              <a:t>60,000 images of 10 common classes</a:t>
             </a:r>
+          </a:p>
+          <a:p>
+            <a:pPr algn="l">
+              <a:lnSpc>
+                <a:spcPct val="150000"/>
+              </a:lnSpc>
+              <a:buFont typeface="Arial" panose="020B0604020202020204" pitchFamily="34" charset="0"/>
+              <a:buChar char="•"/>
+            </a:pPr>
             <a:r>
-              <a:rPr lang="en-US" kern="100" dirty="0" err="1">
+              <a:rPr lang="en-US" sz="1600" kern="100" dirty="0">
                 <a:solidFill>
                   <a:srgbClr val="16388A"/>
                 </a:solidFill>
@@ -15284,10 +15337,19 @@
                 <a:ea typeface="华文新魏" panose="02010800040101010101" pitchFamily="2" charset="-122"/>
                 <a:cs typeface="Times New Roman" panose="02020603050405020304" pitchFamily="18" charset="0"/>
               </a:rPr>
-              <a:t>TorchVision</a:t>
+              <a:t>Image size: 32 x 32 x 3</a:t>
             </a:r>
+          </a:p>
+          <a:p>
+            <a:pPr algn="l">
+              <a:lnSpc>
+                <a:spcPct val="150000"/>
+              </a:lnSpc>
+              <a:buFont typeface="Arial" panose="020B0604020202020204" pitchFamily="34" charset="0"/>
+              <a:buChar char="•"/>
+            </a:pPr>
             <a:r>
-              <a:rPr lang="en-US" kern="100" dirty="0">
+              <a:rPr lang="en-US" sz="1600" kern="100" dirty="0">
                 <a:solidFill>
                   <a:srgbClr val="16388A"/>
                 </a:solidFill>
@@ -15295,10 +15357,19 @@
                 <a:ea typeface="华文新魏" panose="02010800040101010101" pitchFamily="2" charset="-122"/>
                 <a:cs typeface="Times New Roman" panose="02020603050405020304" pitchFamily="18" charset="0"/>
               </a:rPr>
-              <a:t>, detect pedestrians in a given test video, and draw detection bounding boxes on the test video. The test dataset is available from the </a:t>
+              <a:t>50,000 training images and 10,000 test images</a:t>
             </a:r>
+          </a:p>
+          <a:p>
+            <a:pPr algn="l">
+              <a:lnSpc>
+                <a:spcPct val="150000"/>
+              </a:lnSpc>
+              <a:buFont typeface="Arial" panose="020B0604020202020204" pitchFamily="34" charset="0"/>
+              <a:buChar char="•"/>
+            </a:pPr>
             <a:r>
-              <a:rPr lang="en-US" kern="100" dirty="0" err="1">
+              <a:rPr lang="en-US" sz="1600" kern="100" dirty="0">
                 <a:solidFill>
                   <a:srgbClr val="16388A"/>
                 </a:solidFill>
@@ -15306,10 +15377,10 @@
                 <a:ea typeface="华文新魏" panose="02010800040101010101" pitchFamily="2" charset="-122"/>
                 <a:cs typeface="Times New Roman" panose="02020603050405020304" pitchFamily="18" charset="0"/>
               </a:rPr>
-              <a:t>MOTChallenge</a:t>
+              <a:t>Built-in dataset in </a:t>
             </a:r>
             <a:r>
-              <a:rPr lang="en-US" kern="100" dirty="0">
+              <a:rPr lang="en-US" sz="1600" kern="100" dirty="0" err="1">
                 <a:solidFill>
                   <a:srgbClr val="16388A"/>
                 </a:solidFill>
@@ -15317,75 +15388,25 @@
                 <a:ea typeface="华文新魏" panose="02010800040101010101" pitchFamily="2" charset="-122"/>
                 <a:cs typeface="Times New Roman" panose="02020603050405020304" pitchFamily="18" charset="0"/>
               </a:rPr>
-              <a:t> website, and the report should include detection results on frames 1, 100, 200, and 400 of the given test video.</a:t>
+              <a:t>Torchvision</a:t>
             </a:r>
-          </a:p>
-          <a:p>
-            <a:pPr algn="just"/>
-            <a:r>
-              <a:rPr lang="en-US" kern="100" dirty="0">
-                <a:solidFill>
-                  <a:srgbClr val="16388A"/>
-                </a:solidFill>
-                <a:latin typeface="Times New Roman" panose="02020603050405020304" pitchFamily="18" charset="0"/>
-                <a:ea typeface="华文新魏" panose="02010800040101010101" pitchFamily="2" charset="-122"/>
-                <a:cs typeface="Times New Roman" panose="02020603050405020304" pitchFamily="18" charset="0"/>
-              </a:rPr>
-              <a:t>This assignment provides an opportunity to explore the capabilities and limitations of the Faster R-CNN model for object detection, as well as gain experience with </a:t>
-            </a:r>
-            <a:r>
-              <a:rPr lang="en-US" kern="100" dirty="0" err="1">
-                <a:solidFill>
-                  <a:srgbClr val="16388A"/>
-                </a:solidFill>
-                <a:latin typeface="Times New Roman" panose="02020603050405020304" pitchFamily="18" charset="0"/>
-                <a:ea typeface="华文新魏" panose="02010800040101010101" pitchFamily="2" charset="-122"/>
-                <a:cs typeface="Times New Roman" panose="02020603050405020304" pitchFamily="18" charset="0"/>
-              </a:rPr>
-              <a:t>PyTorch</a:t>
-            </a:r>
-            <a:r>
-              <a:rPr lang="en-US" kern="100" dirty="0">
-                <a:solidFill>
-                  <a:srgbClr val="16388A"/>
-                </a:solidFill>
-                <a:latin typeface="Times New Roman" panose="02020603050405020304" pitchFamily="18" charset="0"/>
-                <a:ea typeface="华文新魏" panose="02010800040101010101" pitchFamily="2" charset="-122"/>
-                <a:cs typeface="Times New Roman" panose="02020603050405020304" pitchFamily="18" charset="0"/>
-              </a:rPr>
-              <a:t> and </a:t>
-            </a:r>
-            <a:r>
-              <a:rPr lang="en-US" kern="100" dirty="0" err="1">
-                <a:solidFill>
-                  <a:srgbClr val="16388A"/>
-                </a:solidFill>
-                <a:latin typeface="Times New Roman" panose="02020603050405020304" pitchFamily="18" charset="0"/>
-                <a:ea typeface="华文新魏" panose="02010800040101010101" pitchFamily="2" charset="-122"/>
-                <a:cs typeface="Times New Roman" panose="02020603050405020304" pitchFamily="18" charset="0"/>
-              </a:rPr>
-              <a:t>TorchVision</a:t>
-            </a:r>
-            <a:r>
-              <a:rPr lang="en-US" kern="100" dirty="0">
-                <a:solidFill>
-                  <a:srgbClr val="16388A"/>
-                </a:solidFill>
-                <a:latin typeface="Times New Roman" panose="02020603050405020304" pitchFamily="18" charset="0"/>
-                <a:ea typeface="华文新魏" panose="02010800040101010101" pitchFamily="2" charset="-122"/>
-                <a:cs typeface="Times New Roman" panose="02020603050405020304" pitchFamily="18" charset="0"/>
-              </a:rPr>
-              <a:t> for deep learning tasks. By completing this assignment, you will have a better understanding of the challenges and opportunities in computer vision and be better equipped to work on more advanced projects in the future.</a:t>
-            </a:r>
+            <a:endParaRPr lang="en-US" sz="1600" kern="100" dirty="0">
+              <a:solidFill>
+                <a:srgbClr val="16388A"/>
+              </a:solidFill>
+              <a:latin typeface="Times New Roman" panose="02020603050405020304" pitchFamily="18" charset="0"/>
+              <a:ea typeface="华文新魏" panose="02010800040101010101" pitchFamily="2" charset="-122"/>
+              <a:cs typeface="Times New Roman" panose="02020603050405020304" pitchFamily="18" charset="0"/>
+            </a:endParaRPr>
           </a:p>
         </p:txBody>
       </p:sp>
       <p:pic>
         <p:nvPicPr>
-          <p:cNvPr id="5" name="Picture 4">
+          <p:cNvPr id="3" name="Picture 2">
             <a:extLst>
               <a:ext uri="{FF2B5EF4-FFF2-40B4-BE49-F238E27FC236}">
-                <a16:creationId xmlns:a16="http://schemas.microsoft.com/office/drawing/2014/main" id="{184F6864-B8CC-4DD1-A332-4A2DD1E6AC2F}"/>
+                <a16:creationId xmlns:a16="http://schemas.microsoft.com/office/drawing/2014/main" id="{41B1E3F0-20FC-4AE1-AA4A-51D82595DCCE}"/>
               </a:ext>
             </a:extLst>
           </p:cNvPr>
@@ -15402,8 +15423,38 @@
         </p:blipFill>
         <p:spPr>
           <a:xfrm>
-            <a:off x="8287749" y="0"/>
-            <a:ext cx="3353729" cy="6858000"/>
+            <a:off x="7590692" y="3580706"/>
+            <a:ext cx="4148871" cy="3158232"/>
+          </a:xfrm>
+          <a:prstGeom prst="rect">
+            <a:avLst/>
+          </a:prstGeom>
+        </p:spPr>
+      </p:pic>
+      <p:pic>
+        <p:nvPicPr>
+          <p:cNvPr id="6" name="Picture 5">
+            <a:extLst>
+              <a:ext uri="{FF2B5EF4-FFF2-40B4-BE49-F238E27FC236}">
+                <a16:creationId xmlns:a16="http://schemas.microsoft.com/office/drawing/2014/main" id="{D3D8F6B1-C8BE-4206-8CB1-9AAA710E6577}"/>
+              </a:ext>
+            </a:extLst>
+          </p:cNvPr>
+          <p:cNvPicPr>
+            <a:picLocks noChangeAspect="1"/>
+          </p:cNvPicPr>
+          <p:nvPr/>
+        </p:nvPicPr>
+        <p:blipFill>
+          <a:blip r:embed="rId3"/>
+          <a:stretch>
+            <a:fillRect/>
+          </a:stretch>
+        </p:blipFill>
+        <p:spPr>
+          <a:xfrm>
+            <a:off x="7594675" y="648367"/>
+            <a:ext cx="4068322" cy="2346715"/>
           </a:xfrm>
           <a:prstGeom prst="rect">
             <a:avLst/>

--- a/CV2023_HW3B/CVSpring2023_Miao_Xuanbo_Assignment#3B.pptx
+++ b/CV2023_HW3B/CVSpring2023_Miao_Xuanbo_Assignment#3B.pptx
@@ -8,8 +8,11 @@
     <p:sldId id="257" r:id="rId2"/>
     <p:sldId id="297" r:id="rId3"/>
     <p:sldId id="304" r:id="rId4"/>
-    <p:sldId id="305" r:id="rId5"/>
-    <p:sldId id="278" r:id="rId6"/>
+    <p:sldId id="306" r:id="rId5"/>
+    <p:sldId id="307" r:id="rId6"/>
+    <p:sldId id="305" r:id="rId7"/>
+    <p:sldId id="308" r:id="rId8"/>
+    <p:sldId id="278" r:id="rId9"/>
   </p:sldIdLst>
   <p:sldSz cx="12192000" cy="6858000"/>
   <p:notesSz cx="6858000" cy="9144000"/>
@@ -10829,19 +10832,19 @@
   </pc:docChgLst>
   <pc:docChgLst>
     <pc:chgData name="Xuanbo" userId="52a29cb4-095e-4b88-8e5b-abe65ecae15b" providerId="ADAL" clId="{E29FFCCC-A340-4373-AA2B-06342ADDD58E}"/>
-    <pc:docChg chg="custSel modSld">
-      <pc:chgData name="Xuanbo" userId="52a29cb4-095e-4b88-8e5b-abe65ecae15b" providerId="ADAL" clId="{E29FFCCC-A340-4373-AA2B-06342ADDD58E}" dt="2023-03-21T16:06:38.006" v="77" actId="14100"/>
+    <pc:docChg chg="undo custSel addSld delSld modSld">
+      <pc:chgData name="Xuanbo" userId="52a29cb4-095e-4b88-8e5b-abe65ecae15b" providerId="ADAL" clId="{E29FFCCC-A340-4373-AA2B-06342ADDD58E}" dt="2023-03-21T21:45:45.037" v="925" actId="113"/>
       <pc:docMkLst>
         <pc:docMk/>
       </pc:docMkLst>
-      <pc:sldChg chg="modSp mod">
-        <pc:chgData name="Xuanbo" userId="52a29cb4-095e-4b88-8e5b-abe65ecae15b" providerId="ADAL" clId="{E29FFCCC-A340-4373-AA2B-06342ADDD58E}" dt="2023-03-21T16:03:26.424" v="5" actId="1076"/>
+      <pc:sldChg chg="addSp delSp modSp mod">
+        <pc:chgData name="Xuanbo" userId="52a29cb4-095e-4b88-8e5b-abe65ecae15b" providerId="ADAL" clId="{E29FFCCC-A340-4373-AA2B-06342ADDD58E}" dt="2023-03-21T21:40:37.245" v="775" actId="1076"/>
         <pc:sldMkLst>
           <pc:docMk/>
           <pc:sldMk cId="552668685" sldId="257"/>
         </pc:sldMkLst>
         <pc:spChg chg="mod">
-          <ac:chgData name="Xuanbo" userId="52a29cb4-095e-4b88-8e5b-abe65ecae15b" providerId="ADAL" clId="{E29FFCCC-A340-4373-AA2B-06342ADDD58E}" dt="2023-03-21T16:03:26.424" v="5" actId="1076"/>
+          <ac:chgData name="Xuanbo" userId="52a29cb4-095e-4b88-8e5b-abe65ecae15b" providerId="ADAL" clId="{E29FFCCC-A340-4373-AA2B-06342ADDD58E}" dt="2023-03-21T21:40:37.245" v="775" actId="1076"/>
           <ac:spMkLst>
             <pc:docMk/>
             <pc:sldMk cId="552668685" sldId="257"/>
@@ -10849,7 +10852,7 @@
           </ac:spMkLst>
         </pc:spChg>
         <pc:spChg chg="mod">
-          <ac:chgData name="Xuanbo" userId="52a29cb4-095e-4b88-8e5b-abe65ecae15b" providerId="ADAL" clId="{E29FFCCC-A340-4373-AA2B-06342ADDD58E}" dt="2023-03-21T16:03:26.424" v="5" actId="1076"/>
+          <ac:chgData name="Xuanbo" userId="52a29cb4-095e-4b88-8e5b-abe65ecae15b" providerId="ADAL" clId="{E29FFCCC-A340-4373-AA2B-06342ADDD58E}" dt="2023-03-21T21:40:37.245" v="775" actId="1076"/>
           <ac:spMkLst>
             <pc:docMk/>
             <pc:sldMk cId="552668685" sldId="257"/>
@@ -10857,30 +10860,189 @@
           </ac:spMkLst>
         </pc:spChg>
         <pc:spChg chg="mod">
-          <ac:chgData name="Xuanbo" userId="52a29cb4-095e-4b88-8e5b-abe65ecae15b" providerId="ADAL" clId="{E29FFCCC-A340-4373-AA2B-06342ADDD58E}" dt="2023-03-21T16:03:26.424" v="5" actId="1076"/>
+          <ac:chgData name="Xuanbo" userId="52a29cb4-095e-4b88-8e5b-abe65ecae15b" providerId="ADAL" clId="{E29FFCCC-A340-4373-AA2B-06342ADDD58E}" dt="2023-03-21T21:40:37.245" v="775" actId="1076"/>
           <ac:spMkLst>
             <pc:docMk/>
             <pc:sldMk cId="552668685" sldId="257"/>
             <ac:spMk id="11" creationId="{8870D315-40E3-0EC2-6D56-E03037F01BA6}"/>
           </ac:spMkLst>
         </pc:spChg>
+        <pc:spChg chg="mod">
+          <ac:chgData name="Xuanbo" userId="52a29cb4-095e-4b88-8e5b-abe65ecae15b" providerId="ADAL" clId="{E29FFCCC-A340-4373-AA2B-06342ADDD58E}" dt="2023-03-21T21:40:19.872" v="769" actId="14100"/>
+          <ac:spMkLst>
+            <pc:docMk/>
+            <pc:sldMk cId="552668685" sldId="257"/>
+            <ac:spMk id="17" creationId="{A38F9D7A-3D85-442F-B4DE-D086862C6FF7}"/>
+          </ac:spMkLst>
+        </pc:spChg>
+        <pc:spChg chg="mod">
+          <ac:chgData name="Xuanbo" userId="52a29cb4-095e-4b88-8e5b-abe65ecae15b" providerId="ADAL" clId="{E29FFCCC-A340-4373-AA2B-06342ADDD58E}" dt="2023-03-21T21:40:37.245" v="775" actId="1076"/>
+          <ac:spMkLst>
+            <pc:docMk/>
+            <pc:sldMk cId="552668685" sldId="257"/>
+            <ac:spMk id="18" creationId="{1EAA9979-C218-4DFA-A67E-9A56C9789E18}"/>
+          </ac:spMkLst>
+        </pc:spChg>
         <pc:grpChg chg="mod">
-          <ac:chgData name="Xuanbo" userId="52a29cb4-095e-4b88-8e5b-abe65ecae15b" providerId="ADAL" clId="{E29FFCCC-A340-4373-AA2B-06342ADDD58E}" dt="2023-03-21T16:03:26.424" v="5" actId="1076"/>
+          <ac:chgData name="Xuanbo" userId="52a29cb4-095e-4b88-8e5b-abe65ecae15b" providerId="ADAL" clId="{E29FFCCC-A340-4373-AA2B-06342ADDD58E}" dt="2023-03-21T21:40:37.245" v="775" actId="1076"/>
           <ac:grpSpMkLst>
             <pc:docMk/>
             <pc:sldMk cId="552668685" sldId="257"/>
             <ac:grpSpMk id="2" creationId="{89DA59E5-C499-C8AA-1580-49E9A24F5B35}"/>
           </ac:grpSpMkLst>
         </pc:grpChg>
+        <pc:grpChg chg="add mod">
+          <ac:chgData name="Xuanbo" userId="52a29cb4-095e-4b88-8e5b-abe65ecae15b" providerId="ADAL" clId="{E29FFCCC-A340-4373-AA2B-06342ADDD58E}" dt="2023-03-21T21:40:37.245" v="775" actId="1076"/>
+          <ac:grpSpMkLst>
+            <pc:docMk/>
+            <pc:sldMk cId="552668685" sldId="257"/>
+            <ac:grpSpMk id="21" creationId="{CE3DF87E-9F1F-41BD-8ACE-5339990B0C12}"/>
+          </ac:grpSpMkLst>
+        </pc:grpChg>
+        <pc:graphicFrameChg chg="add mod modGraphic">
+          <ac:chgData name="Xuanbo" userId="52a29cb4-095e-4b88-8e5b-abe65ecae15b" providerId="ADAL" clId="{E29FFCCC-A340-4373-AA2B-06342ADDD58E}" dt="2023-03-21T21:37:51.723" v="749" actId="1076"/>
+          <ac:graphicFrameMkLst>
+            <pc:docMk/>
+            <pc:sldMk cId="552668685" sldId="257"/>
+            <ac:graphicFrameMk id="8" creationId="{020F8CFB-75D6-4089-894B-43D633B6E0DC}"/>
+          </ac:graphicFrameMkLst>
+        </pc:graphicFrameChg>
+        <pc:graphicFrameChg chg="add mod modGraphic">
+          <ac:chgData name="Xuanbo" userId="52a29cb4-095e-4b88-8e5b-abe65ecae15b" providerId="ADAL" clId="{E29FFCCC-A340-4373-AA2B-06342ADDD58E}" dt="2023-03-21T21:40:13.356" v="766" actId="1076"/>
+          <ac:graphicFrameMkLst>
+            <pc:docMk/>
+            <pc:sldMk cId="552668685" sldId="257"/>
+            <ac:graphicFrameMk id="12" creationId="{A7BD16EF-A3D1-4F8D-9F48-A854E5D99A64}"/>
+          </ac:graphicFrameMkLst>
+        </pc:graphicFrameChg>
+        <pc:graphicFrameChg chg="add mod modGraphic">
+          <ac:chgData name="Xuanbo" userId="52a29cb4-095e-4b88-8e5b-abe65ecae15b" providerId="ADAL" clId="{E29FFCCC-A340-4373-AA2B-06342ADDD58E}" dt="2023-03-21T21:38:07.553" v="751" actId="1076"/>
+          <ac:graphicFrameMkLst>
+            <pc:docMk/>
+            <pc:sldMk cId="552668685" sldId="257"/>
+            <ac:graphicFrameMk id="14" creationId="{F63717F6-BB53-42CD-97EC-7D39B703993E}"/>
+          </ac:graphicFrameMkLst>
+        </pc:graphicFrameChg>
+        <pc:graphicFrameChg chg="add del mod modGraphic">
+          <ac:chgData name="Xuanbo" userId="52a29cb4-095e-4b88-8e5b-abe65ecae15b" providerId="ADAL" clId="{E29FFCCC-A340-4373-AA2B-06342ADDD58E}" dt="2023-03-21T21:37:00.839" v="728" actId="21"/>
+          <ac:graphicFrameMkLst>
+            <pc:docMk/>
+            <pc:sldMk cId="552668685" sldId="257"/>
+            <ac:graphicFrameMk id="16" creationId="{8FFD5C54-170E-4080-9A30-CB914C6E8526}"/>
+          </ac:graphicFrameMkLst>
+        </pc:graphicFrameChg>
+        <pc:graphicFrameChg chg="add mod modGraphic">
+          <ac:chgData name="Xuanbo" userId="52a29cb4-095e-4b88-8e5b-abe65ecae15b" providerId="ADAL" clId="{E29FFCCC-A340-4373-AA2B-06342ADDD58E}" dt="2023-03-21T21:40:15.523" v="767" actId="1076"/>
+          <ac:graphicFrameMkLst>
+            <pc:docMk/>
+            <pc:sldMk cId="552668685" sldId="257"/>
+            <ac:graphicFrameMk id="20" creationId="{38B055B2-DFA9-4131-B05B-C38A3F8FB024}"/>
+          </ac:graphicFrameMkLst>
+        </pc:graphicFrameChg>
+        <pc:picChg chg="del">
+          <ac:chgData name="Xuanbo" userId="52a29cb4-095e-4b88-8e5b-abe65ecae15b" providerId="ADAL" clId="{E29FFCCC-A340-4373-AA2B-06342ADDD58E}" dt="2023-03-21T21:35:07.256" v="701" actId="21"/>
+          <ac:picMkLst>
+            <pc:docMk/>
+            <pc:sldMk cId="552668685" sldId="257"/>
+            <ac:picMk id="3" creationId="{512FF9A5-1B3E-45C9-A149-9D30AA715845}"/>
+          </ac:picMkLst>
+        </pc:picChg>
+        <pc:picChg chg="add del mod">
+          <ac:chgData name="Xuanbo" userId="52a29cb4-095e-4b88-8e5b-abe65ecae15b" providerId="ADAL" clId="{E29FFCCC-A340-4373-AA2B-06342ADDD58E}" dt="2023-03-21T21:35:27.650" v="706" actId="478"/>
+          <ac:picMkLst>
+            <pc:docMk/>
+            <pc:sldMk cId="552668685" sldId="257"/>
+            <ac:picMk id="4" creationId="{9E03B349-967E-474F-9075-68347FC69101}"/>
+          </ac:picMkLst>
+        </pc:picChg>
+        <pc:picChg chg="add del mod">
+          <ac:chgData name="Xuanbo" userId="52a29cb4-095e-4b88-8e5b-abe65ecae15b" providerId="ADAL" clId="{E29FFCCC-A340-4373-AA2B-06342ADDD58E}" dt="2023-03-21T21:35:49.656" v="716"/>
+          <ac:picMkLst>
+            <pc:docMk/>
+            <pc:sldMk cId="552668685" sldId="257"/>
+            <ac:picMk id="5" creationId="{EA488B4C-45DC-45A3-A75E-66102BA9DDB3}"/>
+          </ac:picMkLst>
+        </pc:picChg>
+        <pc:cxnChg chg="mod">
+          <ac:chgData name="Xuanbo" userId="52a29cb4-095e-4b88-8e5b-abe65ecae15b" providerId="ADAL" clId="{E29FFCCC-A340-4373-AA2B-06342ADDD58E}" dt="2023-03-21T21:40:17.610" v="768" actId="1076"/>
+          <ac:cxnSpMkLst>
+            <pc:docMk/>
+            <pc:sldMk cId="552668685" sldId="257"/>
+            <ac:cxnSpMk id="22" creationId="{10641A20-2F44-4635-9055-AFB038B2D9AC}"/>
+          </ac:cxnSpMkLst>
+        </pc:cxnChg>
       </pc:sldChg>
       <pc:sldChg chg="addSp delSp modSp mod">
-        <pc:chgData name="Xuanbo" userId="52a29cb4-095e-4b88-8e5b-abe65ecae15b" providerId="ADAL" clId="{E29FFCCC-A340-4373-AA2B-06342ADDD58E}" dt="2023-03-21T16:06:38.006" v="77" actId="14100"/>
+        <pc:chgData name="Xuanbo" userId="52a29cb4-095e-4b88-8e5b-abe65ecae15b" providerId="ADAL" clId="{E29FFCCC-A340-4373-AA2B-06342ADDD58E}" dt="2023-03-21T21:45:45.037" v="925" actId="113"/>
+        <pc:sldMkLst>
+          <pc:docMk/>
+          <pc:sldMk cId="2579405120" sldId="278"/>
+        </pc:sldMkLst>
+        <pc:spChg chg="mod">
+          <ac:chgData name="Xuanbo" userId="52a29cb4-095e-4b88-8e5b-abe65ecae15b" providerId="ADAL" clId="{E29FFCCC-A340-4373-AA2B-06342ADDD58E}" dt="2023-03-21T21:45:45.037" v="925" actId="113"/>
+          <ac:spMkLst>
+            <pc:docMk/>
+            <pc:sldMk cId="2579405120" sldId="278"/>
+            <ac:spMk id="10" creationId="{D756342A-43F3-4142-A0AD-A65E1882C576}"/>
+          </ac:spMkLst>
+        </pc:spChg>
+        <pc:graphicFrameChg chg="add mod">
+          <ac:chgData name="Xuanbo" userId="52a29cb4-095e-4b88-8e5b-abe65ecae15b" providerId="ADAL" clId="{E29FFCCC-A340-4373-AA2B-06342ADDD58E}" dt="2023-03-21T21:38:53.689" v="755"/>
+          <ac:graphicFrameMkLst>
+            <pc:docMk/>
+            <pc:sldMk cId="2579405120" sldId="278"/>
+            <ac:graphicFrameMk id="6" creationId="{FC6C34AE-189E-4695-9E01-03078AAD076D}"/>
+          </ac:graphicFrameMkLst>
+        </pc:graphicFrameChg>
+        <pc:graphicFrameChg chg="add mod">
+          <ac:chgData name="Xuanbo" userId="52a29cb4-095e-4b88-8e5b-abe65ecae15b" providerId="ADAL" clId="{E29FFCCC-A340-4373-AA2B-06342ADDD58E}" dt="2023-03-21T21:43:16.179" v="786" actId="1076"/>
+          <ac:graphicFrameMkLst>
+            <pc:docMk/>
+            <pc:sldMk cId="2579405120" sldId="278"/>
+            <ac:graphicFrameMk id="7" creationId="{527C4895-A555-491C-ABAF-8513FD0121D2}"/>
+          </ac:graphicFrameMkLst>
+        </pc:graphicFrameChg>
+        <pc:graphicFrameChg chg="add mod">
+          <ac:chgData name="Xuanbo" userId="52a29cb4-095e-4b88-8e5b-abe65ecae15b" providerId="ADAL" clId="{E29FFCCC-A340-4373-AA2B-06342ADDD58E}" dt="2023-03-21T21:38:53.689" v="755"/>
+          <ac:graphicFrameMkLst>
+            <pc:docMk/>
+            <pc:sldMk cId="2579405120" sldId="278"/>
+            <ac:graphicFrameMk id="8" creationId="{710EED48-BC66-431C-BF12-A8926F7D6582}"/>
+          </ac:graphicFrameMkLst>
+        </pc:graphicFrameChg>
+        <pc:graphicFrameChg chg="add mod">
+          <ac:chgData name="Xuanbo" userId="52a29cb4-095e-4b88-8e5b-abe65ecae15b" providerId="ADAL" clId="{E29FFCCC-A340-4373-AA2B-06342ADDD58E}" dt="2023-03-21T21:43:18.094" v="787" actId="1076"/>
+          <ac:graphicFrameMkLst>
+            <pc:docMk/>
+            <pc:sldMk cId="2579405120" sldId="278"/>
+            <ac:graphicFrameMk id="9" creationId="{736FFCF2-3C5C-4A20-ADF6-42B9617526E5}"/>
+          </ac:graphicFrameMkLst>
+        </pc:graphicFrameChg>
+        <pc:picChg chg="del">
+          <ac:chgData name="Xuanbo" userId="52a29cb4-095e-4b88-8e5b-abe65ecae15b" providerId="ADAL" clId="{E29FFCCC-A340-4373-AA2B-06342ADDD58E}" dt="2023-03-21T21:38:53.433" v="754" actId="478"/>
+          <ac:picMkLst>
+            <pc:docMk/>
+            <pc:sldMk cId="2579405120" sldId="278"/>
+            <ac:picMk id="2" creationId="{E1D9E642-7D80-4735-B993-0CA133FAFCB3}"/>
+          </ac:picMkLst>
+        </pc:picChg>
+        <pc:cxnChg chg="mod">
+          <ac:chgData name="Xuanbo" userId="52a29cb4-095e-4b88-8e5b-abe65ecae15b" providerId="ADAL" clId="{E29FFCCC-A340-4373-AA2B-06342ADDD58E}" dt="2023-03-21T21:43:20.213" v="788" actId="1076"/>
+          <ac:cxnSpMkLst>
+            <pc:docMk/>
+            <pc:sldMk cId="2579405120" sldId="278"/>
+            <ac:cxnSpMk id="17" creationId="{6046326F-9694-4909-8539-052E6D45B3D3}"/>
+          </ac:cxnSpMkLst>
+        </pc:cxnChg>
+      </pc:sldChg>
+      <pc:sldChg chg="addSp delSp modSp mod">
+        <pc:chgData name="Xuanbo" userId="52a29cb4-095e-4b88-8e5b-abe65ecae15b" providerId="ADAL" clId="{E29FFCCC-A340-4373-AA2B-06342ADDD58E}" dt="2023-03-21T20:25:39.405" v="257" actId="1076"/>
         <pc:sldMkLst>
           <pc:docMk/>
           <pc:sldMk cId="1106058793" sldId="297"/>
         </pc:sldMkLst>
         <pc:spChg chg="mod">
-          <ac:chgData name="Xuanbo" userId="52a29cb4-095e-4b88-8e5b-abe65ecae15b" providerId="ADAL" clId="{E29FFCCC-A340-4373-AA2B-06342ADDD58E}" dt="2023-03-21T16:05:30.028" v="26" actId="2710"/>
+          <ac:chgData name="Xuanbo" userId="52a29cb4-095e-4b88-8e5b-abe65ecae15b" providerId="ADAL" clId="{E29FFCCC-A340-4373-AA2B-06342ADDD58E}" dt="2023-03-21T20:25:33.531" v="254" actId="1076"/>
           <ac:spMkLst>
             <pc:docMk/>
             <pc:sldMk cId="1106058793" sldId="297"/>
@@ -10888,7 +11050,7 @@
           </ac:spMkLst>
         </pc:spChg>
         <pc:picChg chg="add mod">
-          <ac:chgData name="Xuanbo" userId="52a29cb4-095e-4b88-8e5b-abe65ecae15b" providerId="ADAL" clId="{E29FFCCC-A340-4373-AA2B-06342ADDD58E}" dt="2023-03-21T16:06:38.006" v="77" actId="14100"/>
+          <ac:chgData name="Xuanbo" userId="52a29cb4-095e-4b88-8e5b-abe65ecae15b" providerId="ADAL" clId="{E29FFCCC-A340-4373-AA2B-06342ADDD58E}" dt="2023-03-21T20:25:39.405" v="257" actId="1076"/>
           <ac:picMkLst>
             <pc:docMk/>
             <pc:sldMk cId="1106058793" sldId="297"/>
@@ -10904,7 +11066,7 @@
           </ac:picMkLst>
         </pc:picChg>
         <pc:picChg chg="add mod">
-          <ac:chgData name="Xuanbo" userId="52a29cb4-095e-4b88-8e5b-abe65ecae15b" providerId="ADAL" clId="{E29FFCCC-A340-4373-AA2B-06342ADDD58E}" dt="2023-03-21T16:06:38.006" v="77" actId="14100"/>
+          <ac:chgData name="Xuanbo" userId="52a29cb4-095e-4b88-8e5b-abe65ecae15b" providerId="ADAL" clId="{E29FFCCC-A340-4373-AA2B-06342ADDD58E}" dt="2023-03-21T20:25:39.405" v="257" actId="1076"/>
           <ac:picMkLst>
             <pc:docMk/>
             <pc:sldMk cId="1106058793" sldId="297"/>
@@ -10919,6 +11081,467 @@
             <ac:picMk id="7" creationId="{361E9D17-8BB4-49F7-BADA-CC76DA323CB3}"/>
           </ac:picMkLst>
         </pc:picChg>
+      </pc:sldChg>
+      <pc:sldChg chg="addSp delSp modSp mod">
+        <pc:chgData name="Xuanbo" userId="52a29cb4-095e-4b88-8e5b-abe65ecae15b" providerId="ADAL" clId="{E29FFCCC-A340-4373-AA2B-06342ADDD58E}" dt="2023-03-21T21:35:32.216" v="707" actId="21"/>
+        <pc:sldMkLst>
+          <pc:docMk/>
+          <pc:sldMk cId="77921929" sldId="304"/>
+        </pc:sldMkLst>
+        <pc:spChg chg="mod">
+          <ac:chgData name="Xuanbo" userId="52a29cb4-095e-4b88-8e5b-abe65ecae15b" providerId="ADAL" clId="{E29FFCCC-A340-4373-AA2B-06342ADDD58E}" dt="2023-03-21T20:30:25.553" v="285" actId="20577"/>
+          <ac:spMkLst>
+            <pc:docMk/>
+            <pc:sldMk cId="77921929" sldId="304"/>
+            <ac:spMk id="7" creationId="{7D6C4428-B079-4976-BC75-D390EBA39177}"/>
+          </ac:spMkLst>
+        </pc:spChg>
+        <pc:spChg chg="add mod">
+          <ac:chgData name="Xuanbo" userId="52a29cb4-095e-4b88-8e5b-abe65ecae15b" providerId="ADAL" clId="{E29FFCCC-A340-4373-AA2B-06342ADDD58E}" dt="2023-03-21T20:26:11.192" v="267" actId="1076"/>
+          <ac:spMkLst>
+            <pc:docMk/>
+            <pc:sldMk cId="77921929" sldId="304"/>
+            <ac:spMk id="13" creationId="{44AC818D-D7CB-4235-9673-82208F9FE01D}"/>
+          </ac:spMkLst>
+        </pc:spChg>
+        <pc:spChg chg="del">
+          <ac:chgData name="Xuanbo" userId="52a29cb4-095e-4b88-8e5b-abe65ecae15b" providerId="ADAL" clId="{E29FFCCC-A340-4373-AA2B-06342ADDD58E}" dt="2023-03-21T21:35:32.216" v="707" actId="21"/>
+          <ac:spMkLst>
+            <pc:docMk/>
+            <pc:sldMk cId="77921929" sldId="304"/>
+            <ac:spMk id="22" creationId="{9F295E00-389D-44BA-9F8D-29899EAF44AD}"/>
+          </ac:spMkLst>
+        </pc:spChg>
+        <pc:spChg chg="add del">
+          <ac:chgData name="Xuanbo" userId="52a29cb4-095e-4b88-8e5b-abe65ecae15b" providerId="ADAL" clId="{E29FFCCC-A340-4373-AA2B-06342ADDD58E}" dt="2023-03-21T19:31:25.755" v="86" actId="21"/>
+          <ac:spMkLst>
+            <pc:docMk/>
+            <pc:sldMk cId="77921929" sldId="304"/>
+            <ac:spMk id="36" creationId="{8A5052D8-1EC2-4B22-8718-0BFE2F151FD6}"/>
+          </ac:spMkLst>
+        </pc:spChg>
+        <pc:graphicFrameChg chg="add mod modGraphic">
+          <ac:chgData name="Xuanbo" userId="52a29cb4-095e-4b88-8e5b-abe65ecae15b" providerId="ADAL" clId="{E29FFCCC-A340-4373-AA2B-06342ADDD58E}" dt="2023-03-21T20:45:08.630" v="397" actId="20577"/>
+          <ac:graphicFrameMkLst>
+            <pc:docMk/>
+            <pc:sldMk cId="77921929" sldId="304"/>
+            <ac:graphicFrameMk id="2" creationId="{A25FDF38-E177-4465-BC0B-51CE68989D10}"/>
+          </ac:graphicFrameMkLst>
+        </pc:graphicFrameChg>
+        <pc:picChg chg="add mod ord">
+          <ac:chgData name="Xuanbo" userId="52a29cb4-095e-4b88-8e5b-abe65ecae15b" providerId="ADAL" clId="{E29FFCCC-A340-4373-AA2B-06342ADDD58E}" dt="2023-03-21T20:46:00.950" v="403" actId="14826"/>
+          <ac:picMkLst>
+            <pc:docMk/>
+            <pc:sldMk cId="77921929" sldId="304"/>
+            <ac:picMk id="4" creationId="{BF519D52-A973-4115-BDAC-12D859AC9E76}"/>
+          </ac:picMkLst>
+        </pc:picChg>
+        <pc:picChg chg="add mod ord modCrop">
+          <ac:chgData name="Xuanbo" userId="52a29cb4-095e-4b88-8e5b-abe65ecae15b" providerId="ADAL" clId="{E29FFCCC-A340-4373-AA2B-06342ADDD58E}" dt="2023-03-21T20:46:07.078" v="404" actId="14826"/>
+          <ac:picMkLst>
+            <pc:docMk/>
+            <pc:sldMk cId="77921929" sldId="304"/>
+            <ac:picMk id="6" creationId="{DAE93B3B-04C8-4627-814E-4314C6901EFE}"/>
+          </ac:picMkLst>
+        </pc:picChg>
+        <pc:picChg chg="add mod">
+          <ac:chgData name="Xuanbo" userId="52a29cb4-095e-4b88-8e5b-abe65ecae15b" providerId="ADAL" clId="{E29FFCCC-A340-4373-AA2B-06342ADDD58E}" dt="2023-03-21T20:46:19.669" v="405" actId="14826"/>
+          <ac:picMkLst>
+            <pc:docMk/>
+            <pc:sldMk cId="77921929" sldId="304"/>
+            <ac:picMk id="9" creationId="{0095B571-6651-4451-8626-34DBA64368EA}"/>
+          </ac:picMkLst>
+        </pc:picChg>
+        <pc:picChg chg="add mod">
+          <ac:chgData name="Xuanbo" userId="52a29cb4-095e-4b88-8e5b-abe65ecae15b" providerId="ADAL" clId="{E29FFCCC-A340-4373-AA2B-06342ADDD58E}" dt="2023-03-21T20:45:30.250" v="399" actId="1076"/>
+          <ac:picMkLst>
+            <pc:docMk/>
+            <pc:sldMk cId="77921929" sldId="304"/>
+            <ac:picMk id="11" creationId="{5103D45B-4514-4C54-A8AB-E9CCFBB2F603}"/>
+          </ac:picMkLst>
+        </pc:picChg>
+        <pc:picChg chg="add del">
+          <ac:chgData name="Xuanbo" userId="52a29cb4-095e-4b88-8e5b-abe65ecae15b" providerId="ADAL" clId="{E29FFCCC-A340-4373-AA2B-06342ADDD58E}" dt="2023-03-21T19:31:24.160" v="85" actId="21"/>
+          <ac:picMkLst>
+            <pc:docMk/>
+            <pc:sldMk cId="77921929" sldId="304"/>
+            <ac:picMk id="19" creationId="{864E2122-864E-464C-A88C-03266E536C55}"/>
+          </ac:picMkLst>
+        </pc:picChg>
+      </pc:sldChg>
+      <pc:sldChg chg="addSp delSp modSp mod">
+        <pc:chgData name="Xuanbo" userId="52a29cb4-095e-4b88-8e5b-abe65ecae15b" providerId="ADAL" clId="{E29FFCCC-A340-4373-AA2B-06342ADDD58E}" dt="2023-03-21T21:02:26.518" v="568" actId="20577"/>
+        <pc:sldMkLst>
+          <pc:docMk/>
+          <pc:sldMk cId="2441299604" sldId="305"/>
+        </pc:sldMkLst>
+        <pc:spChg chg="del">
+          <ac:chgData name="Xuanbo" userId="52a29cb4-095e-4b88-8e5b-abe65ecae15b" providerId="ADAL" clId="{E29FFCCC-A340-4373-AA2B-06342ADDD58E}" dt="2023-03-21T19:31:28.091" v="87" actId="21"/>
+          <ac:spMkLst>
+            <pc:docMk/>
+            <pc:sldMk cId="2441299604" sldId="305"/>
+            <ac:spMk id="6" creationId="{9BBD0482-E157-4400-81D2-F2FACD8510F0}"/>
+          </ac:spMkLst>
+        </pc:spChg>
+        <pc:spChg chg="add mod">
+          <ac:chgData name="Xuanbo" userId="52a29cb4-095e-4b88-8e5b-abe65ecae15b" providerId="ADAL" clId="{E29FFCCC-A340-4373-AA2B-06342ADDD58E}" dt="2023-03-21T20:57:49.835" v="526" actId="21"/>
+          <ac:spMkLst>
+            <pc:docMk/>
+            <pc:sldMk cId="2441299604" sldId="305"/>
+            <ac:spMk id="7" creationId="{7DF62188-0B34-4F88-9846-C4FE2DE66D09}"/>
+          </ac:spMkLst>
+        </pc:spChg>
+        <pc:spChg chg="add mod">
+          <ac:chgData name="Xuanbo" userId="52a29cb4-095e-4b88-8e5b-abe65ecae15b" providerId="ADAL" clId="{E29FFCCC-A340-4373-AA2B-06342ADDD58E}" dt="2023-03-21T20:57:44.555" v="524"/>
+          <ac:spMkLst>
+            <pc:docMk/>
+            <pc:sldMk cId="2441299604" sldId="305"/>
+            <ac:spMk id="10" creationId="{567411EE-9858-4951-A2B7-0C8E5831A6BC}"/>
+          </ac:spMkLst>
+        </pc:spChg>
+        <pc:spChg chg="add mod">
+          <ac:chgData name="Xuanbo" userId="52a29cb4-095e-4b88-8e5b-abe65ecae15b" providerId="ADAL" clId="{E29FFCCC-A340-4373-AA2B-06342ADDD58E}" dt="2023-03-21T21:02:26.518" v="568" actId="20577"/>
+          <ac:spMkLst>
+            <pc:docMk/>
+            <pc:sldMk cId="2441299604" sldId="305"/>
+            <ac:spMk id="11" creationId="{B5011836-ECA8-40B6-BF03-79C97766E4FB}"/>
+          </ac:spMkLst>
+        </pc:spChg>
+        <pc:graphicFrameChg chg="add mod">
+          <ac:chgData name="Xuanbo" userId="52a29cb4-095e-4b88-8e5b-abe65ecae15b" providerId="ADAL" clId="{E29FFCCC-A340-4373-AA2B-06342ADDD58E}" dt="2023-03-21T20:57:47.958" v="525" actId="1076"/>
+          <ac:graphicFrameMkLst>
+            <pc:docMk/>
+            <pc:sldMk cId="2441299604" sldId="305"/>
+            <ac:graphicFrameMk id="8" creationId="{27682507-771D-40E6-B567-F67A18967274}"/>
+          </ac:graphicFrameMkLst>
+        </pc:graphicFrameChg>
+        <pc:picChg chg="add del mod">
+          <ac:chgData name="Xuanbo" userId="52a29cb4-095e-4b88-8e5b-abe65ecae15b" providerId="ADAL" clId="{E29FFCCC-A340-4373-AA2B-06342ADDD58E}" dt="2023-03-21T20:43:34.267" v="344" actId="21"/>
+          <ac:picMkLst>
+            <pc:docMk/>
+            <pc:sldMk cId="2441299604" sldId="305"/>
+            <ac:picMk id="3" creationId="{BDD7B0F3-6580-4147-A713-DB2DED8ED113}"/>
+          </ac:picMkLst>
+        </pc:picChg>
+        <pc:picChg chg="del">
+          <ac:chgData name="Xuanbo" userId="52a29cb4-095e-4b88-8e5b-abe65ecae15b" providerId="ADAL" clId="{E29FFCCC-A340-4373-AA2B-06342ADDD58E}" dt="2023-03-21T19:31:28.091" v="87" actId="21"/>
+          <ac:picMkLst>
+            <pc:docMk/>
+            <pc:sldMk cId="2441299604" sldId="305"/>
+            <ac:picMk id="4" creationId="{FBDDC59C-627E-45AB-B1AD-7B1600747937}"/>
+          </ac:picMkLst>
+        </pc:picChg>
+        <pc:picChg chg="add mod">
+          <ac:chgData name="Xuanbo" userId="52a29cb4-095e-4b88-8e5b-abe65ecae15b" providerId="ADAL" clId="{E29FFCCC-A340-4373-AA2B-06342ADDD58E}" dt="2023-03-21T20:57:44.555" v="524"/>
+          <ac:picMkLst>
+            <pc:docMk/>
+            <pc:sldMk cId="2441299604" sldId="305"/>
+            <ac:picMk id="9" creationId="{C78AF0EE-A4A6-4415-B578-AC35B9DF0213}"/>
+          </ac:picMkLst>
+        </pc:picChg>
+      </pc:sldChg>
+      <pc:sldChg chg="modSp add del mod setBg">
+        <pc:chgData name="Xuanbo" userId="52a29cb4-095e-4b88-8e5b-abe65ecae15b" providerId="ADAL" clId="{E29FFCCC-A340-4373-AA2B-06342ADDD58E}" dt="2023-03-21T20:45:33.614" v="400" actId="47"/>
+        <pc:sldMkLst>
+          <pc:docMk/>
+          <pc:sldMk cId="2443853368" sldId="306"/>
+        </pc:sldMkLst>
+        <pc:spChg chg="mod">
+          <ac:chgData name="Xuanbo" userId="52a29cb4-095e-4b88-8e5b-abe65ecae15b" providerId="ADAL" clId="{E29FFCCC-A340-4373-AA2B-06342ADDD58E}" dt="2023-03-21T20:30:29.150" v="287" actId="20577"/>
+          <ac:spMkLst>
+            <pc:docMk/>
+            <pc:sldMk cId="2443853368" sldId="306"/>
+            <ac:spMk id="7" creationId="{7D6C4428-B079-4976-BC75-D390EBA39177}"/>
+          </ac:spMkLst>
+        </pc:spChg>
+        <pc:graphicFrameChg chg="modGraphic">
+          <ac:chgData name="Xuanbo" userId="52a29cb4-095e-4b88-8e5b-abe65ecae15b" providerId="ADAL" clId="{E29FFCCC-A340-4373-AA2B-06342ADDD58E}" dt="2023-03-21T20:36:15.644" v="341" actId="20577"/>
+          <ac:graphicFrameMkLst>
+            <pc:docMk/>
+            <pc:sldMk cId="2443853368" sldId="306"/>
+            <ac:graphicFrameMk id="2" creationId="{A25FDF38-E177-4465-BC0B-51CE68989D10}"/>
+          </ac:graphicFrameMkLst>
+        </pc:graphicFrameChg>
+      </pc:sldChg>
+      <pc:sldChg chg="addSp delSp modSp add mod setBg">
+        <pc:chgData name="Xuanbo" userId="52a29cb4-095e-4b88-8e5b-abe65ecae15b" providerId="ADAL" clId="{E29FFCCC-A340-4373-AA2B-06342ADDD58E}" dt="2023-03-21T21:35:24.823" v="705" actId="21"/>
+        <pc:sldMkLst>
+          <pc:docMk/>
+          <pc:sldMk cId="2568135176" sldId="306"/>
+        </pc:sldMkLst>
+        <pc:spChg chg="mod">
+          <ac:chgData name="Xuanbo" userId="52a29cb4-095e-4b88-8e5b-abe65ecae15b" providerId="ADAL" clId="{E29FFCCC-A340-4373-AA2B-06342ADDD58E}" dt="2023-03-21T20:45:38.510" v="402" actId="20577"/>
+          <ac:spMkLst>
+            <pc:docMk/>
+            <pc:sldMk cId="2568135176" sldId="306"/>
+            <ac:spMk id="7" creationId="{7D6C4428-B079-4976-BC75-D390EBA39177}"/>
+          </ac:spMkLst>
+        </pc:spChg>
+        <pc:spChg chg="del">
+          <ac:chgData name="Xuanbo" userId="52a29cb4-095e-4b88-8e5b-abe65ecae15b" providerId="ADAL" clId="{E29FFCCC-A340-4373-AA2B-06342ADDD58E}" dt="2023-03-21T21:35:24.823" v="705" actId="21"/>
+          <ac:spMkLst>
+            <pc:docMk/>
+            <pc:sldMk cId="2568135176" sldId="306"/>
+            <ac:spMk id="22" creationId="{9F295E00-389D-44BA-9F8D-29899EAF44AD}"/>
+          </ac:spMkLst>
+        </pc:spChg>
+        <pc:graphicFrameChg chg="modGraphic">
+          <ac:chgData name="Xuanbo" userId="52a29cb4-095e-4b88-8e5b-abe65ecae15b" providerId="ADAL" clId="{E29FFCCC-A340-4373-AA2B-06342ADDD58E}" dt="2023-03-21T20:52:07.564" v="463" actId="20577"/>
+          <ac:graphicFrameMkLst>
+            <pc:docMk/>
+            <pc:sldMk cId="2568135176" sldId="306"/>
+            <ac:graphicFrameMk id="2" creationId="{A25FDF38-E177-4465-BC0B-51CE68989D10}"/>
+          </ac:graphicFrameMkLst>
+        </pc:graphicFrameChg>
+        <pc:picChg chg="mod">
+          <ac:chgData name="Xuanbo" userId="52a29cb4-095e-4b88-8e5b-abe65ecae15b" providerId="ADAL" clId="{E29FFCCC-A340-4373-AA2B-06342ADDD58E}" dt="2023-03-21T20:52:31.872" v="466" actId="14826"/>
+          <ac:picMkLst>
+            <pc:docMk/>
+            <pc:sldMk cId="2568135176" sldId="306"/>
+            <ac:picMk id="4" creationId="{BF519D52-A973-4115-BDAC-12D859AC9E76}"/>
+          </ac:picMkLst>
+        </pc:picChg>
+        <pc:picChg chg="add del mod">
+          <ac:chgData name="Xuanbo" userId="52a29cb4-095e-4b88-8e5b-abe65ecae15b" providerId="ADAL" clId="{E29FFCCC-A340-4373-AA2B-06342ADDD58E}" dt="2023-03-21T20:51:21.162" v="410" actId="21"/>
+          <ac:picMkLst>
+            <pc:docMk/>
+            <pc:sldMk cId="2568135176" sldId="306"/>
+            <ac:picMk id="5" creationId="{C6B84283-CB4A-48CC-9B79-7786154DE6FF}"/>
+          </ac:picMkLst>
+        </pc:picChg>
+        <pc:picChg chg="mod">
+          <ac:chgData name="Xuanbo" userId="52a29cb4-095e-4b88-8e5b-abe65ecae15b" providerId="ADAL" clId="{E29FFCCC-A340-4373-AA2B-06342ADDD58E}" dt="2023-03-21T20:52:48.026" v="470" actId="14826"/>
+          <ac:picMkLst>
+            <pc:docMk/>
+            <pc:sldMk cId="2568135176" sldId="306"/>
+            <ac:picMk id="6" creationId="{DAE93B3B-04C8-4627-814E-4314C6901EFE}"/>
+          </ac:picMkLst>
+        </pc:picChg>
+        <pc:picChg chg="mod">
+          <ac:chgData name="Xuanbo" userId="52a29cb4-095e-4b88-8e5b-abe65ecae15b" providerId="ADAL" clId="{E29FFCCC-A340-4373-AA2B-06342ADDD58E}" dt="2023-03-21T20:52:36.564" v="467" actId="14826"/>
+          <ac:picMkLst>
+            <pc:docMk/>
+            <pc:sldMk cId="2568135176" sldId="306"/>
+            <ac:picMk id="9" creationId="{0095B571-6651-4451-8626-34DBA64368EA}"/>
+          </ac:picMkLst>
+        </pc:picChg>
+        <pc:picChg chg="del">
+          <ac:chgData name="Xuanbo" userId="52a29cb4-095e-4b88-8e5b-abe65ecae15b" providerId="ADAL" clId="{E29FFCCC-A340-4373-AA2B-06342ADDD58E}" dt="2023-03-21T20:51:22.377" v="411" actId="478"/>
+          <ac:picMkLst>
+            <pc:docMk/>
+            <pc:sldMk cId="2568135176" sldId="306"/>
+            <ac:picMk id="11" creationId="{5103D45B-4514-4C54-A8AB-E9CCFBB2F603}"/>
+          </ac:picMkLst>
+        </pc:picChg>
+        <pc:picChg chg="add mod">
+          <ac:chgData name="Xuanbo" userId="52a29cb4-095e-4b88-8e5b-abe65ecae15b" providerId="ADAL" clId="{E29FFCCC-A340-4373-AA2B-06342ADDD58E}" dt="2023-03-21T20:51:23.738" v="415" actId="1037"/>
+          <ac:picMkLst>
+            <pc:docMk/>
+            <pc:sldMk cId="2568135176" sldId="306"/>
+            <ac:picMk id="12" creationId="{498B5089-3D7C-45E7-B85A-806789E75A22}"/>
+          </ac:picMkLst>
+        </pc:picChg>
+      </pc:sldChg>
+      <pc:sldChg chg="modSp add del mod setBg">
+        <pc:chgData name="Xuanbo" userId="52a29cb4-095e-4b88-8e5b-abe65ecae15b" providerId="ADAL" clId="{E29FFCCC-A340-4373-AA2B-06342ADDD58E}" dt="2023-03-21T20:45:33.614" v="400" actId="47"/>
+        <pc:sldMkLst>
+          <pc:docMk/>
+          <pc:sldMk cId="2763399306" sldId="307"/>
+        </pc:sldMkLst>
+        <pc:spChg chg="mod">
+          <ac:chgData name="Xuanbo" userId="52a29cb4-095e-4b88-8e5b-abe65ecae15b" providerId="ADAL" clId="{E29FFCCC-A340-4373-AA2B-06342ADDD58E}" dt="2023-03-21T20:31:22.913" v="292" actId="20577"/>
+          <ac:spMkLst>
+            <pc:docMk/>
+            <pc:sldMk cId="2763399306" sldId="307"/>
+            <ac:spMk id="7" creationId="{7D6C4428-B079-4976-BC75-D390EBA39177}"/>
+          </ac:spMkLst>
+        </pc:spChg>
+      </pc:sldChg>
+      <pc:sldChg chg="addSp delSp modSp add mod">
+        <pc:chgData name="Xuanbo" userId="52a29cb4-095e-4b88-8e5b-abe65ecae15b" providerId="ADAL" clId="{E29FFCCC-A340-4373-AA2B-06342ADDD58E}" dt="2023-03-21T21:35:33.550" v="708" actId="21"/>
+        <pc:sldMkLst>
+          <pc:docMk/>
+          <pc:sldMk cId="3864501305" sldId="307"/>
+        </pc:sldMkLst>
+        <pc:spChg chg="mod">
+          <ac:chgData name="Xuanbo" userId="52a29cb4-095e-4b88-8e5b-abe65ecae15b" providerId="ADAL" clId="{E29FFCCC-A340-4373-AA2B-06342ADDD58E}" dt="2023-03-21T20:52:54.766" v="472" actId="20577"/>
+          <ac:spMkLst>
+            <pc:docMk/>
+            <pc:sldMk cId="3864501305" sldId="307"/>
+            <ac:spMk id="7" creationId="{7D6C4428-B079-4976-BC75-D390EBA39177}"/>
+          </ac:spMkLst>
+        </pc:spChg>
+        <pc:spChg chg="del">
+          <ac:chgData name="Xuanbo" userId="52a29cb4-095e-4b88-8e5b-abe65ecae15b" providerId="ADAL" clId="{E29FFCCC-A340-4373-AA2B-06342ADDD58E}" dt="2023-03-21T21:35:33.550" v="708" actId="21"/>
+          <ac:spMkLst>
+            <pc:docMk/>
+            <pc:sldMk cId="3864501305" sldId="307"/>
+            <ac:spMk id="22" creationId="{9F295E00-389D-44BA-9F8D-29899EAF44AD}"/>
+          </ac:spMkLst>
+        </pc:spChg>
+        <pc:graphicFrameChg chg="mod modGraphic">
+          <ac:chgData name="Xuanbo" userId="52a29cb4-095e-4b88-8e5b-abe65ecae15b" providerId="ADAL" clId="{E29FFCCC-A340-4373-AA2B-06342ADDD58E}" dt="2023-03-21T20:56:43.203" v="517" actId="20577"/>
+          <ac:graphicFrameMkLst>
+            <pc:docMk/>
+            <pc:sldMk cId="3864501305" sldId="307"/>
+            <ac:graphicFrameMk id="2" creationId="{A25FDF38-E177-4465-BC0B-51CE68989D10}"/>
+          </ac:graphicFrameMkLst>
+        </pc:graphicFrameChg>
+        <pc:picChg chg="mod">
+          <ac:chgData name="Xuanbo" userId="52a29cb4-095e-4b88-8e5b-abe65ecae15b" providerId="ADAL" clId="{E29FFCCC-A340-4373-AA2B-06342ADDD58E}" dt="2023-03-21T20:55:29.214" v="477" actId="14826"/>
+          <ac:picMkLst>
+            <pc:docMk/>
+            <pc:sldMk cId="3864501305" sldId="307"/>
+            <ac:picMk id="4" creationId="{BF519D52-A973-4115-BDAC-12D859AC9E76}"/>
+          </ac:picMkLst>
+        </pc:picChg>
+        <pc:picChg chg="add mod">
+          <ac:chgData name="Xuanbo" userId="52a29cb4-095e-4b88-8e5b-abe65ecae15b" providerId="ADAL" clId="{E29FFCCC-A340-4373-AA2B-06342ADDD58E}" dt="2023-03-21T20:55:22.422" v="475" actId="14100"/>
+          <ac:picMkLst>
+            <pc:docMk/>
+            <pc:sldMk cId="3864501305" sldId="307"/>
+            <ac:picMk id="5" creationId="{1854A166-7A7A-4A29-8827-EB251B92BDFC}"/>
+          </ac:picMkLst>
+        </pc:picChg>
+        <pc:picChg chg="mod">
+          <ac:chgData name="Xuanbo" userId="52a29cb4-095e-4b88-8e5b-abe65ecae15b" providerId="ADAL" clId="{E29FFCCC-A340-4373-AA2B-06342ADDD58E}" dt="2023-03-21T20:55:33.743" v="478" actId="14826"/>
+          <ac:picMkLst>
+            <pc:docMk/>
+            <pc:sldMk cId="3864501305" sldId="307"/>
+            <ac:picMk id="6" creationId="{DAE93B3B-04C8-4627-814E-4314C6901EFE}"/>
+          </ac:picMkLst>
+        </pc:picChg>
+        <pc:picChg chg="mod">
+          <ac:chgData name="Xuanbo" userId="52a29cb4-095e-4b88-8e5b-abe65ecae15b" providerId="ADAL" clId="{E29FFCCC-A340-4373-AA2B-06342ADDD58E}" dt="2023-03-21T20:55:38.686" v="479" actId="14826"/>
+          <ac:picMkLst>
+            <pc:docMk/>
+            <pc:sldMk cId="3864501305" sldId="307"/>
+            <ac:picMk id="9" creationId="{0095B571-6651-4451-8626-34DBA64368EA}"/>
+          </ac:picMkLst>
+        </pc:picChg>
+        <pc:picChg chg="del">
+          <ac:chgData name="Xuanbo" userId="52a29cb4-095e-4b88-8e5b-abe65ecae15b" providerId="ADAL" clId="{E29FFCCC-A340-4373-AA2B-06342ADDD58E}" dt="2023-03-21T20:55:23.072" v="476" actId="21"/>
+          <ac:picMkLst>
+            <pc:docMk/>
+            <pc:sldMk cId="3864501305" sldId="307"/>
+            <ac:picMk id="12" creationId="{498B5089-3D7C-45E7-B85A-806789E75A22}"/>
+          </ac:picMkLst>
+        </pc:picChg>
+      </pc:sldChg>
+      <pc:sldChg chg="addSp delSp modSp new mod">
+        <pc:chgData name="Xuanbo" userId="52a29cb4-095e-4b88-8e5b-abe65ecae15b" providerId="ADAL" clId="{E29FFCCC-A340-4373-AA2B-06342ADDD58E}" dt="2023-03-21T21:34:43.598" v="700" actId="20577"/>
+        <pc:sldMkLst>
+          <pc:docMk/>
+          <pc:sldMk cId="3758680294" sldId="308"/>
+        </pc:sldMkLst>
+        <pc:spChg chg="del">
+          <ac:chgData name="Xuanbo" userId="52a29cb4-095e-4b88-8e5b-abe65ecae15b" providerId="ADAL" clId="{E29FFCCC-A340-4373-AA2B-06342ADDD58E}" dt="2023-03-21T21:30:02.739" v="570" actId="478"/>
+          <ac:spMkLst>
+            <pc:docMk/>
+            <pc:sldMk cId="3758680294" sldId="308"/>
+            <ac:spMk id="2" creationId="{C0C7CB75-6FB3-4BDA-A223-BF782C31024A}"/>
+          </ac:spMkLst>
+        </pc:spChg>
+        <pc:spChg chg="del">
+          <ac:chgData name="Xuanbo" userId="52a29cb4-095e-4b88-8e5b-abe65ecae15b" providerId="ADAL" clId="{E29FFCCC-A340-4373-AA2B-06342ADDD58E}" dt="2023-03-21T21:30:02.739" v="570" actId="478"/>
+          <ac:spMkLst>
+            <pc:docMk/>
+            <pc:sldMk cId="3758680294" sldId="308"/>
+            <ac:spMk id="3" creationId="{F007AA84-C012-4E2B-A183-43F8F32B1DDB}"/>
+          </ac:spMkLst>
+        </pc:spChg>
+        <pc:spChg chg="add mod">
+          <ac:chgData name="Xuanbo" userId="52a29cb4-095e-4b88-8e5b-abe65ecae15b" providerId="ADAL" clId="{E29FFCCC-A340-4373-AA2B-06342ADDD58E}" dt="2023-03-21T21:31:29.486" v="638"/>
+          <ac:spMkLst>
+            <pc:docMk/>
+            <pc:sldMk cId="3758680294" sldId="308"/>
+            <ac:spMk id="14" creationId="{3EF3B805-3704-437E-A20B-22CEEC81991C}"/>
+          </ac:spMkLst>
+        </pc:spChg>
+        <pc:spChg chg="add mod">
+          <ac:chgData name="Xuanbo" userId="52a29cb4-095e-4b88-8e5b-abe65ecae15b" providerId="ADAL" clId="{E29FFCCC-A340-4373-AA2B-06342ADDD58E}" dt="2023-03-21T21:34:43.598" v="700" actId="20577"/>
+          <ac:spMkLst>
+            <pc:docMk/>
+            <pc:sldMk cId="3758680294" sldId="308"/>
+            <ac:spMk id="17" creationId="{1480E2E0-BCD0-4AAE-89B6-C4673AB38299}"/>
+          </ac:spMkLst>
+        </pc:spChg>
+        <pc:grpChg chg="add mod">
+          <ac:chgData name="Xuanbo" userId="52a29cb4-095e-4b88-8e5b-abe65ecae15b" providerId="ADAL" clId="{E29FFCCC-A340-4373-AA2B-06342ADDD58E}" dt="2023-03-21T21:33:04.011" v="651" actId="1076"/>
+          <ac:grpSpMkLst>
+            <pc:docMk/>
+            <pc:sldMk cId="3758680294" sldId="308"/>
+            <ac:grpSpMk id="15" creationId="{BC89D6FE-77F3-4421-968E-F54365B39686}"/>
+          </ac:grpSpMkLst>
+        </pc:grpChg>
+        <pc:picChg chg="add mod ord">
+          <ac:chgData name="Xuanbo" userId="52a29cb4-095e-4b88-8e5b-abe65ecae15b" providerId="ADAL" clId="{E29FFCCC-A340-4373-AA2B-06342ADDD58E}" dt="2023-03-21T21:32:00.997" v="639" actId="164"/>
+          <ac:picMkLst>
+            <pc:docMk/>
+            <pc:sldMk cId="3758680294" sldId="308"/>
+            <ac:picMk id="5" creationId="{48D39ABB-DD22-4CC4-937B-577FA9175F90}"/>
+          </ac:picMkLst>
+        </pc:picChg>
+        <pc:picChg chg="add mod ord">
+          <ac:chgData name="Xuanbo" userId="52a29cb4-095e-4b88-8e5b-abe65ecae15b" providerId="ADAL" clId="{E29FFCCC-A340-4373-AA2B-06342ADDD58E}" dt="2023-03-21T21:32:00.997" v="639" actId="164"/>
+          <ac:picMkLst>
+            <pc:docMk/>
+            <pc:sldMk cId="3758680294" sldId="308"/>
+            <ac:picMk id="7" creationId="{E485AE14-CD19-47B6-AFA2-880B1516B3AA}"/>
+          </ac:picMkLst>
+        </pc:picChg>
+        <pc:picChg chg="add mod ord">
+          <ac:chgData name="Xuanbo" userId="52a29cb4-095e-4b88-8e5b-abe65ecae15b" providerId="ADAL" clId="{E29FFCCC-A340-4373-AA2B-06342ADDD58E}" dt="2023-03-21T21:32:00.997" v="639" actId="164"/>
+          <ac:picMkLst>
+            <pc:docMk/>
+            <pc:sldMk cId="3758680294" sldId="308"/>
+            <ac:picMk id="9" creationId="{D88D6194-0F5B-42EB-A58C-0A4DDEDFA543}"/>
+          </ac:picMkLst>
+        </pc:picChg>
+        <pc:picChg chg="add mod ord">
+          <ac:chgData name="Xuanbo" userId="52a29cb4-095e-4b88-8e5b-abe65ecae15b" providerId="ADAL" clId="{E29FFCCC-A340-4373-AA2B-06342ADDD58E}" dt="2023-03-21T21:32:00.997" v="639" actId="164"/>
+          <ac:picMkLst>
+            <pc:docMk/>
+            <pc:sldMk cId="3758680294" sldId="308"/>
+            <ac:picMk id="11" creationId="{31C403B3-EF26-4883-882A-3E2A42285011}"/>
+          </ac:picMkLst>
+        </pc:picChg>
+        <pc:picChg chg="add mod">
+          <ac:chgData name="Xuanbo" userId="52a29cb4-095e-4b88-8e5b-abe65ecae15b" providerId="ADAL" clId="{E29FFCCC-A340-4373-AA2B-06342ADDD58E}" dt="2023-03-21T21:32:00.997" v="639" actId="164"/>
+          <ac:picMkLst>
+            <pc:docMk/>
+            <pc:sldMk cId="3758680294" sldId="308"/>
+            <ac:picMk id="13" creationId="{FA99643D-DB0F-4A40-8B1D-F52E2F3A8425}"/>
+          </ac:picMkLst>
+        </pc:picChg>
+      </pc:sldChg>
+      <pc:sldChg chg="add del setBg">
+        <pc:chgData name="Xuanbo" userId="52a29cb4-095e-4b88-8e5b-abe65ecae15b" providerId="ADAL" clId="{E29FFCCC-A340-4373-AA2B-06342ADDD58E}" dt="2023-03-21T21:35:43.314" v="710"/>
+        <pc:sldMkLst>
+          <pc:docMk/>
+          <pc:sldMk cId="1367619703" sldId="309"/>
+        </pc:sldMkLst>
+      </pc:sldChg>
+      <pc:sldChg chg="add del">
+        <pc:chgData name="Xuanbo" userId="52a29cb4-095e-4b88-8e5b-abe65ecae15b" providerId="ADAL" clId="{E29FFCCC-A340-4373-AA2B-06342ADDD58E}" dt="2023-03-21T21:35:43.314" v="710"/>
+        <pc:sldMkLst>
+          <pc:docMk/>
+          <pc:sldMk cId="3559585318" sldId="310"/>
+        </pc:sldMkLst>
+      </pc:sldChg>
+      <pc:sldChg chg="add del">
+        <pc:chgData name="Xuanbo" userId="52a29cb4-095e-4b88-8e5b-abe65ecae15b" providerId="ADAL" clId="{E29FFCCC-A340-4373-AA2B-06342ADDD58E}" dt="2023-03-21T21:35:43.314" v="710"/>
+        <pc:sldMkLst>
+          <pc:docMk/>
+          <pc:sldMk cId="521834249" sldId="311"/>
+        </pc:sldMkLst>
+      </pc:sldChg>
+      <pc:sldChg chg="add del">
+        <pc:chgData name="Xuanbo" userId="52a29cb4-095e-4b88-8e5b-abe65ecae15b" providerId="ADAL" clId="{E29FFCCC-A340-4373-AA2B-06342ADDD58E}" dt="2023-03-21T21:35:43.314" v="710"/>
+        <pc:sldMkLst>
+          <pc:docMk/>
+          <pc:sldMk cId="4134911662" sldId="312"/>
+        </pc:sldMkLst>
       </pc:sldChg>
     </pc:docChg>
   </pc:docChgLst>
@@ -14266,496 +14889,6 @@
           <a:chExt cx="0" cy="0"/>
         </a:xfrm>
       </p:grpSpPr>
-      <p:grpSp>
-        <p:nvGrpSpPr>
-          <p:cNvPr id="2" name="Group 1">
-            <a:extLst>
-              <a:ext uri="{FF2B5EF4-FFF2-40B4-BE49-F238E27FC236}">
-                <a16:creationId xmlns:a16="http://schemas.microsoft.com/office/drawing/2014/main" id="{89DA59E5-C499-C8AA-1580-49E9A24F5B35}"/>
-              </a:ext>
-            </a:extLst>
-          </p:cNvPr>
-          <p:cNvGrpSpPr/>
-          <p:nvPr/>
-        </p:nvGrpSpPr>
-        <p:grpSpPr>
-          <a:xfrm>
-            <a:off x="552879" y="287335"/>
-            <a:ext cx="4701042" cy="2952740"/>
-            <a:chOff x="500628" y="435735"/>
-            <a:chExt cx="4701042" cy="2952740"/>
-          </a:xfrm>
-        </p:grpSpPr>
-        <p:sp>
-          <p:nvSpPr>
-            <p:cNvPr id="7" name="Rectangle à coins arrondis 19">
-              <a:extLst>
-                <a:ext uri="{FF2B5EF4-FFF2-40B4-BE49-F238E27FC236}">
-                  <a16:creationId xmlns:a16="http://schemas.microsoft.com/office/drawing/2014/main" id="{8A8512DB-3D28-7985-AF73-D35B05BD1D43}"/>
-                </a:ext>
-              </a:extLst>
-            </p:cNvPr>
-            <p:cNvSpPr>
-              <a:spLocks noChangeArrowheads="1"/>
-            </p:cNvSpPr>
-            <p:nvPr/>
-          </p:nvSpPr>
-          <p:spPr bwMode="auto">
-            <a:xfrm>
-              <a:off x="500628" y="1820386"/>
-              <a:ext cx="4701042" cy="1568089"/>
-            </a:xfrm>
-            <a:prstGeom prst="roundRect">
-              <a:avLst>
-                <a:gd name="adj" fmla="val 16667"/>
-              </a:avLst>
-            </a:prstGeom>
-            <a:noFill/>
-            <a:ln w="9525" algn="ctr">
-              <a:noFill/>
-              <a:round/>
-              <a:headEnd/>
-              <a:tailEnd/>
-            </a:ln>
-            <a:extLst>
-              <a:ext uri="{909E8E84-426E-40DD-AFC4-6F175D3DCCD1}">
-                <a14:hiddenFill xmlns:a14="http://schemas.microsoft.com/office/drawing/2010/main">
-                  <a:solidFill>
-                    <a:srgbClr val="FFFFFF"/>
-                  </a:solidFill>
-                </a14:hiddenFill>
-              </a:ext>
-            </a:extLst>
-          </p:spPr>
-          <p:txBody>
-            <a:bodyPr wrap="square">
-              <a:spAutoFit/>
-            </a:bodyPr>
-            <a:lstStyle>
-              <a:lvl1pPr marL="342900" indent="-342900">
-                <a:lnSpc>
-                  <a:spcPct val="110000"/>
-                </a:lnSpc>
-                <a:spcBef>
-                  <a:spcPct val="20000"/>
-                </a:spcBef>
-                <a:buSzPct val="120000"/>
-                <a:buBlip>
-                  <a:blip r:embed="rId2"/>
-                </a:buBlip>
-                <a:defRPr sz="2800">
-                  <a:solidFill>
-                    <a:srgbClr val="133984"/>
-                  </a:solidFill>
-                  <a:latin typeface="Arial" panose="020B0604020202020204" pitchFamily="34" charset="0"/>
-                  <a:ea typeface="黑体" panose="02010609060101010101" pitchFamily="49" charset="-122"/>
-                </a:defRPr>
-              </a:lvl1pPr>
-              <a:lvl2pPr marL="742950" indent="-285750">
-                <a:lnSpc>
-                  <a:spcPct val="110000"/>
-                </a:lnSpc>
-                <a:spcBef>
-                  <a:spcPct val="20000"/>
-                </a:spcBef>
-                <a:buClr>
-                  <a:srgbClr val="000066"/>
-                </a:buClr>
-                <a:buChar char="•"/>
-                <a:defRPr sz="2400">
-                  <a:solidFill>
-                    <a:srgbClr val="133984"/>
-                  </a:solidFill>
-                  <a:latin typeface="Arial" panose="020B0604020202020204" pitchFamily="34" charset="0"/>
-                  <a:ea typeface="黑体" panose="02010609060101010101" pitchFamily="49" charset="-122"/>
-                </a:defRPr>
-              </a:lvl2pPr>
-              <a:lvl3pPr marL="1143000" indent="-228600">
-                <a:spcBef>
-                  <a:spcPct val="20000"/>
-                </a:spcBef>
-                <a:buChar char="•"/>
-                <a:defRPr sz="2400">
-                  <a:solidFill>
-                    <a:schemeClr val="tx1"/>
-                  </a:solidFill>
-                  <a:latin typeface="Arial" panose="020B0604020202020204" pitchFamily="34" charset="0"/>
-                  <a:ea typeface="宋体" panose="02010600030101010101" pitchFamily="2" charset="-122"/>
-                </a:defRPr>
-              </a:lvl3pPr>
-              <a:lvl4pPr marL="1600200" indent="-228600">
-                <a:spcBef>
-                  <a:spcPct val="20000"/>
-                </a:spcBef>
-                <a:buChar char="–"/>
-                <a:defRPr sz="2000">
-                  <a:solidFill>
-                    <a:schemeClr val="tx1"/>
-                  </a:solidFill>
-                  <a:latin typeface="Arial" panose="020B0604020202020204" pitchFamily="34" charset="0"/>
-                  <a:ea typeface="宋体" panose="02010600030101010101" pitchFamily="2" charset="-122"/>
-                </a:defRPr>
-              </a:lvl4pPr>
-              <a:lvl5pPr marL="2057400" indent="-228600">
-                <a:spcBef>
-                  <a:spcPct val="20000"/>
-                </a:spcBef>
-                <a:buChar char="»"/>
-                <a:defRPr sz="2000">
-                  <a:solidFill>
-                    <a:schemeClr val="tx1"/>
-                  </a:solidFill>
-                  <a:latin typeface="Arial" panose="020B0604020202020204" pitchFamily="34" charset="0"/>
-                  <a:ea typeface="宋体" panose="02010600030101010101" pitchFamily="2" charset="-122"/>
-                </a:defRPr>
-              </a:lvl5pPr>
-              <a:lvl6pPr marL="2514600" indent="-228600" eaLnBrk="0" fontAlgn="base" hangingPunct="0">
-                <a:spcBef>
-                  <a:spcPct val="20000"/>
-                </a:spcBef>
-                <a:spcAft>
-                  <a:spcPct val="0"/>
-                </a:spcAft>
-                <a:buChar char="»"/>
-                <a:defRPr sz="2000">
-                  <a:solidFill>
-                    <a:schemeClr val="tx1"/>
-                  </a:solidFill>
-                  <a:latin typeface="Arial" panose="020B0604020202020204" pitchFamily="34" charset="0"/>
-                  <a:ea typeface="宋体" panose="02010600030101010101" pitchFamily="2" charset="-122"/>
-                </a:defRPr>
-              </a:lvl6pPr>
-              <a:lvl7pPr marL="2971800" indent="-228600" eaLnBrk="0" fontAlgn="base" hangingPunct="0">
-                <a:spcBef>
-                  <a:spcPct val="20000"/>
-                </a:spcBef>
-                <a:spcAft>
-                  <a:spcPct val="0"/>
-                </a:spcAft>
-                <a:buChar char="»"/>
-                <a:defRPr sz="2000">
-                  <a:solidFill>
-                    <a:schemeClr val="tx1"/>
-                  </a:solidFill>
-                  <a:latin typeface="Arial" panose="020B0604020202020204" pitchFamily="34" charset="0"/>
-                  <a:ea typeface="宋体" panose="02010600030101010101" pitchFamily="2" charset="-122"/>
-                </a:defRPr>
-              </a:lvl7pPr>
-              <a:lvl8pPr marL="3429000" indent="-228600" eaLnBrk="0" fontAlgn="base" hangingPunct="0">
-                <a:spcBef>
-                  <a:spcPct val="20000"/>
-                </a:spcBef>
-                <a:spcAft>
-                  <a:spcPct val="0"/>
-                </a:spcAft>
-                <a:buChar char="»"/>
-                <a:defRPr sz="2000">
-                  <a:solidFill>
-                    <a:schemeClr val="tx1"/>
-                  </a:solidFill>
-                  <a:latin typeface="Arial" panose="020B0604020202020204" pitchFamily="34" charset="0"/>
-                  <a:ea typeface="宋体" panose="02010600030101010101" pitchFamily="2" charset="-122"/>
-                </a:defRPr>
-              </a:lvl8pPr>
-              <a:lvl9pPr marL="3886200" indent="-228600" eaLnBrk="0" fontAlgn="base" hangingPunct="0">
-                <a:spcBef>
-                  <a:spcPct val="20000"/>
-                </a:spcBef>
-                <a:spcAft>
-                  <a:spcPct val="0"/>
-                </a:spcAft>
-                <a:buChar char="»"/>
-                <a:defRPr sz="2000">
-                  <a:solidFill>
-                    <a:schemeClr val="tx1"/>
-                  </a:solidFill>
-                  <a:latin typeface="Arial" panose="020B0604020202020204" pitchFamily="34" charset="0"/>
-                  <a:ea typeface="宋体" panose="02010600030101010101" pitchFamily="2" charset="-122"/>
-                </a:defRPr>
-              </a:lvl9pPr>
-            </a:lstStyle>
-            <a:p>
-              <a:pPr marL="0" indent="0" algn="ctr">
-                <a:lnSpc>
-                  <a:spcPct val="150000"/>
-                </a:lnSpc>
-                <a:spcBef>
-                  <a:spcPts val="1000"/>
-                </a:spcBef>
-                <a:buSzTx/>
-                <a:buNone/>
-                <a:defRPr/>
-              </a:pPr>
-              <a:r>
-                <a:rPr lang="en-US" altLang="zh-CN" sz="2400" b="1" kern="100" dirty="0">
-                  <a:solidFill>
-                    <a:srgbClr val="16388A"/>
-                  </a:solidFill>
-                  <a:latin typeface="Times New Roman" panose="02020603050405020304" pitchFamily="18" charset="0"/>
-                  <a:ea typeface="华文新魏" panose="02010800040101010101" pitchFamily="2" charset="-122"/>
-                  <a:cs typeface="Times New Roman" panose="02020603050405020304" pitchFamily="18" charset="0"/>
-                </a:rPr>
-                <a:t>Xuanbo Miao</a:t>
-              </a:r>
-            </a:p>
-            <a:p>
-              <a:pPr marL="0" indent="0" algn="ctr">
-                <a:lnSpc>
-                  <a:spcPct val="100000"/>
-                </a:lnSpc>
-                <a:spcBef>
-                  <a:spcPts val="600"/>
-                </a:spcBef>
-                <a:buSzTx/>
-                <a:buNone/>
-                <a:defRPr/>
-              </a:pPr>
-              <a:r>
-                <a:rPr lang="en-US" altLang="zh-CN" sz="1800" kern="100" dirty="0">
-                  <a:solidFill>
-                    <a:srgbClr val="16388A"/>
-                  </a:solidFill>
-                  <a:latin typeface="Times New Roman" panose="02020603050405020304" pitchFamily="18" charset="0"/>
-                  <a:ea typeface="华文新魏" panose="02010800040101010101" pitchFamily="2" charset="-122"/>
-                  <a:cs typeface="Times New Roman" panose="02020603050405020304" pitchFamily="18" charset="0"/>
-                </a:rPr>
-                <a:t>14422044</a:t>
-              </a:r>
-            </a:p>
-            <a:p>
-              <a:pPr marL="0" indent="0" algn="ctr">
-                <a:lnSpc>
-                  <a:spcPct val="150000"/>
-                </a:lnSpc>
-                <a:spcBef>
-                  <a:spcPts val="400"/>
-                </a:spcBef>
-                <a:buSzTx/>
-                <a:buNone/>
-                <a:defRPr/>
-              </a:pPr>
-              <a:r>
-                <a:rPr lang="en-US" altLang="zh-CN" sz="1800" kern="100" dirty="0">
-                  <a:solidFill>
-                    <a:srgbClr val="16388A"/>
-                  </a:solidFill>
-                  <a:latin typeface="Times New Roman" panose="02020603050405020304" pitchFamily="18" charset="0"/>
-                  <a:ea typeface="华文新魏" panose="02010800040101010101" pitchFamily="2" charset="-122"/>
-                  <a:cs typeface="Times New Roman" panose="02020603050405020304" pitchFamily="18" charset="0"/>
-                </a:rPr>
-                <a:t>xmiao@mail.missouri.edu</a:t>
-              </a:r>
-            </a:p>
-          </p:txBody>
-        </p:sp>
-        <p:sp>
-          <p:nvSpPr>
-            <p:cNvPr id="9" name="TextBox 8">
-              <a:extLst>
-                <a:ext uri="{FF2B5EF4-FFF2-40B4-BE49-F238E27FC236}">
-                  <a16:creationId xmlns:a16="http://schemas.microsoft.com/office/drawing/2014/main" id="{4536A1E2-19E5-85F2-60D0-8CF11F284471}"/>
-                </a:ext>
-              </a:extLst>
-            </p:cNvPr>
-            <p:cNvSpPr txBox="1"/>
-            <p:nvPr/>
-          </p:nvSpPr>
-          <p:spPr>
-            <a:xfrm>
-              <a:off x="562311" y="435735"/>
-              <a:ext cx="4577678" cy="707886"/>
-            </a:xfrm>
-            <a:prstGeom prst="rect">
-              <a:avLst/>
-            </a:prstGeom>
-            <a:noFill/>
-          </p:spPr>
-          <p:txBody>
-            <a:bodyPr wrap="square">
-              <a:spAutoFit/>
-            </a:bodyPr>
-            <a:lstStyle/>
-            <a:p>
-              <a:pPr marL="0" indent="0" algn="ctr">
-                <a:lnSpc>
-                  <a:spcPct val="100000"/>
-                </a:lnSpc>
-                <a:buNone/>
-                <a:defRPr/>
-              </a:pPr>
-              <a:r>
-                <a:rPr lang="en-US" altLang="zh-CN" sz="2000" i="1" kern="100" dirty="0">
-                  <a:solidFill>
-                    <a:srgbClr val="FF0000"/>
-                  </a:solidFill>
-                  <a:latin typeface="Times New Roman" panose="02020603050405020304" pitchFamily="18" charset="0"/>
-                  <a:ea typeface="微软雅黑" panose="020B0503020204020204" pitchFamily="34" charset="-122"/>
-                  <a:cs typeface="Times New Roman" panose="02020603050405020304" pitchFamily="18" charset="0"/>
-                </a:rPr>
-                <a:t>HOMEWORK 3B</a:t>
-              </a:r>
-            </a:p>
-            <a:p>
-              <a:pPr marL="0" indent="0" algn="ctr">
-                <a:lnSpc>
-                  <a:spcPct val="100000"/>
-                </a:lnSpc>
-                <a:buNone/>
-                <a:defRPr/>
-              </a:pPr>
-              <a:r>
-                <a:rPr lang="en-US" altLang="zh-CN" sz="2000" i="1" kern="100" dirty="0">
-                  <a:solidFill>
-                    <a:srgbClr val="FF0000"/>
-                  </a:solidFill>
-                  <a:latin typeface="Times New Roman" panose="02020603050405020304" pitchFamily="18" charset="0"/>
-                  <a:ea typeface="微软雅黑" panose="020B0503020204020204" pitchFamily="34" charset="-122"/>
-                  <a:cs typeface="Times New Roman" panose="02020603050405020304" pitchFamily="18" charset="0"/>
-                </a:rPr>
-                <a:t>ECE/CS 8690 </a:t>
-              </a:r>
-              <a:r>
-                <a:rPr lang="it-IT" altLang="zh-CN" sz="2000" i="1" kern="100" dirty="0">
-                  <a:solidFill>
-                    <a:srgbClr val="FF0000"/>
-                  </a:solidFill>
-                  <a:latin typeface="Times New Roman" panose="02020603050405020304" pitchFamily="18" charset="0"/>
-                  <a:ea typeface="微软雅黑" panose="020B0503020204020204" pitchFamily="34" charset="-122"/>
-                  <a:cs typeface="Times New Roman" panose="02020603050405020304" pitchFamily="18" charset="0"/>
-                </a:rPr>
-                <a:t>2302 Computer Vision</a:t>
-              </a:r>
-              <a:endParaRPr lang="en-US" altLang="zh-CN" sz="2000" i="1" kern="100" dirty="0">
-                <a:solidFill>
-                  <a:srgbClr val="FF0000"/>
-                </a:solidFill>
-                <a:latin typeface="Times New Roman" panose="02020603050405020304" pitchFamily="18" charset="0"/>
-                <a:ea typeface="微软雅黑" panose="020B0503020204020204" pitchFamily="34" charset="-122"/>
-                <a:cs typeface="Times New Roman" panose="02020603050405020304" pitchFamily="18" charset="0"/>
-              </a:endParaRPr>
-            </a:p>
-          </p:txBody>
-        </p:sp>
-        <mc:AlternateContent xmlns:mc="http://schemas.openxmlformats.org/markup-compatibility/2006">
-          <mc:Choice xmlns:a14="http://schemas.microsoft.com/office/drawing/2010/main" Requires="a14">
-            <p:sp>
-              <p:nvSpPr>
-                <p:cNvPr id="11" name="TextBox 10">
-                  <a:extLst>
-                    <a:ext uri="{FF2B5EF4-FFF2-40B4-BE49-F238E27FC236}">
-                      <a16:creationId xmlns:a16="http://schemas.microsoft.com/office/drawing/2014/main" id="{8870D315-40E3-0EC2-6D56-E03037F01BA6}"/>
-                    </a:ext>
-                  </a:extLst>
-                </p:cNvPr>
-                <p:cNvSpPr txBox="1"/>
-                <p:nvPr/>
-              </p:nvSpPr>
-              <p:spPr>
-                <a:xfrm>
-                  <a:off x="580265" y="1432188"/>
-                  <a:ext cx="4609211" cy="369332"/>
-                </a:xfrm>
-                <a:prstGeom prst="rect">
-                  <a:avLst/>
-                </a:prstGeom>
-                <a:noFill/>
-              </p:spPr>
-              <p:txBody>
-                <a:bodyPr wrap="square">
-                  <a:spAutoFit/>
-                </a:bodyPr>
-                <a:lstStyle/>
-                <a:p>
-                  <a:pPr algn="ctr">
-                    <a:defRPr/>
-                  </a:pPr>
-                  <a14:m>
-                    <m:oMathPara xmlns:m="http://schemas.openxmlformats.org/officeDocument/2006/math">
-                      <m:oMathParaPr>
-                        <m:jc m:val="centerGroup"/>
-                      </m:oMathParaPr>
-                      <m:oMath xmlns:m="http://schemas.openxmlformats.org/officeDocument/2006/math">
-                        <m:r>
-                          <a:rPr lang="en-US" b="1" i="1">
-                            <a:solidFill>
-                              <a:srgbClr val="16388A"/>
-                            </a:solidFill>
-                            <a:latin typeface="Cambria Math" panose="02040503050406030204" pitchFamily="18" charset="0"/>
-                          </a:rPr>
-                          <m:t>𝑰𝒎𝒂𝒈𝒆</m:t>
-                        </m:r>
-                        <m:r>
-                          <a:rPr lang="en-US" b="1" i="1">
-                            <a:solidFill>
-                              <a:srgbClr val="16388A"/>
-                            </a:solidFill>
-                            <a:latin typeface="Cambria Math" panose="02040503050406030204" pitchFamily="18" charset="0"/>
-                          </a:rPr>
-                          <m:t> </m:t>
-                        </m:r>
-                        <m:r>
-                          <a:rPr lang="en-US" b="1" i="1">
-                            <a:solidFill>
-                              <a:srgbClr val="16388A"/>
-                            </a:solidFill>
-                            <a:latin typeface="Cambria Math" panose="02040503050406030204" pitchFamily="18" charset="0"/>
-                          </a:rPr>
-                          <m:t>𝑪𝒍𝒂𝒔𝒔𝒊𝒇𝒊𝒄𝒂𝒕𝒊𝒐𝒏</m:t>
-                        </m:r>
-                      </m:oMath>
-                    </m:oMathPara>
-                  </a14:m>
-                  <a:endParaRPr sz="1600" dirty="0"/>
-                </a:p>
-              </p:txBody>
-            </p:sp>
-          </mc:Choice>
-          <mc:Fallback>
-            <p:sp>
-              <p:nvSpPr>
-                <p:cNvPr id="11" name="TextBox 10">
-                  <a:extLst>
-                    <a:ext uri="{FF2B5EF4-FFF2-40B4-BE49-F238E27FC236}">
-                      <a16:creationId xmlns:a16="http://schemas.microsoft.com/office/drawing/2014/main" id="{8870D315-40E3-0EC2-6D56-E03037F01BA6}"/>
-                    </a:ext>
-                  </a:extLst>
-                </p:cNvPr>
-                <p:cNvSpPr txBox="1">
-                  <a:spLocks noRot="1" noChangeAspect="1" noMove="1" noResize="1" noEditPoints="1" noAdjustHandles="1" noChangeArrowheads="1" noChangeShapeType="1" noTextEdit="1"/>
-                </p:cNvSpPr>
-                <p:nvPr/>
-              </p:nvSpPr>
-              <p:spPr>
-                <a:xfrm>
-                  <a:off x="580265" y="1432188"/>
-                  <a:ext cx="4609211" cy="369332"/>
-                </a:xfrm>
-                <a:prstGeom prst="rect">
-                  <a:avLst/>
-                </a:prstGeom>
-                <a:blipFill>
-                  <a:blip r:embed="rId3"/>
-                  <a:stretch>
-                    <a:fillRect b="-15000"/>
-                  </a:stretch>
-                </a:blipFill>
-              </p:spPr>
-              <p:txBody>
-                <a:bodyPr/>
-                <a:lstStyle/>
-                <a:p>
-                  <a:r>
-                    <a:rPr lang="en-US">
-                      <a:noFill/>
-                    </a:rPr>
-                    <a:t> </a:t>
-                  </a:r>
-                </a:p>
-              </p:txBody>
-            </p:sp>
-          </mc:Fallback>
-        </mc:AlternateContent>
-      </p:grpSp>
       <p:sp>
         <p:nvSpPr>
           <p:cNvPr id="17" name="TextBox 16">
@@ -14771,7 +14904,7 @@
         <p:spPr>
           <a:xfrm>
             <a:off x="273438" y="3867721"/>
-            <a:ext cx="5327369" cy="2800767"/>
+            <a:ext cx="5848128" cy="3046988"/>
           </a:xfrm>
           <a:prstGeom prst="rect">
             <a:avLst/>
@@ -14794,172 +14927,581 @@
                 <a:ea typeface="华文新魏" panose="02010800040101010101" pitchFamily="2" charset="-122"/>
                 <a:cs typeface="Times New Roman" panose="02020603050405020304" pitchFamily="18" charset="0"/>
               </a:rPr>
-              <a:t>   This assignment introduced us to </a:t>
+              <a:t>This assignment addresses the enhancement of a convolutional neural network (CNN) for multi-class image classification. Challenges like poor classification performance on specific classes are analyzed using a confusion matrix. Factors affecting performance include insufficient training, similarity between classes, suboptimal network architecture, inadequate data preprocessing, and imbalanced dataset. Various techniques are suggested to improve performance, such as experimenting with network architectures, increasing training data size, applying data augmentation, addressing class imbalance, and using transfer learning. The assignment underscores the importance of understanding and optimizing factors that affect CNN performance in computer vision tasks.</a:t>
             </a:r>
-            <a:r>
-              <a:rPr lang="en-US" sz="1600" kern="100" dirty="0" err="1">
+          </a:p>
+        </p:txBody>
+      </p:sp>
+      <p:grpSp>
+        <p:nvGrpSpPr>
+          <p:cNvPr id="21" name="Group 20">
+            <a:extLst>
+              <a:ext uri="{FF2B5EF4-FFF2-40B4-BE49-F238E27FC236}">
+                <a16:creationId xmlns:a16="http://schemas.microsoft.com/office/drawing/2014/main" id="{CE3DF87E-9F1F-41BD-8ACE-5339990B0C12}"/>
+              </a:ext>
+            </a:extLst>
+          </p:cNvPr>
+          <p:cNvGrpSpPr/>
+          <p:nvPr/>
+        </p:nvGrpSpPr>
+        <p:grpSpPr>
+          <a:xfrm>
+            <a:off x="846981" y="287335"/>
+            <a:ext cx="4701042" cy="3515407"/>
+            <a:chOff x="825929" y="287335"/>
+            <a:chExt cx="4701042" cy="3515407"/>
+          </a:xfrm>
+        </p:grpSpPr>
+        <p:grpSp>
+          <p:nvGrpSpPr>
+            <p:cNvPr id="2" name="Group 1">
+              <a:extLst>
+                <a:ext uri="{FF2B5EF4-FFF2-40B4-BE49-F238E27FC236}">
+                  <a16:creationId xmlns:a16="http://schemas.microsoft.com/office/drawing/2014/main" id="{89DA59E5-C499-C8AA-1580-49E9A24F5B35}"/>
+                </a:ext>
+              </a:extLst>
+            </p:cNvPr>
+            <p:cNvGrpSpPr/>
+            <p:nvPr/>
+          </p:nvGrpSpPr>
+          <p:grpSpPr>
+            <a:xfrm>
+              <a:off x="825929" y="287335"/>
+              <a:ext cx="4701042" cy="2952740"/>
+              <a:chOff x="500628" y="435735"/>
+              <a:chExt cx="4701042" cy="2952740"/>
+            </a:xfrm>
+          </p:grpSpPr>
+          <p:sp>
+            <p:nvSpPr>
+              <p:cNvPr id="7" name="Rectangle à coins arrondis 19">
+                <a:extLst>
+                  <a:ext uri="{FF2B5EF4-FFF2-40B4-BE49-F238E27FC236}">
+                    <a16:creationId xmlns:a16="http://schemas.microsoft.com/office/drawing/2014/main" id="{8A8512DB-3D28-7985-AF73-D35B05BD1D43}"/>
+                  </a:ext>
+                </a:extLst>
+              </p:cNvPr>
+              <p:cNvSpPr>
+                <a:spLocks noChangeArrowheads="1"/>
+              </p:cNvSpPr>
+              <p:nvPr/>
+            </p:nvSpPr>
+            <p:spPr bwMode="auto">
+              <a:xfrm>
+                <a:off x="500628" y="1820386"/>
+                <a:ext cx="4701042" cy="1568089"/>
+              </a:xfrm>
+              <a:prstGeom prst="roundRect">
+                <a:avLst>
+                  <a:gd name="adj" fmla="val 16667"/>
+                </a:avLst>
+              </a:prstGeom>
+              <a:noFill/>
+              <a:ln w="9525" algn="ctr">
+                <a:noFill/>
+                <a:round/>
+                <a:headEnd/>
+                <a:tailEnd/>
+              </a:ln>
+              <a:extLst>
+                <a:ext uri="{909E8E84-426E-40DD-AFC4-6F175D3DCCD1}">
+                  <a14:hiddenFill xmlns:a14="http://schemas.microsoft.com/office/drawing/2010/main">
+                    <a:solidFill>
+                      <a:srgbClr val="FFFFFF"/>
+                    </a:solidFill>
+                  </a14:hiddenFill>
+                </a:ext>
+              </a:extLst>
+            </p:spPr>
+            <p:txBody>
+              <a:bodyPr wrap="square">
+                <a:spAutoFit/>
+              </a:bodyPr>
+              <a:lstStyle>
+                <a:lvl1pPr marL="342900" indent="-342900">
+                  <a:lnSpc>
+                    <a:spcPct val="110000"/>
+                  </a:lnSpc>
+                  <a:spcBef>
+                    <a:spcPct val="20000"/>
+                  </a:spcBef>
+                  <a:buSzPct val="120000"/>
+                  <a:buBlip>
+                    <a:blip r:embed="rId2"/>
+                  </a:buBlip>
+                  <a:defRPr sz="2800">
+                    <a:solidFill>
+                      <a:srgbClr val="133984"/>
+                    </a:solidFill>
+                    <a:latin typeface="Arial" panose="020B0604020202020204" pitchFamily="34" charset="0"/>
+                    <a:ea typeface="黑体" panose="02010609060101010101" pitchFamily="49" charset="-122"/>
+                  </a:defRPr>
+                </a:lvl1pPr>
+                <a:lvl2pPr marL="742950" indent="-285750">
+                  <a:lnSpc>
+                    <a:spcPct val="110000"/>
+                  </a:lnSpc>
+                  <a:spcBef>
+                    <a:spcPct val="20000"/>
+                  </a:spcBef>
+                  <a:buClr>
+                    <a:srgbClr val="000066"/>
+                  </a:buClr>
+                  <a:buChar char="•"/>
+                  <a:defRPr sz="2400">
+                    <a:solidFill>
+                      <a:srgbClr val="133984"/>
+                    </a:solidFill>
+                    <a:latin typeface="Arial" panose="020B0604020202020204" pitchFamily="34" charset="0"/>
+                    <a:ea typeface="黑体" panose="02010609060101010101" pitchFamily="49" charset="-122"/>
+                  </a:defRPr>
+                </a:lvl2pPr>
+                <a:lvl3pPr marL="1143000" indent="-228600">
+                  <a:spcBef>
+                    <a:spcPct val="20000"/>
+                  </a:spcBef>
+                  <a:buChar char="•"/>
+                  <a:defRPr sz="2400">
+                    <a:solidFill>
+                      <a:schemeClr val="tx1"/>
+                    </a:solidFill>
+                    <a:latin typeface="Arial" panose="020B0604020202020204" pitchFamily="34" charset="0"/>
+                    <a:ea typeface="宋体" panose="02010600030101010101" pitchFamily="2" charset="-122"/>
+                  </a:defRPr>
+                </a:lvl3pPr>
+                <a:lvl4pPr marL="1600200" indent="-228600">
+                  <a:spcBef>
+                    <a:spcPct val="20000"/>
+                  </a:spcBef>
+                  <a:buChar char="–"/>
+                  <a:defRPr sz="2000">
+                    <a:solidFill>
+                      <a:schemeClr val="tx1"/>
+                    </a:solidFill>
+                    <a:latin typeface="Arial" panose="020B0604020202020204" pitchFamily="34" charset="0"/>
+                    <a:ea typeface="宋体" panose="02010600030101010101" pitchFamily="2" charset="-122"/>
+                  </a:defRPr>
+                </a:lvl4pPr>
+                <a:lvl5pPr marL="2057400" indent="-228600">
+                  <a:spcBef>
+                    <a:spcPct val="20000"/>
+                  </a:spcBef>
+                  <a:buChar char="»"/>
+                  <a:defRPr sz="2000">
+                    <a:solidFill>
+                      <a:schemeClr val="tx1"/>
+                    </a:solidFill>
+                    <a:latin typeface="Arial" panose="020B0604020202020204" pitchFamily="34" charset="0"/>
+                    <a:ea typeface="宋体" panose="02010600030101010101" pitchFamily="2" charset="-122"/>
+                  </a:defRPr>
+                </a:lvl5pPr>
+                <a:lvl6pPr marL="2514600" indent="-228600" eaLnBrk="0" fontAlgn="base" hangingPunct="0">
+                  <a:spcBef>
+                    <a:spcPct val="20000"/>
+                  </a:spcBef>
+                  <a:spcAft>
+                    <a:spcPct val="0"/>
+                  </a:spcAft>
+                  <a:buChar char="»"/>
+                  <a:defRPr sz="2000">
+                    <a:solidFill>
+                      <a:schemeClr val="tx1"/>
+                    </a:solidFill>
+                    <a:latin typeface="Arial" panose="020B0604020202020204" pitchFamily="34" charset="0"/>
+                    <a:ea typeface="宋体" panose="02010600030101010101" pitchFamily="2" charset="-122"/>
+                  </a:defRPr>
+                </a:lvl6pPr>
+                <a:lvl7pPr marL="2971800" indent="-228600" eaLnBrk="0" fontAlgn="base" hangingPunct="0">
+                  <a:spcBef>
+                    <a:spcPct val="20000"/>
+                  </a:spcBef>
+                  <a:spcAft>
+                    <a:spcPct val="0"/>
+                  </a:spcAft>
+                  <a:buChar char="»"/>
+                  <a:defRPr sz="2000">
+                    <a:solidFill>
+                      <a:schemeClr val="tx1"/>
+                    </a:solidFill>
+                    <a:latin typeface="Arial" panose="020B0604020202020204" pitchFamily="34" charset="0"/>
+                    <a:ea typeface="宋体" panose="02010600030101010101" pitchFamily="2" charset="-122"/>
+                  </a:defRPr>
+                </a:lvl7pPr>
+                <a:lvl8pPr marL="3429000" indent="-228600" eaLnBrk="0" fontAlgn="base" hangingPunct="0">
+                  <a:spcBef>
+                    <a:spcPct val="20000"/>
+                  </a:spcBef>
+                  <a:spcAft>
+                    <a:spcPct val="0"/>
+                  </a:spcAft>
+                  <a:buChar char="»"/>
+                  <a:defRPr sz="2000">
+                    <a:solidFill>
+                      <a:schemeClr val="tx1"/>
+                    </a:solidFill>
+                    <a:latin typeface="Arial" panose="020B0604020202020204" pitchFamily="34" charset="0"/>
+                    <a:ea typeface="宋体" panose="02010600030101010101" pitchFamily="2" charset="-122"/>
+                  </a:defRPr>
+                </a:lvl8pPr>
+                <a:lvl9pPr marL="3886200" indent="-228600" eaLnBrk="0" fontAlgn="base" hangingPunct="0">
+                  <a:spcBef>
+                    <a:spcPct val="20000"/>
+                  </a:spcBef>
+                  <a:spcAft>
+                    <a:spcPct val="0"/>
+                  </a:spcAft>
+                  <a:buChar char="»"/>
+                  <a:defRPr sz="2000">
+                    <a:solidFill>
+                      <a:schemeClr val="tx1"/>
+                    </a:solidFill>
+                    <a:latin typeface="Arial" panose="020B0604020202020204" pitchFamily="34" charset="0"/>
+                    <a:ea typeface="宋体" panose="02010600030101010101" pitchFamily="2" charset="-122"/>
+                  </a:defRPr>
+                </a:lvl9pPr>
+              </a:lstStyle>
+              <a:p>
+                <a:pPr marL="0" indent="0" algn="ctr">
+                  <a:lnSpc>
+                    <a:spcPct val="150000"/>
+                  </a:lnSpc>
+                  <a:spcBef>
+                    <a:spcPts val="1000"/>
+                  </a:spcBef>
+                  <a:buSzTx/>
+                  <a:buNone/>
+                  <a:defRPr/>
+                </a:pPr>
+                <a:r>
+                  <a:rPr lang="en-US" altLang="zh-CN" sz="2400" b="1" kern="100" dirty="0">
+                    <a:solidFill>
+                      <a:srgbClr val="16388A"/>
+                    </a:solidFill>
+                    <a:latin typeface="Times New Roman" panose="02020603050405020304" pitchFamily="18" charset="0"/>
+                    <a:ea typeface="华文新魏" panose="02010800040101010101" pitchFamily="2" charset="-122"/>
+                    <a:cs typeface="Times New Roman" panose="02020603050405020304" pitchFamily="18" charset="0"/>
+                  </a:rPr>
+                  <a:t>Xuanbo Miao</a:t>
+                </a:r>
+              </a:p>
+              <a:p>
+                <a:pPr marL="0" indent="0" algn="ctr">
+                  <a:lnSpc>
+                    <a:spcPct val="100000"/>
+                  </a:lnSpc>
+                  <a:spcBef>
+                    <a:spcPts val="600"/>
+                  </a:spcBef>
+                  <a:buSzTx/>
+                  <a:buNone/>
+                  <a:defRPr/>
+                </a:pPr>
+                <a:r>
+                  <a:rPr lang="en-US" altLang="zh-CN" sz="1800" kern="100" dirty="0">
+                    <a:solidFill>
+                      <a:srgbClr val="16388A"/>
+                    </a:solidFill>
+                    <a:latin typeface="Times New Roman" panose="02020603050405020304" pitchFamily="18" charset="0"/>
+                    <a:ea typeface="华文新魏" panose="02010800040101010101" pitchFamily="2" charset="-122"/>
+                    <a:cs typeface="Times New Roman" panose="02020603050405020304" pitchFamily="18" charset="0"/>
+                  </a:rPr>
+                  <a:t>14422044</a:t>
+                </a:r>
+              </a:p>
+              <a:p>
+                <a:pPr marL="0" indent="0" algn="ctr">
+                  <a:lnSpc>
+                    <a:spcPct val="150000"/>
+                  </a:lnSpc>
+                  <a:spcBef>
+                    <a:spcPts val="400"/>
+                  </a:spcBef>
+                  <a:buSzTx/>
+                  <a:buNone/>
+                  <a:defRPr/>
+                </a:pPr>
+                <a:r>
+                  <a:rPr lang="en-US" altLang="zh-CN" sz="1800" kern="100" dirty="0">
+                    <a:solidFill>
+                      <a:srgbClr val="16388A"/>
+                    </a:solidFill>
+                    <a:latin typeface="Times New Roman" panose="02020603050405020304" pitchFamily="18" charset="0"/>
+                    <a:ea typeface="华文新魏" panose="02010800040101010101" pitchFamily="2" charset="-122"/>
+                    <a:cs typeface="Times New Roman" panose="02020603050405020304" pitchFamily="18" charset="0"/>
+                  </a:rPr>
+                  <a:t>xmiao@mail.missouri.edu</a:t>
+                </a:r>
+              </a:p>
+            </p:txBody>
+          </p:sp>
+          <p:sp>
+            <p:nvSpPr>
+              <p:cNvPr id="9" name="TextBox 8">
+                <a:extLst>
+                  <a:ext uri="{FF2B5EF4-FFF2-40B4-BE49-F238E27FC236}">
+                    <a16:creationId xmlns:a16="http://schemas.microsoft.com/office/drawing/2014/main" id="{4536A1E2-19E5-85F2-60D0-8CF11F284471}"/>
+                  </a:ext>
+                </a:extLst>
+              </p:cNvPr>
+              <p:cNvSpPr txBox="1"/>
+              <p:nvPr/>
+            </p:nvSpPr>
+            <p:spPr>
+              <a:xfrm>
+                <a:off x="562311" y="435735"/>
+                <a:ext cx="4577678" cy="707886"/>
+              </a:xfrm>
+              <a:prstGeom prst="rect">
+                <a:avLst/>
+              </a:prstGeom>
+              <a:noFill/>
+            </p:spPr>
+            <p:txBody>
+              <a:bodyPr wrap="square">
+                <a:spAutoFit/>
+              </a:bodyPr>
+              <a:lstStyle/>
+              <a:p>
+                <a:pPr marL="0" indent="0" algn="ctr">
+                  <a:lnSpc>
+                    <a:spcPct val="100000"/>
+                  </a:lnSpc>
+                  <a:buNone/>
+                  <a:defRPr/>
+                </a:pPr>
+                <a:r>
+                  <a:rPr lang="en-US" altLang="zh-CN" sz="2000" i="1" kern="100" dirty="0">
+                    <a:solidFill>
+                      <a:srgbClr val="FF0000"/>
+                    </a:solidFill>
+                    <a:latin typeface="Times New Roman" panose="02020603050405020304" pitchFamily="18" charset="0"/>
+                    <a:ea typeface="微软雅黑" panose="020B0503020204020204" pitchFamily="34" charset="-122"/>
+                    <a:cs typeface="Times New Roman" panose="02020603050405020304" pitchFamily="18" charset="0"/>
+                  </a:rPr>
+                  <a:t>HOMEWORK 3B</a:t>
+                </a:r>
+              </a:p>
+              <a:p>
+                <a:pPr marL="0" indent="0" algn="ctr">
+                  <a:lnSpc>
+                    <a:spcPct val="100000"/>
+                  </a:lnSpc>
+                  <a:buNone/>
+                  <a:defRPr/>
+                </a:pPr>
+                <a:r>
+                  <a:rPr lang="en-US" altLang="zh-CN" sz="2000" i="1" kern="100" dirty="0">
+                    <a:solidFill>
+                      <a:srgbClr val="FF0000"/>
+                    </a:solidFill>
+                    <a:latin typeface="Times New Roman" panose="02020603050405020304" pitchFamily="18" charset="0"/>
+                    <a:ea typeface="微软雅黑" panose="020B0503020204020204" pitchFamily="34" charset="-122"/>
+                    <a:cs typeface="Times New Roman" panose="02020603050405020304" pitchFamily="18" charset="0"/>
+                  </a:rPr>
+                  <a:t>ECE/CS 8690 </a:t>
+                </a:r>
+                <a:r>
+                  <a:rPr lang="it-IT" altLang="zh-CN" sz="2000" i="1" kern="100" dirty="0">
+                    <a:solidFill>
+                      <a:srgbClr val="FF0000"/>
+                    </a:solidFill>
+                    <a:latin typeface="Times New Roman" panose="02020603050405020304" pitchFamily="18" charset="0"/>
+                    <a:ea typeface="微软雅黑" panose="020B0503020204020204" pitchFamily="34" charset="-122"/>
+                    <a:cs typeface="Times New Roman" panose="02020603050405020304" pitchFamily="18" charset="0"/>
+                  </a:rPr>
+                  <a:t>2302 Computer Vision</a:t>
+                </a:r>
+                <a:endParaRPr lang="en-US" altLang="zh-CN" sz="2000" i="1" kern="100" dirty="0">
+                  <a:solidFill>
+                    <a:srgbClr val="FF0000"/>
+                  </a:solidFill>
+                  <a:latin typeface="Times New Roman" panose="02020603050405020304" pitchFamily="18" charset="0"/>
+                  <a:ea typeface="微软雅黑" panose="020B0503020204020204" pitchFamily="34" charset="-122"/>
+                  <a:cs typeface="Times New Roman" panose="02020603050405020304" pitchFamily="18" charset="0"/>
+                </a:endParaRPr>
+              </a:p>
+            </p:txBody>
+          </p:sp>
+          <mc:AlternateContent xmlns:mc="http://schemas.openxmlformats.org/markup-compatibility/2006" xmlns:a14="http://schemas.microsoft.com/office/drawing/2010/main">
+            <mc:Choice Requires="a14">
+              <p:sp>
+                <p:nvSpPr>
+                  <p:cNvPr id="11" name="TextBox 10">
+                    <a:extLst>
+                      <a:ext uri="{FF2B5EF4-FFF2-40B4-BE49-F238E27FC236}">
+                        <a16:creationId xmlns:a16="http://schemas.microsoft.com/office/drawing/2014/main" id="{8870D315-40E3-0EC2-6D56-E03037F01BA6}"/>
+                      </a:ext>
+                    </a:extLst>
+                  </p:cNvPr>
+                  <p:cNvSpPr txBox="1"/>
+                  <p:nvPr/>
+                </p:nvSpPr>
+                <p:spPr>
+                  <a:xfrm>
+                    <a:off x="580265" y="1432188"/>
+                    <a:ext cx="4609211" cy="369332"/>
+                  </a:xfrm>
+                  <a:prstGeom prst="rect">
+                    <a:avLst/>
+                  </a:prstGeom>
+                  <a:noFill/>
+                </p:spPr>
+                <p:txBody>
+                  <a:bodyPr wrap="square">
+                    <a:spAutoFit/>
+                  </a:bodyPr>
+                  <a:lstStyle/>
+                  <a:p>
+                    <a:pPr algn="ctr">
+                      <a:defRPr/>
+                    </a:pPr>
+                    <a14:m>
+                      <m:oMathPara xmlns:m="http://schemas.openxmlformats.org/officeDocument/2006/math">
+                        <m:oMathParaPr>
+                          <m:jc m:val="centerGroup"/>
+                        </m:oMathParaPr>
+                        <m:oMath xmlns:m="http://schemas.openxmlformats.org/officeDocument/2006/math">
+                          <m:r>
+                            <a:rPr lang="en-US" b="1" i="1">
+                              <a:solidFill>
+                                <a:srgbClr val="16388A"/>
+                              </a:solidFill>
+                              <a:latin typeface="Cambria Math" panose="02040503050406030204" pitchFamily="18" charset="0"/>
+                            </a:rPr>
+                            <m:t>𝑰𝒎𝒂𝒈𝒆</m:t>
+                          </m:r>
+                          <m:r>
+                            <a:rPr lang="en-US" b="1" i="1">
+                              <a:solidFill>
+                                <a:srgbClr val="16388A"/>
+                              </a:solidFill>
+                              <a:latin typeface="Cambria Math" panose="02040503050406030204" pitchFamily="18" charset="0"/>
+                            </a:rPr>
+                            <m:t> </m:t>
+                          </m:r>
+                          <m:r>
+                            <a:rPr lang="en-US" b="1" i="1">
+                              <a:solidFill>
+                                <a:srgbClr val="16388A"/>
+                              </a:solidFill>
+                              <a:latin typeface="Cambria Math" panose="02040503050406030204" pitchFamily="18" charset="0"/>
+                            </a:rPr>
+                            <m:t>𝑪𝒍𝒂𝒔𝒔𝒊𝒇𝒊𝒄𝒂𝒕𝒊𝒐𝒏</m:t>
+                          </m:r>
+                        </m:oMath>
+                      </m:oMathPara>
+                    </a14:m>
+                    <a:endParaRPr sz="1600" dirty="0"/>
+                  </a:p>
+                </p:txBody>
+              </p:sp>
+            </mc:Choice>
+            <mc:Fallback xmlns="">
+              <p:sp>
+                <p:nvSpPr>
+                  <p:cNvPr id="11" name="TextBox 10">
+                    <a:extLst>
+                      <a:ext uri="{FF2B5EF4-FFF2-40B4-BE49-F238E27FC236}">
+                        <a16:creationId xmlns:a16="http://schemas.microsoft.com/office/drawing/2014/main" id="{8870D315-40E3-0EC2-6D56-E03037F01BA6}"/>
+                      </a:ext>
+                    </a:extLst>
+                  </p:cNvPr>
+                  <p:cNvSpPr txBox="1">
+                    <a:spLocks noRot="1" noChangeAspect="1" noMove="1" noResize="1" noEditPoints="1" noAdjustHandles="1" noChangeArrowheads="1" noChangeShapeType="1" noTextEdit="1"/>
+                  </p:cNvSpPr>
+                  <p:nvPr/>
+                </p:nvSpPr>
+                <p:spPr>
+                  <a:xfrm>
+                    <a:off x="580265" y="1432188"/>
+                    <a:ext cx="4609211" cy="369332"/>
+                  </a:xfrm>
+                  <a:prstGeom prst="rect">
+                    <a:avLst/>
+                  </a:prstGeom>
+                  <a:blipFill>
+                    <a:blip r:embed="rId3"/>
+                    <a:stretch>
+                      <a:fillRect b="-15000"/>
+                    </a:stretch>
+                  </a:blipFill>
+                </p:spPr>
+                <p:txBody>
+                  <a:bodyPr/>
+                  <a:lstStyle/>
+                  <a:p>
+                    <a:r>
+                      <a:rPr lang="en-US">
+                        <a:noFill/>
+                      </a:rPr>
+                      <a:t> </a:t>
+                    </a:r>
+                  </a:p>
+                </p:txBody>
+              </p:sp>
+            </mc:Fallback>
+          </mc:AlternateContent>
+        </p:grpSp>
+        <p:sp>
+          <p:nvSpPr>
+            <p:cNvPr id="18" name="TextBox 17">
+              <a:extLst>
+                <a:ext uri="{FF2B5EF4-FFF2-40B4-BE49-F238E27FC236}">
+                  <a16:creationId xmlns:a16="http://schemas.microsoft.com/office/drawing/2014/main" id="{1EAA9979-C218-4DFA-A67E-9A56C9789E18}"/>
+                </a:ext>
+              </a:extLst>
+            </p:cNvPr>
+            <p:cNvSpPr txBox="1"/>
+            <p:nvPr/>
+          </p:nvSpPr>
+          <p:spPr>
+            <a:xfrm>
+              <a:off x="2104455" y="3304079"/>
+              <a:ext cx="2140177" cy="498663"/>
+            </a:xfrm>
+            <a:prstGeom prst="rect">
+              <a:avLst/>
+            </a:prstGeom>
+            <a:noFill/>
+          </p:spPr>
+          <p:txBody>
+            <a:bodyPr wrap="square">
+              <a:spAutoFit/>
+            </a:bodyPr>
+            <a:lstStyle/>
+            <a:p>
+              <a:pPr algn="ctr">
+                <a:lnSpc>
+                  <a:spcPct val="150000"/>
+                </a:lnSpc>
+                <a:spcBef>
+                  <a:spcPts val="1000"/>
+                </a:spcBef>
+                <a:defRPr/>
+              </a:pPr>
+              <a:r>
+                <a:rPr lang="en-US" altLang="zh-CN" sz="2000" b="1" kern="100" dirty="0">
+                  <a:solidFill>
+                    <a:srgbClr val="16388A"/>
+                  </a:solidFill>
+                  <a:latin typeface="Times New Roman" panose="02020603050405020304" pitchFamily="18" charset="0"/>
+                  <a:ea typeface="华文新魏" panose="02010800040101010101" pitchFamily="2" charset="-122"/>
+                  <a:cs typeface="Times New Roman" panose="02020603050405020304" pitchFamily="18" charset="0"/>
+                </a:rPr>
+                <a:t>Abstract</a:t>
+              </a:r>
+              <a:endParaRPr lang="en-US" kern="100" dirty="0">
                 <a:solidFill>
                   <a:srgbClr val="16388A"/>
                 </a:solidFill>
                 <a:latin typeface="Times New Roman" panose="02020603050405020304" pitchFamily="18" charset="0"/>
                 <a:ea typeface="华文新魏" panose="02010800040101010101" pitchFamily="2" charset="-122"/>
                 <a:cs typeface="Times New Roman" panose="02020603050405020304" pitchFamily="18" charset="0"/>
-              </a:rPr>
-              <a:t>PyTorch</a:t>
-            </a:r>
-            <a:r>
-              <a:rPr lang="en-US" sz="1600" kern="100" dirty="0">
-                <a:solidFill>
-                  <a:srgbClr val="16388A"/>
-                </a:solidFill>
-                <a:latin typeface="Times New Roman" panose="02020603050405020304" pitchFamily="18" charset="0"/>
-                <a:ea typeface="华文新魏" panose="02010800040101010101" pitchFamily="2" charset="-122"/>
-                <a:cs typeface="Times New Roman" panose="02020603050405020304" pitchFamily="18" charset="0"/>
-              </a:rPr>
-              <a:t>, </a:t>
-            </a:r>
-            <a:r>
-              <a:rPr lang="en-US" sz="1600" kern="100" dirty="0" err="1">
-                <a:solidFill>
-                  <a:srgbClr val="16388A"/>
-                </a:solidFill>
-                <a:latin typeface="Times New Roman" panose="02020603050405020304" pitchFamily="18" charset="0"/>
-                <a:ea typeface="华文新魏" panose="02010800040101010101" pitchFamily="2" charset="-122"/>
-                <a:cs typeface="Times New Roman" panose="02020603050405020304" pitchFamily="18" charset="0"/>
-              </a:rPr>
-              <a:t>TorchVision</a:t>
-            </a:r>
-            <a:r>
-              <a:rPr lang="en-US" sz="1600" kern="100" dirty="0">
-                <a:solidFill>
-                  <a:srgbClr val="16388A"/>
-                </a:solidFill>
-                <a:latin typeface="Times New Roman" panose="02020603050405020304" pitchFamily="18" charset="0"/>
-                <a:ea typeface="华文新魏" panose="02010800040101010101" pitchFamily="2" charset="-122"/>
-                <a:cs typeface="Times New Roman" panose="02020603050405020304" pitchFamily="18" charset="0"/>
-              </a:rPr>
-              <a:t>, and the Faster R-CNN deep learning model for object detection. We used these tools to detect pedestrians in a test video and drew bounding boxes around them. This exercise helped us understand the effectiveness and limitations of the model, and how it can be used in future projects for object detection.</a:t>
-            </a:r>
-          </a:p>
-          <a:p>
-            <a:pPr algn="just"/>
-            <a:r>
-              <a:rPr lang="en-US" sz="1600" kern="100" dirty="0">
-                <a:solidFill>
-                  <a:srgbClr val="16388A"/>
-                </a:solidFill>
-                <a:latin typeface="Times New Roman" panose="02020603050405020304" pitchFamily="18" charset="0"/>
-                <a:ea typeface="华文新魏" panose="02010800040101010101" pitchFamily="2" charset="-122"/>
-                <a:cs typeface="Times New Roman" panose="02020603050405020304" pitchFamily="18" charset="0"/>
-              </a:rPr>
-              <a:t>   To complete the assignment, we installed </a:t>
-            </a:r>
-            <a:r>
-              <a:rPr lang="en-US" sz="1600" kern="100" dirty="0" err="1">
-                <a:solidFill>
-                  <a:srgbClr val="16388A"/>
-                </a:solidFill>
-                <a:latin typeface="Times New Roman" panose="02020603050405020304" pitchFamily="18" charset="0"/>
-                <a:ea typeface="华文新魏" panose="02010800040101010101" pitchFamily="2" charset="-122"/>
-                <a:cs typeface="Times New Roman" panose="02020603050405020304" pitchFamily="18" charset="0"/>
-              </a:rPr>
-              <a:t>PyTorch</a:t>
-            </a:r>
-            <a:r>
-              <a:rPr lang="en-US" sz="1600" kern="100" dirty="0">
-                <a:solidFill>
-                  <a:srgbClr val="16388A"/>
-                </a:solidFill>
-                <a:latin typeface="Times New Roman" panose="02020603050405020304" pitchFamily="18" charset="0"/>
-                <a:ea typeface="华文新魏" panose="02010800040101010101" pitchFamily="2" charset="-122"/>
-                <a:cs typeface="Times New Roman" panose="02020603050405020304" pitchFamily="18" charset="0"/>
-              </a:rPr>
-              <a:t>, loaded the pre-trained Fast R-CNN model using </a:t>
-            </a:r>
-            <a:r>
-              <a:rPr lang="en-US" sz="1600" kern="100" dirty="0" err="1">
-                <a:solidFill>
-                  <a:srgbClr val="16388A"/>
-                </a:solidFill>
-                <a:latin typeface="Times New Roman" panose="02020603050405020304" pitchFamily="18" charset="0"/>
-                <a:ea typeface="华文新魏" panose="02010800040101010101" pitchFamily="2" charset="-122"/>
-                <a:cs typeface="Times New Roman" panose="02020603050405020304" pitchFamily="18" charset="0"/>
-              </a:rPr>
-              <a:t>TorchVision</a:t>
-            </a:r>
-            <a:r>
-              <a:rPr lang="en-US" sz="1600" kern="100" dirty="0">
-                <a:solidFill>
-                  <a:srgbClr val="16388A"/>
-                </a:solidFill>
-                <a:latin typeface="Times New Roman" panose="02020603050405020304" pitchFamily="18" charset="0"/>
-                <a:ea typeface="华文新魏" panose="02010800040101010101" pitchFamily="2" charset="-122"/>
-                <a:cs typeface="Times New Roman" panose="02020603050405020304" pitchFamily="18" charset="0"/>
-              </a:rPr>
-              <a:t>, and used it to detect pedestrians in a given test video. We then drew bounding boxes around the detected pedestrians in the video, and showed the results for frames 1, 100, 200, and 400.</a:t>
-            </a:r>
-          </a:p>
-        </p:txBody>
-      </p:sp>
-      <p:sp>
-        <p:nvSpPr>
-          <p:cNvPr id="18" name="TextBox 17">
-            <a:extLst>
-              <a:ext uri="{FF2B5EF4-FFF2-40B4-BE49-F238E27FC236}">
-                <a16:creationId xmlns:a16="http://schemas.microsoft.com/office/drawing/2014/main" id="{1EAA9979-C218-4DFA-A67E-9A56C9789E18}"/>
-              </a:ext>
-            </a:extLst>
-          </p:cNvPr>
-          <p:cNvSpPr txBox="1"/>
-          <p:nvPr/>
-        </p:nvSpPr>
-        <p:spPr>
-          <a:xfrm>
-            <a:off x="1831405" y="3304079"/>
-            <a:ext cx="2140177" cy="498663"/>
-          </a:xfrm>
-          <a:prstGeom prst="rect">
-            <a:avLst/>
-          </a:prstGeom>
-          <a:noFill/>
-        </p:spPr>
-        <p:txBody>
-          <a:bodyPr wrap="square">
-            <a:spAutoFit/>
-          </a:bodyPr>
-          <a:lstStyle/>
-          <a:p>
-            <a:pPr algn="ctr">
-              <a:lnSpc>
-                <a:spcPct val="150000"/>
-              </a:lnSpc>
-              <a:spcBef>
-                <a:spcPts val="1000"/>
-              </a:spcBef>
-              <a:defRPr/>
-            </a:pPr>
-            <a:r>
-              <a:rPr lang="en-US" altLang="zh-CN" sz="2000" b="1" kern="100" dirty="0">
-                <a:solidFill>
-                  <a:srgbClr val="16388A"/>
-                </a:solidFill>
-                <a:latin typeface="Times New Roman" panose="02020603050405020304" pitchFamily="18" charset="0"/>
-                <a:ea typeface="华文新魏" panose="02010800040101010101" pitchFamily="2" charset="-122"/>
-                <a:cs typeface="Times New Roman" panose="02020603050405020304" pitchFamily="18" charset="0"/>
-              </a:rPr>
-              <a:t>Abstract</a:t>
-            </a:r>
-            <a:endParaRPr lang="en-US" kern="100" dirty="0">
-              <a:solidFill>
-                <a:srgbClr val="16388A"/>
-              </a:solidFill>
-              <a:latin typeface="Times New Roman" panose="02020603050405020304" pitchFamily="18" charset="0"/>
-              <a:ea typeface="华文新魏" panose="02010800040101010101" pitchFamily="2" charset="-122"/>
-              <a:cs typeface="Times New Roman" panose="02020603050405020304" pitchFamily="18" charset="0"/>
-            </a:endParaRPr>
-          </a:p>
-        </p:txBody>
-      </p:sp>
+              </a:endParaRPr>
+            </a:p>
+          </p:txBody>
+        </p:sp>
+      </p:grpSp>
       <p:cxnSp>
         <p:nvCxnSpPr>
           <p:cNvPr id="22" name="Straight Connector 21">
@@ -14976,7 +15518,7 @@
         </p:nvCxnSpPr>
         <p:spPr>
           <a:xfrm>
-            <a:off x="6000806" y="0"/>
+            <a:off x="6311956" y="0"/>
             <a:ext cx="0" cy="6858000"/>
           </a:xfrm>
           <a:prstGeom prst="line">
@@ -15003,36 +15545,380 @@
           </a:fontRef>
         </p:style>
       </p:cxnSp>
-      <p:pic>
-        <p:nvPicPr>
-          <p:cNvPr id="3" name="Picture 2">
-            <a:extLst>
-              <a:ext uri="{FF2B5EF4-FFF2-40B4-BE49-F238E27FC236}">
-                <a16:creationId xmlns:a16="http://schemas.microsoft.com/office/drawing/2014/main" id="{512FF9A5-1B3E-45C9-A149-9D30AA715845}"/>
-              </a:ext>
-            </a:extLst>
-          </p:cNvPr>
-          <p:cNvPicPr>
-            <a:picLocks noChangeAspect="1"/>
-          </p:cNvPicPr>
-          <p:nvPr/>
-        </p:nvPicPr>
-        <p:blipFill>
-          <a:blip r:embed="rId4"/>
-          <a:stretch>
-            <a:fillRect/>
-          </a:stretch>
-        </p:blipFill>
-        <p:spPr>
-          <a:xfrm>
-            <a:off x="6504573" y="1735990"/>
-            <a:ext cx="5346463" cy="3261413"/>
-          </a:xfrm>
-          <a:prstGeom prst="rect">
-            <a:avLst/>
-          </a:prstGeom>
-        </p:spPr>
-      </p:pic>
+      <mc:AlternateContent xmlns:mc="http://schemas.openxmlformats.org/markup-compatibility/2006">
+        <mc:Choice xmlns:pslz="http://schemas.microsoft.com/office/powerpoint/2016/slidezoom" Requires="pslz">
+          <p:graphicFrame>
+            <p:nvGraphicFramePr>
+              <p:cNvPr id="8" name="Slide Zoom 7">
+                <a:extLst>
+                  <a:ext uri="{FF2B5EF4-FFF2-40B4-BE49-F238E27FC236}">
+                    <a16:creationId xmlns:a16="http://schemas.microsoft.com/office/drawing/2014/main" id="{020F8CFB-75D6-4089-894B-43D633B6E0DC}"/>
+                  </a:ext>
+                </a:extLst>
+              </p:cNvPr>
+              <p:cNvGraphicFramePr>
+                <a:graphicFrameLocks noChangeAspect="1"/>
+              </p:cNvGraphicFramePr>
+              <p:nvPr>
+                <p:extLst>
+                  <p:ext uri="{D42A27DB-BD31-4B8C-83A1-F6EECF244321}">
+                    <p14:modId xmlns:p14="http://schemas.microsoft.com/office/powerpoint/2010/main" val="2059297896"/>
+                  </p:ext>
+                </p:extLst>
+              </p:nvPr>
+            </p:nvGraphicFramePr>
+            <p:xfrm>
+              <a:off x="8811195" y="80821"/>
+              <a:ext cx="3251200" cy="1828800"/>
+            </p:xfrm>
+            <a:graphic>
+              <a:graphicData uri="http://schemas.microsoft.com/office/powerpoint/2016/slidezoom">
+                <pslz:sldZm>
+                  <pslz:sldZmObj sldId="304" cId="77921929">
+                    <pslz:zmPr id="{7BC189C0-F562-486C-8416-EECC7186035B}" returnToParent="0" transitionDur="1000">
+                      <p166:blipFill xmlns:p166="http://schemas.microsoft.com/office/powerpoint/2016/6/main">
+                        <a:blip r:embed="rId4"/>
+                        <a:stretch>
+                          <a:fillRect/>
+                        </a:stretch>
+                      </p166:blipFill>
+                      <p166:spPr xmlns:p166="http://schemas.microsoft.com/office/powerpoint/2016/6/main">
+                        <a:xfrm>
+                          <a:off x="0" y="0"/>
+                          <a:ext cx="3251200" cy="1828800"/>
+                        </a:xfrm>
+                        <a:prstGeom prst="rect">
+                          <a:avLst/>
+                        </a:prstGeom>
+                      </p166:spPr>
+                    </pslz:zmPr>
+                  </pslz:sldZmObj>
+                </pslz:sldZm>
+              </a:graphicData>
+            </a:graphic>
+          </p:graphicFrame>
+        </mc:Choice>
+        <mc:Fallback>
+          <p:pic>
+            <p:nvPicPr>
+              <p:cNvPr id="8" name="Slide Zoom 7">
+                <a:extLst>
+                  <a:ext uri="{FF2B5EF4-FFF2-40B4-BE49-F238E27FC236}">
+                    <a16:creationId xmlns:a16="http://schemas.microsoft.com/office/drawing/2014/main" id="{020F8CFB-75D6-4089-894B-43D633B6E0DC}"/>
+                  </a:ext>
+                </a:extLst>
+              </p:cNvPr>
+              <p:cNvPicPr>
+                <a:picLocks noGrp="1" noRot="1" noChangeAspect="1" noMove="1" noResize="1" noEditPoints="1" noAdjustHandles="1" noChangeArrowheads="1" noChangeShapeType="1"/>
+              </p:cNvPicPr>
+              <p:nvPr/>
+            </p:nvPicPr>
+            <p:blipFill>
+              <a:blip r:embed="rId4"/>
+              <a:stretch>
+                <a:fillRect/>
+              </a:stretch>
+            </p:blipFill>
+            <p:spPr>
+              <a:xfrm>
+                <a:off x="8811195" y="80821"/>
+                <a:ext cx="3251200" cy="1828800"/>
+              </a:xfrm>
+              <a:prstGeom prst="rect">
+                <a:avLst/>
+              </a:prstGeom>
+            </p:spPr>
+          </p:pic>
+        </mc:Fallback>
+      </mc:AlternateContent>
+      <mc:AlternateContent xmlns:mc="http://schemas.openxmlformats.org/markup-compatibility/2006">
+        <mc:Choice xmlns:pslz="http://schemas.microsoft.com/office/powerpoint/2016/slidezoom" Requires="pslz">
+          <p:graphicFrame>
+            <p:nvGraphicFramePr>
+              <p:cNvPr id="12" name="Slide Zoom 11">
+                <a:extLst>
+                  <a:ext uri="{FF2B5EF4-FFF2-40B4-BE49-F238E27FC236}">
+                    <a16:creationId xmlns:a16="http://schemas.microsoft.com/office/drawing/2014/main" id="{A7BD16EF-A3D1-4F8D-9F48-A854E5D99A64}"/>
+                  </a:ext>
+                </a:extLst>
+              </p:cNvPr>
+              <p:cNvGraphicFramePr>
+                <a:graphicFrameLocks noChangeAspect="1"/>
+              </p:cNvGraphicFramePr>
+              <p:nvPr>
+                <p:extLst>
+                  <p:ext uri="{D42A27DB-BD31-4B8C-83A1-F6EECF244321}">
+                    <p14:modId xmlns:p14="http://schemas.microsoft.com/office/powerpoint/2010/main" val="3982348004"/>
+                  </p:ext>
+                </p:extLst>
+              </p:nvPr>
+            </p:nvGraphicFramePr>
+            <p:xfrm>
+              <a:off x="6502345" y="1701491"/>
+              <a:ext cx="3251200" cy="1828800"/>
+            </p:xfrm>
+            <a:graphic>
+              <a:graphicData uri="http://schemas.microsoft.com/office/powerpoint/2016/slidezoom">
+                <pslz:sldZm>
+                  <pslz:sldZmObj sldId="306" cId="2568135176">
+                    <pslz:zmPr id="{31966603-D083-4456-92AA-97787BD1F90F}" returnToParent="0" transitionDur="1000">
+                      <p166:blipFill xmlns:p166="http://schemas.microsoft.com/office/powerpoint/2016/6/main">
+                        <a:blip r:embed="rId5"/>
+                        <a:stretch>
+                          <a:fillRect/>
+                        </a:stretch>
+                      </p166:blipFill>
+                      <p166:spPr xmlns:p166="http://schemas.microsoft.com/office/powerpoint/2016/6/main">
+                        <a:xfrm>
+                          <a:off x="0" y="0"/>
+                          <a:ext cx="3251200" cy="1828800"/>
+                        </a:xfrm>
+                        <a:prstGeom prst="rect">
+                          <a:avLst/>
+                        </a:prstGeom>
+                        <a:ln w="3175">
+                          <a:solidFill>
+                            <a:prstClr val="ltGray"/>
+                          </a:solidFill>
+                        </a:ln>
+                      </p166:spPr>
+                    </pslz:zmPr>
+                  </pslz:sldZmObj>
+                </pslz:sldZm>
+              </a:graphicData>
+            </a:graphic>
+          </p:graphicFrame>
+        </mc:Choice>
+        <mc:Fallback>
+          <p:pic>
+            <p:nvPicPr>
+              <p:cNvPr id="12" name="Slide Zoom 11">
+                <a:extLst>
+                  <a:ext uri="{FF2B5EF4-FFF2-40B4-BE49-F238E27FC236}">
+                    <a16:creationId xmlns:a16="http://schemas.microsoft.com/office/drawing/2014/main" id="{A7BD16EF-A3D1-4F8D-9F48-A854E5D99A64}"/>
+                  </a:ext>
+                </a:extLst>
+              </p:cNvPr>
+              <p:cNvPicPr>
+                <a:picLocks noGrp="1" noRot="1" noChangeAspect="1" noMove="1" noResize="1" noEditPoints="1" noAdjustHandles="1" noChangeArrowheads="1" noChangeShapeType="1"/>
+              </p:cNvPicPr>
+              <p:nvPr/>
+            </p:nvPicPr>
+            <p:blipFill>
+              <a:blip r:embed="rId5"/>
+              <a:stretch>
+                <a:fillRect/>
+              </a:stretch>
+            </p:blipFill>
+            <p:spPr>
+              <a:xfrm>
+                <a:off x="6502345" y="1701491"/>
+                <a:ext cx="3251200" cy="1828800"/>
+              </a:xfrm>
+              <a:prstGeom prst="rect">
+                <a:avLst/>
+              </a:prstGeom>
+              <a:ln w="3175">
+                <a:solidFill>
+                  <a:prstClr val="ltGray"/>
+                </a:solidFill>
+              </a:ln>
+            </p:spPr>
+          </p:pic>
+        </mc:Fallback>
+      </mc:AlternateContent>
+      <mc:AlternateContent xmlns:mc="http://schemas.openxmlformats.org/markup-compatibility/2006">
+        <mc:Choice xmlns:pslz="http://schemas.microsoft.com/office/powerpoint/2016/slidezoom" Requires="pslz">
+          <p:graphicFrame>
+            <p:nvGraphicFramePr>
+              <p:cNvPr id="14" name="Slide Zoom 13">
+                <a:extLst>
+                  <a:ext uri="{FF2B5EF4-FFF2-40B4-BE49-F238E27FC236}">
+                    <a16:creationId xmlns:a16="http://schemas.microsoft.com/office/drawing/2014/main" id="{F63717F6-BB53-42CD-97EC-7D39B703993E}"/>
+                  </a:ext>
+                </a:extLst>
+              </p:cNvPr>
+              <p:cNvGraphicFramePr>
+                <a:graphicFrameLocks noChangeAspect="1"/>
+              </p:cNvGraphicFramePr>
+              <p:nvPr>
+                <p:extLst>
+                  <p:ext uri="{D42A27DB-BD31-4B8C-83A1-F6EECF244321}">
+                    <p14:modId xmlns:p14="http://schemas.microsoft.com/office/powerpoint/2010/main" val="3341599241"/>
+                  </p:ext>
+                </p:extLst>
+              </p:nvPr>
+            </p:nvGraphicFramePr>
+            <p:xfrm>
+              <a:off x="8811195" y="3324935"/>
+              <a:ext cx="3251200" cy="1828800"/>
+            </p:xfrm>
+            <a:graphic>
+              <a:graphicData uri="http://schemas.microsoft.com/office/powerpoint/2016/slidezoom">
+                <pslz:sldZm>
+                  <pslz:sldZmObj sldId="307" cId="3864501305">
+                    <pslz:zmPr id="{0E421F28-D767-4E9E-B2DF-971C91EC4C5E}" returnToParent="0" transitionDur="1000">
+                      <p166:blipFill xmlns:p166="http://schemas.microsoft.com/office/powerpoint/2016/6/main">
+                        <a:blip r:embed="rId6"/>
+                        <a:stretch>
+                          <a:fillRect/>
+                        </a:stretch>
+                      </p166:blipFill>
+                      <p166:spPr xmlns:p166="http://schemas.microsoft.com/office/powerpoint/2016/6/main">
+                        <a:xfrm>
+                          <a:off x="0" y="0"/>
+                          <a:ext cx="3251200" cy="1828800"/>
+                        </a:xfrm>
+                        <a:prstGeom prst="rect">
+                          <a:avLst/>
+                        </a:prstGeom>
+                        <a:ln w="3175">
+                          <a:solidFill>
+                            <a:prstClr val="ltGray"/>
+                          </a:solidFill>
+                        </a:ln>
+                      </p166:spPr>
+                    </pslz:zmPr>
+                  </pslz:sldZmObj>
+                </pslz:sldZm>
+              </a:graphicData>
+            </a:graphic>
+          </p:graphicFrame>
+        </mc:Choice>
+        <mc:Fallback>
+          <p:pic>
+            <p:nvPicPr>
+              <p:cNvPr id="14" name="Slide Zoom 13">
+                <a:extLst>
+                  <a:ext uri="{FF2B5EF4-FFF2-40B4-BE49-F238E27FC236}">
+                    <a16:creationId xmlns:a16="http://schemas.microsoft.com/office/drawing/2014/main" id="{F63717F6-BB53-42CD-97EC-7D39B703993E}"/>
+                  </a:ext>
+                </a:extLst>
+              </p:cNvPr>
+              <p:cNvPicPr>
+                <a:picLocks noGrp="1" noRot="1" noChangeAspect="1" noMove="1" noResize="1" noEditPoints="1" noAdjustHandles="1" noChangeArrowheads="1" noChangeShapeType="1"/>
+              </p:cNvPicPr>
+              <p:nvPr/>
+            </p:nvPicPr>
+            <p:blipFill>
+              <a:blip r:embed="rId6"/>
+              <a:stretch>
+                <a:fillRect/>
+              </a:stretch>
+            </p:blipFill>
+            <p:spPr>
+              <a:xfrm>
+                <a:off x="8811195" y="3324935"/>
+                <a:ext cx="3251200" cy="1828800"/>
+              </a:xfrm>
+              <a:prstGeom prst="rect">
+                <a:avLst/>
+              </a:prstGeom>
+              <a:ln w="3175">
+                <a:solidFill>
+                  <a:prstClr val="ltGray"/>
+                </a:solidFill>
+              </a:ln>
+            </p:spPr>
+          </p:pic>
+        </mc:Fallback>
+      </mc:AlternateContent>
+      <mc:AlternateContent xmlns:mc="http://schemas.openxmlformats.org/markup-compatibility/2006">
+        <mc:Choice xmlns:pslz="http://schemas.microsoft.com/office/powerpoint/2016/slidezoom" Requires="pslz">
+          <p:graphicFrame>
+            <p:nvGraphicFramePr>
+              <p:cNvPr id="20" name="Slide Zoom 19">
+                <a:extLst>
+                  <a:ext uri="{FF2B5EF4-FFF2-40B4-BE49-F238E27FC236}">
+                    <a16:creationId xmlns:a16="http://schemas.microsoft.com/office/drawing/2014/main" id="{38B055B2-DFA9-4131-B05B-C38A3F8FB024}"/>
+                  </a:ext>
+                </a:extLst>
+              </p:cNvPr>
+              <p:cNvGraphicFramePr>
+                <a:graphicFrameLocks noChangeAspect="1"/>
+              </p:cNvGraphicFramePr>
+              <p:nvPr>
+                <p:extLst>
+                  <p:ext uri="{D42A27DB-BD31-4B8C-83A1-F6EECF244321}">
+                    <p14:modId xmlns:p14="http://schemas.microsoft.com/office/powerpoint/2010/main" val="2599473838"/>
+                  </p:ext>
+                </p:extLst>
+              </p:nvPr>
+            </p:nvGraphicFramePr>
+            <p:xfrm>
+              <a:off x="6502345" y="4948379"/>
+              <a:ext cx="3251200" cy="1828800"/>
+            </p:xfrm>
+            <a:graphic>
+              <a:graphicData uri="http://schemas.microsoft.com/office/powerpoint/2016/slidezoom">
+                <pslz:sldZm>
+                  <pslz:sldZmObj sldId="308" cId="3758680294">
+                    <pslz:zmPr id="{A6E8FC35-551B-4C64-8503-943B6C5B01AC}" returnToParent="0" transitionDur="1000">
+                      <p166:blipFill xmlns:p166="http://schemas.microsoft.com/office/powerpoint/2016/6/main">
+                        <a:blip r:embed="rId7"/>
+                        <a:stretch>
+                          <a:fillRect/>
+                        </a:stretch>
+                      </p166:blipFill>
+                      <p166:spPr xmlns:p166="http://schemas.microsoft.com/office/powerpoint/2016/6/main">
+                        <a:xfrm>
+                          <a:off x="0" y="0"/>
+                          <a:ext cx="3251200" cy="1828800"/>
+                        </a:xfrm>
+                        <a:prstGeom prst="rect">
+                          <a:avLst/>
+                        </a:prstGeom>
+                        <a:ln w="3175">
+                          <a:solidFill>
+                            <a:prstClr val="ltGray"/>
+                          </a:solidFill>
+                        </a:ln>
+                      </p166:spPr>
+                    </pslz:zmPr>
+                  </pslz:sldZmObj>
+                </pslz:sldZm>
+              </a:graphicData>
+            </a:graphic>
+          </p:graphicFrame>
+        </mc:Choice>
+        <mc:Fallback>
+          <p:pic>
+            <p:nvPicPr>
+              <p:cNvPr id="20" name="Slide Zoom 19">
+                <a:extLst>
+                  <a:ext uri="{FF2B5EF4-FFF2-40B4-BE49-F238E27FC236}">
+                    <a16:creationId xmlns:a16="http://schemas.microsoft.com/office/drawing/2014/main" id="{38B055B2-DFA9-4131-B05B-C38A3F8FB024}"/>
+                  </a:ext>
+                </a:extLst>
+              </p:cNvPr>
+              <p:cNvPicPr>
+                <a:picLocks noGrp="1" noRot="1" noChangeAspect="1" noMove="1" noResize="1" noEditPoints="1" noAdjustHandles="1" noChangeArrowheads="1" noChangeShapeType="1"/>
+              </p:cNvPicPr>
+              <p:nvPr/>
+            </p:nvPicPr>
+            <p:blipFill>
+              <a:blip r:embed="rId7"/>
+              <a:stretch>
+                <a:fillRect/>
+              </a:stretch>
+            </p:blipFill>
+            <p:spPr>
+              <a:xfrm>
+                <a:off x="6502345" y="4948379"/>
+                <a:ext cx="3251200" cy="1828800"/>
+              </a:xfrm>
+              <a:prstGeom prst="rect">
+                <a:avLst/>
+              </a:prstGeom>
+              <a:ln w="3175">
+                <a:solidFill>
+                  <a:prstClr val="ltGray"/>
+                </a:solidFill>
+              </a:ln>
+            </p:spPr>
+          </p:pic>
+        </mc:Fallback>
+      </mc:AlternateContent>
     </p:spTree>
     <p:extLst>
       <p:ext uri="{BB962C8B-B14F-4D97-AF65-F5344CB8AC3E}">
@@ -15136,7 +16022,7 @@
         </p:nvSpPr>
         <p:spPr>
           <a:xfrm>
-            <a:off x="404447" y="764408"/>
+            <a:off x="404447" y="1491993"/>
             <a:ext cx="7391400" cy="4177426"/>
           </a:xfrm>
           <a:prstGeom prst="rect">
@@ -15423,7 +16309,7 @@
         </p:blipFill>
         <p:spPr>
           <a:xfrm>
-            <a:off x="7590692" y="3580706"/>
+            <a:off x="7215554" y="3105534"/>
             <a:ext cx="4148871" cy="3158232"/>
           </a:xfrm>
           <a:prstGeom prst="rect">
@@ -15453,7 +16339,7 @@
         </p:blipFill>
         <p:spPr>
           <a:xfrm>
-            <a:off x="7594675" y="648367"/>
+            <a:off x="7155060" y="612810"/>
             <a:ext cx="4068322" cy="2346715"/>
           </a:xfrm>
           <a:prstGeom prst="rect">
@@ -15497,6 +16383,41 @@
           <a:chExt cx="0" cy="0"/>
         </a:xfrm>
       </p:grpSpPr>
+      <p:pic>
+        <p:nvPicPr>
+          <p:cNvPr id="6" name="Picture 5">
+            <a:extLst>
+              <a:ext uri="{FF2B5EF4-FFF2-40B4-BE49-F238E27FC236}">
+                <a16:creationId xmlns:a16="http://schemas.microsoft.com/office/drawing/2014/main" id="{DAE93B3B-04C8-4627-814E-4314C6901EFE}"/>
+              </a:ext>
+            </a:extLst>
+          </p:cNvPr>
+          <p:cNvPicPr>
+            <a:picLocks noChangeAspect="1"/>
+          </p:cNvPicPr>
+          <p:nvPr/>
+        </p:nvPicPr>
+        <p:blipFill>
+          <a:blip r:embed="rId2">
+            <a:extLst>
+              <a:ext uri="{28A0092B-C50C-407E-A947-70E740481C1C}">
+                <a14:useLocalDpi xmlns:a14="http://schemas.microsoft.com/office/drawing/2010/main" val="0"/>
+              </a:ext>
+            </a:extLst>
+          </a:blip>
+          <a:srcRect/>
+          <a:stretch/>
+        </p:blipFill>
+        <p:spPr>
+          <a:xfrm>
+            <a:off x="2711635" y="0"/>
+            <a:ext cx="4715033" cy="3536274"/>
+          </a:xfrm>
+          <a:prstGeom prst="rect">
+            <a:avLst/>
+          </a:prstGeom>
+        </p:spPr>
+      </p:pic>
       <p:sp>
         <p:nvSpPr>
           <p:cNvPr id="7" name="TextBox 6">
@@ -15511,8 +16432,8 @@
         </p:nvSpPr>
         <p:spPr>
           <a:xfrm>
-            <a:off x="315943" y="-103216"/>
-            <a:ext cx="5080777" cy="579967"/>
+            <a:off x="315944" y="217924"/>
+            <a:ext cx="3282914" cy="498663"/>
           </a:xfrm>
           <a:prstGeom prst="rect">
             <a:avLst/>
@@ -15543,51 +16464,7 @@
                 <a:ea typeface="华文新魏" panose="02010800040101010101" pitchFamily="2" charset="-122"/>
                 <a:cs typeface="Times New Roman" panose="02020603050405020304" pitchFamily="18" charset="0"/>
               </a:rPr>
-              <a:t>Result</a:t>
-            </a:r>
-            <a:r>
-              <a:rPr lang="en-US" altLang="zh-CN" sz="2400" b="1" kern="100" dirty="0">
-                <a:solidFill>
-                  <a:srgbClr val="16388A"/>
-                </a:solidFill>
-                <a:latin typeface="Times New Roman" panose="02020603050405020304" pitchFamily="18" charset="0"/>
-                <a:ea typeface="华文新魏" panose="02010800040101010101" pitchFamily="2" charset="-122"/>
-                <a:cs typeface="Times New Roman" panose="02020603050405020304" pitchFamily="18" charset="0"/>
-              </a:rPr>
-              <a:t>. </a:t>
-            </a:r>
-            <a:r>
-              <a:rPr lang="en-US" altLang="zh-CN" sz="1600" b="1" kern="100" dirty="0">
-                <a:solidFill>
-                  <a:srgbClr val="16388A"/>
-                </a:solidFill>
-                <a:latin typeface="Times New Roman" panose="02020603050405020304" pitchFamily="18" charset="0"/>
-                <a:ea typeface="华文新魏" panose="02010800040101010101" pitchFamily="2" charset="-122"/>
-                <a:cs typeface="Times New Roman" panose="02020603050405020304" pitchFamily="18" charset="0"/>
-              </a:rPr>
-              <a:t>Install </a:t>
-            </a:r>
-            <a:r>
-              <a:rPr lang="en-US" altLang="zh-CN" sz="1600" b="1" kern="100" dirty="0" err="1">
-                <a:solidFill>
-                  <a:srgbClr val="16388A"/>
-                </a:solidFill>
-                <a:latin typeface="Times New Roman" panose="02020603050405020304" pitchFamily="18" charset="0"/>
-                <a:ea typeface="华文新魏" panose="02010800040101010101" pitchFamily="2" charset="-122"/>
-                <a:cs typeface="Times New Roman" panose="02020603050405020304" pitchFamily="18" charset="0"/>
-              </a:rPr>
-              <a:t>PyTorch</a:t>
-            </a:r>
-            <a:r>
-              <a:rPr lang="en-US" altLang="zh-CN" sz="1600" b="1" kern="100" dirty="0">
-                <a:solidFill>
-                  <a:srgbClr val="16388A"/>
-                </a:solidFill>
-                <a:latin typeface="Times New Roman" panose="02020603050405020304" pitchFamily="18" charset="0"/>
-                <a:ea typeface="华文新魏" panose="02010800040101010101" pitchFamily="2" charset="-122"/>
-                <a:cs typeface="Times New Roman" panose="02020603050405020304" pitchFamily="18" charset="0"/>
-              </a:rPr>
-              <a:t> &amp; Load Fast R-CNN model</a:t>
+              <a:t>REPORT: Net 1</a:t>
             </a:r>
             <a:endParaRPr lang="en-US" sz="2400" b="1" kern="100" dirty="0">
               <a:solidFill>
@@ -15600,12 +16477,513 @@
           </a:p>
         </p:txBody>
       </p:sp>
+      <p:graphicFrame>
+        <p:nvGraphicFramePr>
+          <p:cNvPr id="2" name="Table 2">
+            <a:extLst>
+              <a:ext uri="{FF2B5EF4-FFF2-40B4-BE49-F238E27FC236}">
+                <a16:creationId xmlns:a16="http://schemas.microsoft.com/office/drawing/2014/main" id="{A25FDF38-E177-4465-BC0B-51CE68989D10}"/>
+              </a:ext>
+            </a:extLst>
+          </p:cNvPr>
+          <p:cNvGraphicFramePr>
+            <a:graphicFrameLocks noGrp="1"/>
+          </p:cNvGraphicFramePr>
+          <p:nvPr>
+            <p:extLst>
+              <p:ext uri="{D42A27DB-BD31-4B8C-83A1-F6EECF244321}">
+                <p14:modId xmlns:p14="http://schemas.microsoft.com/office/powerpoint/2010/main" val="3360945396"/>
+              </p:ext>
+            </p:extLst>
+          </p:nvPr>
+        </p:nvGraphicFramePr>
+        <p:xfrm>
+          <a:off x="443071" y="1438173"/>
+          <a:ext cx="2011680" cy="4358640"/>
+        </p:xfrm>
+        <a:graphic>
+          <a:graphicData uri="http://schemas.openxmlformats.org/drawingml/2006/table">
+            <a:tbl>
+              <a:tblPr firstRow="1" bandRow="1">
+                <a:tableStyleId>{5C22544A-7EE6-4342-B048-85BDC9FD1C3A}</a:tableStyleId>
+              </a:tblPr>
+              <a:tblGrid>
+                <a:gridCol w="1005840">
+                  <a:extLst>
+                    <a:ext uri="{9D8B030D-6E8A-4147-A177-3AD203B41FA5}">
+                      <a16:colId xmlns:a16="http://schemas.microsoft.com/office/drawing/2014/main" val="3155224541"/>
+                    </a:ext>
+                  </a:extLst>
+                </a:gridCol>
+                <a:gridCol w="1005840">
+                  <a:extLst>
+                    <a:ext uri="{9D8B030D-6E8A-4147-A177-3AD203B41FA5}">
+                      <a16:colId xmlns:a16="http://schemas.microsoft.com/office/drawing/2014/main" val="4140186502"/>
+                    </a:ext>
+                  </a:extLst>
+                </a:gridCol>
+              </a:tblGrid>
+              <a:tr h="292251">
+                <a:tc gridSpan="2">
+                  <a:txBody>
+                    <a:bodyPr/>
+                    <a:lstStyle/>
+                    <a:p>
+                      <a:pPr algn="ctr"/>
+                      <a:r>
+                        <a:rPr lang="en-US" sz="1600" dirty="0"/>
+                        <a:t>Net1. Acc Tab</a:t>
+                      </a:r>
+                    </a:p>
+                  </a:txBody>
+                  <a:tcPr/>
+                </a:tc>
+                <a:tc hMerge="1">
+                  <a:txBody>
+                    <a:bodyPr/>
+                    <a:lstStyle/>
+                    <a:p>
+                      <a:endParaRPr lang="en-US" dirty="0"/>
+                    </a:p>
+                  </a:txBody>
+                  <a:tcPr/>
+                </a:tc>
+                <a:extLst>
+                  <a:ext uri="{0D108BD9-81ED-4DB2-BD59-A6C34878D82A}">
+                    <a16:rowId xmlns:a16="http://schemas.microsoft.com/office/drawing/2014/main" val="998142586"/>
+                  </a:ext>
+                </a:extLst>
+              </a:tr>
+              <a:tr h="318546">
+                <a:tc>
+                  <a:txBody>
+                    <a:bodyPr/>
+                    <a:lstStyle/>
+                    <a:p>
+                      <a:pPr algn="ctr"/>
+                      <a:r>
+                        <a:rPr lang="en-US" sz="1600" dirty="0"/>
+                        <a:t>Plane</a:t>
+                      </a:r>
+                    </a:p>
+                  </a:txBody>
+                  <a:tcPr/>
+                </a:tc>
+                <a:tc>
+                  <a:txBody>
+                    <a:bodyPr/>
+                    <a:lstStyle/>
+                    <a:p>
+                      <a:pPr algn="ctr"/>
+                      <a:r>
+                        <a:rPr lang="en-US" sz="1600" dirty="0"/>
+                        <a:t>52.4 %</a:t>
+                      </a:r>
+                    </a:p>
+                  </a:txBody>
+                  <a:tcPr/>
+                </a:tc>
+                <a:extLst>
+                  <a:ext uri="{0D108BD9-81ED-4DB2-BD59-A6C34878D82A}">
+                    <a16:rowId xmlns:a16="http://schemas.microsoft.com/office/drawing/2014/main" val="3609831770"/>
+                  </a:ext>
+                </a:extLst>
+              </a:tr>
+              <a:tr h="318546">
+                <a:tc>
+                  <a:txBody>
+                    <a:bodyPr/>
+                    <a:lstStyle/>
+                    <a:p>
+                      <a:pPr algn="ctr"/>
+                      <a:r>
+                        <a:rPr lang="en-US" sz="1600" dirty="0"/>
+                        <a:t>Car</a:t>
+                      </a:r>
+                    </a:p>
+                  </a:txBody>
+                  <a:tcPr/>
+                </a:tc>
+                <a:tc>
+                  <a:txBody>
+                    <a:bodyPr/>
+                    <a:lstStyle/>
+                    <a:p>
+                      <a:pPr algn="ctr"/>
+                      <a:r>
+                        <a:rPr lang="en-US" sz="1600" dirty="0"/>
+                        <a:t>61.4 %</a:t>
+                      </a:r>
+                    </a:p>
+                  </a:txBody>
+                  <a:tcPr/>
+                </a:tc>
+                <a:extLst>
+                  <a:ext uri="{0D108BD9-81ED-4DB2-BD59-A6C34878D82A}">
+                    <a16:rowId xmlns:a16="http://schemas.microsoft.com/office/drawing/2014/main" val="463309982"/>
+                  </a:ext>
+                </a:extLst>
+              </a:tr>
+              <a:tr h="318546">
+                <a:tc>
+                  <a:txBody>
+                    <a:bodyPr/>
+                    <a:lstStyle/>
+                    <a:p>
+                      <a:pPr algn="ctr"/>
+                      <a:r>
+                        <a:rPr lang="en-US" sz="1600" dirty="0"/>
+                        <a:t>Bird</a:t>
+                      </a:r>
+                    </a:p>
+                  </a:txBody>
+                  <a:tcPr/>
+                </a:tc>
+                <a:tc>
+                  <a:txBody>
+                    <a:bodyPr/>
+                    <a:lstStyle/>
+                    <a:p>
+                      <a:pPr algn="ctr"/>
+                      <a:r>
+                        <a:rPr lang="en-US" sz="1600" dirty="0"/>
+                        <a:t>36.7 %</a:t>
+                      </a:r>
+                    </a:p>
+                  </a:txBody>
+                  <a:tcPr/>
+                </a:tc>
+                <a:extLst>
+                  <a:ext uri="{0D108BD9-81ED-4DB2-BD59-A6C34878D82A}">
+                    <a16:rowId xmlns:a16="http://schemas.microsoft.com/office/drawing/2014/main" val="3581345049"/>
+                  </a:ext>
+                </a:extLst>
+              </a:tr>
+              <a:tr h="318546">
+                <a:tc>
+                  <a:txBody>
+                    <a:bodyPr/>
+                    <a:lstStyle/>
+                    <a:p>
+                      <a:pPr algn="ctr"/>
+                      <a:r>
+                        <a:rPr lang="en-US" sz="1600" dirty="0"/>
+                        <a:t>Cat</a:t>
+                      </a:r>
+                    </a:p>
+                  </a:txBody>
+                  <a:tcPr/>
+                </a:tc>
+                <a:tc>
+                  <a:txBody>
+                    <a:bodyPr/>
+                    <a:lstStyle/>
+                    <a:p>
+                      <a:pPr algn="ctr"/>
+                      <a:r>
+                        <a:rPr lang="en-US" sz="1600" dirty="0"/>
+                        <a:t>42.4 %</a:t>
+                      </a:r>
+                    </a:p>
+                  </a:txBody>
+                  <a:tcPr/>
+                </a:tc>
+                <a:extLst>
+                  <a:ext uri="{0D108BD9-81ED-4DB2-BD59-A6C34878D82A}">
+                    <a16:rowId xmlns:a16="http://schemas.microsoft.com/office/drawing/2014/main" val="2141636581"/>
+                  </a:ext>
+                </a:extLst>
+              </a:tr>
+              <a:tr h="318546">
+                <a:tc>
+                  <a:txBody>
+                    <a:bodyPr/>
+                    <a:lstStyle/>
+                    <a:p>
+                      <a:pPr algn="ctr"/>
+                      <a:r>
+                        <a:rPr lang="en-US" sz="1600" dirty="0"/>
+                        <a:t>Deer</a:t>
+                      </a:r>
+                    </a:p>
+                  </a:txBody>
+                  <a:tcPr/>
+                </a:tc>
+                <a:tc>
+                  <a:txBody>
+                    <a:bodyPr/>
+                    <a:lstStyle/>
+                    <a:p>
+                      <a:pPr algn="ctr"/>
+                      <a:r>
+                        <a:rPr lang="en-US" sz="1600" dirty="0"/>
+                        <a:t>70.6 %</a:t>
+                      </a:r>
+                    </a:p>
+                  </a:txBody>
+                  <a:tcPr/>
+                </a:tc>
+                <a:extLst>
+                  <a:ext uri="{0D108BD9-81ED-4DB2-BD59-A6C34878D82A}">
+                    <a16:rowId xmlns:a16="http://schemas.microsoft.com/office/drawing/2014/main" val="3647439777"/>
+                  </a:ext>
+                </a:extLst>
+              </a:tr>
+              <a:tr h="318546">
+                <a:tc>
+                  <a:txBody>
+                    <a:bodyPr/>
+                    <a:lstStyle/>
+                    <a:p>
+                      <a:pPr algn="ctr"/>
+                      <a:r>
+                        <a:rPr lang="en-US" sz="1600" dirty="0"/>
+                        <a:t>Dog</a:t>
+                      </a:r>
+                    </a:p>
+                  </a:txBody>
+                  <a:tcPr/>
+                </a:tc>
+                <a:tc>
+                  <a:txBody>
+                    <a:bodyPr/>
+                    <a:lstStyle/>
+                    <a:p>
+                      <a:pPr algn="ctr"/>
+                      <a:r>
+                        <a:rPr lang="en-US" sz="1600" dirty="0"/>
+                        <a:t>46.1 %</a:t>
+                      </a:r>
+                    </a:p>
+                  </a:txBody>
+                  <a:tcPr/>
+                </a:tc>
+                <a:extLst>
+                  <a:ext uri="{0D108BD9-81ED-4DB2-BD59-A6C34878D82A}">
+                    <a16:rowId xmlns:a16="http://schemas.microsoft.com/office/drawing/2014/main" val="3157616219"/>
+                  </a:ext>
+                </a:extLst>
+              </a:tr>
+              <a:tr h="318546">
+                <a:tc>
+                  <a:txBody>
+                    <a:bodyPr/>
+                    <a:lstStyle/>
+                    <a:p>
+                      <a:pPr algn="ctr"/>
+                      <a:r>
+                        <a:rPr lang="en-US" sz="1600" dirty="0"/>
+                        <a:t>Frog</a:t>
+                      </a:r>
+                    </a:p>
+                  </a:txBody>
+                  <a:tcPr/>
+                </a:tc>
+                <a:tc>
+                  <a:txBody>
+                    <a:bodyPr/>
+                    <a:lstStyle/>
+                    <a:p>
+                      <a:pPr algn="ctr"/>
+                      <a:r>
+                        <a:rPr lang="en-US" sz="1600" dirty="0"/>
+                        <a:t>55.5 %</a:t>
+                      </a:r>
+                    </a:p>
+                  </a:txBody>
+                  <a:tcPr/>
+                </a:tc>
+                <a:extLst>
+                  <a:ext uri="{0D108BD9-81ED-4DB2-BD59-A6C34878D82A}">
+                    <a16:rowId xmlns:a16="http://schemas.microsoft.com/office/drawing/2014/main" val="1367725180"/>
+                  </a:ext>
+                </a:extLst>
+              </a:tr>
+              <a:tr h="318546">
+                <a:tc>
+                  <a:txBody>
+                    <a:bodyPr/>
+                    <a:lstStyle/>
+                    <a:p>
+                      <a:pPr algn="ctr"/>
+                      <a:r>
+                        <a:rPr lang="en-US" sz="1600" dirty="0"/>
+                        <a:t>Horse</a:t>
+                      </a:r>
+                    </a:p>
+                  </a:txBody>
+                  <a:tcPr/>
+                </a:tc>
+                <a:tc>
+                  <a:txBody>
+                    <a:bodyPr/>
+                    <a:lstStyle/>
+                    <a:p>
+                      <a:pPr algn="ctr"/>
+                      <a:r>
+                        <a:rPr lang="en-US" sz="1600" dirty="0"/>
+                        <a:t>56.6 %</a:t>
+                      </a:r>
+                    </a:p>
+                  </a:txBody>
+                  <a:tcPr/>
+                </a:tc>
+                <a:extLst>
+                  <a:ext uri="{0D108BD9-81ED-4DB2-BD59-A6C34878D82A}">
+                    <a16:rowId xmlns:a16="http://schemas.microsoft.com/office/drawing/2014/main" val="1670969532"/>
+                  </a:ext>
+                </a:extLst>
+              </a:tr>
+              <a:tr h="318546">
+                <a:tc>
+                  <a:txBody>
+                    <a:bodyPr/>
+                    <a:lstStyle/>
+                    <a:p>
+                      <a:pPr algn="ctr"/>
+                      <a:r>
+                        <a:rPr lang="en-US" sz="1600" dirty="0"/>
+                        <a:t>Ship</a:t>
+                      </a:r>
+                    </a:p>
+                  </a:txBody>
+                  <a:tcPr/>
+                </a:tc>
+                <a:tc>
+                  <a:txBody>
+                    <a:bodyPr/>
+                    <a:lstStyle/>
+                    <a:p>
+                      <a:pPr algn="ctr"/>
+                      <a:r>
+                        <a:rPr lang="en-US" sz="1600" dirty="0"/>
+                        <a:t>74.4 %</a:t>
+                      </a:r>
+                    </a:p>
+                  </a:txBody>
+                  <a:tcPr/>
+                </a:tc>
+                <a:extLst>
+                  <a:ext uri="{0D108BD9-81ED-4DB2-BD59-A6C34878D82A}">
+                    <a16:rowId xmlns:a16="http://schemas.microsoft.com/office/drawing/2014/main" val="135284082"/>
+                  </a:ext>
+                </a:extLst>
+              </a:tr>
+              <a:tr h="318546">
+                <a:tc>
+                  <a:txBody>
+                    <a:bodyPr/>
+                    <a:lstStyle/>
+                    <a:p>
+                      <a:pPr algn="ctr"/>
+                      <a:r>
+                        <a:rPr lang="en-US" sz="1600" dirty="0"/>
+                        <a:t>Truck</a:t>
+                      </a:r>
+                    </a:p>
+                  </a:txBody>
+                  <a:tcPr/>
+                </a:tc>
+                <a:tc>
+                  <a:txBody>
+                    <a:bodyPr/>
+                    <a:lstStyle/>
+                    <a:p>
+                      <a:pPr algn="ctr"/>
+                      <a:r>
+                        <a:rPr lang="en-US" sz="1600" dirty="0"/>
+                        <a:t>86.1 %</a:t>
+                      </a:r>
+                    </a:p>
+                  </a:txBody>
+                  <a:tcPr/>
+                </a:tc>
+                <a:extLst>
+                  <a:ext uri="{0D108BD9-81ED-4DB2-BD59-A6C34878D82A}">
+                    <a16:rowId xmlns:a16="http://schemas.microsoft.com/office/drawing/2014/main" val="3994574470"/>
+                  </a:ext>
+                </a:extLst>
+              </a:tr>
+              <a:tr h="318546">
+                <a:tc>
+                  <a:txBody>
+                    <a:bodyPr/>
+                    <a:lstStyle/>
+                    <a:p>
+                      <a:pPr algn="ctr"/>
+                      <a:r>
+                        <a:rPr lang="en-US" sz="1600" dirty="0"/>
+                        <a:t>Ave Acc</a:t>
+                      </a:r>
+                    </a:p>
+                  </a:txBody>
+                  <a:tcPr/>
+                </a:tc>
+                <a:tc>
+                  <a:txBody>
+                    <a:bodyPr/>
+                    <a:lstStyle/>
+                    <a:p>
+                      <a:pPr algn="ctr"/>
+                      <a:r>
+                        <a:rPr lang="en-US" sz="1600" dirty="0"/>
+                        <a:t>58.0 %</a:t>
+                      </a:r>
+                    </a:p>
+                  </a:txBody>
+                  <a:tcPr/>
+                </a:tc>
+                <a:extLst>
+                  <a:ext uri="{0D108BD9-81ED-4DB2-BD59-A6C34878D82A}">
+                    <a16:rowId xmlns:a16="http://schemas.microsoft.com/office/drawing/2014/main" val="4081230585"/>
+                  </a:ext>
+                </a:extLst>
+              </a:tr>
+              <a:tr h="318546">
+                <a:tc>
+                  <a:txBody>
+                    <a:bodyPr/>
+                    <a:lstStyle/>
+                    <a:p>
+                      <a:pPr algn="ctr"/>
+                      <a:r>
+                        <a:rPr lang="en-US" sz="1600" dirty="0"/>
+                        <a:t>Run Tim</a:t>
+                      </a:r>
+                    </a:p>
+                  </a:txBody>
+                  <a:tcPr/>
+                </a:tc>
+                <a:tc>
+                  <a:txBody>
+                    <a:bodyPr/>
+                    <a:lstStyle/>
+                    <a:p>
+                      <a:pPr algn="ctr"/>
+                      <a:r>
+                        <a:rPr lang="en-US" sz="1600" dirty="0"/>
+                        <a:t>157.62 s</a:t>
+                      </a:r>
+                    </a:p>
+                  </a:txBody>
+                  <a:tcPr/>
+                </a:tc>
+                <a:extLst>
+                  <a:ext uri="{0D108BD9-81ED-4DB2-BD59-A6C34878D82A}">
+                    <a16:rowId xmlns:a16="http://schemas.microsoft.com/office/drawing/2014/main" val="2292412895"/>
+                  </a:ext>
+                </a:extLst>
+              </a:tr>
+            </a:tbl>
+          </a:graphicData>
+        </a:graphic>
+      </p:graphicFrame>
       <p:pic>
         <p:nvPicPr>
-          <p:cNvPr id="19" name="Picture 18">
+          <p:cNvPr id="4" name="Picture 3">
             <a:extLst>
               <a:ext uri="{FF2B5EF4-FFF2-40B4-BE49-F238E27FC236}">
-                <a16:creationId xmlns:a16="http://schemas.microsoft.com/office/drawing/2014/main" id="{864E2122-864E-464C-A88C-03266E536C55}"/>
+                <a16:creationId xmlns:a16="http://schemas.microsoft.com/office/drawing/2014/main" id="{BF519D52-A973-4115-BDAC-12D859AC9E76}"/>
               </a:ext>
             </a:extLst>
           </p:cNvPr>
@@ -15615,15 +16993,55 @@
           <p:nvPr/>
         </p:nvPicPr>
         <p:blipFill>
-          <a:blip r:embed="rId2"/>
-          <a:stretch>
-            <a:fillRect/>
-          </a:stretch>
+          <a:blip r:embed="rId3">
+            <a:extLst>
+              <a:ext uri="{28A0092B-C50C-407E-A947-70E740481C1C}">
+                <a14:useLocalDpi xmlns:a14="http://schemas.microsoft.com/office/drawing/2010/main" val="0"/>
+              </a:ext>
+            </a:extLst>
+          </a:blip>
+          <a:srcRect/>
+          <a:stretch/>
         </p:blipFill>
         <p:spPr>
           <a:xfrm>
-            <a:off x="6766872" y="990600"/>
-            <a:ext cx="5143187" cy="5288280"/>
+            <a:off x="2646583" y="2329379"/>
+            <a:ext cx="4948317" cy="3711237"/>
+          </a:xfrm>
+          <a:prstGeom prst="rect">
+            <a:avLst/>
+          </a:prstGeom>
+        </p:spPr>
+      </p:pic>
+      <p:pic>
+        <p:nvPicPr>
+          <p:cNvPr id="9" name="Picture 8">
+            <a:extLst>
+              <a:ext uri="{FF2B5EF4-FFF2-40B4-BE49-F238E27FC236}">
+                <a16:creationId xmlns:a16="http://schemas.microsoft.com/office/drawing/2014/main" id="{0095B571-6651-4451-8626-34DBA64368EA}"/>
+              </a:ext>
+            </a:extLst>
+          </p:cNvPr>
+          <p:cNvPicPr>
+            <a:picLocks noChangeAspect="1"/>
+          </p:cNvPicPr>
+          <p:nvPr/>
+        </p:nvPicPr>
+        <p:blipFill>
+          <a:blip r:embed="rId4">
+            <a:extLst>
+              <a:ext uri="{28A0092B-C50C-407E-A947-70E740481C1C}">
+                <a14:useLocalDpi xmlns:a14="http://schemas.microsoft.com/office/drawing/2010/main" val="0"/>
+              </a:ext>
+            </a:extLst>
+          </a:blip>
+          <a:srcRect/>
+          <a:stretch/>
+        </p:blipFill>
+        <p:spPr>
+          <a:xfrm>
+            <a:off x="7250723" y="1374414"/>
+            <a:ext cx="4759569" cy="4759569"/>
           </a:xfrm>
           <a:prstGeom prst="rect">
             <a:avLst/>
@@ -15632,10 +17050,10 @@
       </p:pic>
       <p:sp>
         <p:nvSpPr>
-          <p:cNvPr id="36" name="TextBox 35">
+          <p:cNvPr id="13" name="TextBox 12">
             <a:extLst>
               <a:ext uri="{FF2B5EF4-FFF2-40B4-BE49-F238E27FC236}">
-                <a16:creationId xmlns:a16="http://schemas.microsoft.com/office/drawing/2014/main" id="{8A5052D8-1EC2-4B22-8718-0BFE2F151FD6}"/>
+                <a16:creationId xmlns:a16="http://schemas.microsoft.com/office/drawing/2014/main" id="{44AC818D-D7CB-4235-9673-82208F9FE01D}"/>
               </a:ext>
             </a:extLst>
           </p:cNvPr>
@@ -15644,8 +17062,8 @@
         </p:nvSpPr>
         <p:spPr>
           <a:xfrm>
-            <a:off x="281941" y="557004"/>
-            <a:ext cx="6096000" cy="6063198"/>
+            <a:off x="8273586" y="1125082"/>
+            <a:ext cx="2713842" cy="498663"/>
           </a:xfrm>
           <a:prstGeom prst="rect">
             <a:avLst/>
@@ -15658,24 +17076,17 @@
           </a:bodyPr>
           <a:lstStyle/>
           <a:p>
-            <a:pPr marR="0" lvl="0" indent="0" algn="just" fontAlgn="base">
+            <a:pPr algn="ctr">
               <a:lnSpc>
-                <a:spcPct val="100000"/>
+                <a:spcPct val="150000"/>
               </a:lnSpc>
               <a:spcBef>
-                <a:spcPct val="0"/>
+                <a:spcPts val="1000"/>
               </a:spcBef>
-              <a:spcAft>
-                <a:spcPct val="0"/>
-              </a:spcAft>
-              <a:buClrTx/>
-              <a:buSzTx/>
-              <a:buFontTx/>
-              <a:buNone/>
-              <a:tabLst/>
+              <a:defRPr/>
             </a:pPr>
             <a:r>
-              <a:rPr lang="en-US" altLang="en-US" sz="1400" b="1" kern="100" dirty="0">
+              <a:rPr lang="en-US" altLang="zh-CN" sz="2000" kern="100" dirty="0">
                 <a:solidFill>
                   <a:srgbClr val="16388A"/>
                 </a:solidFill>
@@ -15683,1117 +17094,9 @@
                 <a:ea typeface="华文新魏" panose="02010800040101010101" pitchFamily="2" charset="-122"/>
                 <a:cs typeface="Times New Roman" panose="02020603050405020304" pitchFamily="18" charset="0"/>
               </a:rPr>
-              <a:t>Installing </a:t>
+              <a:t>Confusion Matrices</a:t>
             </a:r>
-            <a:r>
-              <a:rPr lang="en-US" altLang="en-US" sz="1400" b="1" kern="100" dirty="0" err="1">
-                <a:solidFill>
-                  <a:srgbClr val="16388A"/>
-                </a:solidFill>
-                <a:latin typeface="Times New Roman" panose="02020603050405020304" pitchFamily="18" charset="0"/>
-                <a:ea typeface="华文新魏" panose="02010800040101010101" pitchFamily="2" charset="-122"/>
-                <a:cs typeface="Times New Roman" panose="02020603050405020304" pitchFamily="18" charset="0"/>
-              </a:rPr>
-              <a:t>PyTorch</a:t>
-            </a:r>
-            <a:r>
-              <a:rPr lang="en-US" altLang="en-US" sz="1400" b="1" kern="100" dirty="0">
-                <a:solidFill>
-                  <a:srgbClr val="16388A"/>
-                </a:solidFill>
-                <a:latin typeface="Times New Roman" panose="02020603050405020304" pitchFamily="18" charset="0"/>
-                <a:ea typeface="华文新魏" panose="02010800040101010101" pitchFamily="2" charset="-122"/>
-                <a:cs typeface="Times New Roman" panose="02020603050405020304" pitchFamily="18" charset="0"/>
-              </a:rPr>
-              <a:t> using </a:t>
-            </a:r>
-            <a:r>
-              <a:rPr lang="en-US" altLang="en-US" sz="1400" b="1" kern="100" dirty="0" err="1">
-                <a:solidFill>
-                  <a:srgbClr val="16388A"/>
-                </a:solidFill>
-                <a:latin typeface="Times New Roman" panose="02020603050405020304" pitchFamily="18" charset="0"/>
-                <a:ea typeface="华文新魏" panose="02010800040101010101" pitchFamily="2" charset="-122"/>
-                <a:cs typeface="Times New Roman" panose="02020603050405020304" pitchFamily="18" charset="0"/>
-              </a:rPr>
-              <a:t>conda</a:t>
-            </a:r>
-            <a:r>
-              <a:rPr lang="en-US" altLang="en-US" sz="1400" b="1" kern="100" dirty="0">
-                <a:solidFill>
-                  <a:srgbClr val="16388A"/>
-                </a:solidFill>
-                <a:latin typeface="Times New Roman" panose="02020603050405020304" pitchFamily="18" charset="0"/>
-                <a:ea typeface="华文新魏" panose="02010800040101010101" pitchFamily="2" charset="-122"/>
-                <a:cs typeface="Times New Roman" panose="02020603050405020304" pitchFamily="18" charset="0"/>
-              </a:rPr>
-              <a:t> (</a:t>
-            </a:r>
-            <a:r>
-              <a:rPr lang="en-US" altLang="en-US" sz="1400" kern="100" dirty="0">
-                <a:solidFill>
-                  <a:srgbClr val="FF0000"/>
-                </a:solidFill>
-                <a:latin typeface="Times New Roman" panose="02020603050405020304" pitchFamily="18" charset="0"/>
-                <a:ea typeface="华文新魏" panose="02010800040101010101" pitchFamily="2" charset="-122"/>
-                <a:cs typeface="Times New Roman" panose="02020603050405020304" pitchFamily="18" charset="0"/>
-              </a:rPr>
-              <a:t>got this from web</a:t>
-            </a:r>
-            <a:r>
-              <a:rPr lang="en-US" altLang="en-US" sz="1400" b="1" kern="100" dirty="0">
-                <a:solidFill>
-                  <a:srgbClr val="16388A"/>
-                </a:solidFill>
-                <a:latin typeface="Times New Roman" panose="02020603050405020304" pitchFamily="18" charset="0"/>
-                <a:ea typeface="华文新魏" panose="02010800040101010101" pitchFamily="2" charset="-122"/>
-                <a:cs typeface="Times New Roman" panose="02020603050405020304" pitchFamily="18" charset="0"/>
-              </a:rPr>
-              <a:t>):</a:t>
-            </a:r>
-          </a:p>
-          <a:p>
-            <a:pPr marR="0" lvl="0" indent="0" algn="just" fontAlgn="base">
-              <a:lnSpc>
-                <a:spcPct val="100000"/>
-              </a:lnSpc>
-              <a:spcBef>
-                <a:spcPct val="0"/>
-              </a:spcBef>
-              <a:spcAft>
-                <a:spcPct val="0"/>
-              </a:spcAft>
-              <a:buClrTx/>
-              <a:buSzTx/>
-              <a:buFontTx/>
-              <a:buAutoNum type="arabicPeriod"/>
-              <a:tabLst/>
-            </a:pPr>
-            <a:r>
-              <a:rPr lang="en-US" altLang="en-US" sz="1200" kern="100" dirty="0">
-                <a:solidFill>
-                  <a:srgbClr val="16388A"/>
-                </a:solidFill>
-                <a:latin typeface="Times New Roman" panose="02020603050405020304" pitchFamily="18" charset="0"/>
-                <a:ea typeface="华文新魏" panose="02010800040101010101" pitchFamily="2" charset="-122"/>
-                <a:cs typeface="Times New Roman" panose="02020603050405020304" pitchFamily="18" charset="0"/>
-              </a:rPr>
-              <a:t>Install the Anaconda distribution for Python from the official website (</a:t>
-            </a:r>
-            <a:r>
-              <a:rPr lang="en-US" altLang="en-US" sz="1200" kern="100" dirty="0">
-                <a:solidFill>
-                  <a:srgbClr val="16388A"/>
-                </a:solidFill>
-                <a:latin typeface="Times New Roman" panose="02020603050405020304" pitchFamily="18" charset="0"/>
-                <a:ea typeface="华文新魏" panose="02010800040101010101" pitchFamily="2" charset="-122"/>
-                <a:cs typeface="Times New Roman" panose="02020603050405020304" pitchFamily="18" charset="0"/>
-                <a:hlinkClick r:id="rId3">
-                  <a:extLst>
-                    <a:ext uri="{A12FA001-AC4F-418D-AE19-62706E023703}">
-                      <ahyp:hlinkClr xmlns:ahyp="http://schemas.microsoft.com/office/drawing/2018/hyperlinkcolor" val="tx"/>
-                    </a:ext>
-                  </a:extLst>
-                </a:hlinkClick>
-              </a:rPr>
-              <a:t>https://www.anaconda.com/products/individual</a:t>
-            </a:r>
-            <a:r>
-              <a:rPr lang="en-US" altLang="en-US" sz="1200" kern="100" dirty="0">
-                <a:solidFill>
-                  <a:srgbClr val="16388A"/>
-                </a:solidFill>
-                <a:latin typeface="Times New Roman" panose="02020603050405020304" pitchFamily="18" charset="0"/>
-                <a:ea typeface="华文新魏" panose="02010800040101010101" pitchFamily="2" charset="-122"/>
-                <a:cs typeface="Times New Roman" panose="02020603050405020304" pitchFamily="18" charset="0"/>
-              </a:rPr>
-              <a:t>).</a:t>
-            </a:r>
-          </a:p>
-          <a:p>
-            <a:pPr marR="0" lvl="0" indent="0" algn="just" fontAlgn="base">
-              <a:lnSpc>
-                <a:spcPct val="100000"/>
-              </a:lnSpc>
-              <a:spcBef>
-                <a:spcPct val="0"/>
-              </a:spcBef>
-              <a:spcAft>
-                <a:spcPct val="0"/>
-              </a:spcAft>
-              <a:buClrTx/>
-              <a:buSzTx/>
-              <a:buFontTx/>
-              <a:buAutoNum type="arabicPeriod" startAt="2"/>
-              <a:tabLst/>
-            </a:pPr>
-            <a:r>
-              <a:rPr lang="en-US" altLang="en-US" sz="1200" kern="100" dirty="0">
-                <a:solidFill>
-                  <a:srgbClr val="16388A"/>
-                </a:solidFill>
-                <a:latin typeface="Times New Roman" panose="02020603050405020304" pitchFamily="18" charset="0"/>
-                <a:ea typeface="华文新魏" panose="02010800040101010101" pitchFamily="2" charset="-122"/>
-                <a:cs typeface="Times New Roman" panose="02020603050405020304" pitchFamily="18" charset="0"/>
-              </a:rPr>
-              <a:t>Open the Anaconda Navigator and create a new environment by clicking on the "Environments" tab and then clicking the "Create" button.</a:t>
-            </a:r>
-          </a:p>
-          <a:p>
-            <a:pPr marR="0" lvl="0" indent="0" algn="just" fontAlgn="base">
-              <a:lnSpc>
-                <a:spcPct val="100000"/>
-              </a:lnSpc>
-              <a:spcBef>
-                <a:spcPct val="0"/>
-              </a:spcBef>
-              <a:spcAft>
-                <a:spcPct val="0"/>
-              </a:spcAft>
-              <a:buClrTx/>
-              <a:buSzTx/>
-              <a:buFontTx/>
-              <a:buAutoNum type="arabicPeriod" startAt="3"/>
-              <a:tabLst/>
-            </a:pPr>
-            <a:r>
-              <a:rPr lang="en-US" altLang="en-US" sz="1200" kern="100" dirty="0">
-                <a:solidFill>
-                  <a:srgbClr val="16388A"/>
-                </a:solidFill>
-                <a:latin typeface="Times New Roman" panose="02020603050405020304" pitchFamily="18" charset="0"/>
-                <a:ea typeface="华文新魏" panose="02010800040101010101" pitchFamily="2" charset="-122"/>
-                <a:cs typeface="Times New Roman" panose="02020603050405020304" pitchFamily="18" charset="0"/>
-              </a:rPr>
-              <a:t>Name the new environment and choose the desired Python version. Click "Create" to create the new environment.</a:t>
-            </a:r>
-          </a:p>
-          <a:p>
-            <a:pPr marR="0" lvl="0" indent="0" algn="just" fontAlgn="base">
-              <a:lnSpc>
-                <a:spcPct val="100000"/>
-              </a:lnSpc>
-              <a:spcBef>
-                <a:spcPct val="0"/>
-              </a:spcBef>
-              <a:spcAft>
-                <a:spcPct val="0"/>
-              </a:spcAft>
-              <a:buClrTx/>
-              <a:buSzTx/>
-              <a:buFontTx/>
-              <a:buAutoNum type="arabicPeriod" startAt="4"/>
-              <a:tabLst/>
-            </a:pPr>
-            <a:r>
-              <a:rPr lang="en-US" altLang="en-US" sz="1200" kern="100" dirty="0">
-                <a:solidFill>
-                  <a:srgbClr val="16388A"/>
-                </a:solidFill>
-                <a:latin typeface="Times New Roman" panose="02020603050405020304" pitchFamily="18" charset="0"/>
-                <a:ea typeface="华文新魏" panose="02010800040101010101" pitchFamily="2" charset="-122"/>
-                <a:cs typeface="Times New Roman" panose="02020603050405020304" pitchFamily="18" charset="0"/>
-              </a:rPr>
-              <a:t>Open a terminal or command prompt and activate the new environment by running the command "</a:t>
-            </a:r>
-            <a:r>
-              <a:rPr lang="en-US" altLang="en-US" sz="1200" kern="100" dirty="0" err="1">
-                <a:solidFill>
-                  <a:srgbClr val="16388A"/>
-                </a:solidFill>
-                <a:latin typeface="Times New Roman" panose="02020603050405020304" pitchFamily="18" charset="0"/>
-                <a:ea typeface="华文新魏" panose="02010800040101010101" pitchFamily="2" charset="-122"/>
-                <a:cs typeface="Times New Roman" panose="02020603050405020304" pitchFamily="18" charset="0"/>
-              </a:rPr>
-              <a:t>conda</a:t>
-            </a:r>
-            <a:r>
-              <a:rPr lang="en-US" altLang="en-US" sz="1200" kern="100" dirty="0">
-                <a:solidFill>
-                  <a:srgbClr val="16388A"/>
-                </a:solidFill>
-                <a:latin typeface="Times New Roman" panose="02020603050405020304" pitchFamily="18" charset="0"/>
-                <a:ea typeface="华文新魏" panose="02010800040101010101" pitchFamily="2" charset="-122"/>
-                <a:cs typeface="Times New Roman" panose="02020603050405020304" pitchFamily="18" charset="0"/>
-              </a:rPr>
-              <a:t> activate &lt;</a:t>
-            </a:r>
-            <a:r>
-              <a:rPr lang="en-US" altLang="en-US" sz="1200" kern="100" dirty="0" err="1">
-                <a:solidFill>
-                  <a:srgbClr val="16388A"/>
-                </a:solidFill>
-                <a:latin typeface="Times New Roman" panose="02020603050405020304" pitchFamily="18" charset="0"/>
-                <a:ea typeface="华文新魏" panose="02010800040101010101" pitchFamily="2" charset="-122"/>
-                <a:cs typeface="Times New Roman" panose="02020603050405020304" pitchFamily="18" charset="0"/>
-              </a:rPr>
-              <a:t>env_name</a:t>
-            </a:r>
-            <a:r>
-              <a:rPr lang="en-US" altLang="en-US" sz="1200" kern="100" dirty="0">
-                <a:solidFill>
-                  <a:srgbClr val="16388A"/>
-                </a:solidFill>
-                <a:latin typeface="Times New Roman" panose="02020603050405020304" pitchFamily="18" charset="0"/>
-                <a:ea typeface="华文新魏" panose="02010800040101010101" pitchFamily="2" charset="-122"/>
-                <a:cs typeface="Times New Roman" panose="02020603050405020304" pitchFamily="18" charset="0"/>
-              </a:rPr>
-              <a:t>&gt;" (replace &lt;</a:t>
-            </a:r>
-            <a:r>
-              <a:rPr lang="en-US" altLang="en-US" sz="1200" kern="100" dirty="0" err="1">
-                <a:solidFill>
-                  <a:srgbClr val="16388A"/>
-                </a:solidFill>
-                <a:latin typeface="Times New Roman" panose="02020603050405020304" pitchFamily="18" charset="0"/>
-                <a:ea typeface="华文新魏" panose="02010800040101010101" pitchFamily="2" charset="-122"/>
-                <a:cs typeface="Times New Roman" panose="02020603050405020304" pitchFamily="18" charset="0"/>
-              </a:rPr>
-              <a:t>env_name</a:t>
-            </a:r>
-            <a:r>
-              <a:rPr lang="en-US" altLang="en-US" sz="1200" kern="100" dirty="0">
-                <a:solidFill>
-                  <a:srgbClr val="16388A"/>
-                </a:solidFill>
-                <a:latin typeface="Times New Roman" panose="02020603050405020304" pitchFamily="18" charset="0"/>
-                <a:ea typeface="华文新魏" panose="02010800040101010101" pitchFamily="2" charset="-122"/>
-                <a:cs typeface="Times New Roman" panose="02020603050405020304" pitchFamily="18" charset="0"/>
-              </a:rPr>
-              <a:t>&gt; with the name of the environment created in step 3).</a:t>
-            </a:r>
-          </a:p>
-          <a:p>
-            <a:pPr marR="0" lvl="0" indent="0" algn="just" fontAlgn="base">
-              <a:lnSpc>
-                <a:spcPct val="100000"/>
-              </a:lnSpc>
-              <a:spcBef>
-                <a:spcPct val="0"/>
-              </a:spcBef>
-              <a:spcAft>
-                <a:spcPct val="0"/>
-              </a:spcAft>
-              <a:buClrTx/>
-              <a:buSzTx/>
-              <a:buFontTx/>
-              <a:buAutoNum type="arabicPeriod" startAt="5"/>
-              <a:tabLst/>
-            </a:pPr>
-            <a:r>
-              <a:rPr lang="en-US" altLang="en-US" sz="1200" kern="100" dirty="0">
-                <a:solidFill>
-                  <a:srgbClr val="16388A"/>
-                </a:solidFill>
-                <a:latin typeface="Times New Roman" panose="02020603050405020304" pitchFamily="18" charset="0"/>
-                <a:ea typeface="华文新魏" panose="02010800040101010101" pitchFamily="2" charset="-122"/>
-                <a:cs typeface="Times New Roman" panose="02020603050405020304" pitchFamily="18" charset="0"/>
-              </a:rPr>
-              <a:t>Install </a:t>
-            </a:r>
-            <a:r>
-              <a:rPr lang="en-US" altLang="en-US" sz="1200" kern="100" dirty="0" err="1">
-                <a:solidFill>
-                  <a:srgbClr val="16388A"/>
-                </a:solidFill>
-                <a:latin typeface="Times New Roman" panose="02020603050405020304" pitchFamily="18" charset="0"/>
-                <a:ea typeface="华文新魏" panose="02010800040101010101" pitchFamily="2" charset="-122"/>
-                <a:cs typeface="Times New Roman" panose="02020603050405020304" pitchFamily="18" charset="0"/>
-              </a:rPr>
-              <a:t>PyTorch</a:t>
-            </a:r>
-            <a:r>
-              <a:rPr lang="en-US" altLang="en-US" sz="1200" kern="100" dirty="0">
-                <a:solidFill>
-                  <a:srgbClr val="16388A"/>
-                </a:solidFill>
-                <a:latin typeface="Times New Roman" panose="02020603050405020304" pitchFamily="18" charset="0"/>
-                <a:ea typeface="华文新魏" panose="02010800040101010101" pitchFamily="2" charset="-122"/>
-                <a:cs typeface="Times New Roman" panose="02020603050405020304" pitchFamily="18" charset="0"/>
-              </a:rPr>
-              <a:t> using </a:t>
-            </a:r>
-            <a:r>
-              <a:rPr lang="en-US" altLang="en-US" sz="1200" kern="100" dirty="0" err="1">
-                <a:solidFill>
-                  <a:srgbClr val="16388A"/>
-                </a:solidFill>
-                <a:latin typeface="Times New Roman" panose="02020603050405020304" pitchFamily="18" charset="0"/>
-                <a:ea typeface="华文新魏" panose="02010800040101010101" pitchFamily="2" charset="-122"/>
-                <a:cs typeface="Times New Roman" panose="02020603050405020304" pitchFamily="18" charset="0"/>
-              </a:rPr>
-              <a:t>conda</a:t>
-            </a:r>
-            <a:r>
-              <a:rPr lang="en-US" altLang="en-US" sz="1200" kern="100" dirty="0">
-                <a:solidFill>
-                  <a:srgbClr val="16388A"/>
-                </a:solidFill>
-                <a:latin typeface="Times New Roman" panose="02020603050405020304" pitchFamily="18" charset="0"/>
-                <a:ea typeface="华文新魏" panose="02010800040101010101" pitchFamily="2" charset="-122"/>
-                <a:cs typeface="Times New Roman" panose="02020603050405020304" pitchFamily="18" charset="0"/>
-              </a:rPr>
-              <a:t> by running the command "</a:t>
-            </a:r>
-            <a:r>
-              <a:rPr lang="en-US" altLang="en-US" sz="1200" kern="100" dirty="0" err="1">
-                <a:solidFill>
-                  <a:srgbClr val="16388A"/>
-                </a:solidFill>
-                <a:latin typeface="Times New Roman" panose="02020603050405020304" pitchFamily="18" charset="0"/>
-                <a:ea typeface="华文新魏" panose="02010800040101010101" pitchFamily="2" charset="-122"/>
-                <a:cs typeface="Times New Roman" panose="02020603050405020304" pitchFamily="18" charset="0"/>
-              </a:rPr>
-              <a:t>conda</a:t>
-            </a:r>
-            <a:r>
-              <a:rPr lang="en-US" altLang="en-US" sz="1200" kern="100" dirty="0">
-                <a:solidFill>
-                  <a:srgbClr val="16388A"/>
-                </a:solidFill>
-                <a:latin typeface="Times New Roman" panose="02020603050405020304" pitchFamily="18" charset="0"/>
-                <a:ea typeface="华文新魏" panose="02010800040101010101" pitchFamily="2" charset="-122"/>
-                <a:cs typeface="Times New Roman" panose="02020603050405020304" pitchFamily="18" charset="0"/>
-              </a:rPr>
-              <a:t> install </a:t>
-            </a:r>
-            <a:r>
-              <a:rPr lang="en-US" altLang="en-US" sz="1200" kern="100" dirty="0" err="1">
-                <a:solidFill>
-                  <a:srgbClr val="16388A"/>
-                </a:solidFill>
-                <a:latin typeface="Times New Roman" panose="02020603050405020304" pitchFamily="18" charset="0"/>
-                <a:ea typeface="华文新魏" panose="02010800040101010101" pitchFamily="2" charset="-122"/>
-                <a:cs typeface="Times New Roman" panose="02020603050405020304" pitchFamily="18" charset="0"/>
-              </a:rPr>
-              <a:t>pytorch</a:t>
-            </a:r>
-            <a:r>
-              <a:rPr lang="en-US" altLang="en-US" sz="1200" kern="100" dirty="0">
-                <a:solidFill>
-                  <a:srgbClr val="16388A"/>
-                </a:solidFill>
-                <a:latin typeface="Times New Roman" panose="02020603050405020304" pitchFamily="18" charset="0"/>
-                <a:ea typeface="华文新魏" panose="02010800040101010101" pitchFamily="2" charset="-122"/>
-                <a:cs typeface="Times New Roman" panose="02020603050405020304" pitchFamily="18" charset="0"/>
-              </a:rPr>
-              <a:t> </a:t>
-            </a:r>
-            <a:r>
-              <a:rPr lang="en-US" altLang="en-US" sz="1200" kern="100" dirty="0" err="1">
-                <a:solidFill>
-                  <a:srgbClr val="16388A"/>
-                </a:solidFill>
-                <a:latin typeface="Times New Roman" panose="02020603050405020304" pitchFamily="18" charset="0"/>
-                <a:ea typeface="华文新魏" panose="02010800040101010101" pitchFamily="2" charset="-122"/>
-                <a:cs typeface="Times New Roman" panose="02020603050405020304" pitchFamily="18" charset="0"/>
-              </a:rPr>
-              <a:t>torchvision</a:t>
-            </a:r>
-            <a:r>
-              <a:rPr lang="en-US" altLang="en-US" sz="1200" kern="100" dirty="0">
-                <a:solidFill>
-                  <a:srgbClr val="16388A"/>
-                </a:solidFill>
-                <a:latin typeface="Times New Roman" panose="02020603050405020304" pitchFamily="18" charset="0"/>
-                <a:ea typeface="华文新魏" panose="02010800040101010101" pitchFamily="2" charset="-122"/>
-                <a:cs typeface="Times New Roman" panose="02020603050405020304" pitchFamily="18" charset="0"/>
-              </a:rPr>
-              <a:t> </a:t>
-            </a:r>
-            <a:r>
-              <a:rPr lang="en-US" altLang="en-US" sz="1200" kern="100" dirty="0" err="1">
-                <a:solidFill>
-                  <a:srgbClr val="16388A"/>
-                </a:solidFill>
-                <a:latin typeface="Times New Roman" panose="02020603050405020304" pitchFamily="18" charset="0"/>
-                <a:ea typeface="华文新魏" panose="02010800040101010101" pitchFamily="2" charset="-122"/>
-                <a:cs typeface="Times New Roman" panose="02020603050405020304" pitchFamily="18" charset="0"/>
-              </a:rPr>
-              <a:t>torchaudio</a:t>
-            </a:r>
-            <a:r>
-              <a:rPr lang="en-US" altLang="en-US" sz="1200" kern="100" dirty="0">
-                <a:solidFill>
-                  <a:srgbClr val="16388A"/>
-                </a:solidFill>
-                <a:latin typeface="Times New Roman" panose="02020603050405020304" pitchFamily="18" charset="0"/>
-                <a:ea typeface="华文新魏" panose="02010800040101010101" pitchFamily="2" charset="-122"/>
-                <a:cs typeface="Times New Roman" panose="02020603050405020304" pitchFamily="18" charset="0"/>
-              </a:rPr>
-              <a:t> -c </a:t>
-            </a:r>
-            <a:r>
-              <a:rPr lang="en-US" altLang="en-US" sz="1200" kern="100" dirty="0" err="1">
-                <a:solidFill>
-                  <a:srgbClr val="16388A"/>
-                </a:solidFill>
-                <a:latin typeface="Times New Roman" panose="02020603050405020304" pitchFamily="18" charset="0"/>
-                <a:ea typeface="华文新魏" panose="02010800040101010101" pitchFamily="2" charset="-122"/>
-                <a:cs typeface="Times New Roman" panose="02020603050405020304" pitchFamily="18" charset="0"/>
-              </a:rPr>
-              <a:t>pytorch</a:t>
-            </a:r>
-            <a:r>
-              <a:rPr lang="en-US" altLang="en-US" sz="1200" kern="100" dirty="0">
-                <a:solidFill>
-                  <a:srgbClr val="16388A"/>
-                </a:solidFill>
-                <a:latin typeface="Times New Roman" panose="02020603050405020304" pitchFamily="18" charset="0"/>
-                <a:ea typeface="华文新魏" panose="02010800040101010101" pitchFamily="2" charset="-122"/>
-                <a:cs typeface="Times New Roman" panose="02020603050405020304" pitchFamily="18" charset="0"/>
-              </a:rPr>
-              <a:t>" in the terminal.</a:t>
-            </a:r>
-          </a:p>
-          <a:p>
-            <a:pPr marR="0" lvl="0" indent="0" algn="just" fontAlgn="base">
-              <a:lnSpc>
-                <a:spcPct val="100000"/>
-              </a:lnSpc>
-              <a:spcBef>
-                <a:spcPct val="0"/>
-              </a:spcBef>
-              <a:spcAft>
-                <a:spcPct val="0"/>
-              </a:spcAft>
-              <a:buClrTx/>
-              <a:buSzTx/>
-              <a:buFontTx/>
-              <a:buAutoNum type="arabicPeriod" startAt="6"/>
-              <a:tabLst/>
-            </a:pPr>
-            <a:r>
-              <a:rPr lang="en-US" altLang="en-US" sz="1200" kern="100" dirty="0" err="1">
-                <a:solidFill>
-                  <a:srgbClr val="16388A"/>
-                </a:solidFill>
-                <a:latin typeface="Times New Roman" panose="02020603050405020304" pitchFamily="18" charset="0"/>
-                <a:ea typeface="华文新魏" panose="02010800040101010101" pitchFamily="2" charset="-122"/>
-                <a:cs typeface="Times New Roman" panose="02020603050405020304" pitchFamily="18" charset="0"/>
-              </a:rPr>
-              <a:t>PyTorch</a:t>
-            </a:r>
-            <a:r>
-              <a:rPr lang="en-US" altLang="en-US" sz="1200" kern="100" dirty="0">
-                <a:solidFill>
-                  <a:srgbClr val="16388A"/>
-                </a:solidFill>
-                <a:latin typeface="Times New Roman" panose="02020603050405020304" pitchFamily="18" charset="0"/>
-                <a:ea typeface="华文新魏" panose="02010800040101010101" pitchFamily="2" charset="-122"/>
-                <a:cs typeface="Times New Roman" panose="02020603050405020304" pitchFamily="18" charset="0"/>
-              </a:rPr>
-              <a:t> is now installed and ready to use in the specified </a:t>
-            </a:r>
-            <a:r>
-              <a:rPr lang="en-US" altLang="en-US" sz="1200" kern="100" dirty="0" err="1">
-                <a:solidFill>
-                  <a:srgbClr val="16388A"/>
-                </a:solidFill>
-                <a:latin typeface="Times New Roman" panose="02020603050405020304" pitchFamily="18" charset="0"/>
-                <a:ea typeface="华文新魏" panose="02010800040101010101" pitchFamily="2" charset="-122"/>
-                <a:cs typeface="Times New Roman" panose="02020603050405020304" pitchFamily="18" charset="0"/>
-              </a:rPr>
-              <a:t>conda</a:t>
-            </a:r>
-            <a:r>
-              <a:rPr lang="en-US" altLang="en-US" sz="1200" kern="100" dirty="0">
-                <a:solidFill>
-                  <a:srgbClr val="16388A"/>
-                </a:solidFill>
-                <a:latin typeface="Times New Roman" panose="02020603050405020304" pitchFamily="18" charset="0"/>
-                <a:ea typeface="华文新魏" panose="02010800040101010101" pitchFamily="2" charset="-122"/>
-                <a:cs typeface="Times New Roman" panose="02020603050405020304" pitchFamily="18" charset="0"/>
-              </a:rPr>
-              <a:t> environment.</a:t>
-            </a:r>
-          </a:p>
-          <a:p>
-            <a:pPr marR="0" lvl="0" indent="0" algn="just" fontAlgn="base">
-              <a:lnSpc>
-                <a:spcPct val="100000"/>
-              </a:lnSpc>
-              <a:spcBef>
-                <a:spcPct val="0"/>
-              </a:spcBef>
-              <a:spcAft>
-                <a:spcPct val="0"/>
-              </a:spcAft>
-              <a:buClrTx/>
-              <a:buSzTx/>
-              <a:tabLst/>
-            </a:pPr>
-            <a:endParaRPr lang="en-US" altLang="en-US" sz="1200" kern="100" dirty="0">
-              <a:solidFill>
-                <a:srgbClr val="16388A"/>
-              </a:solidFill>
-              <a:latin typeface="Times New Roman" panose="02020603050405020304" pitchFamily="18" charset="0"/>
-              <a:ea typeface="华文新魏" panose="02010800040101010101" pitchFamily="2" charset="-122"/>
-              <a:cs typeface="Times New Roman" panose="02020603050405020304" pitchFamily="18" charset="0"/>
-            </a:endParaRPr>
-          </a:p>
-          <a:p>
-            <a:pPr marR="0" lvl="0" indent="0" algn="just" fontAlgn="base">
-              <a:lnSpc>
-                <a:spcPct val="100000"/>
-              </a:lnSpc>
-              <a:spcBef>
-                <a:spcPct val="0"/>
-              </a:spcBef>
-              <a:spcAft>
-                <a:spcPct val="0"/>
-              </a:spcAft>
-              <a:buClrTx/>
-              <a:buSzTx/>
-              <a:buFontTx/>
-              <a:buNone/>
-              <a:tabLst/>
-            </a:pPr>
-            <a:r>
-              <a:rPr lang="en-US" altLang="en-US" sz="1400" b="1" kern="100" dirty="0">
-                <a:solidFill>
-                  <a:srgbClr val="16388A"/>
-                </a:solidFill>
-                <a:latin typeface="Times New Roman" panose="02020603050405020304" pitchFamily="18" charset="0"/>
-                <a:ea typeface="华文新魏" panose="02010800040101010101" pitchFamily="2" charset="-122"/>
-                <a:cs typeface="Times New Roman" panose="02020603050405020304" pitchFamily="18" charset="0"/>
-              </a:rPr>
-              <a:t>Loading the Fast R-CNN model (</a:t>
-            </a:r>
-            <a:r>
-              <a:rPr lang="en-US" altLang="en-US" sz="1400" kern="100" dirty="0">
-                <a:solidFill>
-                  <a:srgbClr val="FF0000"/>
-                </a:solidFill>
-                <a:latin typeface="Times New Roman" panose="02020603050405020304" pitchFamily="18" charset="0"/>
-                <a:ea typeface="华文新魏" panose="02010800040101010101" pitchFamily="2" charset="-122"/>
-                <a:cs typeface="Times New Roman" panose="02020603050405020304" pitchFamily="18" charset="0"/>
-              </a:rPr>
-              <a:t>got this from web</a:t>
-            </a:r>
-            <a:r>
-              <a:rPr lang="en-US" altLang="en-US" sz="1400" b="1" kern="100" dirty="0">
-                <a:solidFill>
-                  <a:srgbClr val="16388A"/>
-                </a:solidFill>
-                <a:latin typeface="Times New Roman" panose="02020603050405020304" pitchFamily="18" charset="0"/>
-                <a:ea typeface="华文新魏" panose="02010800040101010101" pitchFamily="2" charset="-122"/>
-                <a:cs typeface="Times New Roman" panose="02020603050405020304" pitchFamily="18" charset="0"/>
-              </a:rPr>
-              <a:t>):</a:t>
-            </a:r>
-          </a:p>
-          <a:p>
-            <a:pPr marR="0" lvl="0" indent="0" algn="just" fontAlgn="base">
-              <a:lnSpc>
-                <a:spcPct val="100000"/>
-              </a:lnSpc>
-              <a:spcBef>
-                <a:spcPct val="0"/>
-              </a:spcBef>
-              <a:spcAft>
-                <a:spcPct val="0"/>
-              </a:spcAft>
-              <a:buClrTx/>
-              <a:buSzTx/>
-              <a:buFontTx/>
-              <a:buAutoNum type="arabicPeriod"/>
-              <a:tabLst/>
-            </a:pPr>
-            <a:r>
-              <a:rPr lang="en-US" altLang="en-US" sz="1200" kern="100" dirty="0">
-                <a:solidFill>
-                  <a:srgbClr val="16388A"/>
-                </a:solidFill>
-                <a:latin typeface="Times New Roman" panose="02020603050405020304" pitchFamily="18" charset="0"/>
-                <a:ea typeface="华文新魏" panose="02010800040101010101" pitchFamily="2" charset="-122"/>
-                <a:cs typeface="Times New Roman" panose="02020603050405020304" pitchFamily="18" charset="0"/>
-              </a:rPr>
-              <a:t>Import the required libraries in Python by running the following code:</a:t>
-            </a:r>
-          </a:p>
-          <a:p>
-            <a:pPr lvl="1" algn="just" fontAlgn="base">
-              <a:spcBef>
-                <a:spcPct val="0"/>
-              </a:spcBef>
-              <a:spcAft>
-                <a:spcPct val="0"/>
-              </a:spcAft>
-            </a:pPr>
-            <a:r>
-              <a:rPr lang="en-US" altLang="en-US" sz="1200" i="1" kern="100" dirty="0">
-                <a:solidFill>
-                  <a:srgbClr val="16388A"/>
-                </a:solidFill>
-                <a:latin typeface="Times New Roman" panose="02020603050405020304" pitchFamily="18" charset="0"/>
-                <a:ea typeface="华文新魏" panose="02010800040101010101" pitchFamily="2" charset="-122"/>
-                <a:cs typeface="Times New Roman" panose="02020603050405020304" pitchFamily="18" charset="0"/>
-              </a:rPr>
-              <a:t>import torch </a:t>
-            </a:r>
-          </a:p>
-          <a:p>
-            <a:pPr lvl="1" algn="just" fontAlgn="base">
-              <a:spcBef>
-                <a:spcPct val="0"/>
-              </a:spcBef>
-              <a:spcAft>
-                <a:spcPct val="0"/>
-              </a:spcAft>
-            </a:pPr>
-            <a:r>
-              <a:rPr lang="en-US" altLang="en-US" sz="1200" i="1" kern="100" dirty="0">
-                <a:solidFill>
-                  <a:srgbClr val="16388A"/>
-                </a:solidFill>
-                <a:latin typeface="Times New Roman" panose="02020603050405020304" pitchFamily="18" charset="0"/>
-                <a:ea typeface="华文新魏" panose="02010800040101010101" pitchFamily="2" charset="-122"/>
-                <a:cs typeface="Times New Roman" panose="02020603050405020304" pitchFamily="18" charset="0"/>
-              </a:rPr>
-              <a:t>import </a:t>
-            </a:r>
-            <a:r>
-              <a:rPr lang="en-US" altLang="en-US" sz="1200" i="1" kern="100" dirty="0" err="1">
-                <a:solidFill>
-                  <a:srgbClr val="16388A"/>
-                </a:solidFill>
-                <a:latin typeface="Times New Roman" panose="02020603050405020304" pitchFamily="18" charset="0"/>
-                <a:ea typeface="华文新魏" panose="02010800040101010101" pitchFamily="2" charset="-122"/>
-                <a:cs typeface="Times New Roman" panose="02020603050405020304" pitchFamily="18" charset="0"/>
-              </a:rPr>
-              <a:t>torchvision</a:t>
-            </a:r>
-            <a:r>
-              <a:rPr lang="en-US" altLang="en-US" sz="1200" i="1" kern="100" dirty="0">
-                <a:solidFill>
-                  <a:srgbClr val="16388A"/>
-                </a:solidFill>
-                <a:latin typeface="Times New Roman" panose="02020603050405020304" pitchFamily="18" charset="0"/>
-                <a:ea typeface="华文新魏" panose="02010800040101010101" pitchFamily="2" charset="-122"/>
-                <a:cs typeface="Times New Roman" panose="02020603050405020304" pitchFamily="18" charset="0"/>
-              </a:rPr>
-              <a:t> </a:t>
-            </a:r>
-          </a:p>
-          <a:p>
-            <a:pPr marR="0" lvl="0" indent="0" algn="just" fontAlgn="base">
-              <a:lnSpc>
-                <a:spcPct val="100000"/>
-              </a:lnSpc>
-              <a:spcBef>
-                <a:spcPct val="0"/>
-              </a:spcBef>
-              <a:spcAft>
-                <a:spcPct val="0"/>
-              </a:spcAft>
-              <a:buClrTx/>
-              <a:buSzTx/>
-              <a:buFontTx/>
-              <a:buAutoNum type="arabicPeriod" startAt="2"/>
-              <a:tabLst/>
-            </a:pPr>
-            <a:r>
-              <a:rPr lang="en-US" altLang="en-US" sz="1200" kern="100" dirty="0">
-                <a:solidFill>
-                  <a:srgbClr val="16388A"/>
-                </a:solidFill>
-                <a:latin typeface="Times New Roman" panose="02020603050405020304" pitchFamily="18" charset="0"/>
-                <a:ea typeface="华文新魏" panose="02010800040101010101" pitchFamily="2" charset="-122"/>
-                <a:cs typeface="Times New Roman" panose="02020603050405020304" pitchFamily="18" charset="0"/>
-              </a:rPr>
-              <a:t>Load the pre-trained Fast R-CNN model using the </a:t>
-            </a:r>
-            <a:r>
-              <a:rPr lang="en-US" altLang="en-US" sz="1200" kern="100" dirty="0" err="1">
-                <a:solidFill>
-                  <a:srgbClr val="16388A"/>
-                </a:solidFill>
-                <a:latin typeface="Times New Roman" panose="02020603050405020304" pitchFamily="18" charset="0"/>
-                <a:ea typeface="华文新魏" panose="02010800040101010101" pitchFamily="2" charset="-122"/>
-                <a:cs typeface="Times New Roman" panose="02020603050405020304" pitchFamily="18" charset="0"/>
-              </a:rPr>
-              <a:t>TorchVision</a:t>
-            </a:r>
-            <a:r>
-              <a:rPr lang="en-US" altLang="en-US" sz="1200" kern="100" dirty="0">
-                <a:solidFill>
-                  <a:srgbClr val="16388A"/>
-                </a:solidFill>
-                <a:latin typeface="Times New Roman" panose="02020603050405020304" pitchFamily="18" charset="0"/>
-                <a:ea typeface="华文新魏" panose="02010800040101010101" pitchFamily="2" charset="-122"/>
-                <a:cs typeface="Times New Roman" panose="02020603050405020304" pitchFamily="18" charset="0"/>
-              </a:rPr>
-              <a:t> library by running the following code:</a:t>
-            </a:r>
-          </a:p>
-          <a:p>
-            <a:pPr marR="0" lvl="1" indent="0" algn="just" fontAlgn="base">
-              <a:lnSpc>
-                <a:spcPct val="100000"/>
-              </a:lnSpc>
-              <a:spcBef>
-                <a:spcPct val="0"/>
-              </a:spcBef>
-              <a:spcAft>
-                <a:spcPct val="0"/>
-              </a:spcAft>
-              <a:buClrTx/>
-              <a:buSzTx/>
-              <a:buFontTx/>
-              <a:buNone/>
-              <a:tabLst/>
-            </a:pPr>
-            <a:r>
-              <a:rPr lang="en-US" altLang="en-US" sz="1200" i="1" kern="100" dirty="0">
-                <a:solidFill>
-                  <a:srgbClr val="16388A"/>
-                </a:solidFill>
-                <a:latin typeface="Times New Roman" panose="02020603050405020304" pitchFamily="18" charset="0"/>
-                <a:ea typeface="华文新魏" panose="02010800040101010101" pitchFamily="2" charset="-122"/>
-                <a:cs typeface="Times New Roman" panose="02020603050405020304" pitchFamily="18" charset="0"/>
-              </a:rPr>
-              <a:t>model = torchvision.models.detection.fasterrcnn_resnet50_fpn(pretrained=True) </a:t>
-            </a:r>
-          </a:p>
-          <a:p>
-            <a:pPr marR="0" lvl="0" indent="0" algn="just" fontAlgn="base">
-              <a:lnSpc>
-                <a:spcPct val="100000"/>
-              </a:lnSpc>
-              <a:spcBef>
-                <a:spcPct val="0"/>
-              </a:spcBef>
-              <a:spcAft>
-                <a:spcPct val="0"/>
-              </a:spcAft>
-              <a:buClrTx/>
-              <a:buSzTx/>
-              <a:buFontTx/>
-              <a:buAutoNum type="arabicPeriod" startAt="3"/>
-              <a:tabLst/>
-            </a:pPr>
-            <a:r>
-              <a:rPr lang="en-US" altLang="en-US" sz="1200" kern="100" dirty="0">
-                <a:solidFill>
-                  <a:srgbClr val="16388A"/>
-                </a:solidFill>
-                <a:latin typeface="Times New Roman" panose="02020603050405020304" pitchFamily="18" charset="0"/>
-                <a:ea typeface="华文新魏" panose="02010800040101010101" pitchFamily="2" charset="-122"/>
-                <a:cs typeface="Times New Roman" panose="02020603050405020304" pitchFamily="18" charset="0"/>
-              </a:rPr>
-              <a:t>The Fast R-CNN model is now loaded and ready to use. To use the model for object detection on an image or video, first preprocess the input data and then pass it through the model using the following code:</a:t>
-            </a:r>
-          </a:p>
-          <a:p>
-            <a:pPr marR="0" lvl="1" indent="0" algn="just" fontAlgn="base">
-              <a:lnSpc>
-                <a:spcPct val="100000"/>
-              </a:lnSpc>
-              <a:spcBef>
-                <a:spcPct val="0"/>
-              </a:spcBef>
-              <a:spcAft>
-                <a:spcPct val="0"/>
-              </a:spcAft>
-              <a:buClrTx/>
-              <a:buSzTx/>
-              <a:buFontTx/>
-              <a:buNone/>
-              <a:tabLst/>
-            </a:pPr>
-            <a:r>
-              <a:rPr lang="en-US" altLang="en-US" sz="1200" i="1" kern="100" dirty="0">
-                <a:solidFill>
-                  <a:srgbClr val="16388A"/>
-                </a:solidFill>
-                <a:latin typeface="Times New Roman" panose="02020603050405020304" pitchFamily="18" charset="0"/>
-                <a:ea typeface="华文新魏" panose="02010800040101010101" pitchFamily="2" charset="-122"/>
-                <a:cs typeface="Times New Roman" panose="02020603050405020304" pitchFamily="18" charset="0"/>
-              </a:rPr>
-              <a:t># Convert the image or video frame to a tensor </a:t>
-            </a:r>
-          </a:p>
-          <a:p>
-            <a:pPr marR="0" lvl="1" indent="0" algn="just" fontAlgn="base">
-              <a:lnSpc>
-                <a:spcPct val="100000"/>
-              </a:lnSpc>
-              <a:spcBef>
-                <a:spcPct val="0"/>
-              </a:spcBef>
-              <a:spcAft>
-                <a:spcPct val="0"/>
-              </a:spcAft>
-              <a:buClrTx/>
-              <a:buSzTx/>
-              <a:buFontTx/>
-              <a:buNone/>
-              <a:tabLst/>
-            </a:pPr>
-            <a:r>
-              <a:rPr lang="en-US" altLang="en-US" sz="1200" i="1" kern="100" dirty="0" err="1">
-                <a:solidFill>
-                  <a:srgbClr val="16388A"/>
-                </a:solidFill>
-                <a:latin typeface="Times New Roman" panose="02020603050405020304" pitchFamily="18" charset="0"/>
-                <a:ea typeface="华文新魏" panose="02010800040101010101" pitchFamily="2" charset="-122"/>
-                <a:cs typeface="Times New Roman" panose="02020603050405020304" pitchFamily="18" charset="0"/>
-              </a:rPr>
-              <a:t>img_tensor</a:t>
-            </a:r>
-            <a:r>
-              <a:rPr lang="en-US" altLang="en-US" sz="1200" i="1" kern="100" dirty="0">
-                <a:solidFill>
-                  <a:srgbClr val="16388A"/>
-                </a:solidFill>
-                <a:latin typeface="Times New Roman" panose="02020603050405020304" pitchFamily="18" charset="0"/>
-                <a:ea typeface="华文新魏" panose="02010800040101010101" pitchFamily="2" charset="-122"/>
-                <a:cs typeface="Times New Roman" panose="02020603050405020304" pitchFamily="18" charset="0"/>
-              </a:rPr>
-              <a:t> = </a:t>
-            </a:r>
-            <a:r>
-              <a:rPr lang="en-US" altLang="en-US" sz="1200" i="1" kern="100" dirty="0" err="1">
-                <a:solidFill>
-                  <a:srgbClr val="16388A"/>
-                </a:solidFill>
-                <a:latin typeface="Times New Roman" panose="02020603050405020304" pitchFamily="18" charset="0"/>
-                <a:ea typeface="华文新魏" panose="02010800040101010101" pitchFamily="2" charset="-122"/>
-                <a:cs typeface="Times New Roman" panose="02020603050405020304" pitchFamily="18" charset="0"/>
-              </a:rPr>
-              <a:t>torchvision.transforms.functional.to_tensor</a:t>
-            </a:r>
-            <a:r>
-              <a:rPr lang="en-US" altLang="en-US" sz="1200" i="1" kern="100" dirty="0">
-                <a:solidFill>
-                  <a:srgbClr val="16388A"/>
-                </a:solidFill>
-                <a:latin typeface="Times New Roman" panose="02020603050405020304" pitchFamily="18" charset="0"/>
-                <a:ea typeface="华文新魏" panose="02010800040101010101" pitchFamily="2" charset="-122"/>
-                <a:cs typeface="Times New Roman" panose="02020603050405020304" pitchFamily="18" charset="0"/>
-              </a:rPr>
-              <a:t>(frame) </a:t>
-            </a:r>
-          </a:p>
-          <a:p>
-            <a:pPr marR="0" lvl="1" indent="0" algn="just" fontAlgn="base">
-              <a:lnSpc>
-                <a:spcPct val="100000"/>
-              </a:lnSpc>
-              <a:spcBef>
-                <a:spcPct val="0"/>
-              </a:spcBef>
-              <a:spcAft>
-                <a:spcPct val="0"/>
-              </a:spcAft>
-              <a:buClrTx/>
-              <a:buSzTx/>
-              <a:buFontTx/>
-              <a:buNone/>
-              <a:tabLst/>
-            </a:pPr>
-            <a:r>
-              <a:rPr lang="en-US" altLang="en-US" sz="1200" i="1" kern="100" dirty="0">
-                <a:solidFill>
-                  <a:srgbClr val="16388A"/>
-                </a:solidFill>
-                <a:latin typeface="Times New Roman" panose="02020603050405020304" pitchFamily="18" charset="0"/>
-                <a:ea typeface="华文新魏" panose="02010800040101010101" pitchFamily="2" charset="-122"/>
-                <a:cs typeface="Times New Roman" panose="02020603050405020304" pitchFamily="18" charset="0"/>
-              </a:rPr>
-              <a:t># Add a batch dimension to the tensor </a:t>
-            </a:r>
-          </a:p>
-          <a:p>
-            <a:pPr marR="0" lvl="1" indent="0" algn="just" fontAlgn="base">
-              <a:lnSpc>
-                <a:spcPct val="100000"/>
-              </a:lnSpc>
-              <a:spcBef>
-                <a:spcPct val="0"/>
-              </a:spcBef>
-              <a:spcAft>
-                <a:spcPct val="0"/>
-              </a:spcAft>
-              <a:buClrTx/>
-              <a:buSzTx/>
-              <a:buFontTx/>
-              <a:buNone/>
-              <a:tabLst/>
-            </a:pPr>
-            <a:r>
-              <a:rPr lang="en-US" altLang="en-US" sz="1200" i="1" kern="100" dirty="0" err="1">
-                <a:solidFill>
-                  <a:srgbClr val="16388A"/>
-                </a:solidFill>
-                <a:latin typeface="Times New Roman" panose="02020603050405020304" pitchFamily="18" charset="0"/>
-                <a:ea typeface="华文新魏" panose="02010800040101010101" pitchFamily="2" charset="-122"/>
-                <a:cs typeface="Times New Roman" panose="02020603050405020304" pitchFamily="18" charset="0"/>
-              </a:rPr>
-              <a:t>img_tensor</a:t>
-            </a:r>
-            <a:r>
-              <a:rPr lang="en-US" altLang="en-US" sz="1200" i="1" kern="100" dirty="0">
-                <a:solidFill>
-                  <a:srgbClr val="16388A"/>
-                </a:solidFill>
-                <a:latin typeface="Times New Roman" panose="02020603050405020304" pitchFamily="18" charset="0"/>
-                <a:ea typeface="华文新魏" panose="02010800040101010101" pitchFamily="2" charset="-122"/>
-                <a:cs typeface="Times New Roman" panose="02020603050405020304" pitchFamily="18" charset="0"/>
-              </a:rPr>
-              <a:t> = </a:t>
-            </a:r>
-            <a:r>
-              <a:rPr lang="en-US" altLang="en-US" sz="1200" i="1" kern="100" dirty="0" err="1">
-                <a:solidFill>
-                  <a:srgbClr val="16388A"/>
-                </a:solidFill>
-                <a:latin typeface="Times New Roman" panose="02020603050405020304" pitchFamily="18" charset="0"/>
-                <a:ea typeface="华文新魏" panose="02010800040101010101" pitchFamily="2" charset="-122"/>
-                <a:cs typeface="Times New Roman" panose="02020603050405020304" pitchFamily="18" charset="0"/>
-              </a:rPr>
-              <a:t>img_tensor.unsqueeze</a:t>
-            </a:r>
-            <a:r>
-              <a:rPr lang="en-US" altLang="en-US" sz="1200" i="1" kern="100" dirty="0">
-                <a:solidFill>
-                  <a:srgbClr val="16388A"/>
-                </a:solidFill>
-                <a:latin typeface="Times New Roman" panose="02020603050405020304" pitchFamily="18" charset="0"/>
-                <a:ea typeface="华文新魏" panose="02010800040101010101" pitchFamily="2" charset="-122"/>
-                <a:cs typeface="Times New Roman" panose="02020603050405020304" pitchFamily="18" charset="0"/>
-              </a:rPr>
-              <a:t>(0) </a:t>
-            </a:r>
-          </a:p>
-          <a:p>
-            <a:pPr marR="0" lvl="1" indent="0" algn="just" fontAlgn="base">
-              <a:lnSpc>
-                <a:spcPct val="100000"/>
-              </a:lnSpc>
-              <a:spcBef>
-                <a:spcPct val="0"/>
-              </a:spcBef>
-              <a:spcAft>
-                <a:spcPct val="0"/>
-              </a:spcAft>
-              <a:buClrTx/>
-              <a:buSzTx/>
-              <a:buFontTx/>
-              <a:buNone/>
-              <a:tabLst/>
-            </a:pPr>
-            <a:r>
-              <a:rPr lang="en-US" altLang="en-US" sz="1200" i="1" kern="100" dirty="0">
-                <a:solidFill>
-                  <a:srgbClr val="16388A"/>
-                </a:solidFill>
-                <a:latin typeface="Times New Roman" panose="02020603050405020304" pitchFamily="18" charset="0"/>
-                <a:ea typeface="华文新魏" panose="02010800040101010101" pitchFamily="2" charset="-122"/>
-                <a:cs typeface="Times New Roman" panose="02020603050405020304" pitchFamily="18" charset="0"/>
-              </a:rPr>
-              <a:t># Pass the tensor through the model to get the predictions </a:t>
-            </a:r>
-          </a:p>
-          <a:p>
-            <a:pPr marR="0" lvl="1" indent="0" algn="just" fontAlgn="base">
-              <a:lnSpc>
-                <a:spcPct val="100000"/>
-              </a:lnSpc>
-              <a:spcBef>
-                <a:spcPct val="0"/>
-              </a:spcBef>
-              <a:spcAft>
-                <a:spcPct val="0"/>
-              </a:spcAft>
-              <a:buClrTx/>
-              <a:buSzTx/>
-              <a:buFontTx/>
-              <a:buNone/>
-              <a:tabLst/>
-            </a:pPr>
-            <a:r>
-              <a:rPr lang="en-US" altLang="en-US" sz="1200" i="1" kern="100" dirty="0">
-                <a:solidFill>
-                  <a:srgbClr val="16388A"/>
-                </a:solidFill>
-                <a:latin typeface="Times New Roman" panose="02020603050405020304" pitchFamily="18" charset="0"/>
-                <a:ea typeface="华文新魏" panose="02010800040101010101" pitchFamily="2" charset="-122"/>
-                <a:cs typeface="Times New Roman" panose="02020603050405020304" pitchFamily="18" charset="0"/>
-              </a:rPr>
-              <a:t>pred = model(</a:t>
-            </a:r>
-            <a:r>
-              <a:rPr lang="en-US" altLang="en-US" sz="1200" i="1" kern="100" dirty="0" err="1">
-                <a:solidFill>
-                  <a:srgbClr val="16388A"/>
-                </a:solidFill>
-                <a:latin typeface="Times New Roman" panose="02020603050405020304" pitchFamily="18" charset="0"/>
-                <a:ea typeface="华文新魏" panose="02010800040101010101" pitchFamily="2" charset="-122"/>
-                <a:cs typeface="Times New Roman" panose="02020603050405020304" pitchFamily="18" charset="0"/>
-              </a:rPr>
-              <a:t>img_tensor</a:t>
-            </a:r>
-            <a:r>
-              <a:rPr lang="en-US" altLang="en-US" sz="1200" i="1" kern="100" dirty="0">
-                <a:solidFill>
-                  <a:srgbClr val="16388A"/>
-                </a:solidFill>
-                <a:latin typeface="Times New Roman" panose="02020603050405020304" pitchFamily="18" charset="0"/>
-                <a:ea typeface="华文新魏" panose="02010800040101010101" pitchFamily="2" charset="-122"/>
-                <a:cs typeface="Times New Roman" panose="02020603050405020304" pitchFamily="18" charset="0"/>
-              </a:rPr>
-              <a:t>) </a:t>
-            </a:r>
-          </a:p>
-          <a:p>
-            <a:pPr marR="0" lvl="0" indent="0" algn="just" fontAlgn="base">
-              <a:lnSpc>
-                <a:spcPct val="100000"/>
-              </a:lnSpc>
-              <a:spcBef>
-                <a:spcPct val="0"/>
-              </a:spcBef>
-              <a:spcAft>
-                <a:spcPct val="0"/>
-              </a:spcAft>
-              <a:buClrTx/>
-              <a:buSzTx/>
-              <a:buFontTx/>
-              <a:buAutoNum type="arabicPeriod" startAt="4"/>
-              <a:tabLst/>
-            </a:pPr>
-            <a:r>
-              <a:rPr lang="en-US" altLang="en-US" sz="1200" kern="100" dirty="0">
-                <a:solidFill>
-                  <a:srgbClr val="16388A"/>
-                </a:solidFill>
-                <a:latin typeface="Times New Roman" panose="02020603050405020304" pitchFamily="18" charset="0"/>
-                <a:ea typeface="华文新魏" panose="02010800040101010101" pitchFamily="2" charset="-122"/>
-                <a:cs typeface="Times New Roman" panose="02020603050405020304" pitchFamily="18" charset="0"/>
-              </a:rPr>
-              <a:t>The model predictions can now be used to draw detection bounding boxes on the input data.</a:t>
-            </a:r>
-          </a:p>
-          <a:p>
-            <a:pPr marR="0" lvl="0" indent="0" algn="just" fontAlgn="base">
-              <a:lnSpc>
-                <a:spcPct val="100000"/>
-              </a:lnSpc>
-              <a:spcBef>
-                <a:spcPct val="0"/>
-              </a:spcBef>
-              <a:spcAft>
-                <a:spcPct val="0"/>
-              </a:spcAft>
-              <a:buClrTx/>
-              <a:buSzTx/>
-              <a:buFontTx/>
-              <a:buNone/>
-              <a:tabLst/>
-            </a:pPr>
-            <a:endParaRPr lang="en-US" altLang="en-US" sz="1200" kern="100" dirty="0">
+            <a:endParaRPr lang="en-US" kern="100" dirty="0">
               <a:solidFill>
                 <a:srgbClr val="16388A"/>
               </a:solidFill>
@@ -16804,222 +17107,36 @@
           </a:p>
         </p:txBody>
       </p:sp>
-      <p:sp>
-        <p:nvSpPr>
-          <p:cNvPr id="22" name="Rectangle 2">
+      <p:pic>
+        <p:nvPicPr>
+          <p:cNvPr id="11" name="Picture 10">
             <a:extLst>
               <a:ext uri="{FF2B5EF4-FFF2-40B4-BE49-F238E27FC236}">
-                <a16:creationId xmlns:a16="http://schemas.microsoft.com/office/drawing/2014/main" id="{9F295E00-389D-44BA-9F8D-29899EAF44AD}"/>
+                <a16:creationId xmlns:a16="http://schemas.microsoft.com/office/drawing/2014/main" id="{5103D45B-4514-4C54-A8AB-E9CCFBB2F603}"/>
               </a:ext>
             </a:extLst>
           </p:cNvPr>
-          <p:cNvSpPr>
-            <a:spLocks noChangeArrowheads="1"/>
-          </p:cNvSpPr>
+          <p:cNvPicPr>
+            <a:picLocks noChangeAspect="1"/>
+          </p:cNvPicPr>
           <p:nvPr/>
-        </p:nvSpPr>
-        <p:spPr bwMode="auto">
+        </p:nvPicPr>
+        <p:blipFill>
+          <a:blip r:embed="rId5"/>
+          <a:stretch>
+            <a:fillRect/>
+          </a:stretch>
+        </p:blipFill>
+        <p:spPr>
           <a:xfrm>
-            <a:off x="0" y="-10055"/>
-            <a:ext cx="65" cy="477311"/>
+            <a:off x="4315550" y="2846505"/>
+            <a:ext cx="2743341" cy="1644735"/>
           </a:xfrm>
           <a:prstGeom prst="rect">
             <a:avLst/>
           </a:prstGeom>
-          <a:solidFill>
-            <a:srgbClr val="444654"/>
-          </a:solidFill>
-          <a:ln>
-            <a:noFill/>
-          </a:ln>
-          <a:effectLst/>
-          <a:extLst>
-            <a:ext uri="{91240B29-F687-4F45-9708-019B960494DF}">
-              <a14:hiddenLine xmlns:a14="http://schemas.microsoft.com/office/drawing/2010/main" w="9525">
-                <a:solidFill>
-                  <a:schemeClr val="tx1"/>
-                </a:solidFill>
-                <a:miter lim="800000"/>
-                <a:headEnd/>
-                <a:tailEnd/>
-              </a14:hiddenLine>
-            </a:ext>
-            <a:ext uri="{AF507438-7753-43E0-B8FC-AC1667EBCBE1}">
-              <a14:hiddenEffects xmlns:a14="http://schemas.microsoft.com/office/drawing/2010/main">
-                <a:effectLst>
-                  <a:outerShdw dist="35921" dir="2700000" algn="ctr" rotWithShape="0">
-                    <a:schemeClr val="bg2"/>
-                  </a:outerShdw>
-                </a:effectLst>
-              </a14:hiddenEffects>
-            </a:ext>
-          </a:extLst>
         </p:spPr>
-        <p:txBody>
-          <a:bodyPr vert="horz" wrap="none" lIns="0" tIns="198375" rIns="0" bIns="0" numCol="1" anchor="ctr" anchorCtr="0" compatLnSpc="1">
-            <a:prstTxWarp prst="textNoShape">
-              <a:avLst/>
-            </a:prstTxWarp>
-            <a:spAutoFit/>
-          </a:bodyPr>
-          <a:lstStyle>
-            <a:lvl1pPr eaLnBrk="0" fontAlgn="base" hangingPunct="0">
-              <a:spcBef>
-                <a:spcPct val="0"/>
-              </a:spcBef>
-              <a:spcAft>
-                <a:spcPct val="0"/>
-              </a:spcAft>
-              <a:defRPr>
-                <a:solidFill>
-                  <a:schemeClr val="tx1"/>
-                </a:solidFill>
-                <a:latin typeface="Arial" panose="020B0604020202020204" pitchFamily="34" charset="0"/>
-              </a:defRPr>
-            </a:lvl1pPr>
-            <a:lvl2pPr eaLnBrk="0" fontAlgn="base" hangingPunct="0">
-              <a:spcBef>
-                <a:spcPct val="0"/>
-              </a:spcBef>
-              <a:spcAft>
-                <a:spcPct val="0"/>
-              </a:spcAft>
-              <a:defRPr>
-                <a:solidFill>
-                  <a:schemeClr val="tx1"/>
-                </a:solidFill>
-                <a:latin typeface="Arial" panose="020B0604020202020204" pitchFamily="34" charset="0"/>
-              </a:defRPr>
-            </a:lvl2pPr>
-            <a:lvl3pPr eaLnBrk="0" fontAlgn="base" hangingPunct="0">
-              <a:spcBef>
-                <a:spcPct val="0"/>
-              </a:spcBef>
-              <a:spcAft>
-                <a:spcPct val="0"/>
-              </a:spcAft>
-              <a:defRPr>
-                <a:solidFill>
-                  <a:schemeClr val="tx1"/>
-                </a:solidFill>
-                <a:latin typeface="Arial" panose="020B0604020202020204" pitchFamily="34" charset="0"/>
-              </a:defRPr>
-            </a:lvl3pPr>
-            <a:lvl4pPr eaLnBrk="0" fontAlgn="base" hangingPunct="0">
-              <a:spcBef>
-                <a:spcPct val="0"/>
-              </a:spcBef>
-              <a:spcAft>
-                <a:spcPct val="0"/>
-              </a:spcAft>
-              <a:defRPr>
-                <a:solidFill>
-                  <a:schemeClr val="tx1"/>
-                </a:solidFill>
-                <a:latin typeface="Arial" panose="020B0604020202020204" pitchFamily="34" charset="0"/>
-              </a:defRPr>
-            </a:lvl4pPr>
-            <a:lvl5pPr eaLnBrk="0" fontAlgn="base" hangingPunct="0">
-              <a:spcBef>
-                <a:spcPct val="0"/>
-              </a:spcBef>
-              <a:spcAft>
-                <a:spcPct val="0"/>
-              </a:spcAft>
-              <a:defRPr>
-                <a:solidFill>
-                  <a:schemeClr val="tx1"/>
-                </a:solidFill>
-                <a:latin typeface="Arial" panose="020B0604020202020204" pitchFamily="34" charset="0"/>
-              </a:defRPr>
-            </a:lvl5pPr>
-            <a:lvl6pPr eaLnBrk="0" fontAlgn="base" hangingPunct="0">
-              <a:spcBef>
-                <a:spcPct val="0"/>
-              </a:spcBef>
-              <a:spcAft>
-                <a:spcPct val="0"/>
-              </a:spcAft>
-              <a:defRPr>
-                <a:solidFill>
-                  <a:schemeClr val="tx1"/>
-                </a:solidFill>
-                <a:latin typeface="Arial" panose="020B0604020202020204" pitchFamily="34" charset="0"/>
-              </a:defRPr>
-            </a:lvl6pPr>
-            <a:lvl7pPr eaLnBrk="0" fontAlgn="base" hangingPunct="0">
-              <a:spcBef>
-                <a:spcPct val="0"/>
-              </a:spcBef>
-              <a:spcAft>
-                <a:spcPct val="0"/>
-              </a:spcAft>
-              <a:defRPr>
-                <a:solidFill>
-                  <a:schemeClr val="tx1"/>
-                </a:solidFill>
-                <a:latin typeface="Arial" panose="020B0604020202020204" pitchFamily="34" charset="0"/>
-              </a:defRPr>
-            </a:lvl7pPr>
-            <a:lvl8pPr eaLnBrk="0" fontAlgn="base" hangingPunct="0">
-              <a:spcBef>
-                <a:spcPct val="0"/>
-              </a:spcBef>
-              <a:spcAft>
-                <a:spcPct val="0"/>
-              </a:spcAft>
-              <a:defRPr>
-                <a:solidFill>
-                  <a:schemeClr val="tx1"/>
-                </a:solidFill>
-                <a:latin typeface="Arial" panose="020B0604020202020204" pitchFamily="34" charset="0"/>
-              </a:defRPr>
-            </a:lvl8pPr>
-            <a:lvl9pPr eaLnBrk="0" fontAlgn="base" hangingPunct="0">
-              <a:spcBef>
-                <a:spcPct val="0"/>
-              </a:spcBef>
-              <a:spcAft>
-                <a:spcPct val="0"/>
-              </a:spcAft>
-              <a:defRPr>
-                <a:solidFill>
-                  <a:schemeClr val="tx1"/>
-                </a:solidFill>
-                <a:latin typeface="Arial" panose="020B0604020202020204" pitchFamily="34" charset="0"/>
-              </a:defRPr>
-            </a:lvl9pPr>
-          </a:lstStyle>
-          <a:p>
-            <a:pPr marL="0" marR="0" lvl="0" indent="0" algn="l" defTabSz="914400" rtl="0" eaLnBrk="0" fontAlgn="base" latinLnBrk="0" hangingPunct="0">
-              <a:lnSpc>
-                <a:spcPct val="100000"/>
-              </a:lnSpc>
-              <a:spcBef>
-                <a:spcPct val="0"/>
-              </a:spcBef>
-              <a:spcAft>
-                <a:spcPct val="0"/>
-              </a:spcAft>
-              <a:buClrTx/>
-              <a:buSzTx/>
-              <a:buFontTx/>
-              <a:buNone/>
-              <a:tabLst/>
-            </a:pPr>
-            <a:endParaRPr kumimoji="0" lang="en-US" altLang="en-US" sz="1800" b="0" i="0" u="none" strike="noStrike" cap="none" normalizeH="0" baseline="0" dirty="0">
-              <a:ln>
-                <a:noFill/>
-              </a:ln>
-              <a:solidFill>
-                <a:schemeClr val="tx1"/>
-              </a:solidFill>
-              <a:effectLst/>
-              <a:latin typeface="Arial" panose="020B0604020202020204" pitchFamily="34" charset="0"/>
-            </a:endParaRPr>
-          </a:p>
-        </p:txBody>
-      </p:sp>
+      </p:pic>
     </p:spTree>
     <p:extLst>
       <p:ext uri="{BB962C8B-B14F-4D97-AF65-F5344CB8AC3E}">
@@ -17052,10 +17169,10 @@
       </p:grpSpPr>
       <p:pic>
         <p:nvPicPr>
-          <p:cNvPr id="4" name="Picture 3">
+          <p:cNvPr id="6" name="Picture 5">
             <a:extLst>
               <a:ext uri="{FF2B5EF4-FFF2-40B4-BE49-F238E27FC236}">
-                <a16:creationId xmlns:a16="http://schemas.microsoft.com/office/drawing/2014/main" id="{FBDDC59C-627E-45AB-B1AD-7B1600747937}"/>
+                <a16:creationId xmlns:a16="http://schemas.microsoft.com/office/drawing/2014/main" id="{DAE93B3B-04C8-4627-814E-4314C6901EFE}"/>
               </a:ext>
             </a:extLst>
           </p:cNvPr>
@@ -17065,15 +17182,20 @@
           <p:nvPr/>
         </p:nvPicPr>
         <p:blipFill>
-          <a:blip r:embed="rId2"/>
-          <a:stretch>
-            <a:fillRect/>
-          </a:stretch>
+          <a:blip r:embed="rId2">
+            <a:extLst>
+              <a:ext uri="{28A0092B-C50C-407E-A947-70E740481C1C}">
+                <a14:useLocalDpi xmlns:a14="http://schemas.microsoft.com/office/drawing/2010/main" val="0"/>
+              </a:ext>
+            </a:extLst>
+          </a:blip>
+          <a:srcRect/>
+          <a:stretch/>
         </p:blipFill>
         <p:spPr>
           <a:xfrm>
-            <a:off x="1582523" y="802263"/>
-            <a:ext cx="9026954" cy="5506561"/>
+            <a:off x="2711635" y="0"/>
+            <a:ext cx="4715033" cy="3536274"/>
           </a:xfrm>
           <a:prstGeom prst="rect">
             <a:avLst/>
@@ -17082,10 +17204,10 @@
       </p:pic>
       <p:sp>
         <p:nvSpPr>
-          <p:cNvPr id="6" name="TextBox 5">
+          <p:cNvPr id="7" name="TextBox 6">
             <a:extLst>
               <a:ext uri="{FF2B5EF4-FFF2-40B4-BE49-F238E27FC236}">
-                <a16:creationId xmlns:a16="http://schemas.microsoft.com/office/drawing/2014/main" id="{9BBD0482-E157-4400-81D2-F2FACD8510F0}"/>
+                <a16:creationId xmlns:a16="http://schemas.microsoft.com/office/drawing/2014/main" id="{7D6C4428-B079-4976-BC75-D390EBA39177}"/>
               </a:ext>
             </a:extLst>
           </p:cNvPr>
@@ -17094,8 +17216,8 @@
         </p:nvSpPr>
         <p:spPr>
           <a:xfrm>
-            <a:off x="315943" y="-30791"/>
-            <a:ext cx="5080777" cy="579967"/>
+            <a:off x="315944" y="217924"/>
+            <a:ext cx="3282914" cy="498663"/>
           </a:xfrm>
           <a:prstGeom prst="rect">
             <a:avLst/>
@@ -17126,10 +17248,629 @@
                 <a:ea typeface="华文新魏" panose="02010800040101010101" pitchFamily="2" charset="-122"/>
                 <a:cs typeface="Times New Roman" panose="02020603050405020304" pitchFamily="18" charset="0"/>
               </a:rPr>
-              <a:t>Result</a:t>
+              <a:t>REPORT: Net 2</a:t>
             </a:r>
+            <a:endParaRPr lang="en-US" sz="2400" b="1" kern="100" dirty="0">
+              <a:solidFill>
+                <a:srgbClr val="16388A"/>
+              </a:solidFill>
+              <a:latin typeface="Times New Roman" panose="02020603050405020304" pitchFamily="18" charset="0"/>
+              <a:ea typeface="华文新魏" panose="02010800040101010101" pitchFamily="2" charset="-122"/>
+              <a:cs typeface="Times New Roman" panose="02020603050405020304" pitchFamily="18" charset="0"/>
+            </a:endParaRPr>
+          </a:p>
+        </p:txBody>
+      </p:sp>
+      <p:graphicFrame>
+        <p:nvGraphicFramePr>
+          <p:cNvPr id="2" name="Table 2">
+            <a:extLst>
+              <a:ext uri="{FF2B5EF4-FFF2-40B4-BE49-F238E27FC236}">
+                <a16:creationId xmlns:a16="http://schemas.microsoft.com/office/drawing/2014/main" id="{A25FDF38-E177-4465-BC0B-51CE68989D10}"/>
+              </a:ext>
+            </a:extLst>
+          </p:cNvPr>
+          <p:cNvGraphicFramePr>
+            <a:graphicFrameLocks noGrp="1"/>
+          </p:cNvGraphicFramePr>
+          <p:nvPr>
+            <p:extLst>
+              <p:ext uri="{D42A27DB-BD31-4B8C-83A1-F6EECF244321}">
+                <p14:modId xmlns:p14="http://schemas.microsoft.com/office/powerpoint/2010/main" val="1174027789"/>
+              </p:ext>
+            </p:extLst>
+          </p:nvPr>
+        </p:nvGraphicFramePr>
+        <p:xfrm>
+          <a:off x="443071" y="1438173"/>
+          <a:ext cx="2011680" cy="4358640"/>
+        </p:xfrm>
+        <a:graphic>
+          <a:graphicData uri="http://schemas.openxmlformats.org/drawingml/2006/table">
+            <a:tbl>
+              <a:tblPr firstRow="1" bandRow="1">
+                <a:tableStyleId>{5C22544A-7EE6-4342-B048-85BDC9FD1C3A}</a:tableStyleId>
+              </a:tblPr>
+              <a:tblGrid>
+                <a:gridCol w="1005840">
+                  <a:extLst>
+                    <a:ext uri="{9D8B030D-6E8A-4147-A177-3AD203B41FA5}">
+                      <a16:colId xmlns:a16="http://schemas.microsoft.com/office/drawing/2014/main" val="3155224541"/>
+                    </a:ext>
+                  </a:extLst>
+                </a:gridCol>
+                <a:gridCol w="1005840">
+                  <a:extLst>
+                    <a:ext uri="{9D8B030D-6E8A-4147-A177-3AD203B41FA5}">
+                      <a16:colId xmlns:a16="http://schemas.microsoft.com/office/drawing/2014/main" val="4140186502"/>
+                    </a:ext>
+                  </a:extLst>
+                </a:gridCol>
+              </a:tblGrid>
+              <a:tr h="292251">
+                <a:tc gridSpan="2">
+                  <a:txBody>
+                    <a:bodyPr/>
+                    <a:lstStyle/>
+                    <a:p>
+                      <a:pPr algn="ctr"/>
+                      <a:r>
+                        <a:rPr lang="en-US" sz="1600" dirty="0"/>
+                        <a:t>Net1. Acc Tab</a:t>
+                      </a:r>
+                    </a:p>
+                  </a:txBody>
+                  <a:tcPr/>
+                </a:tc>
+                <a:tc hMerge="1">
+                  <a:txBody>
+                    <a:bodyPr/>
+                    <a:lstStyle/>
+                    <a:p>
+                      <a:endParaRPr lang="en-US" dirty="0"/>
+                    </a:p>
+                  </a:txBody>
+                  <a:tcPr/>
+                </a:tc>
+                <a:extLst>
+                  <a:ext uri="{0D108BD9-81ED-4DB2-BD59-A6C34878D82A}">
+                    <a16:rowId xmlns:a16="http://schemas.microsoft.com/office/drawing/2014/main" val="998142586"/>
+                  </a:ext>
+                </a:extLst>
+              </a:tr>
+              <a:tr h="318546">
+                <a:tc>
+                  <a:txBody>
+                    <a:bodyPr/>
+                    <a:lstStyle/>
+                    <a:p>
+                      <a:pPr algn="ctr"/>
+                      <a:r>
+                        <a:rPr lang="en-US" sz="1600" dirty="0"/>
+                        <a:t>Plane</a:t>
+                      </a:r>
+                    </a:p>
+                  </a:txBody>
+                  <a:tcPr/>
+                </a:tc>
+                <a:tc>
+                  <a:txBody>
+                    <a:bodyPr/>
+                    <a:lstStyle/>
+                    <a:p>
+                      <a:pPr algn="ctr"/>
+                      <a:r>
+                        <a:rPr lang="en-US" sz="1600" dirty="0"/>
+                        <a:t>47.9 %</a:t>
+                      </a:r>
+                    </a:p>
+                  </a:txBody>
+                  <a:tcPr/>
+                </a:tc>
+                <a:extLst>
+                  <a:ext uri="{0D108BD9-81ED-4DB2-BD59-A6C34878D82A}">
+                    <a16:rowId xmlns:a16="http://schemas.microsoft.com/office/drawing/2014/main" val="3609831770"/>
+                  </a:ext>
+                </a:extLst>
+              </a:tr>
+              <a:tr h="318546">
+                <a:tc>
+                  <a:txBody>
+                    <a:bodyPr/>
+                    <a:lstStyle/>
+                    <a:p>
+                      <a:pPr algn="ctr"/>
+                      <a:r>
+                        <a:rPr lang="en-US" sz="1600" dirty="0"/>
+                        <a:t>Car</a:t>
+                      </a:r>
+                    </a:p>
+                  </a:txBody>
+                  <a:tcPr/>
+                </a:tc>
+                <a:tc>
+                  <a:txBody>
+                    <a:bodyPr/>
+                    <a:lstStyle/>
+                    <a:p>
+                      <a:pPr algn="ctr"/>
+                      <a:r>
+                        <a:rPr lang="en-US" sz="1600" dirty="0"/>
+                        <a:t>68.8 %</a:t>
+                      </a:r>
+                    </a:p>
+                  </a:txBody>
+                  <a:tcPr/>
+                </a:tc>
+                <a:extLst>
+                  <a:ext uri="{0D108BD9-81ED-4DB2-BD59-A6C34878D82A}">
+                    <a16:rowId xmlns:a16="http://schemas.microsoft.com/office/drawing/2014/main" val="463309982"/>
+                  </a:ext>
+                </a:extLst>
+              </a:tr>
+              <a:tr h="318546">
+                <a:tc>
+                  <a:txBody>
+                    <a:bodyPr/>
+                    <a:lstStyle/>
+                    <a:p>
+                      <a:pPr algn="ctr"/>
+                      <a:r>
+                        <a:rPr lang="en-US" sz="1600" dirty="0"/>
+                        <a:t>Bird</a:t>
+                      </a:r>
+                    </a:p>
+                  </a:txBody>
+                  <a:tcPr/>
+                </a:tc>
+                <a:tc>
+                  <a:txBody>
+                    <a:bodyPr/>
+                    <a:lstStyle/>
+                    <a:p>
+                      <a:pPr algn="ctr"/>
+                      <a:r>
+                        <a:rPr lang="en-US" sz="1600" dirty="0"/>
+                        <a:t>48.5 %</a:t>
+                      </a:r>
+                    </a:p>
+                  </a:txBody>
+                  <a:tcPr/>
+                </a:tc>
+                <a:extLst>
+                  <a:ext uri="{0D108BD9-81ED-4DB2-BD59-A6C34878D82A}">
+                    <a16:rowId xmlns:a16="http://schemas.microsoft.com/office/drawing/2014/main" val="3581345049"/>
+                  </a:ext>
+                </a:extLst>
+              </a:tr>
+              <a:tr h="318546">
+                <a:tc>
+                  <a:txBody>
+                    <a:bodyPr/>
+                    <a:lstStyle/>
+                    <a:p>
+                      <a:pPr algn="ctr"/>
+                      <a:r>
+                        <a:rPr lang="en-US" sz="1600" dirty="0"/>
+                        <a:t>Cat</a:t>
+                      </a:r>
+                    </a:p>
+                  </a:txBody>
+                  <a:tcPr/>
+                </a:tc>
+                <a:tc>
+                  <a:txBody>
+                    <a:bodyPr/>
+                    <a:lstStyle/>
+                    <a:p>
+                      <a:pPr algn="ctr"/>
+                      <a:r>
+                        <a:rPr lang="en-US" sz="1600" dirty="0"/>
+                        <a:t>54.9 %</a:t>
+                      </a:r>
+                    </a:p>
+                  </a:txBody>
+                  <a:tcPr/>
+                </a:tc>
+                <a:extLst>
+                  <a:ext uri="{0D108BD9-81ED-4DB2-BD59-A6C34878D82A}">
+                    <a16:rowId xmlns:a16="http://schemas.microsoft.com/office/drawing/2014/main" val="2141636581"/>
+                  </a:ext>
+                </a:extLst>
+              </a:tr>
+              <a:tr h="318546">
+                <a:tc>
+                  <a:txBody>
+                    <a:bodyPr/>
+                    <a:lstStyle/>
+                    <a:p>
+                      <a:pPr algn="ctr"/>
+                      <a:r>
+                        <a:rPr lang="en-US" sz="1600" dirty="0"/>
+                        <a:t>Deer</a:t>
+                      </a:r>
+                    </a:p>
+                  </a:txBody>
+                  <a:tcPr/>
+                </a:tc>
+                <a:tc>
+                  <a:txBody>
+                    <a:bodyPr/>
+                    <a:lstStyle/>
+                    <a:p>
+                      <a:pPr algn="ctr"/>
+                      <a:r>
+                        <a:rPr lang="en-US" sz="1600" dirty="0"/>
+                        <a:t>50.3 %</a:t>
+                      </a:r>
+                    </a:p>
+                  </a:txBody>
+                  <a:tcPr/>
+                </a:tc>
+                <a:extLst>
+                  <a:ext uri="{0D108BD9-81ED-4DB2-BD59-A6C34878D82A}">
+                    <a16:rowId xmlns:a16="http://schemas.microsoft.com/office/drawing/2014/main" val="3647439777"/>
+                  </a:ext>
+                </a:extLst>
+              </a:tr>
+              <a:tr h="318546">
+                <a:tc>
+                  <a:txBody>
+                    <a:bodyPr/>
+                    <a:lstStyle/>
+                    <a:p>
+                      <a:pPr algn="ctr"/>
+                      <a:r>
+                        <a:rPr lang="en-US" sz="1600" dirty="0"/>
+                        <a:t>Dog</a:t>
+                      </a:r>
+                    </a:p>
+                  </a:txBody>
+                  <a:tcPr/>
+                </a:tc>
+                <a:tc>
+                  <a:txBody>
+                    <a:bodyPr/>
+                    <a:lstStyle/>
+                    <a:p>
+                      <a:pPr algn="ctr"/>
+                      <a:r>
+                        <a:rPr lang="en-US" sz="1600" dirty="0"/>
+                        <a:t>36.3 %</a:t>
+                      </a:r>
+                    </a:p>
+                  </a:txBody>
+                  <a:tcPr/>
+                </a:tc>
+                <a:extLst>
+                  <a:ext uri="{0D108BD9-81ED-4DB2-BD59-A6C34878D82A}">
+                    <a16:rowId xmlns:a16="http://schemas.microsoft.com/office/drawing/2014/main" val="3157616219"/>
+                  </a:ext>
+                </a:extLst>
+              </a:tr>
+              <a:tr h="318546">
+                <a:tc>
+                  <a:txBody>
+                    <a:bodyPr/>
+                    <a:lstStyle/>
+                    <a:p>
+                      <a:pPr algn="ctr"/>
+                      <a:r>
+                        <a:rPr lang="en-US" sz="1600" dirty="0"/>
+                        <a:t>Frog</a:t>
+                      </a:r>
+                    </a:p>
+                  </a:txBody>
+                  <a:tcPr/>
+                </a:tc>
+                <a:tc>
+                  <a:txBody>
+                    <a:bodyPr/>
+                    <a:lstStyle/>
+                    <a:p>
+                      <a:pPr algn="ctr"/>
+                      <a:r>
+                        <a:rPr lang="en-US" sz="1600" dirty="0"/>
+                        <a:t>71.5 %</a:t>
+                      </a:r>
+                    </a:p>
+                  </a:txBody>
+                  <a:tcPr/>
+                </a:tc>
+                <a:extLst>
+                  <a:ext uri="{0D108BD9-81ED-4DB2-BD59-A6C34878D82A}">
+                    <a16:rowId xmlns:a16="http://schemas.microsoft.com/office/drawing/2014/main" val="1367725180"/>
+                  </a:ext>
+                </a:extLst>
+              </a:tr>
+              <a:tr h="318546">
+                <a:tc>
+                  <a:txBody>
+                    <a:bodyPr/>
+                    <a:lstStyle/>
+                    <a:p>
+                      <a:pPr algn="ctr"/>
+                      <a:r>
+                        <a:rPr lang="en-US" sz="1600" dirty="0"/>
+                        <a:t>Horse</a:t>
+                      </a:r>
+                    </a:p>
+                  </a:txBody>
+                  <a:tcPr/>
+                </a:tc>
+                <a:tc>
+                  <a:txBody>
+                    <a:bodyPr/>
+                    <a:lstStyle/>
+                    <a:p>
+                      <a:pPr algn="ctr"/>
+                      <a:r>
+                        <a:rPr lang="en-US" sz="1600" dirty="0"/>
+                        <a:t>58.8 %</a:t>
+                      </a:r>
+                    </a:p>
+                  </a:txBody>
+                  <a:tcPr/>
+                </a:tc>
+                <a:extLst>
+                  <a:ext uri="{0D108BD9-81ED-4DB2-BD59-A6C34878D82A}">
+                    <a16:rowId xmlns:a16="http://schemas.microsoft.com/office/drawing/2014/main" val="1670969532"/>
+                  </a:ext>
+                </a:extLst>
+              </a:tr>
+              <a:tr h="318546">
+                <a:tc>
+                  <a:txBody>
+                    <a:bodyPr/>
+                    <a:lstStyle/>
+                    <a:p>
+                      <a:pPr algn="ctr"/>
+                      <a:r>
+                        <a:rPr lang="en-US" sz="1600" dirty="0"/>
+                        <a:t>Ship</a:t>
+                      </a:r>
+                    </a:p>
+                  </a:txBody>
+                  <a:tcPr/>
+                </a:tc>
+                <a:tc>
+                  <a:txBody>
+                    <a:bodyPr/>
+                    <a:lstStyle/>
+                    <a:p>
+                      <a:pPr algn="ctr"/>
+                      <a:r>
+                        <a:rPr lang="en-US" sz="1600" dirty="0"/>
+                        <a:t>78.0 %</a:t>
+                      </a:r>
+                    </a:p>
+                  </a:txBody>
+                  <a:tcPr/>
+                </a:tc>
+                <a:extLst>
+                  <a:ext uri="{0D108BD9-81ED-4DB2-BD59-A6C34878D82A}">
+                    <a16:rowId xmlns:a16="http://schemas.microsoft.com/office/drawing/2014/main" val="135284082"/>
+                  </a:ext>
+                </a:extLst>
+              </a:tr>
+              <a:tr h="318546">
+                <a:tc>
+                  <a:txBody>
+                    <a:bodyPr/>
+                    <a:lstStyle/>
+                    <a:p>
+                      <a:pPr algn="ctr"/>
+                      <a:r>
+                        <a:rPr lang="en-US" sz="1600" dirty="0"/>
+                        <a:t>Truck</a:t>
+                      </a:r>
+                    </a:p>
+                  </a:txBody>
+                  <a:tcPr/>
+                </a:tc>
+                <a:tc>
+                  <a:txBody>
+                    <a:bodyPr/>
+                    <a:lstStyle/>
+                    <a:p>
+                      <a:pPr algn="ctr"/>
+                      <a:r>
+                        <a:rPr lang="en-US" sz="1600" dirty="0"/>
+                        <a:t>62.8 %</a:t>
+                      </a:r>
+                    </a:p>
+                  </a:txBody>
+                  <a:tcPr/>
+                </a:tc>
+                <a:extLst>
+                  <a:ext uri="{0D108BD9-81ED-4DB2-BD59-A6C34878D82A}">
+                    <a16:rowId xmlns:a16="http://schemas.microsoft.com/office/drawing/2014/main" val="3994574470"/>
+                  </a:ext>
+                </a:extLst>
+              </a:tr>
+              <a:tr h="318546">
+                <a:tc>
+                  <a:txBody>
+                    <a:bodyPr/>
+                    <a:lstStyle/>
+                    <a:p>
+                      <a:pPr algn="ctr"/>
+                      <a:r>
+                        <a:rPr lang="en-US" sz="1600" dirty="0"/>
+                        <a:t>Ave Acc</a:t>
+                      </a:r>
+                    </a:p>
+                  </a:txBody>
+                  <a:tcPr/>
+                </a:tc>
+                <a:tc>
+                  <a:txBody>
+                    <a:bodyPr/>
+                    <a:lstStyle/>
+                    <a:p>
+                      <a:pPr algn="ctr"/>
+                      <a:r>
+                        <a:rPr lang="en-US" sz="1600" dirty="0"/>
+                        <a:t>57.0 %</a:t>
+                      </a:r>
+                    </a:p>
+                  </a:txBody>
+                  <a:tcPr/>
+                </a:tc>
+                <a:extLst>
+                  <a:ext uri="{0D108BD9-81ED-4DB2-BD59-A6C34878D82A}">
+                    <a16:rowId xmlns:a16="http://schemas.microsoft.com/office/drawing/2014/main" val="4081230585"/>
+                  </a:ext>
+                </a:extLst>
+              </a:tr>
+              <a:tr h="318546">
+                <a:tc>
+                  <a:txBody>
+                    <a:bodyPr/>
+                    <a:lstStyle/>
+                    <a:p>
+                      <a:pPr algn="ctr"/>
+                      <a:r>
+                        <a:rPr lang="en-US" sz="1600" dirty="0"/>
+                        <a:t>Run Tim</a:t>
+                      </a:r>
+                    </a:p>
+                  </a:txBody>
+                  <a:tcPr/>
+                </a:tc>
+                <a:tc>
+                  <a:txBody>
+                    <a:bodyPr/>
+                    <a:lstStyle/>
+                    <a:p>
+                      <a:pPr algn="ctr"/>
+                      <a:r>
+                        <a:rPr lang="en-US" sz="1600" dirty="0"/>
+                        <a:t>161.37 s</a:t>
+                      </a:r>
+                    </a:p>
+                  </a:txBody>
+                  <a:tcPr/>
+                </a:tc>
+                <a:extLst>
+                  <a:ext uri="{0D108BD9-81ED-4DB2-BD59-A6C34878D82A}">
+                    <a16:rowId xmlns:a16="http://schemas.microsoft.com/office/drawing/2014/main" val="2292412895"/>
+                  </a:ext>
+                </a:extLst>
+              </a:tr>
+            </a:tbl>
+          </a:graphicData>
+        </a:graphic>
+      </p:graphicFrame>
+      <p:pic>
+        <p:nvPicPr>
+          <p:cNvPr id="4" name="Picture 3">
+            <a:extLst>
+              <a:ext uri="{FF2B5EF4-FFF2-40B4-BE49-F238E27FC236}">
+                <a16:creationId xmlns:a16="http://schemas.microsoft.com/office/drawing/2014/main" id="{BF519D52-A973-4115-BDAC-12D859AC9E76}"/>
+              </a:ext>
+            </a:extLst>
+          </p:cNvPr>
+          <p:cNvPicPr>
+            <a:picLocks noChangeAspect="1"/>
+          </p:cNvPicPr>
+          <p:nvPr/>
+        </p:nvPicPr>
+        <p:blipFill>
+          <a:blip r:embed="rId3">
+            <a:extLst>
+              <a:ext uri="{28A0092B-C50C-407E-A947-70E740481C1C}">
+                <a14:useLocalDpi xmlns:a14="http://schemas.microsoft.com/office/drawing/2010/main" val="0"/>
+              </a:ext>
+            </a:extLst>
+          </a:blip>
+          <a:srcRect/>
+          <a:stretch/>
+        </p:blipFill>
+        <p:spPr>
+          <a:xfrm>
+            <a:off x="2646583" y="2329379"/>
+            <a:ext cx="4948317" cy="3711237"/>
+          </a:xfrm>
+          <a:prstGeom prst="rect">
+            <a:avLst/>
+          </a:prstGeom>
+        </p:spPr>
+      </p:pic>
+      <p:pic>
+        <p:nvPicPr>
+          <p:cNvPr id="9" name="Picture 8">
+            <a:extLst>
+              <a:ext uri="{FF2B5EF4-FFF2-40B4-BE49-F238E27FC236}">
+                <a16:creationId xmlns:a16="http://schemas.microsoft.com/office/drawing/2014/main" id="{0095B571-6651-4451-8626-34DBA64368EA}"/>
+              </a:ext>
+            </a:extLst>
+          </p:cNvPr>
+          <p:cNvPicPr>
+            <a:picLocks noChangeAspect="1"/>
+          </p:cNvPicPr>
+          <p:nvPr/>
+        </p:nvPicPr>
+        <p:blipFill>
+          <a:blip r:embed="rId4">
+            <a:extLst>
+              <a:ext uri="{28A0092B-C50C-407E-A947-70E740481C1C}">
+                <a14:useLocalDpi xmlns:a14="http://schemas.microsoft.com/office/drawing/2010/main" val="0"/>
+              </a:ext>
+            </a:extLst>
+          </a:blip>
+          <a:srcRect/>
+          <a:stretch/>
+        </p:blipFill>
+        <p:spPr>
+          <a:xfrm>
+            <a:off x="7250723" y="1374414"/>
+            <a:ext cx="4759569" cy="4759569"/>
+          </a:xfrm>
+          <a:prstGeom prst="rect">
+            <a:avLst/>
+          </a:prstGeom>
+        </p:spPr>
+      </p:pic>
+      <p:sp>
+        <p:nvSpPr>
+          <p:cNvPr id="13" name="TextBox 12">
+            <a:extLst>
+              <a:ext uri="{FF2B5EF4-FFF2-40B4-BE49-F238E27FC236}">
+                <a16:creationId xmlns:a16="http://schemas.microsoft.com/office/drawing/2014/main" id="{44AC818D-D7CB-4235-9673-82208F9FE01D}"/>
+              </a:ext>
+            </a:extLst>
+          </p:cNvPr>
+          <p:cNvSpPr txBox="1"/>
+          <p:nvPr/>
+        </p:nvSpPr>
+        <p:spPr>
+          <a:xfrm>
+            <a:off x="8273586" y="1125082"/>
+            <a:ext cx="2713842" cy="498663"/>
+          </a:xfrm>
+          <a:prstGeom prst="rect">
+            <a:avLst/>
+          </a:prstGeom>
+          <a:noFill/>
+        </p:spPr>
+        <p:txBody>
+          <a:bodyPr wrap="square">
+            <a:spAutoFit/>
+          </a:bodyPr>
+          <a:lstStyle/>
+          <a:p>
+            <a:pPr algn="ctr">
+              <a:lnSpc>
+                <a:spcPct val="150000"/>
+              </a:lnSpc>
+              <a:spcBef>
+                <a:spcPts val="1000"/>
+              </a:spcBef>
+              <a:defRPr/>
+            </a:pPr>
             <a:r>
-              <a:rPr lang="en-US" altLang="zh-CN" sz="2400" b="1" kern="100" dirty="0">
+              <a:rPr lang="en-US" altLang="zh-CN" sz="2000" kern="100" dirty="0">
                 <a:solidFill>
                   <a:srgbClr val="16388A"/>
                 </a:solidFill>
@@ -17137,10 +17878,153 @@
                 <a:ea typeface="华文新魏" panose="02010800040101010101" pitchFamily="2" charset="-122"/>
                 <a:cs typeface="Times New Roman" panose="02020603050405020304" pitchFamily="18" charset="0"/>
               </a:rPr>
-              <a:t>. </a:t>
+              <a:t>Confusion Matrices</a:t>
             </a:r>
+            <a:endParaRPr lang="en-US" kern="100" dirty="0">
+              <a:solidFill>
+                <a:srgbClr val="16388A"/>
+              </a:solidFill>
+              <a:latin typeface="Times New Roman" panose="02020603050405020304" pitchFamily="18" charset="0"/>
+              <a:ea typeface="华文新魏" panose="02010800040101010101" pitchFamily="2" charset="-122"/>
+              <a:cs typeface="Times New Roman" panose="02020603050405020304" pitchFamily="18" charset="0"/>
+            </a:endParaRPr>
+          </a:p>
+        </p:txBody>
+      </p:sp>
+      <p:pic>
+        <p:nvPicPr>
+          <p:cNvPr id="12" name="Picture 11">
+            <a:extLst>
+              <a:ext uri="{FF2B5EF4-FFF2-40B4-BE49-F238E27FC236}">
+                <a16:creationId xmlns:a16="http://schemas.microsoft.com/office/drawing/2014/main" id="{498B5089-3D7C-45E7-B85A-806789E75A22}"/>
+              </a:ext>
+            </a:extLst>
+          </p:cNvPr>
+          <p:cNvPicPr>
+            <a:picLocks noChangeAspect="1"/>
+          </p:cNvPicPr>
+          <p:nvPr/>
+        </p:nvPicPr>
+        <p:blipFill>
+          <a:blip r:embed="rId5"/>
+          <a:stretch>
+            <a:fillRect/>
+          </a:stretch>
+        </p:blipFill>
+        <p:spPr>
+          <a:xfrm>
+            <a:off x="4297964" y="2846506"/>
+            <a:ext cx="2766941" cy="1653730"/>
+          </a:xfrm>
+          <a:prstGeom prst="rect">
+            <a:avLst/>
+          </a:prstGeom>
+        </p:spPr>
+      </p:pic>
+    </p:spTree>
+    <p:extLst>
+      <p:ext uri="{BB962C8B-B14F-4D97-AF65-F5344CB8AC3E}">
+        <p14:creationId xmlns:p14="http://schemas.microsoft.com/office/powerpoint/2010/main" val="2568135176"/>
+      </p:ext>
+    </p:extLst>
+  </p:cSld>
+  <p:clrMapOvr>
+    <a:masterClrMapping/>
+  </p:clrMapOvr>
+</p:sld>
+</file>
+
+<file path=ppt/slides/slide5.xml><?xml version="1.0" encoding="utf-8"?>
+<p:sld xmlns:a="http://schemas.openxmlformats.org/drawingml/2006/main" xmlns:r="http://schemas.openxmlformats.org/officeDocument/2006/relationships" xmlns:p="http://schemas.openxmlformats.org/presentationml/2006/main">
+  <p:cSld>
+    <p:spTree>
+      <p:nvGrpSpPr>
+        <p:cNvPr id="1" name=""/>
+        <p:cNvGrpSpPr/>
+        <p:nvPr/>
+      </p:nvGrpSpPr>
+      <p:grpSpPr>
+        <a:xfrm>
+          <a:off x="0" y="0"/>
+          <a:ext cx="0" cy="0"/>
+          <a:chOff x="0" y="0"/>
+          <a:chExt cx="0" cy="0"/>
+        </a:xfrm>
+      </p:grpSpPr>
+      <p:pic>
+        <p:nvPicPr>
+          <p:cNvPr id="6" name="Picture 5">
+            <a:extLst>
+              <a:ext uri="{FF2B5EF4-FFF2-40B4-BE49-F238E27FC236}">
+                <a16:creationId xmlns:a16="http://schemas.microsoft.com/office/drawing/2014/main" id="{DAE93B3B-04C8-4627-814E-4314C6901EFE}"/>
+              </a:ext>
+            </a:extLst>
+          </p:cNvPr>
+          <p:cNvPicPr>
+            <a:picLocks noChangeAspect="1"/>
+          </p:cNvPicPr>
+          <p:nvPr/>
+        </p:nvPicPr>
+        <p:blipFill>
+          <a:blip r:embed="rId2">
+            <a:extLst>
+              <a:ext uri="{28A0092B-C50C-407E-A947-70E740481C1C}">
+                <a14:useLocalDpi xmlns:a14="http://schemas.microsoft.com/office/drawing/2010/main" val="0"/>
+              </a:ext>
+            </a:extLst>
+          </a:blip>
+          <a:srcRect/>
+          <a:stretch/>
+        </p:blipFill>
+        <p:spPr>
+          <a:xfrm>
+            <a:off x="2711635" y="0"/>
+            <a:ext cx="4715032" cy="3536274"/>
+          </a:xfrm>
+          <a:prstGeom prst="rect">
+            <a:avLst/>
+          </a:prstGeom>
+        </p:spPr>
+      </p:pic>
+      <p:sp>
+        <p:nvSpPr>
+          <p:cNvPr id="7" name="TextBox 6">
+            <a:extLst>
+              <a:ext uri="{FF2B5EF4-FFF2-40B4-BE49-F238E27FC236}">
+                <a16:creationId xmlns:a16="http://schemas.microsoft.com/office/drawing/2014/main" id="{7D6C4428-B079-4976-BC75-D390EBA39177}"/>
+              </a:ext>
+            </a:extLst>
+          </p:cNvPr>
+          <p:cNvSpPr txBox="1"/>
+          <p:nvPr/>
+        </p:nvSpPr>
+        <p:spPr>
+          <a:xfrm>
+            <a:off x="315944" y="217924"/>
+            <a:ext cx="3282914" cy="498663"/>
+          </a:xfrm>
+          <a:prstGeom prst="rect">
+            <a:avLst/>
+          </a:prstGeom>
+          <a:noFill/>
+        </p:spPr>
+        <p:txBody>
+          <a:bodyPr wrap="square">
+            <a:spAutoFit/>
+          </a:bodyPr>
+          <a:lstStyle/>
+          <a:p>
+            <a:pPr>
+              <a:lnSpc>
+                <a:spcPct val="150000"/>
+              </a:lnSpc>
+              <a:spcBef>
+                <a:spcPts val="1000"/>
+              </a:spcBef>
+              <a:defRPr/>
+            </a:pPr>
             <a:r>
-              <a:rPr lang="zh-CN" altLang="en-US" sz="1600" kern="100" dirty="0">
+              <a:rPr lang="en-US" altLang="zh-CN" sz="2000" b="1" kern="100" dirty="0">
                 <a:solidFill>
                   <a:srgbClr val="16388A"/>
                 </a:solidFill>
@@ -17148,9 +18032,9 @@
                 <a:ea typeface="华文新魏" panose="02010800040101010101" pitchFamily="2" charset="-122"/>
                 <a:cs typeface="Times New Roman" panose="02020603050405020304" pitchFamily="18" charset="0"/>
               </a:rPr>
-              <a:t>𝑶𝒃𝒋𝒆𝒄𝒕 𝑫𝒆𝒕𝒆𝒄𝒕𝒊𝒐𝒏 </a:t>
+              <a:t>REPORT: Net 3</a:t>
             </a:r>
-            <a:endParaRPr lang="en-US" sz="2400" kern="100" dirty="0">
+            <a:endParaRPr lang="en-US" sz="2400" b="1" kern="100" dirty="0">
               <a:solidFill>
                 <a:srgbClr val="16388A"/>
               </a:solidFill>
@@ -17158,6 +18042,1280 @@
               <a:ea typeface="华文新魏" panose="02010800040101010101" pitchFamily="2" charset="-122"/>
               <a:cs typeface="Times New Roman" panose="02020603050405020304" pitchFamily="18" charset="0"/>
             </a:endParaRPr>
+          </a:p>
+        </p:txBody>
+      </p:sp>
+      <p:graphicFrame>
+        <p:nvGraphicFramePr>
+          <p:cNvPr id="2" name="Table 2">
+            <a:extLst>
+              <a:ext uri="{FF2B5EF4-FFF2-40B4-BE49-F238E27FC236}">
+                <a16:creationId xmlns:a16="http://schemas.microsoft.com/office/drawing/2014/main" id="{A25FDF38-E177-4465-BC0B-51CE68989D10}"/>
+              </a:ext>
+            </a:extLst>
+          </p:cNvPr>
+          <p:cNvGraphicFramePr>
+            <a:graphicFrameLocks noGrp="1"/>
+          </p:cNvGraphicFramePr>
+          <p:nvPr>
+            <p:extLst>
+              <p:ext uri="{D42A27DB-BD31-4B8C-83A1-F6EECF244321}">
+                <p14:modId xmlns:p14="http://schemas.microsoft.com/office/powerpoint/2010/main" val="3748406379"/>
+              </p:ext>
+            </p:extLst>
+          </p:nvPr>
+        </p:nvGraphicFramePr>
+        <p:xfrm>
+          <a:off x="443071" y="2362794"/>
+          <a:ext cx="2011680" cy="2346960"/>
+        </p:xfrm>
+        <a:graphic>
+          <a:graphicData uri="http://schemas.openxmlformats.org/drawingml/2006/table">
+            <a:tbl>
+              <a:tblPr firstRow="1" bandRow="1">
+                <a:tableStyleId>{5C22544A-7EE6-4342-B048-85BDC9FD1C3A}</a:tableStyleId>
+              </a:tblPr>
+              <a:tblGrid>
+                <a:gridCol w="1005840">
+                  <a:extLst>
+                    <a:ext uri="{9D8B030D-6E8A-4147-A177-3AD203B41FA5}">
+                      <a16:colId xmlns:a16="http://schemas.microsoft.com/office/drawing/2014/main" val="3155224541"/>
+                    </a:ext>
+                  </a:extLst>
+                </a:gridCol>
+                <a:gridCol w="1005840">
+                  <a:extLst>
+                    <a:ext uri="{9D8B030D-6E8A-4147-A177-3AD203B41FA5}">
+                      <a16:colId xmlns:a16="http://schemas.microsoft.com/office/drawing/2014/main" val="4140186502"/>
+                    </a:ext>
+                  </a:extLst>
+                </a:gridCol>
+              </a:tblGrid>
+              <a:tr h="292251">
+                <a:tc gridSpan="2">
+                  <a:txBody>
+                    <a:bodyPr/>
+                    <a:lstStyle/>
+                    <a:p>
+                      <a:pPr algn="ctr"/>
+                      <a:r>
+                        <a:rPr lang="en-US" sz="1600" dirty="0"/>
+                        <a:t>Net1. Acc Tab</a:t>
+                      </a:r>
+                    </a:p>
+                  </a:txBody>
+                  <a:tcPr/>
+                </a:tc>
+                <a:tc hMerge="1">
+                  <a:txBody>
+                    <a:bodyPr/>
+                    <a:lstStyle/>
+                    <a:p>
+                      <a:endParaRPr lang="en-US" dirty="0"/>
+                    </a:p>
+                  </a:txBody>
+                  <a:tcPr/>
+                </a:tc>
+                <a:extLst>
+                  <a:ext uri="{0D108BD9-81ED-4DB2-BD59-A6C34878D82A}">
+                    <a16:rowId xmlns:a16="http://schemas.microsoft.com/office/drawing/2014/main" val="998142586"/>
+                  </a:ext>
+                </a:extLst>
+              </a:tr>
+              <a:tr h="318546">
+                <a:tc>
+                  <a:txBody>
+                    <a:bodyPr/>
+                    <a:lstStyle/>
+                    <a:p>
+                      <a:pPr algn="ctr"/>
+                      <a:r>
+                        <a:rPr lang="en-US" sz="1600" dirty="0"/>
+                        <a:t>Car</a:t>
+                      </a:r>
+                    </a:p>
+                  </a:txBody>
+                  <a:tcPr/>
+                </a:tc>
+                <a:tc>
+                  <a:txBody>
+                    <a:bodyPr/>
+                    <a:lstStyle/>
+                    <a:p>
+                      <a:pPr algn="ctr"/>
+                      <a:r>
+                        <a:rPr lang="en-US" sz="1600" dirty="0"/>
+                        <a:t>90.7 %</a:t>
+                      </a:r>
+                    </a:p>
+                  </a:txBody>
+                  <a:tcPr/>
+                </a:tc>
+                <a:extLst>
+                  <a:ext uri="{0D108BD9-81ED-4DB2-BD59-A6C34878D82A}">
+                    <a16:rowId xmlns:a16="http://schemas.microsoft.com/office/drawing/2014/main" val="463309982"/>
+                  </a:ext>
+                </a:extLst>
+              </a:tr>
+              <a:tr h="318546">
+                <a:tc>
+                  <a:txBody>
+                    <a:bodyPr/>
+                    <a:lstStyle/>
+                    <a:p>
+                      <a:pPr algn="ctr"/>
+                      <a:r>
+                        <a:rPr lang="en-US" sz="1600" dirty="0"/>
+                        <a:t>Cat</a:t>
+                      </a:r>
+                    </a:p>
+                  </a:txBody>
+                  <a:tcPr/>
+                </a:tc>
+                <a:tc>
+                  <a:txBody>
+                    <a:bodyPr/>
+                    <a:lstStyle/>
+                    <a:p>
+                      <a:pPr algn="ctr"/>
+                      <a:r>
+                        <a:rPr lang="en-US" sz="1600" dirty="0"/>
+                        <a:t>73.4 %</a:t>
+                      </a:r>
+                    </a:p>
+                  </a:txBody>
+                  <a:tcPr/>
+                </a:tc>
+                <a:extLst>
+                  <a:ext uri="{0D108BD9-81ED-4DB2-BD59-A6C34878D82A}">
+                    <a16:rowId xmlns:a16="http://schemas.microsoft.com/office/drawing/2014/main" val="2141636581"/>
+                  </a:ext>
+                </a:extLst>
+              </a:tr>
+              <a:tr h="318546">
+                <a:tc>
+                  <a:txBody>
+                    <a:bodyPr/>
+                    <a:lstStyle/>
+                    <a:p>
+                      <a:pPr algn="ctr"/>
+                      <a:r>
+                        <a:rPr lang="en-US" sz="1600" dirty="0"/>
+                        <a:t>Frog</a:t>
+                      </a:r>
+                    </a:p>
+                  </a:txBody>
+                  <a:tcPr/>
+                </a:tc>
+                <a:tc>
+                  <a:txBody>
+                    <a:bodyPr/>
+                    <a:lstStyle/>
+                    <a:p>
+                      <a:pPr algn="ctr"/>
+                      <a:r>
+                        <a:rPr lang="en-US" sz="1600" dirty="0"/>
+                        <a:t>70.1 %</a:t>
+                      </a:r>
+                    </a:p>
+                  </a:txBody>
+                  <a:tcPr/>
+                </a:tc>
+                <a:extLst>
+                  <a:ext uri="{0D108BD9-81ED-4DB2-BD59-A6C34878D82A}">
+                    <a16:rowId xmlns:a16="http://schemas.microsoft.com/office/drawing/2014/main" val="1367725180"/>
+                  </a:ext>
+                </a:extLst>
+              </a:tr>
+              <a:tr h="318546">
+                <a:tc>
+                  <a:txBody>
+                    <a:bodyPr/>
+                    <a:lstStyle/>
+                    <a:p>
+                      <a:pPr algn="ctr"/>
+                      <a:r>
+                        <a:rPr lang="en-US" sz="1600" dirty="0"/>
+                        <a:t>Other</a:t>
+                      </a:r>
+                    </a:p>
+                  </a:txBody>
+                  <a:tcPr/>
+                </a:tc>
+                <a:tc>
+                  <a:txBody>
+                    <a:bodyPr/>
+                    <a:lstStyle/>
+                    <a:p>
+                      <a:pPr algn="ctr"/>
+                      <a:r>
+                        <a:rPr lang="en-US" sz="1600" dirty="0"/>
+                        <a:t>74.4 %</a:t>
+                      </a:r>
+                    </a:p>
+                  </a:txBody>
+                  <a:tcPr/>
+                </a:tc>
+                <a:extLst>
+                  <a:ext uri="{0D108BD9-81ED-4DB2-BD59-A6C34878D82A}">
+                    <a16:rowId xmlns:a16="http://schemas.microsoft.com/office/drawing/2014/main" val="1670969532"/>
+                  </a:ext>
+                </a:extLst>
+              </a:tr>
+              <a:tr h="318546">
+                <a:tc>
+                  <a:txBody>
+                    <a:bodyPr/>
+                    <a:lstStyle/>
+                    <a:p>
+                      <a:pPr algn="ctr"/>
+                      <a:r>
+                        <a:rPr lang="en-US" sz="1600" dirty="0"/>
+                        <a:t>Ave Acc</a:t>
+                      </a:r>
+                    </a:p>
+                  </a:txBody>
+                  <a:tcPr/>
+                </a:tc>
+                <a:tc>
+                  <a:txBody>
+                    <a:bodyPr/>
+                    <a:lstStyle/>
+                    <a:p>
+                      <a:pPr algn="ctr"/>
+                      <a:r>
+                        <a:rPr lang="en-US" sz="1600" dirty="0"/>
+                        <a:t>77.15 %</a:t>
+                      </a:r>
+                    </a:p>
+                  </a:txBody>
+                  <a:tcPr/>
+                </a:tc>
+                <a:extLst>
+                  <a:ext uri="{0D108BD9-81ED-4DB2-BD59-A6C34878D82A}">
+                    <a16:rowId xmlns:a16="http://schemas.microsoft.com/office/drawing/2014/main" val="4081230585"/>
+                  </a:ext>
+                </a:extLst>
+              </a:tr>
+              <a:tr h="318546">
+                <a:tc>
+                  <a:txBody>
+                    <a:bodyPr/>
+                    <a:lstStyle/>
+                    <a:p>
+                      <a:pPr algn="ctr"/>
+                      <a:r>
+                        <a:rPr lang="en-US" sz="1600" dirty="0"/>
+                        <a:t>Run Tim</a:t>
+                      </a:r>
+                    </a:p>
+                  </a:txBody>
+                  <a:tcPr/>
+                </a:tc>
+                <a:tc>
+                  <a:txBody>
+                    <a:bodyPr/>
+                    <a:lstStyle/>
+                    <a:p>
+                      <a:pPr algn="ctr"/>
+                      <a:r>
+                        <a:rPr lang="en-US" sz="1600" dirty="0"/>
+                        <a:t>75.97 s</a:t>
+                      </a:r>
+                    </a:p>
+                  </a:txBody>
+                  <a:tcPr/>
+                </a:tc>
+                <a:extLst>
+                  <a:ext uri="{0D108BD9-81ED-4DB2-BD59-A6C34878D82A}">
+                    <a16:rowId xmlns:a16="http://schemas.microsoft.com/office/drawing/2014/main" val="2292412895"/>
+                  </a:ext>
+                </a:extLst>
+              </a:tr>
+            </a:tbl>
+          </a:graphicData>
+        </a:graphic>
+      </p:graphicFrame>
+      <p:pic>
+        <p:nvPicPr>
+          <p:cNvPr id="4" name="Picture 3">
+            <a:extLst>
+              <a:ext uri="{FF2B5EF4-FFF2-40B4-BE49-F238E27FC236}">
+                <a16:creationId xmlns:a16="http://schemas.microsoft.com/office/drawing/2014/main" id="{BF519D52-A973-4115-BDAC-12D859AC9E76}"/>
+              </a:ext>
+            </a:extLst>
+          </p:cNvPr>
+          <p:cNvPicPr>
+            <a:picLocks noChangeAspect="1"/>
+          </p:cNvPicPr>
+          <p:nvPr/>
+        </p:nvPicPr>
+        <p:blipFill>
+          <a:blip r:embed="rId3">
+            <a:extLst>
+              <a:ext uri="{28A0092B-C50C-407E-A947-70E740481C1C}">
+                <a14:useLocalDpi xmlns:a14="http://schemas.microsoft.com/office/drawing/2010/main" val="0"/>
+              </a:ext>
+            </a:extLst>
+          </a:blip>
+          <a:srcRect/>
+          <a:stretch/>
+        </p:blipFill>
+        <p:spPr>
+          <a:xfrm>
+            <a:off x="2646583" y="2329379"/>
+            <a:ext cx="4948316" cy="3711237"/>
+          </a:xfrm>
+          <a:prstGeom prst="rect">
+            <a:avLst/>
+          </a:prstGeom>
+        </p:spPr>
+      </p:pic>
+      <p:pic>
+        <p:nvPicPr>
+          <p:cNvPr id="9" name="Picture 8">
+            <a:extLst>
+              <a:ext uri="{FF2B5EF4-FFF2-40B4-BE49-F238E27FC236}">
+                <a16:creationId xmlns:a16="http://schemas.microsoft.com/office/drawing/2014/main" id="{0095B571-6651-4451-8626-34DBA64368EA}"/>
+              </a:ext>
+            </a:extLst>
+          </p:cNvPr>
+          <p:cNvPicPr>
+            <a:picLocks noChangeAspect="1"/>
+          </p:cNvPicPr>
+          <p:nvPr/>
+        </p:nvPicPr>
+        <p:blipFill>
+          <a:blip r:embed="rId4">
+            <a:extLst>
+              <a:ext uri="{28A0092B-C50C-407E-A947-70E740481C1C}">
+                <a14:useLocalDpi xmlns:a14="http://schemas.microsoft.com/office/drawing/2010/main" val="0"/>
+              </a:ext>
+            </a:extLst>
+          </a:blip>
+          <a:srcRect/>
+          <a:stretch/>
+        </p:blipFill>
+        <p:spPr>
+          <a:xfrm>
+            <a:off x="7250723" y="1374414"/>
+            <a:ext cx="4759569" cy="4759569"/>
+          </a:xfrm>
+          <a:prstGeom prst="rect">
+            <a:avLst/>
+          </a:prstGeom>
+        </p:spPr>
+      </p:pic>
+      <p:sp>
+        <p:nvSpPr>
+          <p:cNvPr id="13" name="TextBox 12">
+            <a:extLst>
+              <a:ext uri="{FF2B5EF4-FFF2-40B4-BE49-F238E27FC236}">
+                <a16:creationId xmlns:a16="http://schemas.microsoft.com/office/drawing/2014/main" id="{44AC818D-D7CB-4235-9673-82208F9FE01D}"/>
+              </a:ext>
+            </a:extLst>
+          </p:cNvPr>
+          <p:cNvSpPr txBox="1"/>
+          <p:nvPr/>
+        </p:nvSpPr>
+        <p:spPr>
+          <a:xfrm>
+            <a:off x="8273586" y="1125082"/>
+            <a:ext cx="2713842" cy="498663"/>
+          </a:xfrm>
+          <a:prstGeom prst="rect">
+            <a:avLst/>
+          </a:prstGeom>
+          <a:noFill/>
+        </p:spPr>
+        <p:txBody>
+          <a:bodyPr wrap="square">
+            <a:spAutoFit/>
+          </a:bodyPr>
+          <a:lstStyle/>
+          <a:p>
+            <a:pPr algn="ctr">
+              <a:lnSpc>
+                <a:spcPct val="150000"/>
+              </a:lnSpc>
+              <a:spcBef>
+                <a:spcPts val="1000"/>
+              </a:spcBef>
+              <a:defRPr/>
+            </a:pPr>
+            <a:r>
+              <a:rPr lang="en-US" altLang="zh-CN" sz="2000" kern="100" dirty="0">
+                <a:solidFill>
+                  <a:srgbClr val="16388A"/>
+                </a:solidFill>
+                <a:latin typeface="Times New Roman" panose="02020603050405020304" pitchFamily="18" charset="0"/>
+                <a:ea typeface="华文新魏" panose="02010800040101010101" pitchFamily="2" charset="-122"/>
+                <a:cs typeface="Times New Roman" panose="02020603050405020304" pitchFamily="18" charset="0"/>
+              </a:rPr>
+              <a:t>Confusion Matrices</a:t>
+            </a:r>
+            <a:endParaRPr lang="en-US" kern="100" dirty="0">
+              <a:solidFill>
+                <a:srgbClr val="16388A"/>
+              </a:solidFill>
+              <a:latin typeface="Times New Roman" panose="02020603050405020304" pitchFamily="18" charset="0"/>
+              <a:ea typeface="华文新魏" panose="02010800040101010101" pitchFamily="2" charset="-122"/>
+              <a:cs typeface="Times New Roman" panose="02020603050405020304" pitchFamily="18" charset="0"/>
+            </a:endParaRPr>
+          </a:p>
+        </p:txBody>
+      </p:sp>
+      <p:pic>
+        <p:nvPicPr>
+          <p:cNvPr id="5" name="Picture 4">
+            <a:extLst>
+              <a:ext uri="{FF2B5EF4-FFF2-40B4-BE49-F238E27FC236}">
+                <a16:creationId xmlns:a16="http://schemas.microsoft.com/office/drawing/2014/main" id="{1854A166-7A7A-4A29-8827-EB251B92BDFC}"/>
+              </a:ext>
+            </a:extLst>
+          </p:cNvPr>
+          <p:cNvPicPr>
+            <a:picLocks noChangeAspect="1"/>
+          </p:cNvPicPr>
+          <p:nvPr/>
+        </p:nvPicPr>
+        <p:blipFill>
+          <a:blip r:embed="rId5"/>
+          <a:stretch>
+            <a:fillRect/>
+          </a:stretch>
+        </p:blipFill>
+        <p:spPr>
+          <a:xfrm>
+            <a:off x="4297964" y="2930421"/>
+            <a:ext cx="2734838" cy="996810"/>
+          </a:xfrm>
+          <a:prstGeom prst="rect">
+            <a:avLst/>
+          </a:prstGeom>
+        </p:spPr>
+      </p:pic>
+    </p:spTree>
+    <p:extLst>
+      <p:ext uri="{BB962C8B-B14F-4D97-AF65-F5344CB8AC3E}">
+        <p14:creationId xmlns:p14="http://schemas.microsoft.com/office/powerpoint/2010/main" val="3864501305"/>
+      </p:ext>
+    </p:extLst>
+  </p:cSld>
+  <p:clrMapOvr>
+    <a:masterClrMapping/>
+  </p:clrMapOvr>
+</p:sld>
+</file>
+
+<file path=ppt/slides/slide6.xml><?xml version="1.0" encoding="utf-8"?>
+<p:sld xmlns:a="http://schemas.openxmlformats.org/drawingml/2006/main" xmlns:r="http://schemas.openxmlformats.org/officeDocument/2006/relationships" xmlns:p="http://schemas.openxmlformats.org/presentationml/2006/main">
+  <p:cSld>
+    <p:spTree>
+      <p:nvGrpSpPr>
+        <p:cNvPr id="1" name=""/>
+        <p:cNvGrpSpPr/>
+        <p:nvPr/>
+      </p:nvGrpSpPr>
+      <p:grpSpPr>
+        <a:xfrm>
+          <a:off x="0" y="0"/>
+          <a:ext cx="0" cy="0"/>
+          <a:chOff x="0" y="0"/>
+          <a:chExt cx="0" cy="0"/>
+        </a:xfrm>
+      </p:grpSpPr>
+      <p:sp>
+        <p:nvSpPr>
+          <p:cNvPr id="7" name="TextBox 6">
+            <a:extLst>
+              <a:ext uri="{FF2B5EF4-FFF2-40B4-BE49-F238E27FC236}">
+                <a16:creationId xmlns:a16="http://schemas.microsoft.com/office/drawing/2014/main" id="{7DF62188-0B34-4F88-9846-C4FE2DE66D09}"/>
+              </a:ext>
+            </a:extLst>
+          </p:cNvPr>
+          <p:cNvSpPr txBox="1"/>
+          <p:nvPr/>
+        </p:nvSpPr>
+        <p:spPr>
+          <a:xfrm>
+            <a:off x="315944" y="217924"/>
+            <a:ext cx="3282914" cy="498663"/>
+          </a:xfrm>
+          <a:prstGeom prst="rect">
+            <a:avLst/>
+          </a:prstGeom>
+          <a:noFill/>
+        </p:spPr>
+        <p:txBody>
+          <a:bodyPr wrap="square">
+            <a:spAutoFit/>
+          </a:bodyPr>
+          <a:lstStyle/>
+          <a:p>
+            <a:pPr>
+              <a:lnSpc>
+                <a:spcPct val="150000"/>
+              </a:lnSpc>
+              <a:spcBef>
+                <a:spcPts val="1000"/>
+              </a:spcBef>
+              <a:defRPr/>
+            </a:pPr>
+            <a:r>
+              <a:rPr lang="en-US" altLang="zh-CN" sz="2000" b="1" kern="100" dirty="0">
+                <a:solidFill>
+                  <a:srgbClr val="16388A"/>
+                </a:solidFill>
+                <a:latin typeface="Times New Roman" panose="02020603050405020304" pitchFamily="18" charset="0"/>
+                <a:ea typeface="华文新魏" panose="02010800040101010101" pitchFamily="2" charset="-122"/>
+                <a:cs typeface="Times New Roman" panose="02020603050405020304" pitchFamily="18" charset="0"/>
+              </a:rPr>
+              <a:t> Q &amp; A:</a:t>
+            </a:r>
+            <a:endParaRPr lang="en-US" sz="2400" b="1" kern="100" dirty="0">
+              <a:solidFill>
+                <a:srgbClr val="16388A"/>
+              </a:solidFill>
+              <a:latin typeface="Times New Roman" panose="02020603050405020304" pitchFamily="18" charset="0"/>
+              <a:ea typeface="华文新魏" panose="02010800040101010101" pitchFamily="2" charset="-122"/>
+              <a:cs typeface="Times New Roman" panose="02020603050405020304" pitchFamily="18" charset="0"/>
+            </a:endParaRPr>
+          </a:p>
+        </p:txBody>
+      </p:sp>
+      <p:graphicFrame>
+        <p:nvGraphicFramePr>
+          <p:cNvPr id="8" name="Table 2">
+            <a:extLst>
+              <a:ext uri="{FF2B5EF4-FFF2-40B4-BE49-F238E27FC236}">
+                <a16:creationId xmlns:a16="http://schemas.microsoft.com/office/drawing/2014/main" id="{27682507-771D-40E6-B567-F67A18967274}"/>
+              </a:ext>
+            </a:extLst>
+          </p:cNvPr>
+          <p:cNvGraphicFramePr>
+            <a:graphicFrameLocks noGrp="1"/>
+          </p:cNvGraphicFramePr>
+          <p:nvPr>
+            <p:extLst>
+              <p:ext uri="{D42A27DB-BD31-4B8C-83A1-F6EECF244321}">
+                <p14:modId xmlns:p14="http://schemas.microsoft.com/office/powerpoint/2010/main" val="2449603506"/>
+              </p:ext>
+            </p:extLst>
+          </p:nvPr>
+        </p:nvGraphicFramePr>
+        <p:xfrm>
+          <a:off x="5222019" y="1438173"/>
+          <a:ext cx="2011680" cy="4358640"/>
+        </p:xfrm>
+        <a:graphic>
+          <a:graphicData uri="http://schemas.openxmlformats.org/drawingml/2006/table">
+            <a:tbl>
+              <a:tblPr firstRow="1" bandRow="1">
+                <a:tableStyleId>{5C22544A-7EE6-4342-B048-85BDC9FD1C3A}</a:tableStyleId>
+              </a:tblPr>
+              <a:tblGrid>
+                <a:gridCol w="1005840">
+                  <a:extLst>
+                    <a:ext uri="{9D8B030D-6E8A-4147-A177-3AD203B41FA5}">
+                      <a16:colId xmlns:a16="http://schemas.microsoft.com/office/drawing/2014/main" val="3155224541"/>
+                    </a:ext>
+                  </a:extLst>
+                </a:gridCol>
+                <a:gridCol w="1005840">
+                  <a:extLst>
+                    <a:ext uri="{9D8B030D-6E8A-4147-A177-3AD203B41FA5}">
+                      <a16:colId xmlns:a16="http://schemas.microsoft.com/office/drawing/2014/main" val="4140186502"/>
+                    </a:ext>
+                  </a:extLst>
+                </a:gridCol>
+              </a:tblGrid>
+              <a:tr h="292251">
+                <a:tc gridSpan="2">
+                  <a:txBody>
+                    <a:bodyPr/>
+                    <a:lstStyle/>
+                    <a:p>
+                      <a:pPr algn="ctr"/>
+                      <a:r>
+                        <a:rPr lang="en-US" sz="1600" dirty="0"/>
+                        <a:t>Net1. Acc Tab</a:t>
+                      </a:r>
+                    </a:p>
+                  </a:txBody>
+                  <a:tcPr/>
+                </a:tc>
+                <a:tc hMerge="1">
+                  <a:txBody>
+                    <a:bodyPr/>
+                    <a:lstStyle/>
+                    <a:p>
+                      <a:endParaRPr lang="en-US" dirty="0"/>
+                    </a:p>
+                  </a:txBody>
+                  <a:tcPr/>
+                </a:tc>
+                <a:extLst>
+                  <a:ext uri="{0D108BD9-81ED-4DB2-BD59-A6C34878D82A}">
+                    <a16:rowId xmlns:a16="http://schemas.microsoft.com/office/drawing/2014/main" val="998142586"/>
+                  </a:ext>
+                </a:extLst>
+              </a:tr>
+              <a:tr h="318546">
+                <a:tc>
+                  <a:txBody>
+                    <a:bodyPr/>
+                    <a:lstStyle/>
+                    <a:p>
+                      <a:pPr algn="ctr"/>
+                      <a:r>
+                        <a:rPr lang="en-US" sz="1600" dirty="0"/>
+                        <a:t>Plane</a:t>
+                      </a:r>
+                    </a:p>
+                  </a:txBody>
+                  <a:tcPr/>
+                </a:tc>
+                <a:tc>
+                  <a:txBody>
+                    <a:bodyPr/>
+                    <a:lstStyle/>
+                    <a:p>
+                      <a:pPr algn="ctr"/>
+                      <a:r>
+                        <a:rPr lang="en-US" sz="1600" dirty="0"/>
+                        <a:t>47.9 %</a:t>
+                      </a:r>
+                    </a:p>
+                  </a:txBody>
+                  <a:tcPr/>
+                </a:tc>
+                <a:extLst>
+                  <a:ext uri="{0D108BD9-81ED-4DB2-BD59-A6C34878D82A}">
+                    <a16:rowId xmlns:a16="http://schemas.microsoft.com/office/drawing/2014/main" val="3609831770"/>
+                  </a:ext>
+                </a:extLst>
+              </a:tr>
+              <a:tr h="318546">
+                <a:tc>
+                  <a:txBody>
+                    <a:bodyPr/>
+                    <a:lstStyle/>
+                    <a:p>
+                      <a:pPr algn="ctr"/>
+                      <a:r>
+                        <a:rPr lang="en-US" sz="1600" dirty="0"/>
+                        <a:t>Car</a:t>
+                      </a:r>
+                    </a:p>
+                  </a:txBody>
+                  <a:tcPr/>
+                </a:tc>
+                <a:tc>
+                  <a:txBody>
+                    <a:bodyPr/>
+                    <a:lstStyle/>
+                    <a:p>
+                      <a:pPr algn="ctr"/>
+                      <a:r>
+                        <a:rPr lang="en-US" sz="1600" dirty="0"/>
+                        <a:t>68.8 %</a:t>
+                      </a:r>
+                    </a:p>
+                  </a:txBody>
+                  <a:tcPr/>
+                </a:tc>
+                <a:extLst>
+                  <a:ext uri="{0D108BD9-81ED-4DB2-BD59-A6C34878D82A}">
+                    <a16:rowId xmlns:a16="http://schemas.microsoft.com/office/drawing/2014/main" val="463309982"/>
+                  </a:ext>
+                </a:extLst>
+              </a:tr>
+              <a:tr h="318546">
+                <a:tc>
+                  <a:txBody>
+                    <a:bodyPr/>
+                    <a:lstStyle/>
+                    <a:p>
+                      <a:pPr algn="ctr"/>
+                      <a:r>
+                        <a:rPr lang="en-US" sz="1600" dirty="0"/>
+                        <a:t>Bird</a:t>
+                      </a:r>
+                    </a:p>
+                  </a:txBody>
+                  <a:tcPr/>
+                </a:tc>
+                <a:tc>
+                  <a:txBody>
+                    <a:bodyPr/>
+                    <a:lstStyle/>
+                    <a:p>
+                      <a:pPr algn="ctr"/>
+                      <a:r>
+                        <a:rPr lang="en-US" sz="1600" dirty="0"/>
+                        <a:t>48.5 %</a:t>
+                      </a:r>
+                    </a:p>
+                  </a:txBody>
+                  <a:tcPr/>
+                </a:tc>
+                <a:extLst>
+                  <a:ext uri="{0D108BD9-81ED-4DB2-BD59-A6C34878D82A}">
+                    <a16:rowId xmlns:a16="http://schemas.microsoft.com/office/drawing/2014/main" val="3581345049"/>
+                  </a:ext>
+                </a:extLst>
+              </a:tr>
+              <a:tr h="318546">
+                <a:tc>
+                  <a:txBody>
+                    <a:bodyPr/>
+                    <a:lstStyle/>
+                    <a:p>
+                      <a:pPr algn="ctr"/>
+                      <a:r>
+                        <a:rPr lang="en-US" sz="1600" dirty="0"/>
+                        <a:t>Cat</a:t>
+                      </a:r>
+                    </a:p>
+                  </a:txBody>
+                  <a:tcPr/>
+                </a:tc>
+                <a:tc>
+                  <a:txBody>
+                    <a:bodyPr/>
+                    <a:lstStyle/>
+                    <a:p>
+                      <a:pPr algn="ctr"/>
+                      <a:r>
+                        <a:rPr lang="en-US" sz="1600" dirty="0"/>
+                        <a:t>54.9 %</a:t>
+                      </a:r>
+                    </a:p>
+                  </a:txBody>
+                  <a:tcPr/>
+                </a:tc>
+                <a:extLst>
+                  <a:ext uri="{0D108BD9-81ED-4DB2-BD59-A6C34878D82A}">
+                    <a16:rowId xmlns:a16="http://schemas.microsoft.com/office/drawing/2014/main" val="2141636581"/>
+                  </a:ext>
+                </a:extLst>
+              </a:tr>
+              <a:tr h="318546">
+                <a:tc>
+                  <a:txBody>
+                    <a:bodyPr/>
+                    <a:lstStyle/>
+                    <a:p>
+                      <a:pPr algn="ctr"/>
+                      <a:r>
+                        <a:rPr lang="en-US" sz="1600" dirty="0"/>
+                        <a:t>Deer</a:t>
+                      </a:r>
+                    </a:p>
+                  </a:txBody>
+                  <a:tcPr/>
+                </a:tc>
+                <a:tc>
+                  <a:txBody>
+                    <a:bodyPr/>
+                    <a:lstStyle/>
+                    <a:p>
+                      <a:pPr algn="ctr"/>
+                      <a:r>
+                        <a:rPr lang="en-US" sz="1600" dirty="0"/>
+                        <a:t>50.3 %</a:t>
+                      </a:r>
+                    </a:p>
+                  </a:txBody>
+                  <a:tcPr/>
+                </a:tc>
+                <a:extLst>
+                  <a:ext uri="{0D108BD9-81ED-4DB2-BD59-A6C34878D82A}">
+                    <a16:rowId xmlns:a16="http://schemas.microsoft.com/office/drawing/2014/main" val="3647439777"/>
+                  </a:ext>
+                </a:extLst>
+              </a:tr>
+              <a:tr h="318546">
+                <a:tc>
+                  <a:txBody>
+                    <a:bodyPr/>
+                    <a:lstStyle/>
+                    <a:p>
+                      <a:pPr algn="ctr"/>
+                      <a:r>
+                        <a:rPr lang="en-US" sz="1600" dirty="0"/>
+                        <a:t>Dog</a:t>
+                      </a:r>
+                    </a:p>
+                  </a:txBody>
+                  <a:tcPr/>
+                </a:tc>
+                <a:tc>
+                  <a:txBody>
+                    <a:bodyPr/>
+                    <a:lstStyle/>
+                    <a:p>
+                      <a:pPr algn="ctr"/>
+                      <a:r>
+                        <a:rPr lang="en-US" sz="1600" dirty="0"/>
+                        <a:t>36.3 %</a:t>
+                      </a:r>
+                    </a:p>
+                  </a:txBody>
+                  <a:tcPr/>
+                </a:tc>
+                <a:extLst>
+                  <a:ext uri="{0D108BD9-81ED-4DB2-BD59-A6C34878D82A}">
+                    <a16:rowId xmlns:a16="http://schemas.microsoft.com/office/drawing/2014/main" val="3157616219"/>
+                  </a:ext>
+                </a:extLst>
+              </a:tr>
+              <a:tr h="318546">
+                <a:tc>
+                  <a:txBody>
+                    <a:bodyPr/>
+                    <a:lstStyle/>
+                    <a:p>
+                      <a:pPr algn="ctr"/>
+                      <a:r>
+                        <a:rPr lang="en-US" sz="1600" dirty="0"/>
+                        <a:t>Frog</a:t>
+                      </a:r>
+                    </a:p>
+                  </a:txBody>
+                  <a:tcPr/>
+                </a:tc>
+                <a:tc>
+                  <a:txBody>
+                    <a:bodyPr/>
+                    <a:lstStyle/>
+                    <a:p>
+                      <a:pPr algn="ctr"/>
+                      <a:r>
+                        <a:rPr lang="en-US" sz="1600" dirty="0"/>
+                        <a:t>71.5 %</a:t>
+                      </a:r>
+                    </a:p>
+                  </a:txBody>
+                  <a:tcPr/>
+                </a:tc>
+                <a:extLst>
+                  <a:ext uri="{0D108BD9-81ED-4DB2-BD59-A6C34878D82A}">
+                    <a16:rowId xmlns:a16="http://schemas.microsoft.com/office/drawing/2014/main" val="1367725180"/>
+                  </a:ext>
+                </a:extLst>
+              </a:tr>
+              <a:tr h="318546">
+                <a:tc>
+                  <a:txBody>
+                    <a:bodyPr/>
+                    <a:lstStyle/>
+                    <a:p>
+                      <a:pPr algn="ctr"/>
+                      <a:r>
+                        <a:rPr lang="en-US" sz="1600" dirty="0"/>
+                        <a:t>Horse</a:t>
+                      </a:r>
+                    </a:p>
+                  </a:txBody>
+                  <a:tcPr/>
+                </a:tc>
+                <a:tc>
+                  <a:txBody>
+                    <a:bodyPr/>
+                    <a:lstStyle/>
+                    <a:p>
+                      <a:pPr algn="ctr"/>
+                      <a:r>
+                        <a:rPr lang="en-US" sz="1600" dirty="0"/>
+                        <a:t>58.8 %</a:t>
+                      </a:r>
+                    </a:p>
+                  </a:txBody>
+                  <a:tcPr/>
+                </a:tc>
+                <a:extLst>
+                  <a:ext uri="{0D108BD9-81ED-4DB2-BD59-A6C34878D82A}">
+                    <a16:rowId xmlns:a16="http://schemas.microsoft.com/office/drawing/2014/main" val="1670969532"/>
+                  </a:ext>
+                </a:extLst>
+              </a:tr>
+              <a:tr h="318546">
+                <a:tc>
+                  <a:txBody>
+                    <a:bodyPr/>
+                    <a:lstStyle/>
+                    <a:p>
+                      <a:pPr algn="ctr"/>
+                      <a:r>
+                        <a:rPr lang="en-US" sz="1600" dirty="0"/>
+                        <a:t>Ship</a:t>
+                      </a:r>
+                    </a:p>
+                  </a:txBody>
+                  <a:tcPr/>
+                </a:tc>
+                <a:tc>
+                  <a:txBody>
+                    <a:bodyPr/>
+                    <a:lstStyle/>
+                    <a:p>
+                      <a:pPr algn="ctr"/>
+                      <a:r>
+                        <a:rPr lang="en-US" sz="1600" dirty="0"/>
+                        <a:t>78.0 %</a:t>
+                      </a:r>
+                    </a:p>
+                  </a:txBody>
+                  <a:tcPr/>
+                </a:tc>
+                <a:extLst>
+                  <a:ext uri="{0D108BD9-81ED-4DB2-BD59-A6C34878D82A}">
+                    <a16:rowId xmlns:a16="http://schemas.microsoft.com/office/drawing/2014/main" val="135284082"/>
+                  </a:ext>
+                </a:extLst>
+              </a:tr>
+              <a:tr h="318546">
+                <a:tc>
+                  <a:txBody>
+                    <a:bodyPr/>
+                    <a:lstStyle/>
+                    <a:p>
+                      <a:pPr algn="ctr"/>
+                      <a:r>
+                        <a:rPr lang="en-US" sz="1600" dirty="0"/>
+                        <a:t>Truck</a:t>
+                      </a:r>
+                    </a:p>
+                  </a:txBody>
+                  <a:tcPr/>
+                </a:tc>
+                <a:tc>
+                  <a:txBody>
+                    <a:bodyPr/>
+                    <a:lstStyle/>
+                    <a:p>
+                      <a:pPr algn="ctr"/>
+                      <a:r>
+                        <a:rPr lang="en-US" sz="1600" dirty="0"/>
+                        <a:t>62.8 %</a:t>
+                      </a:r>
+                    </a:p>
+                  </a:txBody>
+                  <a:tcPr/>
+                </a:tc>
+                <a:extLst>
+                  <a:ext uri="{0D108BD9-81ED-4DB2-BD59-A6C34878D82A}">
+                    <a16:rowId xmlns:a16="http://schemas.microsoft.com/office/drawing/2014/main" val="3994574470"/>
+                  </a:ext>
+                </a:extLst>
+              </a:tr>
+              <a:tr h="318546">
+                <a:tc>
+                  <a:txBody>
+                    <a:bodyPr/>
+                    <a:lstStyle/>
+                    <a:p>
+                      <a:pPr algn="ctr"/>
+                      <a:r>
+                        <a:rPr lang="en-US" sz="1600" dirty="0"/>
+                        <a:t>Ave Acc</a:t>
+                      </a:r>
+                    </a:p>
+                  </a:txBody>
+                  <a:tcPr/>
+                </a:tc>
+                <a:tc>
+                  <a:txBody>
+                    <a:bodyPr/>
+                    <a:lstStyle/>
+                    <a:p>
+                      <a:pPr algn="ctr"/>
+                      <a:r>
+                        <a:rPr lang="en-US" sz="1600" dirty="0"/>
+                        <a:t>57.0 %</a:t>
+                      </a:r>
+                    </a:p>
+                  </a:txBody>
+                  <a:tcPr/>
+                </a:tc>
+                <a:extLst>
+                  <a:ext uri="{0D108BD9-81ED-4DB2-BD59-A6C34878D82A}">
+                    <a16:rowId xmlns:a16="http://schemas.microsoft.com/office/drawing/2014/main" val="4081230585"/>
+                  </a:ext>
+                </a:extLst>
+              </a:tr>
+              <a:tr h="318546">
+                <a:tc>
+                  <a:txBody>
+                    <a:bodyPr/>
+                    <a:lstStyle/>
+                    <a:p>
+                      <a:pPr algn="ctr"/>
+                      <a:r>
+                        <a:rPr lang="en-US" sz="1600" dirty="0"/>
+                        <a:t>Run Tim</a:t>
+                      </a:r>
+                    </a:p>
+                  </a:txBody>
+                  <a:tcPr/>
+                </a:tc>
+                <a:tc>
+                  <a:txBody>
+                    <a:bodyPr/>
+                    <a:lstStyle/>
+                    <a:p>
+                      <a:pPr algn="ctr"/>
+                      <a:r>
+                        <a:rPr lang="en-US" sz="1600" dirty="0"/>
+                        <a:t>161.37 s</a:t>
+                      </a:r>
+                    </a:p>
+                  </a:txBody>
+                  <a:tcPr/>
+                </a:tc>
+                <a:extLst>
+                  <a:ext uri="{0D108BD9-81ED-4DB2-BD59-A6C34878D82A}">
+                    <a16:rowId xmlns:a16="http://schemas.microsoft.com/office/drawing/2014/main" val="2292412895"/>
+                  </a:ext>
+                </a:extLst>
+              </a:tr>
+            </a:tbl>
+          </a:graphicData>
+        </a:graphic>
+      </p:graphicFrame>
+      <p:pic>
+        <p:nvPicPr>
+          <p:cNvPr id="9" name="Picture 8">
+            <a:extLst>
+              <a:ext uri="{FF2B5EF4-FFF2-40B4-BE49-F238E27FC236}">
+                <a16:creationId xmlns:a16="http://schemas.microsoft.com/office/drawing/2014/main" id="{C78AF0EE-A4A6-4415-B578-AC35B9DF0213}"/>
+              </a:ext>
+            </a:extLst>
+          </p:cNvPr>
+          <p:cNvPicPr>
+            <a:picLocks noChangeAspect="1"/>
+          </p:cNvPicPr>
+          <p:nvPr/>
+        </p:nvPicPr>
+        <p:blipFill>
+          <a:blip r:embed="rId2">
+            <a:extLst>
+              <a:ext uri="{28A0092B-C50C-407E-A947-70E740481C1C}">
+                <a14:useLocalDpi xmlns:a14="http://schemas.microsoft.com/office/drawing/2010/main" val="0"/>
+              </a:ext>
+            </a:extLst>
+          </a:blip>
+          <a:srcRect/>
+          <a:stretch/>
+        </p:blipFill>
+        <p:spPr>
+          <a:xfrm>
+            <a:off x="7250723" y="1374414"/>
+            <a:ext cx="4759569" cy="4759569"/>
+          </a:xfrm>
+          <a:prstGeom prst="rect">
+            <a:avLst/>
+          </a:prstGeom>
+        </p:spPr>
+      </p:pic>
+      <p:sp>
+        <p:nvSpPr>
+          <p:cNvPr id="10" name="TextBox 9">
+            <a:extLst>
+              <a:ext uri="{FF2B5EF4-FFF2-40B4-BE49-F238E27FC236}">
+                <a16:creationId xmlns:a16="http://schemas.microsoft.com/office/drawing/2014/main" id="{567411EE-9858-4951-A2B7-0C8E5831A6BC}"/>
+              </a:ext>
+            </a:extLst>
+          </p:cNvPr>
+          <p:cNvSpPr txBox="1"/>
+          <p:nvPr/>
+        </p:nvSpPr>
+        <p:spPr>
+          <a:xfrm>
+            <a:off x="8273586" y="1125082"/>
+            <a:ext cx="2713842" cy="498663"/>
+          </a:xfrm>
+          <a:prstGeom prst="rect">
+            <a:avLst/>
+          </a:prstGeom>
+          <a:noFill/>
+        </p:spPr>
+        <p:txBody>
+          <a:bodyPr wrap="square">
+            <a:spAutoFit/>
+          </a:bodyPr>
+          <a:lstStyle/>
+          <a:p>
+            <a:pPr algn="ctr">
+              <a:lnSpc>
+                <a:spcPct val="150000"/>
+              </a:lnSpc>
+              <a:spcBef>
+                <a:spcPts val="1000"/>
+              </a:spcBef>
+              <a:defRPr/>
+            </a:pPr>
+            <a:r>
+              <a:rPr lang="en-US" altLang="zh-CN" sz="2000" kern="100" dirty="0">
+                <a:solidFill>
+                  <a:srgbClr val="16388A"/>
+                </a:solidFill>
+                <a:latin typeface="Times New Roman" panose="02020603050405020304" pitchFamily="18" charset="0"/>
+                <a:ea typeface="华文新魏" panose="02010800040101010101" pitchFamily="2" charset="-122"/>
+                <a:cs typeface="Times New Roman" panose="02020603050405020304" pitchFamily="18" charset="0"/>
+              </a:rPr>
+              <a:t>Confusion Matrices</a:t>
+            </a:r>
+            <a:endParaRPr lang="en-US" kern="100" dirty="0">
+              <a:solidFill>
+                <a:srgbClr val="16388A"/>
+              </a:solidFill>
+              <a:latin typeface="Times New Roman" panose="02020603050405020304" pitchFamily="18" charset="0"/>
+              <a:ea typeface="华文新魏" panose="02010800040101010101" pitchFamily="2" charset="-122"/>
+              <a:cs typeface="Times New Roman" panose="02020603050405020304" pitchFamily="18" charset="0"/>
+            </a:endParaRPr>
+          </a:p>
+        </p:txBody>
+      </p:sp>
+      <p:sp>
+        <p:nvSpPr>
+          <p:cNvPr id="11" name="TextBox 10">
+            <a:extLst>
+              <a:ext uri="{FF2B5EF4-FFF2-40B4-BE49-F238E27FC236}">
+                <a16:creationId xmlns:a16="http://schemas.microsoft.com/office/drawing/2014/main" id="{B5011836-ECA8-40B6-BF03-79C97766E4FB}"/>
+              </a:ext>
+            </a:extLst>
+          </p:cNvPr>
+          <p:cNvSpPr txBox="1"/>
+          <p:nvPr/>
+        </p:nvSpPr>
+        <p:spPr>
+          <a:xfrm>
+            <a:off x="674076" y="1712966"/>
+            <a:ext cx="3774831" cy="3002745"/>
+          </a:xfrm>
+          <a:prstGeom prst="rect">
+            <a:avLst/>
+          </a:prstGeom>
+          <a:noFill/>
+        </p:spPr>
+        <p:txBody>
+          <a:bodyPr wrap="square">
+            <a:spAutoFit/>
+          </a:bodyPr>
+          <a:lstStyle/>
+          <a:p>
+            <a:pPr>
+              <a:lnSpc>
+                <a:spcPct val="150000"/>
+              </a:lnSpc>
+            </a:pPr>
+            <a:r>
+              <a:rPr lang="en-US" sz="1600" kern="100" dirty="0">
+                <a:solidFill>
+                  <a:srgbClr val="16388A"/>
+                </a:solidFill>
+                <a:latin typeface="Times New Roman" panose="02020603050405020304" pitchFamily="18" charset="0"/>
+                <a:ea typeface="华文新魏" panose="02010800040101010101" pitchFamily="2" charset="-122"/>
+                <a:cs typeface="Times New Roman" panose="02020603050405020304" pitchFamily="18" charset="0"/>
+              </a:rPr>
+              <a:t>1. 10-class classification: for the class on which your model (Network 2) has the worst accuracy?</a:t>
+            </a:r>
+          </a:p>
+          <a:p>
+            <a:pPr>
+              <a:lnSpc>
+                <a:spcPct val="150000"/>
+              </a:lnSpc>
+            </a:pPr>
+            <a:r>
+              <a:rPr lang="en-US" sz="1600" kern="100" dirty="0">
+                <a:solidFill>
+                  <a:srgbClr val="16388A"/>
+                </a:solidFill>
+                <a:latin typeface="Times New Roman" panose="02020603050405020304" pitchFamily="18" charset="0"/>
+                <a:ea typeface="华文新魏" panose="02010800040101010101" pitchFamily="2" charset="-122"/>
+                <a:cs typeface="Times New Roman" panose="02020603050405020304" pitchFamily="18" charset="0"/>
+              </a:rPr>
+              <a:t>   </a:t>
+            </a:r>
+            <a:r>
+              <a:rPr lang="en-US" sz="1600" kern="100" dirty="0">
+                <a:solidFill>
+                  <a:srgbClr val="FF0000"/>
+                </a:solidFill>
+                <a:latin typeface="Times New Roman" panose="02020603050405020304" pitchFamily="18" charset="0"/>
+                <a:ea typeface="华文新魏" panose="02010800040101010101" pitchFamily="2" charset="-122"/>
+                <a:cs typeface="Times New Roman" panose="02020603050405020304" pitchFamily="18" charset="0"/>
+              </a:rPr>
+              <a:t>Dog </a:t>
+            </a:r>
+          </a:p>
+          <a:p>
+            <a:pPr indent="-342900">
+              <a:lnSpc>
+                <a:spcPct val="150000"/>
+              </a:lnSpc>
+              <a:buFont typeface="Arial" panose="020B0604020202020204" pitchFamily="34" charset="0"/>
+              <a:buChar char="•"/>
+            </a:pPr>
+            <a:endParaRPr lang="en-US" sz="1600" kern="100" dirty="0">
+              <a:solidFill>
+                <a:srgbClr val="16388A"/>
+              </a:solidFill>
+              <a:latin typeface="Times New Roman" panose="02020603050405020304" pitchFamily="18" charset="0"/>
+              <a:ea typeface="华文新魏" panose="02010800040101010101" pitchFamily="2" charset="-122"/>
+              <a:cs typeface="Times New Roman" panose="02020603050405020304" pitchFamily="18" charset="0"/>
+            </a:endParaRPr>
+          </a:p>
+          <a:p>
+            <a:pPr>
+              <a:lnSpc>
+                <a:spcPct val="150000"/>
+              </a:lnSpc>
+            </a:pPr>
+            <a:r>
+              <a:rPr lang="en-US" sz="1600" kern="100" dirty="0">
+                <a:solidFill>
+                  <a:srgbClr val="16388A"/>
+                </a:solidFill>
+                <a:latin typeface="Times New Roman" panose="02020603050405020304" pitchFamily="18" charset="0"/>
+                <a:ea typeface="华文新魏" panose="02010800040101010101" pitchFamily="2" charset="-122"/>
+                <a:cs typeface="Times New Roman" panose="02020603050405020304" pitchFamily="18" charset="0"/>
+              </a:rPr>
+              <a:t>2. what is the other class it is most confused with?</a:t>
+            </a:r>
+          </a:p>
+          <a:p>
+            <a:pPr>
+              <a:lnSpc>
+                <a:spcPct val="150000"/>
+              </a:lnSpc>
+            </a:pPr>
+            <a:r>
+              <a:rPr lang="en-US" sz="1600" kern="100" dirty="0">
+                <a:solidFill>
+                  <a:srgbClr val="16388A"/>
+                </a:solidFill>
+                <a:latin typeface="Times New Roman" panose="02020603050405020304" pitchFamily="18" charset="0"/>
+                <a:ea typeface="华文新魏" panose="02010800040101010101" pitchFamily="2" charset="-122"/>
+                <a:cs typeface="Times New Roman" panose="02020603050405020304" pitchFamily="18" charset="0"/>
+              </a:rPr>
+              <a:t>   </a:t>
+            </a:r>
+            <a:r>
+              <a:rPr lang="en-US" sz="1600" kern="100" dirty="0">
+                <a:solidFill>
+                  <a:srgbClr val="FF0000"/>
+                </a:solidFill>
+                <a:latin typeface="Times New Roman" panose="02020603050405020304" pitchFamily="18" charset="0"/>
+                <a:ea typeface="华文新魏" panose="02010800040101010101" pitchFamily="2" charset="-122"/>
+                <a:cs typeface="Times New Roman" panose="02020603050405020304" pitchFamily="18" charset="0"/>
+              </a:rPr>
+              <a:t>Cat</a:t>
+            </a:r>
           </a:p>
         </p:txBody>
       </p:sp>
@@ -17174,7 +19332,485 @@
 </p:sld>
 </file>
 
-<file path=ppt/slides/slide5.xml><?xml version="1.0" encoding="utf-8"?>
+<file path=ppt/slides/slide7.xml><?xml version="1.0" encoding="utf-8"?>
+<p:sld xmlns:a="http://schemas.openxmlformats.org/drawingml/2006/main" xmlns:r="http://schemas.openxmlformats.org/officeDocument/2006/relationships" xmlns:p="http://schemas.openxmlformats.org/presentationml/2006/main">
+  <p:cSld>
+    <p:spTree>
+      <p:nvGrpSpPr>
+        <p:cNvPr id="1" name=""/>
+        <p:cNvGrpSpPr/>
+        <p:nvPr/>
+      </p:nvGrpSpPr>
+      <p:grpSpPr>
+        <a:xfrm>
+          <a:off x="0" y="0"/>
+          <a:ext cx="0" cy="0"/>
+          <a:chOff x="0" y="0"/>
+          <a:chExt cx="0" cy="0"/>
+        </a:xfrm>
+      </p:grpSpPr>
+      <p:grpSp>
+        <p:nvGrpSpPr>
+          <p:cNvPr id="15" name="Group 14">
+            <a:extLst>
+              <a:ext uri="{FF2B5EF4-FFF2-40B4-BE49-F238E27FC236}">
+                <a16:creationId xmlns:a16="http://schemas.microsoft.com/office/drawing/2014/main" id="{BC89D6FE-77F3-4421-968E-F54365B39686}"/>
+              </a:ext>
+            </a:extLst>
+          </p:cNvPr>
+          <p:cNvGrpSpPr/>
+          <p:nvPr/>
+        </p:nvGrpSpPr>
+        <p:grpSpPr>
+          <a:xfrm>
+            <a:off x="157083" y="534879"/>
+            <a:ext cx="11877834" cy="2103120"/>
+            <a:chOff x="-48071" y="3429000"/>
+            <a:chExt cx="11877834" cy="2103120"/>
+          </a:xfrm>
+        </p:grpSpPr>
+        <p:pic>
+          <p:nvPicPr>
+            <p:cNvPr id="13" name="Picture 12">
+              <a:extLst>
+                <a:ext uri="{FF2B5EF4-FFF2-40B4-BE49-F238E27FC236}">
+                  <a16:creationId xmlns:a16="http://schemas.microsoft.com/office/drawing/2014/main" id="{FA99643D-DB0F-4A40-8B1D-F52E2F3A8425}"/>
+                </a:ext>
+              </a:extLst>
+            </p:cNvPr>
+            <p:cNvPicPr>
+              <a:picLocks noChangeAspect="1"/>
+            </p:cNvPicPr>
+            <p:nvPr/>
+          </p:nvPicPr>
+          <p:blipFill>
+            <a:blip r:embed="rId2">
+              <a:extLst>
+                <a:ext uri="{28A0092B-C50C-407E-A947-70E740481C1C}">
+                  <a14:useLocalDpi xmlns:a14="http://schemas.microsoft.com/office/drawing/2010/main" val="0"/>
+                </a:ext>
+              </a:extLst>
+            </a:blip>
+            <a:stretch>
+              <a:fillRect/>
+            </a:stretch>
+          </p:blipFill>
+          <p:spPr>
+            <a:xfrm>
+              <a:off x="-48071" y="3429000"/>
+              <a:ext cx="2804160" cy="2103120"/>
+            </a:xfrm>
+            <a:prstGeom prst="rect">
+              <a:avLst/>
+            </a:prstGeom>
+          </p:spPr>
+        </p:pic>
+        <p:pic>
+          <p:nvPicPr>
+            <p:cNvPr id="11" name="Picture 10">
+              <a:extLst>
+                <a:ext uri="{FF2B5EF4-FFF2-40B4-BE49-F238E27FC236}">
+                  <a16:creationId xmlns:a16="http://schemas.microsoft.com/office/drawing/2014/main" id="{31C403B3-EF26-4883-882A-3E2A42285011}"/>
+                </a:ext>
+              </a:extLst>
+            </p:cNvPr>
+            <p:cNvPicPr>
+              <a:picLocks noChangeAspect="1"/>
+            </p:cNvPicPr>
+            <p:nvPr/>
+          </p:nvPicPr>
+          <p:blipFill>
+            <a:blip r:embed="rId3">
+              <a:extLst>
+                <a:ext uri="{28A0092B-C50C-407E-A947-70E740481C1C}">
+                  <a14:useLocalDpi xmlns:a14="http://schemas.microsoft.com/office/drawing/2010/main" val="0"/>
+                </a:ext>
+              </a:extLst>
+            </a:blip>
+            <a:stretch>
+              <a:fillRect/>
+            </a:stretch>
+          </p:blipFill>
+          <p:spPr>
+            <a:xfrm>
+              <a:off x="2237929" y="3429000"/>
+              <a:ext cx="2804160" cy="2103120"/>
+            </a:xfrm>
+            <a:prstGeom prst="rect">
+              <a:avLst/>
+            </a:prstGeom>
+          </p:spPr>
+        </p:pic>
+        <p:pic>
+          <p:nvPicPr>
+            <p:cNvPr id="5" name="Picture 4">
+              <a:extLst>
+                <a:ext uri="{FF2B5EF4-FFF2-40B4-BE49-F238E27FC236}">
+                  <a16:creationId xmlns:a16="http://schemas.microsoft.com/office/drawing/2014/main" id="{48D39ABB-DD22-4CC4-937B-577FA9175F90}"/>
+                </a:ext>
+              </a:extLst>
+            </p:cNvPr>
+            <p:cNvPicPr>
+              <a:picLocks noChangeAspect="1"/>
+            </p:cNvPicPr>
+            <p:nvPr/>
+          </p:nvPicPr>
+          <p:blipFill>
+            <a:blip r:embed="rId4">
+              <a:extLst>
+                <a:ext uri="{28A0092B-C50C-407E-A947-70E740481C1C}">
+                  <a14:useLocalDpi xmlns:a14="http://schemas.microsoft.com/office/drawing/2010/main" val="0"/>
+                </a:ext>
+              </a:extLst>
+            </a:blip>
+            <a:stretch>
+              <a:fillRect/>
+            </a:stretch>
+          </p:blipFill>
+          <p:spPr>
+            <a:xfrm>
+              <a:off x="4465320" y="3429000"/>
+              <a:ext cx="2804160" cy="2103120"/>
+            </a:xfrm>
+            <a:prstGeom prst="rect">
+              <a:avLst/>
+            </a:prstGeom>
+          </p:spPr>
+        </p:pic>
+        <p:pic>
+          <p:nvPicPr>
+            <p:cNvPr id="9" name="Picture 8">
+              <a:extLst>
+                <a:ext uri="{FF2B5EF4-FFF2-40B4-BE49-F238E27FC236}">
+                  <a16:creationId xmlns:a16="http://schemas.microsoft.com/office/drawing/2014/main" id="{D88D6194-0F5B-42EB-A58C-0A4DDEDFA543}"/>
+                </a:ext>
+              </a:extLst>
+            </p:cNvPr>
+            <p:cNvPicPr>
+              <a:picLocks noChangeAspect="1"/>
+            </p:cNvPicPr>
+            <p:nvPr/>
+          </p:nvPicPr>
+          <p:blipFill>
+            <a:blip r:embed="rId5">
+              <a:extLst>
+                <a:ext uri="{28A0092B-C50C-407E-A947-70E740481C1C}">
+                  <a14:useLocalDpi xmlns:a14="http://schemas.microsoft.com/office/drawing/2010/main" val="0"/>
+                </a:ext>
+              </a:extLst>
+            </a:blip>
+            <a:stretch>
+              <a:fillRect/>
+            </a:stretch>
+          </p:blipFill>
+          <p:spPr>
+            <a:xfrm>
+              <a:off x="6751320" y="3429000"/>
+              <a:ext cx="2804160" cy="2103120"/>
+            </a:xfrm>
+            <a:prstGeom prst="rect">
+              <a:avLst/>
+            </a:prstGeom>
+          </p:spPr>
+        </p:pic>
+        <p:pic>
+          <p:nvPicPr>
+            <p:cNvPr id="7" name="Picture 6">
+              <a:extLst>
+                <a:ext uri="{FF2B5EF4-FFF2-40B4-BE49-F238E27FC236}">
+                  <a16:creationId xmlns:a16="http://schemas.microsoft.com/office/drawing/2014/main" id="{E485AE14-CD19-47B6-AFA2-880B1516B3AA}"/>
+                </a:ext>
+              </a:extLst>
+            </p:cNvPr>
+            <p:cNvPicPr>
+              <a:picLocks noChangeAspect="1"/>
+            </p:cNvPicPr>
+            <p:nvPr/>
+          </p:nvPicPr>
+          <p:blipFill>
+            <a:blip r:embed="rId6">
+              <a:extLst>
+                <a:ext uri="{28A0092B-C50C-407E-A947-70E740481C1C}">
+                  <a14:useLocalDpi xmlns:a14="http://schemas.microsoft.com/office/drawing/2010/main" val="0"/>
+                </a:ext>
+              </a:extLst>
+            </a:blip>
+            <a:stretch>
+              <a:fillRect/>
+            </a:stretch>
+          </p:blipFill>
+          <p:spPr>
+            <a:xfrm>
+              <a:off x="9025603" y="3429000"/>
+              <a:ext cx="2804160" cy="2103120"/>
+            </a:xfrm>
+            <a:prstGeom prst="rect">
+              <a:avLst/>
+            </a:prstGeom>
+          </p:spPr>
+        </p:pic>
+      </p:grpSp>
+      <p:sp>
+        <p:nvSpPr>
+          <p:cNvPr id="14" name="TextBox 13">
+            <a:extLst>
+              <a:ext uri="{FF2B5EF4-FFF2-40B4-BE49-F238E27FC236}">
+                <a16:creationId xmlns:a16="http://schemas.microsoft.com/office/drawing/2014/main" id="{3EF3B805-3704-437E-A20B-22CEEC81991C}"/>
+              </a:ext>
+            </a:extLst>
+          </p:cNvPr>
+          <p:cNvSpPr txBox="1"/>
+          <p:nvPr/>
+        </p:nvSpPr>
+        <p:spPr>
+          <a:xfrm>
+            <a:off x="315944" y="217924"/>
+            <a:ext cx="3282914" cy="498663"/>
+          </a:xfrm>
+          <a:prstGeom prst="rect">
+            <a:avLst/>
+          </a:prstGeom>
+          <a:noFill/>
+        </p:spPr>
+        <p:txBody>
+          <a:bodyPr wrap="square">
+            <a:spAutoFit/>
+          </a:bodyPr>
+          <a:lstStyle/>
+          <a:p>
+            <a:pPr>
+              <a:lnSpc>
+                <a:spcPct val="150000"/>
+              </a:lnSpc>
+              <a:spcBef>
+                <a:spcPts val="1000"/>
+              </a:spcBef>
+              <a:defRPr/>
+            </a:pPr>
+            <a:r>
+              <a:rPr lang="en-US" altLang="zh-CN" sz="2000" b="1" kern="100" dirty="0">
+                <a:solidFill>
+                  <a:srgbClr val="16388A"/>
+                </a:solidFill>
+                <a:latin typeface="Times New Roman" panose="02020603050405020304" pitchFamily="18" charset="0"/>
+                <a:ea typeface="华文新魏" panose="02010800040101010101" pitchFamily="2" charset="-122"/>
+                <a:cs typeface="Times New Roman" panose="02020603050405020304" pitchFamily="18" charset="0"/>
+              </a:rPr>
+              <a:t> Visualization:</a:t>
+            </a:r>
+            <a:endParaRPr lang="en-US" sz="2400" b="1" kern="100" dirty="0">
+              <a:solidFill>
+                <a:srgbClr val="16388A"/>
+              </a:solidFill>
+              <a:latin typeface="Times New Roman" panose="02020603050405020304" pitchFamily="18" charset="0"/>
+              <a:ea typeface="华文新魏" panose="02010800040101010101" pitchFamily="2" charset="-122"/>
+              <a:cs typeface="Times New Roman" panose="02020603050405020304" pitchFamily="18" charset="0"/>
+            </a:endParaRPr>
+          </a:p>
+        </p:txBody>
+      </p:sp>
+      <p:sp>
+        <p:nvSpPr>
+          <p:cNvPr id="17" name="TextBox 16">
+            <a:extLst>
+              <a:ext uri="{FF2B5EF4-FFF2-40B4-BE49-F238E27FC236}">
+                <a16:creationId xmlns:a16="http://schemas.microsoft.com/office/drawing/2014/main" id="{1480E2E0-BCD0-4AAE-89B6-C4673AB38299}"/>
+              </a:ext>
+            </a:extLst>
+          </p:cNvPr>
+          <p:cNvSpPr txBox="1"/>
+          <p:nvPr/>
+        </p:nvSpPr>
+        <p:spPr>
+          <a:xfrm>
+            <a:off x="414997" y="2662566"/>
+            <a:ext cx="11619919" cy="4247317"/>
+          </a:xfrm>
+          <a:prstGeom prst="rect">
+            <a:avLst/>
+          </a:prstGeom>
+          <a:noFill/>
+        </p:spPr>
+        <p:txBody>
+          <a:bodyPr wrap="square">
+            <a:spAutoFit/>
+          </a:bodyPr>
+          <a:lstStyle/>
+          <a:p>
+            <a:pPr algn="l"/>
+            <a:r>
+              <a:rPr lang="en-US" sz="1600" kern="100" dirty="0">
+                <a:solidFill>
+                  <a:srgbClr val="16388A"/>
+                </a:solidFill>
+                <a:latin typeface="Times New Roman" panose="02020603050405020304" pitchFamily="18" charset="0"/>
+                <a:ea typeface="华文新魏" panose="02010800040101010101" pitchFamily="2" charset="-122"/>
+                <a:cs typeface="Times New Roman" panose="02020603050405020304" pitchFamily="18" charset="0"/>
+              </a:rPr>
+              <a:t>Comment on what factors may have caused the poor performance:</a:t>
+            </a:r>
+          </a:p>
+          <a:p>
+            <a:pPr marL="342900" indent="-342900">
+              <a:buFont typeface="+mj-lt"/>
+              <a:buAutoNum type="arabicPeriod"/>
+            </a:pPr>
+            <a:r>
+              <a:rPr lang="en-US" sz="1400" kern="100" dirty="0">
+                <a:solidFill>
+                  <a:srgbClr val="16388A"/>
+                </a:solidFill>
+                <a:latin typeface="Times New Roman" panose="02020603050405020304" pitchFamily="18" charset="0"/>
+                <a:ea typeface="华文新魏" panose="02010800040101010101" pitchFamily="2" charset="-122"/>
+                <a:cs typeface="Times New Roman" panose="02020603050405020304" pitchFamily="18" charset="0"/>
+              </a:rPr>
+              <a:t>Insufficient training: The model may not have been trained for enough epochs or with a large enough dataset to learn the distinguishing features of the worst-performing class effectively. This could lead to the model struggling to differentiate between the class and others, especially if they share similar features.</a:t>
+            </a:r>
+          </a:p>
+          <a:p>
+            <a:pPr marL="342900" indent="-342900" algn="l">
+              <a:buFont typeface="+mj-lt"/>
+              <a:buAutoNum type="arabicPeriod"/>
+            </a:pPr>
+            <a:r>
+              <a:rPr lang="en-US" sz="1400" kern="100" dirty="0">
+                <a:solidFill>
+                  <a:srgbClr val="16388A"/>
+                </a:solidFill>
+                <a:latin typeface="Times New Roman" panose="02020603050405020304" pitchFamily="18" charset="0"/>
+                <a:ea typeface="华文新魏" panose="02010800040101010101" pitchFamily="2" charset="-122"/>
+                <a:cs typeface="Times New Roman" panose="02020603050405020304" pitchFamily="18" charset="0"/>
+              </a:rPr>
+              <a:t>Similarity between classes: If the worst-performing class and the class it is most confused with share similar visual features or have overlapping characteristics, the model might find it challenging to differentiate between them. For example, if the classes are "cat" and "dog," the model may struggle because both animals share similar shapes, sizes, and textures.</a:t>
+            </a:r>
+          </a:p>
+          <a:p>
+            <a:pPr marL="342900" indent="-342900" algn="l">
+              <a:buFont typeface="+mj-lt"/>
+              <a:buAutoNum type="arabicPeriod"/>
+            </a:pPr>
+            <a:r>
+              <a:rPr lang="en-US" sz="1400" kern="100" dirty="0">
+                <a:solidFill>
+                  <a:srgbClr val="16388A"/>
+                </a:solidFill>
+                <a:latin typeface="Times New Roman" panose="02020603050405020304" pitchFamily="18" charset="0"/>
+                <a:ea typeface="华文新魏" panose="02010800040101010101" pitchFamily="2" charset="-122"/>
+                <a:cs typeface="Times New Roman" panose="02020603050405020304" pitchFamily="18" charset="0"/>
+              </a:rPr>
+              <a:t>Network architecture: The architecture of the neural network may not be well-suited for the task at hand. A deeper or more complex network with additional layers, filters, or more advanced techniques (such as residual connections) might be needed to capture the relevant features and learn the difference between the classes more effectively.</a:t>
+            </a:r>
+          </a:p>
+          <a:p>
+            <a:pPr marL="342900" indent="-342900" algn="l">
+              <a:buFont typeface="+mj-lt"/>
+              <a:buAutoNum type="arabicPeriod"/>
+            </a:pPr>
+            <a:r>
+              <a:rPr lang="en-US" sz="1400" kern="100" dirty="0">
+                <a:solidFill>
+                  <a:srgbClr val="16388A"/>
+                </a:solidFill>
+                <a:latin typeface="Times New Roman" panose="02020603050405020304" pitchFamily="18" charset="0"/>
+                <a:ea typeface="华文新魏" panose="02010800040101010101" pitchFamily="2" charset="-122"/>
+                <a:cs typeface="Times New Roman" panose="02020603050405020304" pitchFamily="18" charset="0"/>
+              </a:rPr>
+              <a:t>Data preprocessing: The normalization and data augmentation techniques used during preprocessing may not have been sufficient or adequate for the task. Improper preprocessing might cause the model to focus on irrelevant features or miss essential information needed to differentiate between the classes.</a:t>
+            </a:r>
+          </a:p>
+          <a:p>
+            <a:pPr marL="342900" indent="-342900" algn="l">
+              <a:buFont typeface="+mj-lt"/>
+              <a:buAutoNum type="arabicPeriod"/>
+            </a:pPr>
+            <a:r>
+              <a:rPr lang="en-US" sz="1400" kern="100" dirty="0">
+                <a:solidFill>
+                  <a:srgbClr val="16388A"/>
+                </a:solidFill>
+                <a:latin typeface="Times New Roman" panose="02020603050405020304" pitchFamily="18" charset="0"/>
+                <a:ea typeface="华文新魏" panose="02010800040101010101" pitchFamily="2" charset="-122"/>
+                <a:cs typeface="Times New Roman" panose="02020603050405020304" pitchFamily="18" charset="0"/>
+              </a:rPr>
+              <a:t>Imbalanced dataset: If the dataset used for training is imbalanced, with fewer examples of the worst-performing class compared to other classes, the model might struggle to learn the features of that class. Addressing class imbalance through techniques like oversampling, </a:t>
+            </a:r>
+            <a:r>
+              <a:rPr lang="en-US" sz="1400" kern="100" dirty="0" err="1">
+                <a:solidFill>
+                  <a:srgbClr val="16388A"/>
+                </a:solidFill>
+                <a:latin typeface="Times New Roman" panose="02020603050405020304" pitchFamily="18" charset="0"/>
+                <a:ea typeface="华文新魏" panose="02010800040101010101" pitchFamily="2" charset="-122"/>
+                <a:cs typeface="Times New Roman" panose="02020603050405020304" pitchFamily="18" charset="0"/>
+              </a:rPr>
+              <a:t>undersampling</a:t>
+            </a:r>
+            <a:r>
+              <a:rPr lang="en-US" sz="1400" kern="100" dirty="0">
+                <a:solidFill>
+                  <a:srgbClr val="16388A"/>
+                </a:solidFill>
+                <a:latin typeface="Times New Roman" panose="02020603050405020304" pitchFamily="18" charset="0"/>
+                <a:ea typeface="华文新魏" panose="02010800040101010101" pitchFamily="2" charset="-122"/>
+                <a:cs typeface="Times New Roman" panose="02020603050405020304" pitchFamily="18" charset="0"/>
+              </a:rPr>
+              <a:t>, or using different loss functions (e.g., weighted cross-entropy loss) could potentially help improve the model's performance on the underrepresented class.</a:t>
+            </a:r>
+          </a:p>
+          <a:p>
+            <a:pPr algn="l"/>
+            <a:r>
+              <a:rPr lang="en-US" sz="1400" kern="100" dirty="0">
+                <a:solidFill>
+                  <a:srgbClr val="16388A"/>
+                </a:solidFill>
+                <a:latin typeface="Times New Roman" panose="02020603050405020304" pitchFamily="18" charset="0"/>
+                <a:ea typeface="华文新魏" panose="02010800040101010101" pitchFamily="2" charset="-122"/>
+                <a:cs typeface="Times New Roman" panose="02020603050405020304" pitchFamily="18" charset="0"/>
+              </a:rPr>
+              <a:t>       </a:t>
+            </a:r>
+          </a:p>
+          <a:p>
+            <a:pPr algn="l"/>
+            <a:r>
+              <a:rPr lang="en-US" sz="1400" kern="100" dirty="0">
+                <a:solidFill>
+                  <a:srgbClr val="16388A"/>
+                </a:solidFill>
+                <a:latin typeface="Times New Roman" panose="02020603050405020304" pitchFamily="18" charset="0"/>
+                <a:ea typeface="华文新魏" panose="02010800040101010101" pitchFamily="2" charset="-122"/>
+                <a:cs typeface="Times New Roman" panose="02020603050405020304" pitchFamily="18" charset="0"/>
+              </a:rPr>
+              <a:t>       To improve the model's performance, consider experimenting with different network architectures, increasing the training data size, using different data augmentation techniques, addressing class imbalance, or using transfer learning with pre-trained models.</a:t>
+            </a:r>
+          </a:p>
+          <a:p>
+            <a:endParaRPr lang="en-US" sz="1600" kern="100" dirty="0">
+              <a:solidFill>
+                <a:srgbClr val="16388A"/>
+              </a:solidFill>
+              <a:latin typeface="Times New Roman" panose="02020603050405020304" pitchFamily="18" charset="0"/>
+              <a:ea typeface="华文新魏" panose="02010800040101010101" pitchFamily="2" charset="-122"/>
+              <a:cs typeface="Times New Roman" panose="02020603050405020304" pitchFamily="18" charset="0"/>
+            </a:endParaRPr>
+          </a:p>
+        </p:txBody>
+      </p:sp>
+    </p:spTree>
+    <p:extLst>
+      <p:ext uri="{BB962C8B-B14F-4D97-AF65-F5344CB8AC3E}">
+        <p14:creationId xmlns:p14="http://schemas.microsoft.com/office/powerpoint/2010/main" val="3758680294"/>
+      </p:ext>
+    </p:extLst>
+  </p:cSld>
+  <p:clrMapOvr>
+    <a:masterClrMapping/>
+  </p:clrMapOvr>
+</p:sld>
+</file>
+
+<file path=ppt/slides/slide8.xml><?xml version="1.0" encoding="utf-8"?>
 <p:sld xmlns:a="http://schemas.openxmlformats.org/drawingml/2006/main" xmlns:r="http://schemas.openxmlformats.org/officeDocument/2006/relationships" xmlns:p="http://schemas.openxmlformats.org/presentationml/2006/main">
   <p:cSld>
     <p:spTree>
@@ -17297,8 +19933,8 @@
         </p:nvSpPr>
         <p:spPr>
           <a:xfrm>
-            <a:off x="111011" y="482239"/>
-            <a:ext cx="5733529" cy="5693866"/>
+            <a:off x="111011" y="437789"/>
+            <a:ext cx="7384269" cy="6694140"/>
           </a:xfrm>
           <a:prstGeom prst="rect">
             <a:avLst/>
@@ -17313,7 +19949,7 @@
           <a:p>
             <a:pPr algn="just"/>
             <a:r>
-              <a:rPr lang="en-US" altLang="zh-CN" sz="1300" kern="100" dirty="0">
+              <a:rPr lang="en-US" sz="1300" kern="100" dirty="0">
                 <a:solidFill>
                   <a:srgbClr val="16388A"/>
                 </a:solidFill>
@@ -17321,24 +19957,13 @@
                 <a:ea typeface="华文新魏" panose="02010800040101010101" pitchFamily="2" charset="-122"/>
                 <a:cs typeface="Times New Roman" panose="02020603050405020304" pitchFamily="18" charset="0"/>
               </a:rPr>
-              <a:t>In this assignment, we used the Faster R-CNN object detection model to detect pedestrians in a test video. We observed that the model detected 3, 6, 7, and 3 pedestrians in frames 1, 100, 200, and 400 respectively. However, we also observed that the model missed one pedestrian in frame 100, which was hidden by a telephone pole.</a:t>
+              <a:t>        This assignment aimed to implement a computer vision model, likely a convolutional neural network (CNN), to perform image classification on a given dataset. The goal was to train the model to learn the features of the images and correctly classify them into their respective classes.</a:t>
             </a:r>
           </a:p>
           <a:p>
             <a:pPr algn="just"/>
-            <a:endParaRPr lang="en-US" altLang="zh-CN" sz="1300" kern="100" dirty="0">
-              <a:solidFill>
-                <a:srgbClr val="16388A"/>
-              </a:solidFill>
-              <a:latin typeface="Times New Roman" panose="02020603050405020304" pitchFamily="18" charset="0"/>
-              <a:ea typeface="华文新魏" panose="02010800040101010101" pitchFamily="2" charset="-122"/>
-              <a:cs typeface="Times New Roman" panose="02020603050405020304" pitchFamily="18" charset="0"/>
-            </a:endParaRPr>
-          </a:p>
-          <a:p>
-            <a:pPr algn="just"/>
             <a:r>
-              <a:rPr lang="en-US" altLang="zh-CN" sz="1300" kern="100" dirty="0">
+              <a:rPr lang="en-US" sz="1300" kern="100" dirty="0">
                 <a:solidFill>
                   <a:srgbClr val="16388A"/>
                 </a:solidFill>
@@ -17346,13 +19971,10 @@
                 <a:ea typeface="华文新魏" panose="02010800040101010101" pitchFamily="2" charset="-122"/>
                 <a:cs typeface="Times New Roman" panose="02020603050405020304" pitchFamily="18" charset="0"/>
               </a:rPr>
-              <a:t>There are several possible reasons why the model missed the pedestrian in frame 100:</a:t>
+              <a:t>        </a:t>
             </a:r>
-          </a:p>
-          <a:p>
-            <a:pPr algn="just"/>
             <a:r>
-              <a:rPr lang="en-US" altLang="zh-CN" sz="1300" kern="100" dirty="0">
+              <a:rPr lang="en-US" sz="1300" b="1" kern="100" dirty="0">
                 <a:solidFill>
                   <a:srgbClr val="16388A"/>
                 </a:solidFill>
@@ -17360,13 +19982,10 @@
                 <a:ea typeface="华文新魏" panose="02010800040101010101" pitchFamily="2" charset="-122"/>
                 <a:cs typeface="Times New Roman" panose="02020603050405020304" pitchFamily="18" charset="0"/>
               </a:rPr>
-              <a:t>1. Occlusion: The pedestrian may have been partially or completely occluded by the telephone pole, making it difficult for the model to detect. Object detection models typically rely on visual cues such as color, shape, and texture to identify objects, and occlusion can disrupt these cues and make detection more challenging.</a:t>
+              <a:t>Objectives</a:t>
             </a:r>
-          </a:p>
-          <a:p>
-            <a:pPr algn="just"/>
             <a:r>
-              <a:rPr lang="en-US" altLang="zh-CN" sz="1300" kern="100" dirty="0">
+              <a:rPr lang="en-US" sz="1300" kern="100" dirty="0">
                 <a:solidFill>
                   <a:srgbClr val="16388A"/>
                 </a:solidFill>
@@ -17374,10 +19993,13 @@
                 <a:ea typeface="华文新魏" panose="02010800040101010101" pitchFamily="2" charset="-122"/>
                 <a:cs typeface="Times New Roman" panose="02020603050405020304" pitchFamily="18" charset="0"/>
               </a:rPr>
-              <a:t>2.</a:t>
+              <a:t>: 1. Understand the dataset: It is crucial to explore and analyze the dataset to get an idea of the distribution of classes, the variety of images, and any potential class imbalance. This step helps determine the appropriate preprocessing techniques, data augmentation strategies, and network architectures; 2. Preprocess the data: The dataset needs to be preprocessed, including resizing, normalization, and data augmentation, to improve the model's ability to learn the features and generalize better; 3. Implement the model: Design and implement a suitable CNN architecture for image classification. The model should be able to learn the distinguishing features of the different classes and classify images with reasonable accuracy; 4. Train and evaluate the model: Train the model using an appropriate loss function and optimization algorithm. Evaluate the model's performance using relevant metrics, such as accuracy, precision, recall, and F1-score. A confusion matrix can also be used to identify the classes that the model struggles with the most.</a:t>
             </a:r>
+          </a:p>
+          <a:p>
+            <a:pPr algn="just"/>
             <a:r>
-              <a:rPr lang="zh-CN" altLang="en-US" sz="1300" kern="100" dirty="0">
+              <a:rPr lang="en-US" sz="1300" kern="100" dirty="0">
                 <a:solidFill>
                   <a:srgbClr val="16388A"/>
                 </a:solidFill>
@@ -17385,10 +20007,10 @@
                 <a:ea typeface="华文新魏" panose="02010800040101010101" pitchFamily="2" charset="-122"/>
                 <a:cs typeface="Times New Roman" panose="02020603050405020304" pitchFamily="18" charset="0"/>
               </a:rPr>
-              <a:t> </a:t>
+              <a:t>        </a:t>
             </a:r>
             <a:r>
-              <a:rPr lang="en-US" altLang="zh-CN" sz="1300" kern="100" dirty="0">
+              <a:rPr lang="en-US" sz="1300" b="1" kern="100" dirty="0">
                 <a:solidFill>
                   <a:srgbClr val="16388A"/>
                 </a:solidFill>
@@ -17396,13 +20018,10 @@
                 <a:ea typeface="华文新魏" panose="02010800040101010101" pitchFamily="2" charset="-122"/>
                 <a:cs typeface="Times New Roman" panose="02020603050405020304" pitchFamily="18" charset="0"/>
               </a:rPr>
-              <a:t>Model limitations: The Faster R-CNN model used in this assignment is a powerful and widely-used object detection model, but it is not perfect. Like all deep learning models, it has limitations and may struggle to detect objects under certain conditions, such as when they are partially occluded or when the lighting is poor.</a:t>
+              <a:t>Challenges</a:t>
             </a:r>
-          </a:p>
-          <a:p>
-            <a:pPr algn="just"/>
             <a:r>
-              <a:rPr lang="en-US" altLang="zh-CN" sz="1300" kern="100" dirty="0">
+              <a:rPr lang="en-US" sz="1300" kern="100" dirty="0">
                 <a:solidFill>
                   <a:srgbClr val="16388A"/>
                 </a:solidFill>
@@ -17410,24 +20029,10 @@
                 <a:ea typeface="华文新魏" panose="02010800040101010101" pitchFamily="2" charset="-122"/>
                 <a:cs typeface="Times New Roman" panose="02020603050405020304" pitchFamily="18" charset="0"/>
               </a:rPr>
-              <a:t>3. Detection threshold: The detection threshold used in this assignment may have been too high, causing the model to ignore objects that it was uncertain about. Lowering the threshold may have allowed the model to detect the hidden pedestrian, but it may have also increased the number of false positives.</a:t>
+              <a:t>: 1. Choosing the right network architecture: Designing an optimal CNN architecture for the task can be challenging. It requires experimenting with different layer types, depth, and activation functions; 2. Dealing with class imbalance: If the dataset is imbalanced, the model might struggle to learn the features of underrepresented classes. Techniques like oversampling, </a:t>
             </a:r>
-          </a:p>
-          <a:p>
-            <a:pPr algn="just"/>
-            <a:endParaRPr lang="en-US" altLang="zh-CN" sz="1300" kern="100" dirty="0">
-              <a:solidFill>
-                <a:srgbClr val="16388A"/>
-              </a:solidFill>
-              <a:latin typeface="Times New Roman" panose="02020603050405020304" pitchFamily="18" charset="0"/>
-              <a:ea typeface="华文新魏" panose="02010800040101010101" pitchFamily="2" charset="-122"/>
-              <a:cs typeface="Times New Roman" panose="02020603050405020304" pitchFamily="18" charset="0"/>
-            </a:endParaRPr>
-          </a:p>
-          <a:p>
-            <a:pPr algn="just"/>
             <a:r>
-              <a:rPr lang="en-US" altLang="zh-CN" sz="1300" kern="100" dirty="0">
+              <a:rPr lang="en-US" sz="1300" kern="100" dirty="0" err="1">
                 <a:solidFill>
                   <a:srgbClr val="16388A"/>
                 </a:solidFill>
@@ -17435,16 +20040,113 @@
                 <a:ea typeface="华文新魏" panose="02010800040101010101" pitchFamily="2" charset="-122"/>
                 <a:cs typeface="Times New Roman" panose="02020603050405020304" pitchFamily="18" charset="0"/>
               </a:rPr>
-              <a:t>Overall, the results of this assignment demonstrate both the strengths and limitations of the Faster R-CNN object detection model. While the model was able to detect many of the pedestrians in the test video, it struggled to detect objects that were partially occluded or hidden. In future work, it may be useful to explore alternative object detection models or to combine multiple models to improve detection accuracy in challenging conditions.</a:t>
+              <a:t>undersampling</a:t>
             </a:r>
-            <a:endParaRPr lang="en-US" sz="1300" kern="100" dirty="0">
-              <a:solidFill>
-                <a:srgbClr val="16388A"/>
-              </a:solidFill>
-              <a:latin typeface="Times New Roman" panose="02020603050405020304" pitchFamily="18" charset="0"/>
-              <a:ea typeface="华文新魏" panose="02010800040101010101" pitchFamily="2" charset="-122"/>
-              <a:cs typeface="Times New Roman" panose="02020603050405020304" pitchFamily="18" charset="0"/>
-            </a:endParaRPr>
+            <a:r>
+              <a:rPr lang="en-US" sz="1300" kern="100" dirty="0">
+                <a:solidFill>
+                  <a:srgbClr val="16388A"/>
+                </a:solidFill>
+                <a:latin typeface="Times New Roman" panose="02020603050405020304" pitchFamily="18" charset="0"/>
+                <a:ea typeface="华文新魏" panose="02010800040101010101" pitchFamily="2" charset="-122"/>
+                <a:cs typeface="Times New Roman" panose="02020603050405020304" pitchFamily="18" charset="0"/>
+              </a:rPr>
+              <a:t>, or using different loss functions can help address this issue; 3. Handling similar classes: If certain classes share similar visual features, the model might have difficulties differentiating between them.</a:t>
+            </a:r>
+          </a:p>
+          <a:p>
+            <a:pPr algn="just"/>
+            <a:r>
+              <a:rPr lang="en-US" sz="1300" kern="100" dirty="0">
+                <a:solidFill>
+                  <a:srgbClr val="16388A"/>
+                </a:solidFill>
+                <a:latin typeface="Times New Roman" panose="02020603050405020304" pitchFamily="18" charset="0"/>
+                <a:ea typeface="华文新魏" panose="02010800040101010101" pitchFamily="2" charset="-122"/>
+                <a:cs typeface="Times New Roman" panose="02020603050405020304" pitchFamily="18" charset="0"/>
+              </a:rPr>
+              <a:t>        </a:t>
+            </a:r>
+            <a:r>
+              <a:rPr lang="en-US" sz="1300" b="1" kern="100" dirty="0">
+                <a:solidFill>
+                  <a:srgbClr val="16388A"/>
+                </a:solidFill>
+                <a:latin typeface="Times New Roman" panose="02020603050405020304" pitchFamily="18" charset="0"/>
+                <a:ea typeface="华文新魏" panose="02010800040101010101" pitchFamily="2" charset="-122"/>
+                <a:cs typeface="Times New Roman" panose="02020603050405020304" pitchFamily="18" charset="0"/>
+              </a:rPr>
+              <a:t>Potential Improvements</a:t>
+            </a:r>
+            <a:r>
+              <a:rPr lang="en-US" sz="1300" kern="100" dirty="0">
+                <a:solidFill>
+                  <a:srgbClr val="16388A"/>
+                </a:solidFill>
+                <a:latin typeface="Times New Roman" panose="02020603050405020304" pitchFamily="18" charset="0"/>
+                <a:ea typeface="华文新魏" panose="02010800040101010101" pitchFamily="2" charset="-122"/>
+                <a:cs typeface="Times New Roman" panose="02020603050405020304" pitchFamily="18" charset="0"/>
+              </a:rPr>
+              <a:t>: 2. Experiment with different network architectures: Try deeper or more complex networks, or use pre-trained models via transfer learning to improve the model's performance; 2.Use advanced techniques: Implement advanced techniques like residual connections, batch normalization, or dropout to enhance the model's ability to generalize; 3. Address class imbalance: Experiment with techniques like oversampling, </a:t>
+            </a:r>
+            <a:r>
+              <a:rPr lang="en-US" sz="1300" kern="100" dirty="0" err="1">
+                <a:solidFill>
+                  <a:srgbClr val="16388A"/>
+                </a:solidFill>
+                <a:latin typeface="Times New Roman" panose="02020603050405020304" pitchFamily="18" charset="0"/>
+                <a:ea typeface="华文新魏" panose="02010800040101010101" pitchFamily="2" charset="-122"/>
+                <a:cs typeface="Times New Roman" panose="02020603050405020304" pitchFamily="18" charset="0"/>
+              </a:rPr>
+              <a:t>undersampling</a:t>
+            </a:r>
+            <a:r>
+              <a:rPr lang="en-US" sz="1300" kern="100" dirty="0">
+                <a:solidFill>
+                  <a:srgbClr val="16388A"/>
+                </a:solidFill>
+                <a:latin typeface="Times New Roman" panose="02020603050405020304" pitchFamily="18" charset="0"/>
+                <a:ea typeface="华文新魏" panose="02010800040101010101" pitchFamily="2" charset="-122"/>
+                <a:cs typeface="Times New Roman" panose="02020603050405020304" pitchFamily="18" charset="0"/>
+              </a:rPr>
+              <a:t>, or using different loss functions to improve the model's performance on underrepresented classes; 4. Optimize hyperparameters: Perform hyperparameter tuning, such as adjusting the learning rate, batch size, and number of epochs, to find the best combination that maximizes the model's performance.</a:t>
+            </a:r>
+          </a:p>
+          <a:p>
+            <a:pPr algn="just"/>
+            <a:r>
+              <a:rPr lang="en-US" sz="1300" kern="100" dirty="0">
+                <a:solidFill>
+                  <a:srgbClr val="16388A"/>
+                </a:solidFill>
+                <a:latin typeface="Times New Roman" panose="02020603050405020304" pitchFamily="18" charset="0"/>
+                <a:ea typeface="华文新魏" panose="02010800040101010101" pitchFamily="2" charset="-122"/>
+                <a:cs typeface="Times New Roman" panose="02020603050405020304" pitchFamily="18" charset="0"/>
+              </a:rPr>
+              <a:t>        </a:t>
+            </a:r>
+            <a:r>
+              <a:rPr lang="en-US" sz="1300" b="1" kern="100" dirty="0">
+                <a:solidFill>
+                  <a:srgbClr val="16388A"/>
+                </a:solidFill>
+                <a:latin typeface="Times New Roman" panose="02020603050405020304" pitchFamily="18" charset="0"/>
+                <a:ea typeface="华文新魏" panose="02010800040101010101" pitchFamily="2" charset="-122"/>
+                <a:cs typeface="Times New Roman" panose="02020603050405020304" pitchFamily="18" charset="0"/>
+              </a:rPr>
+              <a:t>In conclusion</a:t>
+            </a:r>
+            <a:r>
+              <a:rPr lang="en-US" sz="1300" kern="100" dirty="0">
+                <a:solidFill>
+                  <a:srgbClr val="16388A"/>
+                </a:solidFill>
+                <a:latin typeface="Times New Roman" panose="02020603050405020304" pitchFamily="18" charset="0"/>
+                <a:ea typeface="华文新魏" panose="02010800040101010101" pitchFamily="2" charset="-122"/>
+                <a:cs typeface="Times New Roman" panose="02020603050405020304" pitchFamily="18" charset="0"/>
+              </a:rPr>
+              <a:t>, this assignment provided valuable experience in implementing and evaluating a computer vision model for image classification. By addressing the challenges and implementing potential improvements, the model's performance can be further enhanced, paving the way for more accurate and robust image classification solutions.</a:t>
+            </a:r>
           </a:p>
         </p:txBody>
       </p:sp>
@@ -17464,7 +20166,7 @@
         </p:nvCxnSpPr>
         <p:spPr>
           <a:xfrm>
-            <a:off x="6267506" y="0"/>
+            <a:off x="7575606" y="0"/>
             <a:ext cx="0" cy="6858000"/>
           </a:xfrm>
           <a:prstGeom prst="line">
@@ -17491,36 +20193,380 @@
           </a:fontRef>
         </p:style>
       </p:cxnSp>
-      <p:pic>
-        <p:nvPicPr>
-          <p:cNvPr id="2" name="Picture 1">
-            <a:extLst>
-              <a:ext uri="{FF2B5EF4-FFF2-40B4-BE49-F238E27FC236}">
-                <a16:creationId xmlns:a16="http://schemas.microsoft.com/office/drawing/2014/main" id="{E1D9E642-7D80-4735-B993-0CA133FAFCB3}"/>
-              </a:ext>
-            </a:extLst>
-          </p:cNvPr>
-          <p:cNvPicPr>
-            <a:picLocks noChangeAspect="1"/>
-          </p:cNvPicPr>
-          <p:nvPr/>
-        </p:nvPicPr>
-        <p:blipFill>
-          <a:blip r:embed="rId2"/>
-          <a:stretch>
-            <a:fillRect/>
-          </a:stretch>
-        </p:blipFill>
-        <p:spPr>
-          <a:xfrm>
-            <a:off x="6761686" y="1830964"/>
-            <a:ext cx="5239349" cy="3196072"/>
-          </a:xfrm>
-          <a:prstGeom prst="rect">
-            <a:avLst/>
-          </a:prstGeom>
-        </p:spPr>
-      </p:pic>
+      <mc:AlternateContent xmlns:mc="http://schemas.openxmlformats.org/markup-compatibility/2006">
+        <mc:Choice xmlns:pslz="http://schemas.microsoft.com/office/powerpoint/2016/slidezoom" Requires="pslz">
+          <p:graphicFrame>
+            <p:nvGraphicFramePr>
+              <p:cNvPr id="6" name="Slide Zoom 5">
+                <a:extLst>
+                  <a:ext uri="{FF2B5EF4-FFF2-40B4-BE49-F238E27FC236}">
+                    <a16:creationId xmlns:a16="http://schemas.microsoft.com/office/drawing/2014/main" id="{FC6C34AE-189E-4695-9E01-03078AAD076D}"/>
+                  </a:ext>
+                </a:extLst>
+              </p:cNvPr>
+              <p:cNvGraphicFramePr>
+                <a:graphicFrameLocks noChangeAspect="1"/>
+              </p:cNvGraphicFramePr>
+              <p:nvPr>
+                <p:extLst>
+                  <p:ext uri="{D42A27DB-BD31-4B8C-83A1-F6EECF244321}">
+                    <p14:modId xmlns:p14="http://schemas.microsoft.com/office/powerpoint/2010/main" val="1242101660"/>
+                  </p:ext>
+                </p:extLst>
+              </p:nvPr>
+            </p:nvGraphicFramePr>
+            <p:xfrm>
+              <a:off x="8811195" y="80821"/>
+              <a:ext cx="3251200" cy="1828800"/>
+            </p:xfrm>
+            <a:graphic>
+              <a:graphicData uri="http://schemas.microsoft.com/office/powerpoint/2016/slidezoom">
+                <pslz:sldZm>
+                  <pslz:sldZmObj sldId="304" cId="77921929">
+                    <pslz:zmPr id="{7BC189C0-F562-486C-8416-EECC7186035B}" returnToParent="0" transitionDur="1000">
+                      <p166:blipFill xmlns:p166="http://schemas.microsoft.com/office/powerpoint/2016/6/main">
+                        <a:blip r:embed="rId2"/>
+                        <a:stretch>
+                          <a:fillRect/>
+                        </a:stretch>
+                      </p166:blipFill>
+                      <p166:spPr xmlns:p166="http://schemas.microsoft.com/office/powerpoint/2016/6/main">
+                        <a:xfrm>
+                          <a:off x="0" y="0"/>
+                          <a:ext cx="3251200" cy="1828800"/>
+                        </a:xfrm>
+                        <a:prstGeom prst="rect">
+                          <a:avLst/>
+                        </a:prstGeom>
+                      </p166:spPr>
+                    </pslz:zmPr>
+                  </pslz:sldZmObj>
+                </pslz:sldZm>
+              </a:graphicData>
+            </a:graphic>
+          </p:graphicFrame>
+        </mc:Choice>
+        <mc:Fallback>
+          <p:pic>
+            <p:nvPicPr>
+              <p:cNvPr id="6" name="Slide Zoom 5">
+                <a:extLst>
+                  <a:ext uri="{FF2B5EF4-FFF2-40B4-BE49-F238E27FC236}">
+                    <a16:creationId xmlns:a16="http://schemas.microsoft.com/office/drawing/2014/main" id="{FC6C34AE-189E-4695-9E01-03078AAD076D}"/>
+                  </a:ext>
+                </a:extLst>
+              </p:cNvPr>
+              <p:cNvPicPr>
+                <a:picLocks noGrp="1" noRot="1" noChangeAspect="1" noMove="1" noResize="1" noEditPoints="1" noAdjustHandles="1" noChangeArrowheads="1" noChangeShapeType="1"/>
+              </p:cNvPicPr>
+              <p:nvPr/>
+            </p:nvPicPr>
+            <p:blipFill>
+              <a:blip r:embed="rId2"/>
+              <a:stretch>
+                <a:fillRect/>
+              </a:stretch>
+            </p:blipFill>
+            <p:spPr>
+              <a:xfrm>
+                <a:off x="8811195" y="80821"/>
+                <a:ext cx="3251200" cy="1828800"/>
+              </a:xfrm>
+              <a:prstGeom prst="rect">
+                <a:avLst/>
+              </a:prstGeom>
+            </p:spPr>
+          </p:pic>
+        </mc:Fallback>
+      </mc:AlternateContent>
+      <mc:AlternateContent xmlns:mc="http://schemas.openxmlformats.org/markup-compatibility/2006">
+        <mc:Choice xmlns:pslz="http://schemas.microsoft.com/office/powerpoint/2016/slidezoom" Requires="pslz">
+          <p:graphicFrame>
+            <p:nvGraphicFramePr>
+              <p:cNvPr id="7" name="Slide Zoom 6">
+                <a:extLst>
+                  <a:ext uri="{FF2B5EF4-FFF2-40B4-BE49-F238E27FC236}">
+                    <a16:creationId xmlns:a16="http://schemas.microsoft.com/office/drawing/2014/main" id="{527C4895-A555-491C-ABAF-8513FD0121D2}"/>
+                  </a:ext>
+                </a:extLst>
+              </p:cNvPr>
+              <p:cNvGraphicFramePr>
+                <a:graphicFrameLocks noChangeAspect="1"/>
+              </p:cNvGraphicFramePr>
+              <p:nvPr>
+                <p:extLst>
+                  <p:ext uri="{D42A27DB-BD31-4B8C-83A1-F6EECF244321}">
+                    <p14:modId xmlns:p14="http://schemas.microsoft.com/office/powerpoint/2010/main" val="3764733727"/>
+                  </p:ext>
+                </p:extLst>
+              </p:nvPr>
+            </p:nvGraphicFramePr>
+            <p:xfrm>
+              <a:off x="7655930" y="1701491"/>
+              <a:ext cx="3251200" cy="1828800"/>
+            </p:xfrm>
+            <a:graphic>
+              <a:graphicData uri="http://schemas.microsoft.com/office/powerpoint/2016/slidezoom">
+                <pslz:sldZm>
+                  <pslz:sldZmObj sldId="306" cId="2568135176">
+                    <pslz:zmPr id="{31966603-D083-4456-92AA-97787BD1F90F}" returnToParent="0" transitionDur="1000">
+                      <p166:blipFill xmlns:p166="http://schemas.microsoft.com/office/powerpoint/2016/6/main">
+                        <a:blip r:embed="rId3"/>
+                        <a:stretch>
+                          <a:fillRect/>
+                        </a:stretch>
+                      </p166:blipFill>
+                      <p166:spPr xmlns:p166="http://schemas.microsoft.com/office/powerpoint/2016/6/main">
+                        <a:xfrm>
+                          <a:off x="0" y="0"/>
+                          <a:ext cx="3251200" cy="1828800"/>
+                        </a:xfrm>
+                        <a:prstGeom prst="rect">
+                          <a:avLst/>
+                        </a:prstGeom>
+                        <a:ln w="3175">
+                          <a:solidFill>
+                            <a:prstClr val="ltGray"/>
+                          </a:solidFill>
+                        </a:ln>
+                      </p166:spPr>
+                    </pslz:zmPr>
+                  </pslz:sldZmObj>
+                </pslz:sldZm>
+              </a:graphicData>
+            </a:graphic>
+          </p:graphicFrame>
+        </mc:Choice>
+        <mc:Fallback>
+          <p:pic>
+            <p:nvPicPr>
+              <p:cNvPr id="7" name="Slide Zoom 6">
+                <a:extLst>
+                  <a:ext uri="{FF2B5EF4-FFF2-40B4-BE49-F238E27FC236}">
+                    <a16:creationId xmlns:a16="http://schemas.microsoft.com/office/drawing/2014/main" id="{527C4895-A555-491C-ABAF-8513FD0121D2}"/>
+                  </a:ext>
+                </a:extLst>
+              </p:cNvPr>
+              <p:cNvPicPr>
+                <a:picLocks noGrp="1" noRot="1" noChangeAspect="1" noMove="1" noResize="1" noEditPoints="1" noAdjustHandles="1" noChangeArrowheads="1" noChangeShapeType="1"/>
+              </p:cNvPicPr>
+              <p:nvPr/>
+            </p:nvPicPr>
+            <p:blipFill>
+              <a:blip r:embed="rId3"/>
+              <a:stretch>
+                <a:fillRect/>
+              </a:stretch>
+            </p:blipFill>
+            <p:spPr>
+              <a:xfrm>
+                <a:off x="7655930" y="1701491"/>
+                <a:ext cx="3251200" cy="1828800"/>
+              </a:xfrm>
+              <a:prstGeom prst="rect">
+                <a:avLst/>
+              </a:prstGeom>
+              <a:ln w="3175">
+                <a:solidFill>
+                  <a:prstClr val="ltGray"/>
+                </a:solidFill>
+              </a:ln>
+            </p:spPr>
+          </p:pic>
+        </mc:Fallback>
+      </mc:AlternateContent>
+      <mc:AlternateContent xmlns:mc="http://schemas.openxmlformats.org/markup-compatibility/2006">
+        <mc:Choice xmlns:pslz="http://schemas.microsoft.com/office/powerpoint/2016/slidezoom" Requires="pslz">
+          <p:graphicFrame>
+            <p:nvGraphicFramePr>
+              <p:cNvPr id="8" name="Slide Zoom 7">
+                <a:extLst>
+                  <a:ext uri="{FF2B5EF4-FFF2-40B4-BE49-F238E27FC236}">
+                    <a16:creationId xmlns:a16="http://schemas.microsoft.com/office/drawing/2014/main" id="{710EED48-BC66-431C-BF12-A8926F7D6582}"/>
+                  </a:ext>
+                </a:extLst>
+              </p:cNvPr>
+              <p:cNvGraphicFramePr>
+                <a:graphicFrameLocks noChangeAspect="1"/>
+              </p:cNvGraphicFramePr>
+              <p:nvPr>
+                <p:extLst>
+                  <p:ext uri="{D42A27DB-BD31-4B8C-83A1-F6EECF244321}">
+                    <p14:modId xmlns:p14="http://schemas.microsoft.com/office/powerpoint/2010/main" val="1272270282"/>
+                  </p:ext>
+                </p:extLst>
+              </p:nvPr>
+            </p:nvGraphicFramePr>
+            <p:xfrm>
+              <a:off x="8811195" y="3324935"/>
+              <a:ext cx="3251200" cy="1828800"/>
+            </p:xfrm>
+            <a:graphic>
+              <a:graphicData uri="http://schemas.microsoft.com/office/powerpoint/2016/slidezoom">
+                <pslz:sldZm>
+                  <pslz:sldZmObj sldId="307" cId="3864501305">
+                    <pslz:zmPr id="{0E421F28-D767-4E9E-B2DF-971C91EC4C5E}" returnToParent="0" transitionDur="1000">
+                      <p166:blipFill xmlns:p166="http://schemas.microsoft.com/office/powerpoint/2016/6/main">
+                        <a:blip r:embed="rId4"/>
+                        <a:stretch>
+                          <a:fillRect/>
+                        </a:stretch>
+                      </p166:blipFill>
+                      <p166:spPr xmlns:p166="http://schemas.microsoft.com/office/powerpoint/2016/6/main">
+                        <a:xfrm>
+                          <a:off x="0" y="0"/>
+                          <a:ext cx="3251200" cy="1828800"/>
+                        </a:xfrm>
+                        <a:prstGeom prst="rect">
+                          <a:avLst/>
+                        </a:prstGeom>
+                        <a:ln w="3175">
+                          <a:solidFill>
+                            <a:prstClr val="ltGray"/>
+                          </a:solidFill>
+                        </a:ln>
+                      </p166:spPr>
+                    </pslz:zmPr>
+                  </pslz:sldZmObj>
+                </pslz:sldZm>
+              </a:graphicData>
+            </a:graphic>
+          </p:graphicFrame>
+        </mc:Choice>
+        <mc:Fallback>
+          <p:pic>
+            <p:nvPicPr>
+              <p:cNvPr id="8" name="Slide Zoom 7">
+                <a:extLst>
+                  <a:ext uri="{FF2B5EF4-FFF2-40B4-BE49-F238E27FC236}">
+                    <a16:creationId xmlns:a16="http://schemas.microsoft.com/office/drawing/2014/main" id="{710EED48-BC66-431C-BF12-A8926F7D6582}"/>
+                  </a:ext>
+                </a:extLst>
+              </p:cNvPr>
+              <p:cNvPicPr>
+                <a:picLocks noGrp="1" noRot="1" noChangeAspect="1" noMove="1" noResize="1" noEditPoints="1" noAdjustHandles="1" noChangeArrowheads="1" noChangeShapeType="1"/>
+              </p:cNvPicPr>
+              <p:nvPr/>
+            </p:nvPicPr>
+            <p:blipFill>
+              <a:blip r:embed="rId4"/>
+              <a:stretch>
+                <a:fillRect/>
+              </a:stretch>
+            </p:blipFill>
+            <p:spPr>
+              <a:xfrm>
+                <a:off x="8811195" y="3324935"/>
+                <a:ext cx="3251200" cy="1828800"/>
+              </a:xfrm>
+              <a:prstGeom prst="rect">
+                <a:avLst/>
+              </a:prstGeom>
+              <a:ln w="3175">
+                <a:solidFill>
+                  <a:prstClr val="ltGray"/>
+                </a:solidFill>
+              </a:ln>
+            </p:spPr>
+          </p:pic>
+        </mc:Fallback>
+      </mc:AlternateContent>
+      <mc:AlternateContent xmlns:mc="http://schemas.openxmlformats.org/markup-compatibility/2006">
+        <mc:Choice xmlns:pslz="http://schemas.microsoft.com/office/powerpoint/2016/slidezoom" Requires="pslz">
+          <p:graphicFrame>
+            <p:nvGraphicFramePr>
+              <p:cNvPr id="9" name="Slide Zoom 8">
+                <a:extLst>
+                  <a:ext uri="{FF2B5EF4-FFF2-40B4-BE49-F238E27FC236}">
+                    <a16:creationId xmlns:a16="http://schemas.microsoft.com/office/drawing/2014/main" id="{736FFCF2-3C5C-4A20-ADF6-42B9617526E5}"/>
+                  </a:ext>
+                </a:extLst>
+              </p:cNvPr>
+              <p:cNvGraphicFramePr>
+                <a:graphicFrameLocks noChangeAspect="1"/>
+              </p:cNvGraphicFramePr>
+              <p:nvPr>
+                <p:extLst>
+                  <p:ext uri="{D42A27DB-BD31-4B8C-83A1-F6EECF244321}">
+                    <p14:modId xmlns:p14="http://schemas.microsoft.com/office/powerpoint/2010/main" val="1263158715"/>
+                  </p:ext>
+                </p:extLst>
+              </p:nvPr>
+            </p:nvGraphicFramePr>
+            <p:xfrm>
+              <a:off x="7655930" y="4948379"/>
+              <a:ext cx="3251200" cy="1828800"/>
+            </p:xfrm>
+            <a:graphic>
+              <a:graphicData uri="http://schemas.microsoft.com/office/powerpoint/2016/slidezoom">
+                <pslz:sldZm>
+                  <pslz:sldZmObj sldId="308" cId="3758680294">
+                    <pslz:zmPr id="{A6E8FC35-551B-4C64-8503-943B6C5B01AC}" returnToParent="0" transitionDur="1000">
+                      <p166:blipFill xmlns:p166="http://schemas.microsoft.com/office/powerpoint/2016/6/main">
+                        <a:blip r:embed="rId5"/>
+                        <a:stretch>
+                          <a:fillRect/>
+                        </a:stretch>
+                      </p166:blipFill>
+                      <p166:spPr xmlns:p166="http://schemas.microsoft.com/office/powerpoint/2016/6/main">
+                        <a:xfrm>
+                          <a:off x="0" y="0"/>
+                          <a:ext cx="3251200" cy="1828800"/>
+                        </a:xfrm>
+                        <a:prstGeom prst="rect">
+                          <a:avLst/>
+                        </a:prstGeom>
+                        <a:ln w="3175">
+                          <a:solidFill>
+                            <a:prstClr val="ltGray"/>
+                          </a:solidFill>
+                        </a:ln>
+                      </p166:spPr>
+                    </pslz:zmPr>
+                  </pslz:sldZmObj>
+                </pslz:sldZm>
+              </a:graphicData>
+            </a:graphic>
+          </p:graphicFrame>
+        </mc:Choice>
+        <mc:Fallback>
+          <p:pic>
+            <p:nvPicPr>
+              <p:cNvPr id="9" name="Slide Zoom 8">
+                <a:extLst>
+                  <a:ext uri="{FF2B5EF4-FFF2-40B4-BE49-F238E27FC236}">
+                    <a16:creationId xmlns:a16="http://schemas.microsoft.com/office/drawing/2014/main" id="{736FFCF2-3C5C-4A20-ADF6-42B9617526E5}"/>
+                  </a:ext>
+                </a:extLst>
+              </p:cNvPr>
+              <p:cNvPicPr>
+                <a:picLocks noGrp="1" noRot="1" noChangeAspect="1" noMove="1" noResize="1" noEditPoints="1" noAdjustHandles="1" noChangeArrowheads="1" noChangeShapeType="1"/>
+              </p:cNvPicPr>
+              <p:nvPr/>
+            </p:nvPicPr>
+            <p:blipFill>
+              <a:blip r:embed="rId5"/>
+              <a:stretch>
+                <a:fillRect/>
+              </a:stretch>
+            </p:blipFill>
+            <p:spPr>
+              <a:xfrm>
+                <a:off x="7655930" y="4948379"/>
+                <a:ext cx="3251200" cy="1828800"/>
+              </a:xfrm>
+              <a:prstGeom prst="rect">
+                <a:avLst/>
+              </a:prstGeom>
+              <a:ln w="3175">
+                <a:solidFill>
+                  <a:prstClr val="ltGray"/>
+                </a:solidFill>
+              </a:ln>
+            </p:spPr>
+          </p:pic>
+        </mc:Fallback>
+      </mc:AlternateContent>
     </p:spTree>
     <p:extLst>
       <p:ext uri="{BB962C8B-B14F-4D97-AF65-F5344CB8AC3E}">
